--- a/01-api-design/präsentation.pptx
+++ b/01-api-design/präsentation.pptx
@@ -5,15 +5,15 @@
     <p:sldMasterId id="2147483648" r:id="rId1"/>
   </p:sldMasterIdLst>
   <p:notesMasterIdLst>
-    <p:notesMasterId r:id="rId18"/>
+    <p:notesMasterId r:id="rId23"/>
   </p:notesMasterIdLst>
   <p:sldIdLst>
     <p:sldId id="256" r:id="rId2"/>
     <p:sldId id="257" r:id="rId3"/>
     <p:sldId id="260" r:id="rId4"/>
     <p:sldId id="262" r:id="rId5"/>
-    <p:sldId id="261" r:id="rId6"/>
-    <p:sldId id="259" r:id="rId7"/>
+    <p:sldId id="259" r:id="rId6"/>
+    <p:sldId id="261" r:id="rId7"/>
     <p:sldId id="263" r:id="rId8"/>
     <p:sldId id="258" r:id="rId9"/>
     <p:sldId id="268" r:id="rId10"/>
@@ -23,7 +23,12 @@
     <p:sldId id="264" r:id="rId14"/>
     <p:sldId id="275" r:id="rId15"/>
     <p:sldId id="277" r:id="rId16"/>
-    <p:sldId id="276" r:id="rId17"/>
+    <p:sldId id="282" r:id="rId17"/>
+    <p:sldId id="276" r:id="rId18"/>
+    <p:sldId id="280" r:id="rId19"/>
+    <p:sldId id="281" r:id="rId20"/>
+    <p:sldId id="283" r:id="rId21"/>
+    <p:sldId id="284" r:id="rId22"/>
   </p:sldIdLst>
   <p:sldSz cx="12192000" cy="6858000"/>
   <p:notesSz cx="6858000" cy="9144000"/>
@@ -122,6 +127,11 @@
       </a:defRPr>
     </a:lvl9pPr>
   </p:defaultTextStyle>
+  <p:extLst>
+    <p:ext uri="{EFAFB233-063F-42B5-8137-9DF3F51BA10A}">
+      <p15:sldGuideLst xmlns:p15="http://schemas.microsoft.com/office/powerpoint/2012/main"/>
+    </p:ext>
+  </p:extLst>
 </p:presentation>
 </file>
 
@@ -207,7 +217,7 @@
           <a:p>
             <a:fld id="{D8BF9453-AA48-4F58-9C32-B712D6A414C8}" type="datetimeFigureOut">
               <a:rPr lang="de-DE" smtClean="0"/>
-              <a:t>07.09.2019</a:t>
+              <a:t>10.09.19</a:t>
             </a:fld>
             <a:endParaRPr lang="de-DE"/>
           </a:p>
@@ -524,23 +534,7 @@
             </a:pPr>
             <a:r>
               <a:rPr lang="de-DE" dirty="0"/>
-              <a:t>HTTP Verben stärken Standardisierung (</a:t>
-            </a:r>
-            <a:r>
-              <a:rPr lang="de-DE" dirty="0" err="1"/>
-              <a:t>removeOffice</a:t>
-            </a:r>
-            <a:r>
-              <a:rPr lang="de-DE" dirty="0"/>
-              <a:t> / </a:t>
-            </a:r>
-            <a:r>
-              <a:rPr lang="de-DE" dirty="0" err="1"/>
-              <a:t>deleteOffice</a:t>
-            </a:r>
-            <a:r>
-              <a:rPr lang="de-DE" dirty="0"/>
-              <a:t>)</a:t>
+              <a:t>mit Metapher anfangen, um das Ganze zu verbildlichen</a:t>
             </a:r>
           </a:p>
           <a:p>
@@ -550,15 +544,7 @@
             </a:pPr>
             <a:r>
               <a:rPr lang="de-DE" dirty="0"/>
-              <a:t>viele Frontends sind in </a:t>
-            </a:r>
-            <a:r>
-              <a:rPr lang="de-DE" dirty="0" err="1"/>
-              <a:t>Javascript</a:t>
-            </a:r>
-            <a:r>
-              <a:rPr lang="de-DE" dirty="0"/>
-              <a:t> geschrieben, deswegen ist JSON praktisch, aber keine Pflicht</a:t>
+              <a:t>man stellt sich vor, man müsste direkt beim Koch sein Essen bestellen</a:t>
             </a:r>
           </a:p>
         </p:txBody>
@@ -580,7 +566,7 @@
           <a:p>
             <a:fld id="{2299A76C-20FA-4DC7-9C55-FD79EB38178B}" type="slidenum">
               <a:rPr lang="de-DE" smtClean="0"/>
-              <a:t>14</a:t>
+              <a:t>2</a:t>
             </a:fld>
             <a:endParaRPr lang="de-DE"/>
           </a:p>
@@ -589,7 +575,720 @@
     </p:spTree>
     <p:extLst>
       <p:ext uri="{BB962C8B-B14F-4D97-AF65-F5344CB8AC3E}">
-        <p14:creationId xmlns:p14="http://schemas.microsoft.com/office/powerpoint/2010/main" val="1804874324"/>
+        <p14:creationId xmlns:p14="http://schemas.microsoft.com/office/powerpoint/2010/main" val="3262849617"/>
+      </p:ext>
+    </p:extLst>
+  </p:cSld>
+  <p:clrMapOvr>
+    <a:masterClrMapping/>
+  </p:clrMapOvr>
+</p:notes>
+</file>
+
+<file path=ppt/notesSlides/notesSlide10.xml><?xml version="1.0" encoding="utf-8"?>
+<p:notes xmlns:a="http://schemas.openxmlformats.org/drawingml/2006/main" xmlns:r="http://schemas.openxmlformats.org/officeDocument/2006/relationships" xmlns:p="http://schemas.openxmlformats.org/presentationml/2006/main">
+  <p:cSld>
+    <p:spTree>
+      <p:nvGrpSpPr>
+        <p:cNvPr id="1" name=""/>
+        <p:cNvGrpSpPr/>
+        <p:nvPr/>
+      </p:nvGrpSpPr>
+      <p:grpSpPr>
+        <a:xfrm>
+          <a:off x="0" y="0"/>
+          <a:ext cx="0" cy="0"/>
+          <a:chOff x="0" y="0"/>
+          <a:chExt cx="0" cy="0"/>
+        </a:xfrm>
+      </p:grpSpPr>
+      <p:sp>
+        <p:nvSpPr>
+          <p:cNvPr id="2" name="Folienbildplatzhalter 1"/>
+          <p:cNvSpPr>
+            <a:spLocks noGrp="1" noRot="1" noChangeAspect="1"/>
+          </p:cNvSpPr>
+          <p:nvPr>
+            <p:ph type="sldImg"/>
+          </p:nvPr>
+        </p:nvSpPr>
+        <p:spPr/>
+      </p:sp>
+      <p:sp>
+        <p:nvSpPr>
+          <p:cNvPr id="3" name="Notizenplatzhalter 2"/>
+          <p:cNvSpPr>
+            <a:spLocks noGrp="1"/>
+          </p:cNvSpPr>
+          <p:nvPr>
+            <p:ph type="body" idx="1"/>
+          </p:nvPr>
+        </p:nvSpPr>
+        <p:spPr/>
+        <p:txBody>
+          <a:bodyPr/>
+          <a:lstStyle/>
+          <a:p>
+            <a:pPr marL="171450" indent="-171450">
+              <a:buFontTx/>
+              <a:buChar char="-"/>
+            </a:pPr>
+            <a:r>
+              <a:rPr lang="de-DE" dirty="0"/>
+              <a:t>REST ist eng mit HTTP verbunden und macht sich deren Verben zu Nutze</a:t>
+            </a:r>
+          </a:p>
+          <a:p>
+            <a:pPr marL="171450" indent="-171450">
+              <a:buFontTx/>
+              <a:buChar char="-"/>
+            </a:pPr>
+            <a:r>
+              <a:rPr lang="de-DE" dirty="0"/>
+              <a:t>HTTP Verben stärken Standardisierung (</a:t>
+            </a:r>
+            <a:r>
+              <a:rPr lang="de-DE" dirty="0" err="1"/>
+              <a:t>removeOffice</a:t>
+            </a:r>
+            <a:r>
+              <a:rPr lang="de-DE" dirty="0"/>
+              <a:t> / </a:t>
+            </a:r>
+            <a:r>
+              <a:rPr lang="de-DE" dirty="0" err="1"/>
+              <a:t>deleteOffice</a:t>
+            </a:r>
+            <a:r>
+              <a:rPr lang="de-DE" dirty="0"/>
+              <a:t>)</a:t>
+            </a:r>
+          </a:p>
+        </p:txBody>
+      </p:sp>
+      <p:sp>
+        <p:nvSpPr>
+          <p:cNvPr id="4" name="Foliennummernplatzhalter 3"/>
+          <p:cNvSpPr>
+            <a:spLocks noGrp="1"/>
+          </p:cNvSpPr>
+          <p:nvPr>
+            <p:ph type="sldNum" sz="quarter" idx="5"/>
+          </p:nvPr>
+        </p:nvSpPr>
+        <p:spPr/>
+        <p:txBody>
+          <a:bodyPr/>
+          <a:lstStyle/>
+          <a:p>
+            <a:fld id="{2299A76C-20FA-4DC7-9C55-FD79EB38178B}" type="slidenum">
+              <a:rPr lang="de-DE" smtClean="0"/>
+              <a:t>15</a:t>
+            </a:fld>
+            <a:endParaRPr lang="de-DE"/>
+          </a:p>
+        </p:txBody>
+      </p:sp>
+    </p:spTree>
+    <p:extLst>
+      <p:ext uri="{BB962C8B-B14F-4D97-AF65-F5344CB8AC3E}">
+        <p14:creationId xmlns:p14="http://schemas.microsoft.com/office/powerpoint/2010/main" val="1616229477"/>
+      </p:ext>
+    </p:extLst>
+  </p:cSld>
+  <p:clrMapOvr>
+    <a:masterClrMapping/>
+  </p:clrMapOvr>
+</p:notes>
+</file>
+
+<file path=ppt/notesSlides/notesSlide11.xml><?xml version="1.0" encoding="utf-8"?>
+<p:notes xmlns:a="http://schemas.openxmlformats.org/drawingml/2006/main" xmlns:r="http://schemas.openxmlformats.org/officeDocument/2006/relationships" xmlns:p="http://schemas.openxmlformats.org/presentationml/2006/main">
+  <p:cSld>
+    <p:spTree>
+      <p:nvGrpSpPr>
+        <p:cNvPr id="1" name=""/>
+        <p:cNvGrpSpPr/>
+        <p:nvPr/>
+      </p:nvGrpSpPr>
+      <p:grpSpPr>
+        <a:xfrm>
+          <a:off x="0" y="0"/>
+          <a:ext cx="0" cy="0"/>
+          <a:chOff x="0" y="0"/>
+          <a:chExt cx="0" cy="0"/>
+        </a:xfrm>
+      </p:grpSpPr>
+      <p:sp>
+        <p:nvSpPr>
+          <p:cNvPr id="2" name="Folienbildplatzhalter 1"/>
+          <p:cNvSpPr>
+            <a:spLocks noGrp="1" noRot="1" noChangeAspect="1"/>
+          </p:cNvSpPr>
+          <p:nvPr>
+            <p:ph type="sldImg"/>
+          </p:nvPr>
+        </p:nvSpPr>
+        <p:spPr/>
+      </p:sp>
+      <p:sp>
+        <p:nvSpPr>
+          <p:cNvPr id="3" name="Notizenplatzhalter 2"/>
+          <p:cNvSpPr>
+            <a:spLocks noGrp="1"/>
+          </p:cNvSpPr>
+          <p:nvPr>
+            <p:ph type="body" idx="1"/>
+          </p:nvPr>
+        </p:nvSpPr>
+        <p:spPr/>
+        <p:txBody>
+          <a:bodyPr/>
+          <a:lstStyle/>
+          <a:p>
+            <a:pPr marL="171450" indent="-171450">
+              <a:buFontTx/>
+              <a:buChar char="-"/>
+            </a:pPr>
+            <a:r>
+              <a:rPr lang="de-DE" dirty="0"/>
+              <a:t>REST ist eng mit HTTP verbunden und macht sich deren Verben zu Nutze</a:t>
+            </a:r>
+          </a:p>
+          <a:p>
+            <a:pPr marL="171450" indent="-171450">
+              <a:buFontTx/>
+              <a:buChar char="-"/>
+            </a:pPr>
+            <a:r>
+              <a:rPr lang="de-DE" dirty="0"/>
+              <a:t>HTTP Verben stärken Standardisierung (</a:t>
+            </a:r>
+            <a:r>
+              <a:rPr lang="de-DE" dirty="0" err="1"/>
+              <a:t>removeOffice</a:t>
+            </a:r>
+            <a:r>
+              <a:rPr lang="de-DE" dirty="0"/>
+              <a:t> / </a:t>
+            </a:r>
+            <a:r>
+              <a:rPr lang="de-DE" dirty="0" err="1"/>
+              <a:t>deleteOffice</a:t>
+            </a:r>
+            <a:r>
+              <a:rPr lang="de-DE" dirty="0"/>
+              <a:t>)</a:t>
+            </a:r>
+          </a:p>
+        </p:txBody>
+      </p:sp>
+      <p:sp>
+        <p:nvSpPr>
+          <p:cNvPr id="4" name="Foliennummernplatzhalter 3"/>
+          <p:cNvSpPr>
+            <a:spLocks noGrp="1"/>
+          </p:cNvSpPr>
+          <p:nvPr>
+            <p:ph type="sldNum" sz="quarter" idx="5"/>
+          </p:nvPr>
+        </p:nvSpPr>
+        <p:spPr/>
+        <p:txBody>
+          <a:bodyPr/>
+          <a:lstStyle/>
+          <a:p>
+            <a:fld id="{2299A76C-20FA-4DC7-9C55-FD79EB38178B}" type="slidenum">
+              <a:rPr lang="de-DE" smtClean="0"/>
+              <a:t>16</a:t>
+            </a:fld>
+            <a:endParaRPr lang="de-DE"/>
+          </a:p>
+        </p:txBody>
+      </p:sp>
+    </p:spTree>
+    <p:extLst>
+      <p:ext uri="{BB962C8B-B14F-4D97-AF65-F5344CB8AC3E}">
+        <p14:creationId xmlns:p14="http://schemas.microsoft.com/office/powerpoint/2010/main" val="4196697772"/>
+      </p:ext>
+    </p:extLst>
+  </p:cSld>
+  <p:clrMapOvr>
+    <a:masterClrMapping/>
+  </p:clrMapOvr>
+</p:notes>
+</file>
+
+<file path=ppt/notesSlides/notesSlide12.xml><?xml version="1.0" encoding="utf-8"?>
+<p:notes xmlns:a="http://schemas.openxmlformats.org/drawingml/2006/main" xmlns:r="http://schemas.openxmlformats.org/officeDocument/2006/relationships" xmlns:p="http://schemas.openxmlformats.org/presentationml/2006/main">
+  <p:cSld>
+    <p:spTree>
+      <p:nvGrpSpPr>
+        <p:cNvPr id="1" name=""/>
+        <p:cNvGrpSpPr/>
+        <p:nvPr/>
+      </p:nvGrpSpPr>
+      <p:grpSpPr>
+        <a:xfrm>
+          <a:off x="0" y="0"/>
+          <a:ext cx="0" cy="0"/>
+          <a:chOff x="0" y="0"/>
+          <a:chExt cx="0" cy="0"/>
+        </a:xfrm>
+      </p:grpSpPr>
+      <p:sp>
+        <p:nvSpPr>
+          <p:cNvPr id="2" name="Folienbildplatzhalter 1"/>
+          <p:cNvSpPr>
+            <a:spLocks noGrp="1" noRot="1" noChangeAspect="1"/>
+          </p:cNvSpPr>
+          <p:nvPr>
+            <p:ph type="sldImg"/>
+          </p:nvPr>
+        </p:nvSpPr>
+        <p:spPr/>
+      </p:sp>
+      <p:sp>
+        <p:nvSpPr>
+          <p:cNvPr id="3" name="Notizenplatzhalter 2"/>
+          <p:cNvSpPr>
+            <a:spLocks noGrp="1"/>
+          </p:cNvSpPr>
+          <p:nvPr>
+            <p:ph type="body" idx="1"/>
+          </p:nvPr>
+        </p:nvSpPr>
+        <p:spPr/>
+        <p:txBody>
+          <a:bodyPr/>
+          <a:lstStyle/>
+          <a:p>
+            <a:pPr marL="171450" indent="-171450">
+              <a:buFontTx/>
+              <a:buChar char="-"/>
+            </a:pPr>
+            <a:r>
+              <a:rPr lang="de-DE" dirty="0"/>
+              <a:t>Ressource wird immer im Plural beschrieben</a:t>
+            </a:r>
+          </a:p>
+          <a:p>
+            <a:pPr marL="171450" indent="-171450">
+              <a:buFontTx/>
+              <a:buChar char="-"/>
+            </a:pPr>
+            <a:r>
+              <a:rPr lang="de-DE" dirty="0"/>
+              <a:t>hat im Standard nur die aufgelisteten Endpunkte</a:t>
+            </a:r>
+          </a:p>
+          <a:p>
+            <a:pPr marL="171450" indent="-171450">
+              <a:buFontTx/>
+              <a:buChar char="-"/>
+            </a:pPr>
+            <a:r>
+              <a:rPr lang="de-DE" dirty="0"/>
+              <a:t>Endpunkte = URI (Unique </a:t>
+            </a:r>
+            <a:r>
+              <a:rPr lang="de-DE" dirty="0" err="1"/>
+              <a:t>Resource</a:t>
+            </a:r>
+            <a:r>
+              <a:rPr lang="de-DE" dirty="0"/>
+              <a:t> Identifier)</a:t>
+            </a:r>
+          </a:p>
+          <a:p>
+            <a:pPr marL="171450" indent="-171450">
+              <a:buFontTx/>
+              <a:buChar char="-"/>
+            </a:pPr>
+            <a:r>
+              <a:rPr lang="de-DE" dirty="0"/>
+              <a:t>es darf keine koexistierenden Endpunkte geben</a:t>
+            </a:r>
+          </a:p>
+        </p:txBody>
+      </p:sp>
+      <p:sp>
+        <p:nvSpPr>
+          <p:cNvPr id="4" name="Foliennummernplatzhalter 3"/>
+          <p:cNvSpPr>
+            <a:spLocks noGrp="1"/>
+          </p:cNvSpPr>
+          <p:nvPr>
+            <p:ph type="sldNum" sz="quarter" idx="5"/>
+          </p:nvPr>
+        </p:nvSpPr>
+        <p:spPr/>
+        <p:txBody>
+          <a:bodyPr/>
+          <a:lstStyle/>
+          <a:p>
+            <a:fld id="{2299A76C-20FA-4DC7-9C55-FD79EB38178B}" type="slidenum">
+              <a:rPr lang="de-DE" smtClean="0"/>
+              <a:t>17</a:t>
+            </a:fld>
+            <a:endParaRPr lang="de-DE"/>
+          </a:p>
+        </p:txBody>
+      </p:sp>
+    </p:spTree>
+    <p:extLst>
+      <p:ext uri="{BB962C8B-B14F-4D97-AF65-F5344CB8AC3E}">
+        <p14:creationId xmlns:p14="http://schemas.microsoft.com/office/powerpoint/2010/main" val="2970156378"/>
+      </p:ext>
+    </p:extLst>
+  </p:cSld>
+  <p:clrMapOvr>
+    <a:masterClrMapping/>
+  </p:clrMapOvr>
+</p:notes>
+</file>
+
+<file path=ppt/notesSlides/notesSlide13.xml><?xml version="1.0" encoding="utf-8"?>
+<p:notes xmlns:a="http://schemas.openxmlformats.org/drawingml/2006/main" xmlns:r="http://schemas.openxmlformats.org/officeDocument/2006/relationships" xmlns:p="http://schemas.openxmlformats.org/presentationml/2006/main">
+  <p:cSld>
+    <p:spTree>
+      <p:nvGrpSpPr>
+        <p:cNvPr id="1" name=""/>
+        <p:cNvGrpSpPr/>
+        <p:nvPr/>
+      </p:nvGrpSpPr>
+      <p:grpSpPr>
+        <a:xfrm>
+          <a:off x="0" y="0"/>
+          <a:ext cx="0" cy="0"/>
+          <a:chOff x="0" y="0"/>
+          <a:chExt cx="0" cy="0"/>
+        </a:xfrm>
+      </p:grpSpPr>
+      <p:sp>
+        <p:nvSpPr>
+          <p:cNvPr id="2" name="Folienbildplatzhalter 1"/>
+          <p:cNvSpPr>
+            <a:spLocks noGrp="1" noRot="1" noChangeAspect="1"/>
+          </p:cNvSpPr>
+          <p:nvPr>
+            <p:ph type="sldImg"/>
+          </p:nvPr>
+        </p:nvSpPr>
+        <p:spPr/>
+      </p:sp>
+      <p:sp>
+        <p:nvSpPr>
+          <p:cNvPr id="3" name="Notizenplatzhalter 2"/>
+          <p:cNvSpPr>
+            <a:spLocks noGrp="1"/>
+          </p:cNvSpPr>
+          <p:nvPr>
+            <p:ph type="body" idx="1"/>
+          </p:nvPr>
+        </p:nvSpPr>
+        <p:spPr/>
+        <p:txBody>
+          <a:bodyPr/>
+          <a:lstStyle/>
+          <a:p>
+            <a:pPr marL="171450" indent="-171450">
+              <a:buFontTx/>
+              <a:buChar char="-"/>
+            </a:pPr>
+            <a:r>
+              <a:rPr lang="de-DE" dirty="0"/>
+              <a:t>das HTTP Protokoll ist auch in den Antworten integriert und macht es dem Kunden sehr leicht zu erfahren, ob seine Anfrage erfolgreich war</a:t>
+            </a:r>
+          </a:p>
+          <a:p>
+            <a:pPr marL="171450" indent="-171450">
+              <a:buFontTx/>
+              <a:buChar char="-"/>
+            </a:pPr>
+            <a:endParaRPr lang="de-DE" dirty="0"/>
+          </a:p>
+        </p:txBody>
+      </p:sp>
+      <p:sp>
+        <p:nvSpPr>
+          <p:cNvPr id="4" name="Foliennummernplatzhalter 3"/>
+          <p:cNvSpPr>
+            <a:spLocks noGrp="1"/>
+          </p:cNvSpPr>
+          <p:nvPr>
+            <p:ph type="sldNum" sz="quarter" idx="5"/>
+          </p:nvPr>
+        </p:nvSpPr>
+        <p:spPr/>
+        <p:txBody>
+          <a:bodyPr/>
+          <a:lstStyle/>
+          <a:p>
+            <a:fld id="{2299A76C-20FA-4DC7-9C55-FD79EB38178B}" type="slidenum">
+              <a:rPr lang="de-DE" smtClean="0"/>
+              <a:t>18</a:t>
+            </a:fld>
+            <a:endParaRPr lang="de-DE"/>
+          </a:p>
+        </p:txBody>
+      </p:sp>
+    </p:spTree>
+    <p:extLst>
+      <p:ext uri="{BB962C8B-B14F-4D97-AF65-F5344CB8AC3E}">
+        <p14:creationId xmlns:p14="http://schemas.microsoft.com/office/powerpoint/2010/main" val="4292652932"/>
+      </p:ext>
+    </p:extLst>
+  </p:cSld>
+  <p:clrMapOvr>
+    <a:masterClrMapping/>
+  </p:clrMapOvr>
+</p:notes>
+</file>
+
+<file path=ppt/notesSlides/notesSlide14.xml><?xml version="1.0" encoding="utf-8"?>
+<p:notes xmlns:a="http://schemas.openxmlformats.org/drawingml/2006/main" xmlns:r="http://schemas.openxmlformats.org/officeDocument/2006/relationships" xmlns:p="http://schemas.openxmlformats.org/presentationml/2006/main">
+  <p:cSld>
+    <p:spTree>
+      <p:nvGrpSpPr>
+        <p:cNvPr id="1" name=""/>
+        <p:cNvGrpSpPr/>
+        <p:nvPr/>
+      </p:nvGrpSpPr>
+      <p:grpSpPr>
+        <a:xfrm>
+          <a:off x="0" y="0"/>
+          <a:ext cx="0" cy="0"/>
+          <a:chOff x="0" y="0"/>
+          <a:chExt cx="0" cy="0"/>
+        </a:xfrm>
+      </p:grpSpPr>
+      <p:sp>
+        <p:nvSpPr>
+          <p:cNvPr id="2" name="Folienbildplatzhalter 1"/>
+          <p:cNvSpPr>
+            <a:spLocks noGrp="1" noRot="1" noChangeAspect="1"/>
+          </p:cNvSpPr>
+          <p:nvPr>
+            <p:ph type="sldImg"/>
+          </p:nvPr>
+        </p:nvSpPr>
+        <p:spPr/>
+      </p:sp>
+      <p:sp>
+        <p:nvSpPr>
+          <p:cNvPr id="3" name="Notizenplatzhalter 2"/>
+          <p:cNvSpPr>
+            <a:spLocks noGrp="1"/>
+          </p:cNvSpPr>
+          <p:nvPr>
+            <p:ph type="body" idx="1"/>
+          </p:nvPr>
+        </p:nvSpPr>
+        <p:spPr/>
+        <p:txBody>
+          <a:bodyPr/>
+          <a:lstStyle/>
+          <a:p>
+            <a:endParaRPr lang="de-DE" dirty="0"/>
+          </a:p>
+        </p:txBody>
+      </p:sp>
+      <p:sp>
+        <p:nvSpPr>
+          <p:cNvPr id="4" name="Foliennummernplatzhalter 3"/>
+          <p:cNvSpPr>
+            <a:spLocks noGrp="1"/>
+          </p:cNvSpPr>
+          <p:nvPr>
+            <p:ph type="sldNum" sz="quarter" idx="5"/>
+          </p:nvPr>
+        </p:nvSpPr>
+        <p:spPr/>
+        <p:txBody>
+          <a:bodyPr/>
+          <a:lstStyle/>
+          <a:p>
+            <a:fld id="{2299A76C-20FA-4DC7-9C55-FD79EB38178B}" type="slidenum">
+              <a:rPr lang="de-DE" smtClean="0"/>
+              <a:t>19</a:t>
+            </a:fld>
+            <a:endParaRPr lang="de-DE"/>
+          </a:p>
+        </p:txBody>
+      </p:sp>
+    </p:spTree>
+    <p:extLst>
+      <p:ext uri="{BB962C8B-B14F-4D97-AF65-F5344CB8AC3E}">
+        <p14:creationId xmlns:p14="http://schemas.microsoft.com/office/powerpoint/2010/main" val="4012040134"/>
+      </p:ext>
+    </p:extLst>
+  </p:cSld>
+  <p:clrMapOvr>
+    <a:masterClrMapping/>
+  </p:clrMapOvr>
+</p:notes>
+</file>
+
+<file path=ppt/notesSlides/notesSlide15.xml><?xml version="1.0" encoding="utf-8"?>
+<p:notes xmlns:a="http://schemas.openxmlformats.org/drawingml/2006/main" xmlns:r="http://schemas.openxmlformats.org/officeDocument/2006/relationships" xmlns:p="http://schemas.openxmlformats.org/presentationml/2006/main">
+  <p:cSld>
+    <p:spTree>
+      <p:nvGrpSpPr>
+        <p:cNvPr id="1" name=""/>
+        <p:cNvGrpSpPr/>
+        <p:nvPr/>
+      </p:nvGrpSpPr>
+      <p:grpSpPr>
+        <a:xfrm>
+          <a:off x="0" y="0"/>
+          <a:ext cx="0" cy="0"/>
+          <a:chOff x="0" y="0"/>
+          <a:chExt cx="0" cy="0"/>
+        </a:xfrm>
+      </p:grpSpPr>
+      <p:sp>
+        <p:nvSpPr>
+          <p:cNvPr id="2" name="Folienbildplatzhalter 1"/>
+          <p:cNvSpPr>
+            <a:spLocks noGrp="1" noRot="1" noChangeAspect="1"/>
+          </p:cNvSpPr>
+          <p:nvPr>
+            <p:ph type="sldImg"/>
+          </p:nvPr>
+        </p:nvSpPr>
+        <p:spPr/>
+      </p:sp>
+      <p:sp>
+        <p:nvSpPr>
+          <p:cNvPr id="3" name="Notizenplatzhalter 2"/>
+          <p:cNvSpPr>
+            <a:spLocks noGrp="1"/>
+          </p:cNvSpPr>
+          <p:nvPr>
+            <p:ph type="body" idx="1"/>
+          </p:nvPr>
+        </p:nvSpPr>
+        <p:spPr/>
+        <p:txBody>
+          <a:bodyPr/>
+          <a:lstStyle/>
+          <a:p>
+            <a:endParaRPr lang="de-DE" dirty="0"/>
+          </a:p>
+        </p:txBody>
+      </p:sp>
+      <p:sp>
+        <p:nvSpPr>
+          <p:cNvPr id="4" name="Foliennummernplatzhalter 3"/>
+          <p:cNvSpPr>
+            <a:spLocks noGrp="1"/>
+          </p:cNvSpPr>
+          <p:nvPr>
+            <p:ph type="sldNum" sz="quarter" idx="5"/>
+          </p:nvPr>
+        </p:nvSpPr>
+        <p:spPr/>
+        <p:txBody>
+          <a:bodyPr/>
+          <a:lstStyle/>
+          <a:p>
+            <a:fld id="{2299A76C-20FA-4DC7-9C55-FD79EB38178B}" type="slidenum">
+              <a:rPr lang="de-DE" smtClean="0"/>
+              <a:t>20</a:t>
+            </a:fld>
+            <a:endParaRPr lang="de-DE"/>
+          </a:p>
+        </p:txBody>
+      </p:sp>
+    </p:spTree>
+    <p:extLst>
+      <p:ext uri="{BB962C8B-B14F-4D97-AF65-F5344CB8AC3E}">
+        <p14:creationId xmlns:p14="http://schemas.microsoft.com/office/powerpoint/2010/main" val="1381885467"/>
+      </p:ext>
+    </p:extLst>
+  </p:cSld>
+  <p:clrMapOvr>
+    <a:masterClrMapping/>
+  </p:clrMapOvr>
+</p:notes>
+</file>
+
+<file path=ppt/notesSlides/notesSlide16.xml><?xml version="1.0" encoding="utf-8"?>
+<p:notes xmlns:a="http://schemas.openxmlformats.org/drawingml/2006/main" xmlns:r="http://schemas.openxmlformats.org/officeDocument/2006/relationships" xmlns:p="http://schemas.openxmlformats.org/presentationml/2006/main">
+  <p:cSld>
+    <p:spTree>
+      <p:nvGrpSpPr>
+        <p:cNvPr id="1" name=""/>
+        <p:cNvGrpSpPr/>
+        <p:nvPr/>
+      </p:nvGrpSpPr>
+      <p:grpSpPr>
+        <a:xfrm>
+          <a:off x="0" y="0"/>
+          <a:ext cx="0" cy="0"/>
+          <a:chOff x="0" y="0"/>
+          <a:chExt cx="0" cy="0"/>
+        </a:xfrm>
+      </p:grpSpPr>
+      <p:sp>
+        <p:nvSpPr>
+          <p:cNvPr id="2" name="Folienbildplatzhalter 1"/>
+          <p:cNvSpPr>
+            <a:spLocks noGrp="1" noRot="1" noChangeAspect="1"/>
+          </p:cNvSpPr>
+          <p:nvPr>
+            <p:ph type="sldImg"/>
+          </p:nvPr>
+        </p:nvSpPr>
+        <p:spPr/>
+      </p:sp>
+      <p:sp>
+        <p:nvSpPr>
+          <p:cNvPr id="3" name="Notizenplatzhalter 2"/>
+          <p:cNvSpPr>
+            <a:spLocks noGrp="1"/>
+          </p:cNvSpPr>
+          <p:nvPr>
+            <p:ph type="body" idx="1"/>
+          </p:nvPr>
+        </p:nvSpPr>
+        <p:spPr/>
+        <p:txBody>
+          <a:bodyPr/>
+          <a:lstStyle/>
+          <a:p>
+            <a:endParaRPr lang="de-DE" dirty="0"/>
+          </a:p>
+        </p:txBody>
+      </p:sp>
+      <p:sp>
+        <p:nvSpPr>
+          <p:cNvPr id="4" name="Foliennummernplatzhalter 3"/>
+          <p:cNvSpPr>
+            <a:spLocks noGrp="1"/>
+          </p:cNvSpPr>
+          <p:nvPr>
+            <p:ph type="sldNum" sz="quarter" idx="5"/>
+          </p:nvPr>
+        </p:nvSpPr>
+        <p:spPr/>
+        <p:txBody>
+          <a:bodyPr/>
+          <a:lstStyle/>
+          <a:p>
+            <a:fld id="{2299A76C-20FA-4DC7-9C55-FD79EB38178B}" type="slidenum">
+              <a:rPr lang="de-DE" smtClean="0"/>
+              <a:t>21</a:t>
+            </a:fld>
+            <a:endParaRPr lang="de-DE"/>
+          </a:p>
+        </p:txBody>
+      </p:sp>
+    </p:spTree>
+    <p:extLst>
+      <p:ext uri="{BB962C8B-B14F-4D97-AF65-F5344CB8AC3E}">
+        <p14:creationId xmlns:p14="http://schemas.microsoft.com/office/powerpoint/2010/main" val="153436719"/>
       </p:ext>
     </p:extLst>
   </p:cSld>
@@ -649,7 +1348,7 @@
             </a:pPr>
             <a:r>
               <a:rPr lang="de-DE" dirty="0"/>
-              <a:t>Ressource wird immer im Plural beschrieben</a:t>
+              <a:t>deswegen gibt es Kellner, die fungieren als Schnittstelle zwischen Kunden und Küche</a:t>
             </a:r>
           </a:p>
           <a:p>
@@ -659,9 +1358,98 @@
             </a:pPr>
             <a:r>
               <a:rPr lang="de-DE" dirty="0"/>
-              <a:t>hat im Standard nur die aufgelisteten Endpunkte</a:t>
-            </a:r>
-          </a:p>
+              <a:t>man weiß aber gar nicht, was es zu essen gibt, man müsste also probieren „gibt es hier </a:t>
+            </a:r>
+            <a:r>
+              <a:rPr lang="de-DE" dirty="0" err="1"/>
+              <a:t>schnitzel</a:t>
+            </a:r>
+            <a:r>
+              <a:rPr lang="de-DE" dirty="0"/>
+              <a:t>?“ und würde nur „ja“ oder „nein“ kriegen</a:t>
+            </a:r>
+          </a:p>
+        </p:txBody>
+      </p:sp>
+      <p:sp>
+        <p:nvSpPr>
+          <p:cNvPr id="4" name="Foliennummernplatzhalter 3"/>
+          <p:cNvSpPr>
+            <a:spLocks noGrp="1"/>
+          </p:cNvSpPr>
+          <p:nvPr>
+            <p:ph type="sldNum" sz="quarter" idx="5"/>
+          </p:nvPr>
+        </p:nvSpPr>
+        <p:spPr/>
+        <p:txBody>
+          <a:bodyPr/>
+          <a:lstStyle/>
+          <a:p>
+            <a:fld id="{2299A76C-20FA-4DC7-9C55-FD79EB38178B}" type="slidenum">
+              <a:rPr lang="de-DE" smtClean="0"/>
+              <a:t>3</a:t>
+            </a:fld>
+            <a:endParaRPr lang="de-DE"/>
+          </a:p>
+        </p:txBody>
+      </p:sp>
+    </p:spTree>
+    <p:extLst>
+      <p:ext uri="{BB962C8B-B14F-4D97-AF65-F5344CB8AC3E}">
+        <p14:creationId xmlns:p14="http://schemas.microsoft.com/office/powerpoint/2010/main" val="1999517383"/>
+      </p:ext>
+    </p:extLst>
+  </p:cSld>
+  <p:clrMapOvr>
+    <a:masterClrMapping/>
+  </p:clrMapOvr>
+</p:notes>
+</file>
+
+<file path=ppt/notesSlides/notesSlide3.xml><?xml version="1.0" encoding="utf-8"?>
+<p:notes xmlns:a="http://schemas.openxmlformats.org/drawingml/2006/main" xmlns:r="http://schemas.openxmlformats.org/officeDocument/2006/relationships" xmlns:p="http://schemas.openxmlformats.org/presentationml/2006/main">
+  <p:cSld>
+    <p:spTree>
+      <p:nvGrpSpPr>
+        <p:cNvPr id="1" name=""/>
+        <p:cNvGrpSpPr/>
+        <p:nvPr/>
+      </p:nvGrpSpPr>
+      <p:grpSpPr>
+        <a:xfrm>
+          <a:off x="0" y="0"/>
+          <a:ext cx="0" cy="0"/>
+          <a:chOff x="0" y="0"/>
+          <a:chExt cx="0" cy="0"/>
+        </a:xfrm>
+      </p:grpSpPr>
+      <p:sp>
+        <p:nvSpPr>
+          <p:cNvPr id="2" name="Folienbildplatzhalter 1"/>
+          <p:cNvSpPr>
+            <a:spLocks noGrp="1" noRot="1" noChangeAspect="1"/>
+          </p:cNvSpPr>
+          <p:nvPr>
+            <p:ph type="sldImg"/>
+          </p:nvPr>
+        </p:nvSpPr>
+        <p:spPr/>
+      </p:sp>
+      <p:sp>
+        <p:nvSpPr>
+          <p:cNvPr id="3" name="Notizenplatzhalter 2"/>
+          <p:cNvSpPr>
+            <a:spLocks noGrp="1"/>
+          </p:cNvSpPr>
+          <p:nvPr>
+            <p:ph type="body" idx="1"/>
+          </p:nvPr>
+        </p:nvSpPr>
+        <p:spPr/>
+        <p:txBody>
+          <a:bodyPr/>
+          <a:lstStyle/>
           <a:p>
             <a:pPr marL="171450" indent="-171450">
               <a:buFontTx/>
@@ -669,15 +1457,7 @@
             </a:pPr>
             <a:r>
               <a:rPr lang="de-DE" dirty="0"/>
-              <a:t>Endpunkte = URI (Unique </a:t>
-            </a:r>
-            <a:r>
-              <a:rPr lang="de-DE" dirty="0" err="1"/>
-              <a:t>Resource</a:t>
-            </a:r>
-            <a:r>
-              <a:rPr lang="de-DE" dirty="0"/>
-              <a:t> Identifier)</a:t>
+              <a:t>deswegen gibt es Speisekarten, quasi eine Beschreibung von dem, was die Küche im Angebot hat  - also das, was ich beim Kellner bestellen kann</a:t>
             </a:r>
           </a:p>
           <a:p>
@@ -685,10 +1465,7 @@
               <a:buFontTx/>
               <a:buChar char="-"/>
             </a:pPr>
-            <a:r>
-              <a:rPr lang="de-DE" dirty="0"/>
-              <a:t>es darf keine koexistierenden Endpunkte geben</a:t>
-            </a:r>
+            <a:endParaRPr lang="de-DE" dirty="0"/>
           </a:p>
         </p:txBody>
       </p:sp>
@@ -709,7 +1486,7 @@
           <a:p>
             <a:fld id="{2299A76C-20FA-4DC7-9C55-FD79EB38178B}" type="slidenum">
               <a:rPr lang="de-DE" smtClean="0"/>
-              <a:t>16</a:t>
+              <a:t>4</a:t>
             </a:fld>
             <a:endParaRPr lang="de-DE"/>
           </a:p>
@@ -718,7 +1495,611 @@
     </p:spTree>
     <p:extLst>
       <p:ext uri="{BB962C8B-B14F-4D97-AF65-F5344CB8AC3E}">
-        <p14:creationId xmlns:p14="http://schemas.microsoft.com/office/powerpoint/2010/main" val="2970156378"/>
+        <p14:creationId xmlns:p14="http://schemas.microsoft.com/office/powerpoint/2010/main" val="4228964356"/>
+      </p:ext>
+    </p:extLst>
+  </p:cSld>
+  <p:clrMapOvr>
+    <a:masterClrMapping/>
+  </p:clrMapOvr>
+</p:notes>
+</file>
+
+<file path=ppt/notesSlides/notesSlide4.xml><?xml version="1.0" encoding="utf-8"?>
+<p:notes xmlns:a="http://schemas.openxmlformats.org/drawingml/2006/main" xmlns:r="http://schemas.openxmlformats.org/officeDocument/2006/relationships" xmlns:p="http://schemas.openxmlformats.org/presentationml/2006/main">
+  <p:cSld>
+    <p:spTree>
+      <p:nvGrpSpPr>
+        <p:cNvPr id="1" name=""/>
+        <p:cNvGrpSpPr/>
+        <p:nvPr/>
+      </p:nvGrpSpPr>
+      <p:grpSpPr>
+        <a:xfrm>
+          <a:off x="0" y="0"/>
+          <a:ext cx="0" cy="0"/>
+          <a:chOff x="0" y="0"/>
+          <a:chExt cx="0" cy="0"/>
+        </a:xfrm>
+      </p:grpSpPr>
+      <p:sp>
+        <p:nvSpPr>
+          <p:cNvPr id="2" name="Folienbildplatzhalter 1"/>
+          <p:cNvSpPr>
+            <a:spLocks noGrp="1" noRot="1" noChangeAspect="1"/>
+          </p:cNvSpPr>
+          <p:nvPr>
+            <p:ph type="sldImg"/>
+          </p:nvPr>
+        </p:nvSpPr>
+        <p:spPr/>
+      </p:sp>
+      <p:sp>
+        <p:nvSpPr>
+          <p:cNvPr id="3" name="Notizenplatzhalter 2"/>
+          <p:cNvSpPr>
+            <a:spLocks noGrp="1"/>
+          </p:cNvSpPr>
+          <p:nvPr>
+            <p:ph type="body" idx="1"/>
+          </p:nvPr>
+        </p:nvSpPr>
+        <p:spPr/>
+        <p:txBody>
+          <a:bodyPr/>
+          <a:lstStyle/>
+          <a:p>
+            <a:pPr marL="171450" indent="-171450">
+              <a:buFontTx/>
+              <a:buChar char="-"/>
+            </a:pPr>
+            <a:r>
+              <a:rPr lang="de-DE" dirty="0"/>
+              <a:t>der Workflow ist dann der folgende:</a:t>
+            </a:r>
+          </a:p>
+        </p:txBody>
+      </p:sp>
+      <p:sp>
+        <p:nvSpPr>
+          <p:cNvPr id="4" name="Foliennummernplatzhalter 3"/>
+          <p:cNvSpPr>
+            <a:spLocks noGrp="1"/>
+          </p:cNvSpPr>
+          <p:nvPr>
+            <p:ph type="sldNum" sz="quarter" idx="5"/>
+          </p:nvPr>
+        </p:nvSpPr>
+        <p:spPr/>
+        <p:txBody>
+          <a:bodyPr/>
+          <a:lstStyle/>
+          <a:p>
+            <a:fld id="{2299A76C-20FA-4DC7-9C55-FD79EB38178B}" type="slidenum">
+              <a:rPr lang="de-DE" smtClean="0"/>
+              <a:t>5</a:t>
+            </a:fld>
+            <a:endParaRPr lang="de-DE"/>
+          </a:p>
+        </p:txBody>
+      </p:sp>
+    </p:spTree>
+    <p:extLst>
+      <p:ext uri="{BB962C8B-B14F-4D97-AF65-F5344CB8AC3E}">
+        <p14:creationId xmlns:p14="http://schemas.microsoft.com/office/powerpoint/2010/main" val="2557616755"/>
+      </p:ext>
+    </p:extLst>
+  </p:cSld>
+  <p:clrMapOvr>
+    <a:masterClrMapping/>
+  </p:clrMapOvr>
+</p:notes>
+</file>
+
+<file path=ppt/notesSlides/notesSlide5.xml><?xml version="1.0" encoding="utf-8"?>
+<p:notes xmlns:a="http://schemas.openxmlformats.org/drawingml/2006/main" xmlns:r="http://schemas.openxmlformats.org/officeDocument/2006/relationships" xmlns:p="http://schemas.openxmlformats.org/presentationml/2006/main">
+  <p:cSld>
+    <p:spTree>
+      <p:nvGrpSpPr>
+        <p:cNvPr id="1" name=""/>
+        <p:cNvGrpSpPr/>
+        <p:nvPr/>
+      </p:nvGrpSpPr>
+      <p:grpSpPr>
+        <a:xfrm>
+          <a:off x="0" y="0"/>
+          <a:ext cx="0" cy="0"/>
+          <a:chOff x="0" y="0"/>
+          <a:chExt cx="0" cy="0"/>
+        </a:xfrm>
+      </p:grpSpPr>
+      <p:sp>
+        <p:nvSpPr>
+          <p:cNvPr id="2" name="Folienbildplatzhalter 1"/>
+          <p:cNvSpPr>
+            <a:spLocks noGrp="1" noRot="1" noChangeAspect="1"/>
+          </p:cNvSpPr>
+          <p:nvPr>
+            <p:ph type="sldImg"/>
+          </p:nvPr>
+        </p:nvSpPr>
+        <p:spPr/>
+      </p:sp>
+      <p:sp>
+        <p:nvSpPr>
+          <p:cNvPr id="3" name="Notizenplatzhalter 2"/>
+          <p:cNvSpPr>
+            <a:spLocks noGrp="1"/>
+          </p:cNvSpPr>
+          <p:nvPr>
+            <p:ph type="body" idx="1"/>
+          </p:nvPr>
+        </p:nvSpPr>
+        <p:spPr/>
+        <p:txBody>
+          <a:bodyPr/>
+          <a:lstStyle/>
+          <a:p>
+            <a:pPr marL="171450" indent="-171450">
+              <a:buFontTx/>
+              <a:buChar char="-"/>
+            </a:pPr>
+            <a:r>
+              <a:rPr lang="de-DE" dirty="0"/>
+              <a:t>man merkt schnell, der Kunde ist eine Art Frontend oder vielleicht auch einfach eine andere Anwendung</a:t>
+            </a:r>
+          </a:p>
+          <a:p>
+            <a:pPr marL="171450" indent="-171450">
+              <a:buFontTx/>
+              <a:buChar char="-"/>
+            </a:pPr>
+            <a:r>
+              <a:rPr lang="de-DE" dirty="0"/>
+              <a:t>die Küche ist das Backend einer Anwendung</a:t>
+            </a:r>
+          </a:p>
+          <a:p>
+            <a:pPr marL="171450" indent="-171450">
+              <a:buFontTx/>
+              <a:buChar char="-"/>
+            </a:pPr>
+            <a:r>
+              <a:rPr lang="de-DE" dirty="0"/>
+              <a:t>und der Kellner ist die Schnittstelle zwischen den beiden, die API</a:t>
+            </a:r>
+          </a:p>
+          <a:p>
+            <a:pPr marL="171450" indent="-171450">
+              <a:buFontTx/>
+              <a:buChar char="-"/>
+            </a:pPr>
+            <a:r>
+              <a:rPr lang="de-DE" dirty="0"/>
+              <a:t>die Speisekarte ist dann also die Schnittstellenbeschreibung, aber dazu wird Carl später noch mehr sagen</a:t>
+            </a:r>
+          </a:p>
+        </p:txBody>
+      </p:sp>
+      <p:sp>
+        <p:nvSpPr>
+          <p:cNvPr id="4" name="Foliennummernplatzhalter 3"/>
+          <p:cNvSpPr>
+            <a:spLocks noGrp="1"/>
+          </p:cNvSpPr>
+          <p:nvPr>
+            <p:ph type="sldNum" sz="quarter" idx="5"/>
+          </p:nvPr>
+        </p:nvSpPr>
+        <p:spPr/>
+        <p:txBody>
+          <a:bodyPr/>
+          <a:lstStyle/>
+          <a:p>
+            <a:fld id="{2299A76C-20FA-4DC7-9C55-FD79EB38178B}" type="slidenum">
+              <a:rPr lang="de-DE" smtClean="0"/>
+              <a:t>6</a:t>
+            </a:fld>
+            <a:endParaRPr lang="de-DE"/>
+          </a:p>
+        </p:txBody>
+      </p:sp>
+    </p:spTree>
+    <p:extLst>
+      <p:ext uri="{BB962C8B-B14F-4D97-AF65-F5344CB8AC3E}">
+        <p14:creationId xmlns:p14="http://schemas.microsoft.com/office/powerpoint/2010/main" val="269110103"/>
+      </p:ext>
+    </p:extLst>
+  </p:cSld>
+  <p:clrMapOvr>
+    <a:masterClrMapping/>
+  </p:clrMapOvr>
+</p:notes>
+</file>
+
+<file path=ppt/notesSlides/notesSlide6.xml><?xml version="1.0" encoding="utf-8"?>
+<p:notes xmlns:a="http://schemas.openxmlformats.org/drawingml/2006/main" xmlns:r="http://schemas.openxmlformats.org/officeDocument/2006/relationships" xmlns:p="http://schemas.openxmlformats.org/presentationml/2006/main">
+  <p:cSld>
+    <p:spTree>
+      <p:nvGrpSpPr>
+        <p:cNvPr id="1" name=""/>
+        <p:cNvGrpSpPr/>
+        <p:nvPr/>
+      </p:nvGrpSpPr>
+      <p:grpSpPr>
+        <a:xfrm>
+          <a:off x="0" y="0"/>
+          <a:ext cx="0" cy="0"/>
+          <a:chOff x="0" y="0"/>
+          <a:chExt cx="0" cy="0"/>
+        </a:xfrm>
+      </p:grpSpPr>
+      <p:sp>
+        <p:nvSpPr>
+          <p:cNvPr id="2" name="Folienbildplatzhalter 1"/>
+          <p:cNvSpPr>
+            <a:spLocks noGrp="1" noRot="1" noChangeAspect="1"/>
+          </p:cNvSpPr>
+          <p:nvPr>
+            <p:ph type="sldImg"/>
+          </p:nvPr>
+        </p:nvSpPr>
+        <p:spPr/>
+      </p:sp>
+      <p:sp>
+        <p:nvSpPr>
+          <p:cNvPr id="3" name="Notizenplatzhalter 2"/>
+          <p:cNvSpPr>
+            <a:spLocks noGrp="1"/>
+          </p:cNvSpPr>
+          <p:nvPr>
+            <p:ph type="body" idx="1"/>
+          </p:nvPr>
+        </p:nvSpPr>
+        <p:spPr/>
+        <p:txBody>
+          <a:bodyPr/>
+          <a:lstStyle/>
+          <a:p>
+            <a:pPr marL="171450" indent="-171450">
+              <a:buFontTx/>
+              <a:buChar char="-"/>
+            </a:pPr>
+            <a:r>
+              <a:rPr lang="de-DE" dirty="0"/>
+              <a:t>und auch hier ist der Workflow relativ ähnlich, statt Schnitzel mit Bratkartoffeln kommen dann aber Daten zurück</a:t>
+            </a:r>
+          </a:p>
+          <a:p>
+            <a:pPr marL="171450" indent="-171450">
+              <a:buFontTx/>
+              <a:buChar char="-"/>
+            </a:pPr>
+            <a:endParaRPr lang="de-DE" dirty="0"/>
+          </a:p>
+        </p:txBody>
+      </p:sp>
+      <p:sp>
+        <p:nvSpPr>
+          <p:cNvPr id="4" name="Foliennummernplatzhalter 3"/>
+          <p:cNvSpPr>
+            <a:spLocks noGrp="1"/>
+          </p:cNvSpPr>
+          <p:nvPr>
+            <p:ph type="sldNum" sz="quarter" idx="5"/>
+          </p:nvPr>
+        </p:nvSpPr>
+        <p:spPr/>
+        <p:txBody>
+          <a:bodyPr/>
+          <a:lstStyle/>
+          <a:p>
+            <a:fld id="{2299A76C-20FA-4DC7-9C55-FD79EB38178B}" type="slidenum">
+              <a:rPr lang="de-DE" smtClean="0"/>
+              <a:t>7</a:t>
+            </a:fld>
+            <a:endParaRPr lang="de-DE"/>
+          </a:p>
+        </p:txBody>
+      </p:sp>
+    </p:spTree>
+    <p:extLst>
+      <p:ext uri="{BB962C8B-B14F-4D97-AF65-F5344CB8AC3E}">
+        <p14:creationId xmlns:p14="http://schemas.microsoft.com/office/powerpoint/2010/main" val="2674916565"/>
+      </p:ext>
+    </p:extLst>
+  </p:cSld>
+  <p:clrMapOvr>
+    <a:masterClrMapping/>
+  </p:clrMapOvr>
+</p:notes>
+</file>
+
+<file path=ppt/notesSlides/notesSlide7.xml><?xml version="1.0" encoding="utf-8"?>
+<p:notes xmlns:a="http://schemas.openxmlformats.org/drawingml/2006/main" xmlns:r="http://schemas.openxmlformats.org/officeDocument/2006/relationships" xmlns:p="http://schemas.openxmlformats.org/presentationml/2006/main">
+  <p:cSld>
+    <p:spTree>
+      <p:nvGrpSpPr>
+        <p:cNvPr id="1" name=""/>
+        <p:cNvGrpSpPr/>
+        <p:nvPr/>
+      </p:nvGrpSpPr>
+      <p:grpSpPr>
+        <a:xfrm>
+          <a:off x="0" y="0"/>
+          <a:ext cx="0" cy="0"/>
+          <a:chOff x="0" y="0"/>
+          <a:chExt cx="0" cy="0"/>
+        </a:xfrm>
+      </p:grpSpPr>
+      <p:sp>
+        <p:nvSpPr>
+          <p:cNvPr id="2" name="Folienbildplatzhalter 1"/>
+          <p:cNvSpPr>
+            <a:spLocks noGrp="1" noRot="1" noChangeAspect="1"/>
+          </p:cNvSpPr>
+          <p:nvPr>
+            <p:ph type="sldImg"/>
+          </p:nvPr>
+        </p:nvSpPr>
+        <p:spPr/>
+      </p:sp>
+      <p:sp>
+        <p:nvSpPr>
+          <p:cNvPr id="3" name="Notizenplatzhalter 2"/>
+          <p:cNvSpPr>
+            <a:spLocks noGrp="1"/>
+          </p:cNvSpPr>
+          <p:nvPr>
+            <p:ph type="body" idx="1"/>
+          </p:nvPr>
+        </p:nvSpPr>
+        <p:spPr/>
+        <p:txBody>
+          <a:bodyPr/>
+          <a:lstStyle/>
+          <a:p>
+            <a:pPr marL="171450" indent="-171450">
+              <a:buFontTx/>
+              <a:buChar char="-"/>
+            </a:pPr>
+            <a:r>
+              <a:rPr lang="de-DE" dirty="0"/>
+              <a:t>nun ist das Konzept der Schnittstelle bzw. API nix Neues und wird Ihnen als Entwickler ja bestimmt bekannt sein</a:t>
+            </a:r>
+          </a:p>
+          <a:p>
+            <a:pPr marL="171450" indent="-171450">
+              <a:buFontTx/>
+              <a:buChar char="-"/>
+            </a:pPr>
+            <a:r>
+              <a:rPr lang="de-DE" dirty="0"/>
+              <a:t>vielleicht haben Sie mit SOAP und XML gearbeitet</a:t>
+            </a:r>
+          </a:p>
+          <a:p>
+            <a:pPr marL="171450" indent="-171450">
+              <a:buFontTx/>
+              <a:buChar char="-"/>
+            </a:pPr>
+            <a:r>
+              <a:rPr lang="de-DE" dirty="0"/>
+              <a:t>die neuere Technologie und die, die wir heute vorstellen, hat aber ein paar Unterschiede</a:t>
+            </a:r>
+          </a:p>
+        </p:txBody>
+      </p:sp>
+      <p:sp>
+        <p:nvSpPr>
+          <p:cNvPr id="4" name="Foliennummernplatzhalter 3"/>
+          <p:cNvSpPr>
+            <a:spLocks noGrp="1"/>
+          </p:cNvSpPr>
+          <p:nvPr>
+            <p:ph type="sldNum" sz="quarter" idx="5"/>
+          </p:nvPr>
+        </p:nvSpPr>
+        <p:spPr/>
+        <p:txBody>
+          <a:bodyPr/>
+          <a:lstStyle/>
+          <a:p>
+            <a:fld id="{2299A76C-20FA-4DC7-9C55-FD79EB38178B}" type="slidenum">
+              <a:rPr lang="de-DE" smtClean="0"/>
+              <a:t>8</a:t>
+            </a:fld>
+            <a:endParaRPr lang="de-DE"/>
+          </a:p>
+        </p:txBody>
+      </p:sp>
+    </p:spTree>
+    <p:extLst>
+      <p:ext uri="{BB962C8B-B14F-4D97-AF65-F5344CB8AC3E}">
+        <p14:creationId xmlns:p14="http://schemas.microsoft.com/office/powerpoint/2010/main" val="814640992"/>
+      </p:ext>
+    </p:extLst>
+  </p:cSld>
+  <p:clrMapOvr>
+    <a:masterClrMapping/>
+  </p:clrMapOvr>
+</p:notes>
+</file>
+
+<file path=ppt/notesSlides/notesSlide8.xml><?xml version="1.0" encoding="utf-8"?>
+<p:notes xmlns:a="http://schemas.openxmlformats.org/drawingml/2006/main" xmlns:r="http://schemas.openxmlformats.org/officeDocument/2006/relationships" xmlns:p="http://schemas.openxmlformats.org/presentationml/2006/main">
+  <p:cSld>
+    <p:spTree>
+      <p:nvGrpSpPr>
+        <p:cNvPr id="1" name=""/>
+        <p:cNvGrpSpPr/>
+        <p:nvPr/>
+      </p:nvGrpSpPr>
+      <p:grpSpPr>
+        <a:xfrm>
+          <a:off x="0" y="0"/>
+          <a:ext cx="0" cy="0"/>
+          <a:chOff x="0" y="0"/>
+          <a:chExt cx="0" cy="0"/>
+        </a:xfrm>
+      </p:grpSpPr>
+      <p:sp>
+        <p:nvSpPr>
+          <p:cNvPr id="2" name="Folienbildplatzhalter 1"/>
+          <p:cNvSpPr>
+            <a:spLocks noGrp="1" noRot="1" noChangeAspect="1"/>
+          </p:cNvSpPr>
+          <p:nvPr>
+            <p:ph type="sldImg"/>
+          </p:nvPr>
+        </p:nvSpPr>
+        <p:spPr/>
+      </p:sp>
+      <p:sp>
+        <p:nvSpPr>
+          <p:cNvPr id="3" name="Notizenplatzhalter 2"/>
+          <p:cNvSpPr>
+            <a:spLocks noGrp="1"/>
+          </p:cNvSpPr>
+          <p:nvPr>
+            <p:ph type="body" idx="1"/>
+          </p:nvPr>
+        </p:nvSpPr>
+        <p:spPr/>
+        <p:txBody>
+          <a:bodyPr/>
+          <a:lstStyle/>
+          <a:p>
+            <a:endParaRPr lang="de-DE" dirty="0"/>
+          </a:p>
+        </p:txBody>
+      </p:sp>
+      <p:sp>
+        <p:nvSpPr>
+          <p:cNvPr id="4" name="Foliennummernplatzhalter 3"/>
+          <p:cNvSpPr>
+            <a:spLocks noGrp="1"/>
+          </p:cNvSpPr>
+          <p:nvPr>
+            <p:ph type="sldNum" sz="quarter" idx="5"/>
+          </p:nvPr>
+        </p:nvSpPr>
+        <p:spPr/>
+        <p:txBody>
+          <a:bodyPr/>
+          <a:lstStyle/>
+          <a:p>
+            <a:fld id="{2299A76C-20FA-4DC7-9C55-FD79EB38178B}" type="slidenum">
+              <a:rPr lang="de-DE" smtClean="0"/>
+              <a:t>9</a:t>
+            </a:fld>
+            <a:endParaRPr lang="de-DE"/>
+          </a:p>
+        </p:txBody>
+      </p:sp>
+    </p:spTree>
+    <p:extLst>
+      <p:ext uri="{BB962C8B-B14F-4D97-AF65-F5344CB8AC3E}">
+        <p14:creationId xmlns:p14="http://schemas.microsoft.com/office/powerpoint/2010/main" val="1468908146"/>
+      </p:ext>
+    </p:extLst>
+  </p:cSld>
+  <p:clrMapOvr>
+    <a:masterClrMapping/>
+  </p:clrMapOvr>
+</p:notes>
+</file>
+
+<file path=ppt/notesSlides/notesSlide9.xml><?xml version="1.0" encoding="utf-8"?>
+<p:notes xmlns:a="http://schemas.openxmlformats.org/drawingml/2006/main" xmlns:r="http://schemas.openxmlformats.org/officeDocument/2006/relationships" xmlns:p="http://schemas.openxmlformats.org/presentationml/2006/main">
+  <p:cSld>
+    <p:spTree>
+      <p:nvGrpSpPr>
+        <p:cNvPr id="1" name=""/>
+        <p:cNvGrpSpPr/>
+        <p:nvPr/>
+      </p:nvGrpSpPr>
+      <p:grpSpPr>
+        <a:xfrm>
+          <a:off x="0" y="0"/>
+          <a:ext cx="0" cy="0"/>
+          <a:chOff x="0" y="0"/>
+          <a:chExt cx="0" cy="0"/>
+        </a:xfrm>
+      </p:grpSpPr>
+      <p:sp>
+        <p:nvSpPr>
+          <p:cNvPr id="2" name="Folienbildplatzhalter 1"/>
+          <p:cNvSpPr>
+            <a:spLocks noGrp="1" noRot="1" noChangeAspect="1"/>
+          </p:cNvSpPr>
+          <p:nvPr>
+            <p:ph type="sldImg"/>
+          </p:nvPr>
+        </p:nvSpPr>
+        <p:spPr/>
+      </p:sp>
+      <p:sp>
+        <p:nvSpPr>
+          <p:cNvPr id="3" name="Notizenplatzhalter 2"/>
+          <p:cNvSpPr>
+            <a:spLocks noGrp="1"/>
+          </p:cNvSpPr>
+          <p:nvPr>
+            <p:ph type="body" idx="1"/>
+          </p:nvPr>
+        </p:nvSpPr>
+        <p:spPr/>
+        <p:txBody>
+          <a:bodyPr/>
+          <a:lstStyle/>
+          <a:p>
+            <a:pPr marL="171450" indent="-171450">
+              <a:buFontTx/>
+              <a:buChar char="-"/>
+            </a:pPr>
+            <a:r>
+              <a:rPr lang="de-DE" dirty="0"/>
+              <a:t>viele Frontends sind in </a:t>
+            </a:r>
+            <a:r>
+              <a:rPr lang="de-DE" dirty="0" err="1"/>
+              <a:t>Javascript</a:t>
+            </a:r>
+            <a:r>
+              <a:rPr lang="de-DE" dirty="0"/>
+              <a:t> geschrieben, deswegen ist JSON praktisch, aber keine Pflicht</a:t>
+            </a:r>
+          </a:p>
+        </p:txBody>
+      </p:sp>
+      <p:sp>
+        <p:nvSpPr>
+          <p:cNvPr id="4" name="Foliennummernplatzhalter 3"/>
+          <p:cNvSpPr>
+            <a:spLocks noGrp="1"/>
+          </p:cNvSpPr>
+          <p:nvPr>
+            <p:ph type="sldNum" sz="quarter" idx="5"/>
+          </p:nvPr>
+        </p:nvSpPr>
+        <p:spPr/>
+        <p:txBody>
+          <a:bodyPr/>
+          <a:lstStyle/>
+          <a:p>
+            <a:fld id="{2299A76C-20FA-4DC7-9C55-FD79EB38178B}" type="slidenum">
+              <a:rPr lang="de-DE" smtClean="0"/>
+              <a:t>14</a:t>
+            </a:fld>
+            <a:endParaRPr lang="de-DE"/>
+          </a:p>
+        </p:txBody>
+      </p:sp>
+    </p:spTree>
+    <p:extLst>
+      <p:ext uri="{BB962C8B-B14F-4D97-AF65-F5344CB8AC3E}">
+        <p14:creationId xmlns:p14="http://schemas.microsoft.com/office/powerpoint/2010/main" val="1804874324"/>
       </p:ext>
     </p:extLst>
   </p:cSld>
@@ -875,7 +2256,7 @@
           <a:p>
             <a:fld id="{AA121499-028A-4DD7-A317-DC66A102D1C4}" type="datetimeFigureOut">
               <a:rPr lang="de-DE" smtClean="0"/>
-              <a:t>07.09.2019</a:t>
+              <a:t>10.09.19</a:t>
             </a:fld>
             <a:endParaRPr lang="de-DE"/>
           </a:p>
@@ -1073,7 +2454,7 @@
           <a:p>
             <a:fld id="{AA121499-028A-4DD7-A317-DC66A102D1C4}" type="datetimeFigureOut">
               <a:rPr lang="de-DE" smtClean="0"/>
-              <a:t>07.09.2019</a:t>
+              <a:t>10.09.19</a:t>
             </a:fld>
             <a:endParaRPr lang="de-DE"/>
           </a:p>
@@ -1281,7 +2662,7 @@
           <a:p>
             <a:fld id="{AA121499-028A-4DD7-A317-DC66A102D1C4}" type="datetimeFigureOut">
               <a:rPr lang="de-DE" smtClean="0"/>
-              <a:t>07.09.2019</a:t>
+              <a:t>10.09.19</a:t>
             </a:fld>
             <a:endParaRPr lang="de-DE"/>
           </a:p>
@@ -1479,7 +2860,7 @@
           <a:p>
             <a:fld id="{AA121499-028A-4DD7-A317-DC66A102D1C4}" type="datetimeFigureOut">
               <a:rPr lang="de-DE" smtClean="0"/>
-              <a:t>07.09.2019</a:t>
+              <a:t>10.09.19</a:t>
             </a:fld>
             <a:endParaRPr lang="de-DE"/>
           </a:p>
@@ -1754,7 +3135,7 @@
           <a:p>
             <a:fld id="{AA121499-028A-4DD7-A317-DC66A102D1C4}" type="datetimeFigureOut">
               <a:rPr lang="de-DE" smtClean="0"/>
-              <a:t>07.09.2019</a:t>
+              <a:t>10.09.19</a:t>
             </a:fld>
             <a:endParaRPr lang="de-DE"/>
           </a:p>
@@ -2019,7 +3400,7 @@
           <a:p>
             <a:fld id="{AA121499-028A-4DD7-A317-DC66A102D1C4}" type="datetimeFigureOut">
               <a:rPr lang="de-DE" smtClean="0"/>
-              <a:t>07.09.2019</a:t>
+              <a:t>10.09.19</a:t>
             </a:fld>
             <a:endParaRPr lang="de-DE"/>
           </a:p>
@@ -2431,7 +3812,7 @@
           <a:p>
             <a:fld id="{AA121499-028A-4DD7-A317-DC66A102D1C4}" type="datetimeFigureOut">
               <a:rPr lang="de-DE" smtClean="0"/>
-              <a:t>07.09.2019</a:t>
+              <a:t>10.09.19</a:t>
             </a:fld>
             <a:endParaRPr lang="de-DE"/>
           </a:p>
@@ -2572,7 +3953,7 @@
           <a:p>
             <a:fld id="{AA121499-028A-4DD7-A317-DC66A102D1C4}" type="datetimeFigureOut">
               <a:rPr lang="de-DE" smtClean="0"/>
-              <a:t>07.09.2019</a:t>
+              <a:t>10.09.19</a:t>
             </a:fld>
             <a:endParaRPr lang="de-DE"/>
           </a:p>
@@ -2685,7 +4066,7 @@
           <a:p>
             <a:fld id="{AA121499-028A-4DD7-A317-DC66A102D1C4}" type="datetimeFigureOut">
               <a:rPr lang="de-DE" smtClean="0"/>
-              <a:t>07.09.2019</a:t>
+              <a:t>10.09.19</a:t>
             </a:fld>
             <a:endParaRPr lang="de-DE"/>
           </a:p>
@@ -2996,7 +4377,7 @@
           <a:p>
             <a:fld id="{AA121499-028A-4DD7-A317-DC66A102D1C4}" type="datetimeFigureOut">
               <a:rPr lang="de-DE" smtClean="0"/>
-              <a:t>07.09.2019</a:t>
+              <a:t>10.09.19</a:t>
             </a:fld>
             <a:endParaRPr lang="de-DE"/>
           </a:p>
@@ -3284,7 +4665,7 @@
           <a:p>
             <a:fld id="{AA121499-028A-4DD7-A317-DC66A102D1C4}" type="datetimeFigureOut">
               <a:rPr lang="de-DE" smtClean="0"/>
-              <a:t>07.09.2019</a:t>
+              <a:t>10.09.19</a:t>
             </a:fld>
             <a:endParaRPr lang="de-DE"/>
           </a:p>
@@ -3525,7 +4906,7 @@
           <a:p>
             <a:fld id="{AA121499-028A-4DD7-A317-DC66A102D1C4}" type="datetimeFigureOut">
               <a:rPr lang="de-DE" smtClean="0"/>
-              <a:t>07.09.2019</a:t>
+              <a:t>10.09.19</a:t>
             </a:fld>
             <a:endParaRPr lang="de-DE"/>
           </a:p>
@@ -4642,7 +6023,9 @@
         </p:nvSpPr>
         <p:spPr/>
         <p:txBody>
-          <a:bodyPr anchor="ctr"/>
+          <a:bodyPr anchor="ctr">
+            <a:normAutofit/>
+          </a:bodyPr>
           <a:lstStyle/>
           <a:p>
             <a:pPr>
@@ -4651,8 +6034,8 @@
               </a:lnSpc>
             </a:pPr>
             <a:r>
-              <a:rPr lang="de-DE" dirty="0"/>
-              <a:t>kein Regelwerk, sondern Sammlung von Best Practices</a:t>
+              <a:rPr lang="de-DE" sz="2400" dirty="0"/>
+              <a:t>ursprünglich behandelt in der Dissertation von Roy Fielding</a:t>
             </a:r>
           </a:p>
           <a:p>
@@ -4662,8 +6045,8 @@
               </a:lnSpc>
             </a:pPr>
             <a:r>
-              <a:rPr lang="de-DE" dirty="0"/>
-              <a:t>zustandslos</a:t>
+              <a:rPr lang="de-DE" sz="2400" dirty="0"/>
+              <a:t>kein Regelwerk, sondern Sammlung von Best Practices</a:t>
             </a:r>
           </a:p>
           <a:p>
@@ -4673,8 +6056,8 @@
               </a:lnSpc>
             </a:pPr>
             <a:r>
-              <a:rPr lang="de-DE" dirty="0"/>
-              <a:t>übergibt Abbild eines Zustandes (State Transfer)</a:t>
+              <a:rPr lang="de-DE" sz="2400" dirty="0"/>
+              <a:t>zustandslos</a:t>
             </a:r>
           </a:p>
           <a:p>
@@ -4684,12 +6067,20 @@
               </a:lnSpc>
             </a:pPr>
             <a:r>
-              <a:rPr lang="de-DE" dirty="0"/>
-              <a:t>muss nicht mit JSON arbeiten</a:t>
-            </a:r>
-          </a:p>
-          <a:p>
-            <a:endParaRPr lang="de-DE" dirty="0"/>
+              <a:rPr lang="de-DE" sz="2400" dirty="0"/>
+              <a:t>übergibt Abbild eines Zustandes (State Transfer)</a:t>
+            </a:r>
+          </a:p>
+          <a:p>
+            <a:pPr>
+              <a:lnSpc>
+                <a:spcPct val="150000"/>
+              </a:lnSpc>
+            </a:pPr>
+            <a:r>
+              <a:rPr lang="de-DE" sz="2400" dirty="0"/>
+              <a:t>kann mehrere Repräsentationen einer Ressource anbieten</a:t>
+            </a:r>
           </a:p>
         </p:txBody>
       </p:sp>
@@ -4765,8 +6156,8 @@
         </p:nvSpPr>
         <p:spPr>
           <a:xfrm>
-            <a:off x="2676939" y="2714082"/>
-            <a:ext cx="1540806" cy="2554545"/>
+            <a:off x="2666429" y="2138090"/>
+            <a:ext cx="1540806" cy="3706527"/>
           </a:xfrm>
           <a:prstGeom prst="rect">
             <a:avLst/>
@@ -4779,6 +6170,11 @@
           </a:bodyPr>
           <a:lstStyle/>
           <a:p>
+            <a:pPr>
+              <a:lnSpc>
+                <a:spcPct val="150000"/>
+              </a:lnSpc>
+            </a:pPr>
             <a:r>
               <a:rPr lang="de-DE" sz="3200" dirty="0">
                 <a:latin typeface="Consolas" panose="020B0609020204030204" pitchFamily="49" charset="0"/>
@@ -4787,6 +6183,11 @@
             </a:r>
           </a:p>
           <a:p>
+            <a:pPr>
+              <a:lnSpc>
+                <a:spcPct val="150000"/>
+              </a:lnSpc>
+            </a:pPr>
             <a:r>
               <a:rPr lang="de-DE" sz="3200" dirty="0">
                 <a:latin typeface="Consolas" panose="020B0609020204030204" pitchFamily="49" charset="0"/>
@@ -4795,6 +6196,11 @@
             </a:r>
           </a:p>
           <a:p>
+            <a:pPr>
+              <a:lnSpc>
+                <a:spcPct val="150000"/>
+              </a:lnSpc>
+            </a:pPr>
             <a:r>
               <a:rPr lang="de-DE" sz="3200" dirty="0">
                 <a:latin typeface="Consolas" panose="020B0609020204030204" pitchFamily="49" charset="0"/>
@@ -4803,6 +6209,11 @@
             </a:r>
           </a:p>
           <a:p>
+            <a:pPr>
+              <a:lnSpc>
+                <a:spcPct val="150000"/>
+              </a:lnSpc>
+            </a:pPr>
             <a:r>
               <a:rPr lang="de-DE" sz="3200" dirty="0">
                 <a:latin typeface="Consolas" panose="020B0609020204030204" pitchFamily="49" charset="0"/>
@@ -4811,6 +6222,11 @@
             </a:r>
           </a:p>
           <a:p>
+            <a:pPr>
+              <a:lnSpc>
+                <a:spcPct val="150000"/>
+              </a:lnSpc>
+            </a:pPr>
             <a:r>
               <a:rPr lang="de-DE" sz="3200" dirty="0">
                 <a:latin typeface="Consolas" panose="020B0609020204030204" pitchFamily="49" charset="0"/>
@@ -4822,10 +6238,10 @@
       </p:sp>
       <p:sp>
         <p:nvSpPr>
-          <p:cNvPr id="5" name="Textfeld 4">
-            <a:extLst>
-              <a:ext uri="{FF2B5EF4-FFF2-40B4-BE49-F238E27FC236}">
-                <a16:creationId xmlns:a16="http://schemas.microsoft.com/office/drawing/2014/main" id="{AC91ECEC-2655-422C-9C49-BDB5CB182C10}"/>
+          <p:cNvPr id="6" name="Textfeld 5">
+            <a:extLst>
+              <a:ext uri="{FF2B5EF4-FFF2-40B4-BE49-F238E27FC236}">
+                <a16:creationId xmlns:a16="http://schemas.microsoft.com/office/drawing/2014/main" id="{387EDDDB-633F-D64E-8411-2157305A945F}"/>
               </a:ext>
             </a:extLst>
           </p:cNvPr>
@@ -4834,8 +6250,8 @@
         </p:nvSpPr>
         <p:spPr>
           <a:xfrm>
-            <a:off x="5920408" y="3637411"/>
-            <a:ext cx="3570208" cy="707886"/>
+            <a:off x="4837842" y="3637410"/>
+            <a:ext cx="3852337" cy="707886"/>
           </a:xfrm>
           <a:prstGeom prst="rect">
             <a:avLst/>
@@ -4869,18 +6285,18 @@
             <a:r>
               <a:rPr lang="de-DE" sz="4000" b="1" dirty="0">
                 <a:solidFill>
-                  <a:schemeClr val="bg2">
+                  <a:schemeClr val="bg1">
                     <a:lumMod val="50000"/>
                   </a:schemeClr>
                 </a:solidFill>
                 <a:latin typeface="Consolas" panose="020B0609020204030204" pitchFamily="49" charset="0"/>
               </a:rPr>
-              <a:t>:</a:t>
+              <a:t>{</a:t>
             </a:r>
             <a:r>
               <a:rPr lang="de-DE" sz="4000" b="1" dirty="0" err="1">
                 <a:solidFill>
-                  <a:schemeClr val="bg2">
+                  <a:schemeClr val="bg1">
                     <a:lumMod val="50000"/>
                   </a:schemeClr>
                 </a:solidFill>
@@ -4888,14 +6304,17 @@
               </a:rPr>
               <a:t>id</a:t>
             </a:r>
-            <a:endParaRPr lang="de-DE" sz="4000" b="1" dirty="0">
-              <a:solidFill>
-                <a:schemeClr val="bg2">
-                  <a:lumMod val="50000"/>
-                </a:schemeClr>
-              </a:solidFill>
-              <a:latin typeface="Consolas" panose="020B0609020204030204" pitchFamily="49" charset="0"/>
-            </a:endParaRPr>
+            <a:r>
+              <a:rPr lang="de-DE" sz="4000" b="1" dirty="0">
+                <a:solidFill>
+                  <a:schemeClr val="bg1">
+                    <a:lumMod val="50000"/>
+                  </a:schemeClr>
+                </a:solidFill>
+                <a:latin typeface="Consolas" panose="020B0609020204030204" pitchFamily="49" charset="0"/>
+              </a:rPr>
+              <a:t>}</a:t>
+            </a:r>
           </a:p>
         </p:txBody>
       </p:sp>
@@ -4934,6 +6353,264 @@
           <p:cNvPr id="2" name="Titel 1">
             <a:extLst>
               <a:ext uri="{FF2B5EF4-FFF2-40B4-BE49-F238E27FC236}">
+                <a16:creationId xmlns:a16="http://schemas.microsoft.com/office/drawing/2014/main" id="{A4890671-FB44-46E7-8BDA-AA36D3F3F2F6}"/>
+              </a:ext>
+            </a:extLst>
+          </p:cNvPr>
+          <p:cNvSpPr>
+            <a:spLocks noGrp="1"/>
+          </p:cNvSpPr>
+          <p:nvPr>
+            <p:ph type="title"/>
+          </p:nvPr>
+        </p:nvSpPr>
+        <p:spPr/>
+        <p:txBody>
+          <a:bodyPr/>
+          <a:lstStyle/>
+          <a:p>
+            <a:r>
+              <a:rPr lang="de-DE" dirty="0"/>
+              <a:t>Verschachtelung</a:t>
+            </a:r>
+          </a:p>
+        </p:txBody>
+      </p:sp>
+      <p:sp>
+        <p:nvSpPr>
+          <p:cNvPr id="4" name="Textfeld 3">
+            <a:extLst>
+              <a:ext uri="{FF2B5EF4-FFF2-40B4-BE49-F238E27FC236}">
+                <a16:creationId xmlns:a16="http://schemas.microsoft.com/office/drawing/2014/main" id="{AB88B41C-97A9-4888-A529-76C551249803}"/>
+              </a:ext>
+            </a:extLst>
+          </p:cNvPr>
+          <p:cNvSpPr txBox="1"/>
+          <p:nvPr/>
+        </p:nvSpPr>
+        <p:spPr>
+          <a:xfrm>
+            <a:off x="2666429" y="2138090"/>
+            <a:ext cx="1540806" cy="3706527"/>
+          </a:xfrm>
+          <a:prstGeom prst="rect">
+            <a:avLst/>
+          </a:prstGeom>
+          <a:noFill/>
+        </p:spPr>
+        <p:txBody>
+          <a:bodyPr wrap="none" rtlCol="0">
+            <a:spAutoFit/>
+          </a:bodyPr>
+          <a:lstStyle/>
+          <a:p>
+            <a:pPr>
+              <a:lnSpc>
+                <a:spcPct val="150000"/>
+              </a:lnSpc>
+            </a:pPr>
+            <a:r>
+              <a:rPr lang="de-DE" sz="3200" dirty="0">
+                <a:latin typeface="Consolas" panose="020B0609020204030204" pitchFamily="49" charset="0"/>
+              </a:rPr>
+              <a:t>GET</a:t>
+            </a:r>
+          </a:p>
+          <a:p>
+            <a:pPr>
+              <a:lnSpc>
+                <a:spcPct val="150000"/>
+              </a:lnSpc>
+            </a:pPr>
+            <a:r>
+              <a:rPr lang="de-DE" sz="3200" dirty="0">
+                <a:latin typeface="Consolas" panose="020B0609020204030204" pitchFamily="49" charset="0"/>
+              </a:rPr>
+              <a:t>POST</a:t>
+            </a:r>
+          </a:p>
+          <a:p>
+            <a:pPr>
+              <a:lnSpc>
+                <a:spcPct val="150000"/>
+              </a:lnSpc>
+            </a:pPr>
+            <a:r>
+              <a:rPr lang="de-DE" sz="3200" dirty="0">
+                <a:latin typeface="Consolas" panose="020B0609020204030204" pitchFamily="49" charset="0"/>
+              </a:rPr>
+              <a:t>PUT</a:t>
+            </a:r>
+          </a:p>
+          <a:p>
+            <a:pPr>
+              <a:lnSpc>
+                <a:spcPct val="150000"/>
+              </a:lnSpc>
+            </a:pPr>
+            <a:r>
+              <a:rPr lang="de-DE" sz="3200" dirty="0">
+                <a:latin typeface="Consolas" panose="020B0609020204030204" pitchFamily="49" charset="0"/>
+              </a:rPr>
+              <a:t>PATCH</a:t>
+            </a:r>
+          </a:p>
+          <a:p>
+            <a:pPr>
+              <a:lnSpc>
+                <a:spcPct val="150000"/>
+              </a:lnSpc>
+            </a:pPr>
+            <a:r>
+              <a:rPr lang="de-DE" sz="3200" dirty="0">
+                <a:latin typeface="Consolas" panose="020B0609020204030204" pitchFamily="49" charset="0"/>
+              </a:rPr>
+              <a:t>DELETE</a:t>
+            </a:r>
+          </a:p>
+        </p:txBody>
+      </p:sp>
+      <p:sp>
+        <p:nvSpPr>
+          <p:cNvPr id="5" name="Textfeld 4">
+            <a:extLst>
+              <a:ext uri="{FF2B5EF4-FFF2-40B4-BE49-F238E27FC236}">
+                <a16:creationId xmlns:a16="http://schemas.microsoft.com/office/drawing/2014/main" id="{AC91ECEC-2655-422C-9C49-BDB5CB182C10}"/>
+              </a:ext>
+            </a:extLst>
+          </p:cNvPr>
+          <p:cNvSpPr txBox="1"/>
+          <p:nvPr/>
+        </p:nvSpPr>
+        <p:spPr>
+          <a:xfrm>
+            <a:off x="4837842" y="3637410"/>
+            <a:ext cx="6955750" cy="707886"/>
+          </a:xfrm>
+          <a:prstGeom prst="rect">
+            <a:avLst/>
+          </a:prstGeom>
+          <a:noFill/>
+        </p:spPr>
+        <p:txBody>
+          <a:bodyPr wrap="none" rtlCol="0">
+            <a:spAutoFit/>
+          </a:bodyPr>
+          <a:lstStyle/>
+          <a:p>
+            <a:r>
+              <a:rPr lang="de-DE" sz="4000" b="1" dirty="0">
+                <a:latin typeface="Consolas" panose="020B0609020204030204" pitchFamily="49" charset="0"/>
+              </a:rPr>
+              <a:t>/</a:t>
+            </a:r>
+            <a:r>
+              <a:rPr lang="de-DE" sz="4000" b="1" dirty="0" err="1">
+                <a:latin typeface="Consolas" panose="020B0609020204030204" pitchFamily="49" charset="0"/>
+              </a:rPr>
+              <a:t>offices</a:t>
+            </a:r>
+            <a:r>
+              <a:rPr lang="de-DE" sz="4000" b="1" dirty="0">
+                <a:latin typeface="Consolas" panose="020B0609020204030204" pitchFamily="49" charset="0"/>
+              </a:rPr>
+              <a:t>/{</a:t>
+            </a:r>
+            <a:r>
+              <a:rPr lang="de-DE" sz="4000" b="1" dirty="0" err="1">
+                <a:latin typeface="Consolas" panose="020B0609020204030204" pitchFamily="49" charset="0"/>
+              </a:rPr>
+              <a:t>id</a:t>
+            </a:r>
+            <a:r>
+              <a:rPr lang="de-DE" sz="4000" b="1" dirty="0">
+                <a:latin typeface="Consolas" panose="020B0609020204030204" pitchFamily="49" charset="0"/>
+              </a:rPr>
+              <a:t>}/</a:t>
+            </a:r>
+            <a:r>
+              <a:rPr lang="de-DE" sz="4000" b="1" dirty="0" err="1">
+                <a:latin typeface="Consolas" panose="020B0609020204030204" pitchFamily="49" charset="0"/>
+              </a:rPr>
+              <a:t>desks</a:t>
+            </a:r>
+            <a:r>
+              <a:rPr lang="de-DE" sz="4000" b="1" dirty="0">
+                <a:latin typeface="Consolas" panose="020B0609020204030204" pitchFamily="49" charset="0"/>
+              </a:rPr>
+              <a:t>/</a:t>
+            </a:r>
+            <a:r>
+              <a:rPr lang="de-DE" sz="4000" b="1" dirty="0">
+                <a:solidFill>
+                  <a:schemeClr val="bg1">
+                    <a:lumMod val="50000"/>
+                  </a:schemeClr>
+                </a:solidFill>
+                <a:latin typeface="Consolas" panose="020B0609020204030204" pitchFamily="49" charset="0"/>
+              </a:rPr>
+              <a:t>{</a:t>
+            </a:r>
+            <a:r>
+              <a:rPr lang="de-DE" sz="4000" b="1" dirty="0" err="1">
+                <a:solidFill>
+                  <a:schemeClr val="bg1">
+                    <a:lumMod val="50000"/>
+                  </a:schemeClr>
+                </a:solidFill>
+                <a:latin typeface="Consolas" panose="020B0609020204030204" pitchFamily="49" charset="0"/>
+              </a:rPr>
+              <a:t>id</a:t>
+            </a:r>
+            <a:r>
+              <a:rPr lang="de-DE" sz="4000" b="1" dirty="0">
+                <a:solidFill>
+                  <a:schemeClr val="bg1">
+                    <a:lumMod val="50000"/>
+                  </a:schemeClr>
+                </a:solidFill>
+                <a:latin typeface="Consolas" panose="020B0609020204030204" pitchFamily="49" charset="0"/>
+              </a:rPr>
+              <a:t>}</a:t>
+            </a:r>
+          </a:p>
+        </p:txBody>
+      </p:sp>
+    </p:spTree>
+    <p:extLst>
+      <p:ext uri="{BB962C8B-B14F-4D97-AF65-F5344CB8AC3E}">
+        <p14:creationId xmlns:p14="http://schemas.microsoft.com/office/powerpoint/2010/main" val="1463739177"/>
+      </p:ext>
+    </p:extLst>
+  </p:cSld>
+  <p:clrMapOvr>
+    <a:masterClrMapping/>
+  </p:clrMapOvr>
+</p:sld>
+</file>
+
+<file path=ppt/slides/slide17.xml><?xml version="1.0" encoding="utf-8"?>
+<p:sld xmlns:a="http://schemas.openxmlformats.org/drawingml/2006/main" xmlns:r="http://schemas.openxmlformats.org/officeDocument/2006/relationships" xmlns:p="http://schemas.openxmlformats.org/presentationml/2006/main">
+  <p:cSld>
+    <p:spTree>
+      <p:nvGrpSpPr>
+        <p:cNvPr id="1" name=""/>
+        <p:cNvGrpSpPr/>
+        <p:nvPr/>
+      </p:nvGrpSpPr>
+      <p:grpSpPr>
+        <a:xfrm>
+          <a:off x="0" y="0"/>
+          <a:ext cx="0" cy="0"/>
+          <a:chOff x="0" y="0"/>
+          <a:chExt cx="0" cy="0"/>
+        </a:xfrm>
+      </p:grpSpPr>
+      <p:sp>
+        <p:nvSpPr>
+          <p:cNvPr id="2" name="Titel 1">
+            <a:extLst>
+              <a:ext uri="{FF2B5EF4-FFF2-40B4-BE49-F238E27FC236}">
                 <a16:creationId xmlns:a16="http://schemas.microsoft.com/office/drawing/2014/main" id="{9CDEDC34-5FE3-4A41-ACEF-D97EBC2E0324}"/>
               </a:ext>
             </a:extLst>
@@ -4973,7 +6650,7 @@
             <p:ph idx="1"/>
             <p:extLst>
               <p:ext uri="{D42A27DB-BD31-4B8C-83A1-F6EECF244321}">
-                <p14:modId xmlns:p14="http://schemas.microsoft.com/office/powerpoint/2010/main" val="4284424731"/>
+                <p14:modId xmlns:p14="http://schemas.microsoft.com/office/powerpoint/2010/main" val="1382795168"/>
               </p:ext>
             </p:extLst>
           </p:nvPr>
@@ -5450,13 +7127,19 @@
                         <a:rPr lang="de-DE" sz="1600" dirty="0">
                           <a:effectLst/>
                         </a:rPr>
-                        <a:t>/:</a:t>
+                        <a:t>/{</a:t>
                       </a:r>
                       <a:r>
                         <a:rPr lang="de-DE" sz="1600" dirty="0" err="1">
                           <a:effectLst/>
                         </a:rPr>
                         <a:t>id</a:t>
+                      </a:r>
+                      <a:r>
+                        <a:rPr lang="de-DE" sz="1600" dirty="0">
+                          <a:effectLst/>
+                        </a:rPr>
+                        <a:t>}</a:t>
                       </a:r>
                       <a:endParaRPr lang="de-DE" sz="1600" dirty="0">
                         <a:effectLst/>
@@ -5580,13 +7263,19 @@
                         <a:rPr lang="de-DE" sz="1600" dirty="0">
                           <a:effectLst/>
                         </a:rPr>
-                        <a:t>/:</a:t>
+                        <a:t>/{</a:t>
                       </a:r>
                       <a:r>
                         <a:rPr lang="de-DE" sz="1600" dirty="0" err="1">
                           <a:effectLst/>
                         </a:rPr>
                         <a:t>id</a:t>
+                      </a:r>
+                      <a:r>
+                        <a:rPr lang="de-DE" sz="1600" dirty="0">
+                          <a:effectLst/>
+                        </a:rPr>
+                        <a:t>}</a:t>
                       </a:r>
                       <a:endParaRPr lang="de-DE" sz="1600" dirty="0">
                         <a:effectLst/>
@@ -5710,13 +7399,19 @@
                         <a:rPr lang="de-DE" sz="1600" dirty="0">
                           <a:effectLst/>
                         </a:rPr>
-                        <a:t>/:</a:t>
+                        <a:t>/{</a:t>
                       </a:r>
                       <a:r>
                         <a:rPr lang="de-DE" sz="1600" dirty="0" err="1">
                           <a:effectLst/>
                         </a:rPr>
                         <a:t>id</a:t>
+                      </a:r>
+                      <a:r>
+                        <a:rPr lang="de-DE" sz="1600" dirty="0">
+                          <a:effectLst/>
+                        </a:rPr>
+                        <a:t>}</a:t>
                       </a:r>
                       <a:endParaRPr lang="de-DE" sz="1600" dirty="0">
                         <a:effectLst/>
@@ -5840,13 +7535,19 @@
                         <a:rPr lang="de-DE" sz="1600" dirty="0">
                           <a:effectLst/>
                         </a:rPr>
-                        <a:t>/:</a:t>
+                        <a:t>/{</a:t>
                       </a:r>
                       <a:r>
                         <a:rPr lang="de-DE" sz="1600" dirty="0" err="1">
                           <a:effectLst/>
                         </a:rPr>
                         <a:t>id</a:t>
+                      </a:r>
+                      <a:r>
+                        <a:rPr lang="de-DE" sz="1600" dirty="0">
+                          <a:effectLst/>
+                        </a:rPr>
+                        <a:t>}</a:t>
                       </a:r>
                       <a:endParaRPr lang="de-DE" sz="1600" dirty="0">
                         <a:effectLst/>
@@ -5970,7 +7671,7 @@
                         <a:rPr lang="de-DE" sz="1600" dirty="0">
                           <a:effectLst/>
                         </a:rPr>
-                        <a:t>/:</a:t>
+                        <a:t>/{</a:t>
                       </a:r>
                       <a:r>
                         <a:rPr lang="de-DE" sz="1600" dirty="0" err="1">
@@ -5982,7 +7683,7 @@
                         <a:rPr lang="de-DE" sz="1600" dirty="0">
                           <a:effectLst/>
                         </a:rPr>
-                        <a:t>/</a:t>
+                        <a:t>}/</a:t>
                       </a:r>
                       <a:r>
                         <a:rPr lang="de-DE" sz="1600" dirty="0" err="1">
@@ -6118,7 +7819,7 @@
                         <a:rPr lang="de-DE" sz="1600" dirty="0">
                           <a:effectLst/>
                         </a:rPr>
-                        <a:t>/:</a:t>
+                        <a:t>/{</a:t>
                       </a:r>
                       <a:r>
                         <a:rPr lang="de-DE" sz="1600" dirty="0" err="1">
@@ -6130,7 +7831,7 @@
                         <a:rPr lang="de-DE" sz="1600" dirty="0">
                           <a:effectLst/>
                         </a:rPr>
-                        <a:t>/</a:t>
+                        <a:t>}/</a:t>
                       </a:r>
                       <a:r>
                         <a:rPr lang="de-DE" sz="1600" dirty="0" err="1">
@@ -6181,12 +7882,24 @@
                         </a:tabLst>
                       </a:pPr>
                       <a:r>
-                        <a:rPr lang="de-DE" sz="1600">
+                        <a:rPr lang="de-DE" sz="1600" dirty="0">
                           <a:effectLst/>
                         </a:rPr>
-                        <a:t>Schreibtisch mit der ID {y} auslesen, der in dem Büro mit der ID {x} steht</a:t>
+                        <a:t>Schreibtisch mit der ID {</a:t>
                       </a:r>
-                      <a:endParaRPr lang="de-DE" sz="1600">
+                      <a:r>
+                        <a:rPr lang="de-DE" sz="1600" dirty="0" err="1">
+                          <a:effectLst/>
+                        </a:rPr>
+                        <a:t>y</a:t>
+                      </a:r>
+                      <a:r>
+                        <a:rPr lang="de-DE" sz="1600" dirty="0">
+                          <a:effectLst/>
+                        </a:rPr>
+                        <a:t>} auslesen, der in dem Büro mit der ID {x} steht</a:t>
+                      </a:r>
+                      <a:endParaRPr lang="de-DE" sz="1600" dirty="0">
                         <a:effectLst/>
                         <a:latin typeface="Arial" panose="020B0604020202020204" pitchFamily="34" charset="0"/>
                         <a:ea typeface="Calibri" panose="020F0502020204030204" pitchFamily="34" charset="0"/>
@@ -6266,7 +7979,7 @@
                         <a:rPr lang="de-DE" sz="1600" dirty="0">
                           <a:effectLst/>
                         </a:rPr>
-                        <a:t>/:</a:t>
+                        <a:t>/{</a:t>
                       </a:r>
                       <a:r>
                         <a:rPr lang="de-DE" sz="1600" dirty="0" err="1">
@@ -6278,7 +7991,7 @@
                         <a:rPr lang="de-DE" sz="1600" dirty="0">
                           <a:effectLst/>
                         </a:rPr>
-                        <a:t>/</a:t>
+                        <a:t>}/</a:t>
                       </a:r>
                       <a:r>
                         <a:rPr lang="de-DE" sz="1600" dirty="0" err="1">
@@ -6290,13 +8003,19 @@
                         <a:rPr lang="de-DE" sz="1600" dirty="0">
                           <a:effectLst/>
                         </a:rPr>
-                        <a:t>/:</a:t>
+                        <a:t>/{</a:t>
                       </a:r>
                       <a:r>
                         <a:rPr lang="de-DE" sz="1600" dirty="0" err="1">
                           <a:effectLst/>
                         </a:rPr>
                         <a:t>id</a:t>
+                      </a:r>
+                      <a:r>
+                        <a:rPr lang="de-DE" sz="1600" dirty="0">
+                          <a:effectLst/>
+                        </a:rPr>
+                        <a:t>}</a:t>
                       </a:r>
                       <a:endParaRPr lang="de-DE" sz="1600" dirty="0">
                         <a:effectLst/>
@@ -6393,6 +8112,667 @@
 </p:sld>
 </file>
 
+<file path=ppt/slides/slide18.xml><?xml version="1.0" encoding="utf-8"?>
+<p:sld xmlns:a="http://schemas.openxmlformats.org/drawingml/2006/main" xmlns:r="http://schemas.openxmlformats.org/officeDocument/2006/relationships" xmlns:p="http://schemas.openxmlformats.org/presentationml/2006/main">
+  <p:cSld>
+    <p:spTree>
+      <p:nvGrpSpPr>
+        <p:cNvPr id="1" name=""/>
+        <p:cNvGrpSpPr/>
+        <p:nvPr/>
+      </p:nvGrpSpPr>
+      <p:grpSpPr>
+        <a:xfrm>
+          <a:off x="0" y="0"/>
+          <a:ext cx="0" cy="0"/>
+          <a:chOff x="0" y="0"/>
+          <a:chExt cx="0" cy="0"/>
+        </a:xfrm>
+      </p:grpSpPr>
+      <p:sp>
+        <p:nvSpPr>
+          <p:cNvPr id="2" name="Titel 1">
+            <a:extLst>
+              <a:ext uri="{FF2B5EF4-FFF2-40B4-BE49-F238E27FC236}">
+                <a16:creationId xmlns:a16="http://schemas.microsoft.com/office/drawing/2014/main" id="{92627A36-93A6-0C4D-824D-3D9184CCFE4A}"/>
+              </a:ext>
+            </a:extLst>
+          </p:cNvPr>
+          <p:cNvSpPr>
+            <a:spLocks noGrp="1"/>
+          </p:cNvSpPr>
+          <p:nvPr>
+            <p:ph type="title"/>
+          </p:nvPr>
+        </p:nvSpPr>
+        <p:spPr/>
+        <p:txBody>
+          <a:bodyPr/>
+          <a:lstStyle/>
+          <a:p>
+            <a:r>
+              <a:rPr lang="de-DE" dirty="0"/>
+              <a:t>Antworten mit HTTP-Statuscodes</a:t>
+            </a:r>
+          </a:p>
+        </p:txBody>
+      </p:sp>
+      <p:sp>
+        <p:nvSpPr>
+          <p:cNvPr id="3" name="Inhaltsplatzhalter 2">
+            <a:extLst>
+              <a:ext uri="{FF2B5EF4-FFF2-40B4-BE49-F238E27FC236}">
+                <a16:creationId xmlns:a16="http://schemas.microsoft.com/office/drawing/2014/main" id="{2D1C61B0-15DE-0D44-A5F9-F2F9205D8994}"/>
+              </a:ext>
+            </a:extLst>
+          </p:cNvPr>
+          <p:cNvSpPr>
+            <a:spLocks noGrp="1"/>
+          </p:cNvSpPr>
+          <p:nvPr>
+            <p:ph idx="1"/>
+          </p:nvPr>
+        </p:nvSpPr>
+        <p:spPr/>
+        <p:txBody>
+          <a:bodyPr anchor="ctr">
+            <a:normAutofit/>
+          </a:bodyPr>
+          <a:lstStyle/>
+          <a:p>
+            <a:pPr marL="0" indent="0">
+              <a:lnSpc>
+                <a:spcPct val="150000"/>
+              </a:lnSpc>
+              <a:buNone/>
+            </a:pPr>
+            <a:r>
+              <a:rPr lang="de-DE" sz="4000" dirty="0">
+                <a:latin typeface="Consolas" panose="020B0609020204030204" pitchFamily="49" charset="0"/>
+                <a:cs typeface="Consolas" panose="020B0609020204030204" pitchFamily="49" charset="0"/>
+              </a:rPr>
+              <a:t>GET		 </a:t>
+            </a:r>
+            <a:r>
+              <a:rPr lang="de-DE" sz="4000" b="1" dirty="0">
+                <a:latin typeface="Consolas" panose="020B0609020204030204" pitchFamily="49" charset="0"/>
+                <a:cs typeface="Consolas" panose="020B0609020204030204" pitchFamily="49" charset="0"/>
+              </a:rPr>
+              <a:t>/</a:t>
+            </a:r>
+            <a:r>
+              <a:rPr lang="de-DE" sz="4000" b="1" dirty="0" err="1">
+                <a:latin typeface="Consolas" panose="020B0609020204030204" pitchFamily="49" charset="0"/>
+                <a:cs typeface="Consolas" panose="020B0609020204030204" pitchFamily="49" charset="0"/>
+              </a:rPr>
+              <a:t>offices</a:t>
+            </a:r>
+            <a:r>
+              <a:rPr lang="de-DE" sz="4000" dirty="0">
+                <a:latin typeface="Consolas" panose="020B0609020204030204" pitchFamily="49" charset="0"/>
+                <a:cs typeface="Consolas" panose="020B0609020204030204" pitchFamily="49" charset="0"/>
+              </a:rPr>
+              <a:t>		 </a:t>
+            </a:r>
+            <a:r>
+              <a:rPr lang="de-DE" sz="4000" dirty="0">
+                <a:solidFill>
+                  <a:schemeClr val="accent6"/>
+                </a:solidFill>
+                <a:latin typeface="Consolas" panose="020B0609020204030204" pitchFamily="49" charset="0"/>
+                <a:cs typeface="Consolas" panose="020B0609020204030204" pitchFamily="49" charset="0"/>
+              </a:rPr>
+              <a:t>200 OK</a:t>
+            </a:r>
+          </a:p>
+          <a:p>
+            <a:pPr marL="0" indent="0">
+              <a:lnSpc>
+                <a:spcPct val="150000"/>
+              </a:lnSpc>
+              <a:buNone/>
+            </a:pPr>
+            <a:r>
+              <a:rPr lang="de-DE" sz="4000" dirty="0">
+                <a:latin typeface="Consolas" panose="020B0609020204030204" pitchFamily="49" charset="0"/>
+                <a:cs typeface="Consolas" panose="020B0609020204030204" pitchFamily="49" charset="0"/>
+              </a:rPr>
+              <a:t>POST	 </a:t>
+            </a:r>
+            <a:r>
+              <a:rPr lang="de-DE" sz="4000" b="1" dirty="0">
+                <a:latin typeface="Consolas" panose="020B0609020204030204" pitchFamily="49" charset="0"/>
+                <a:cs typeface="Consolas" panose="020B0609020204030204" pitchFamily="49" charset="0"/>
+              </a:rPr>
+              <a:t>/</a:t>
+            </a:r>
+            <a:r>
+              <a:rPr lang="de-DE" sz="4000" b="1" dirty="0" err="1">
+                <a:latin typeface="Consolas" panose="020B0609020204030204" pitchFamily="49" charset="0"/>
+                <a:cs typeface="Consolas" panose="020B0609020204030204" pitchFamily="49" charset="0"/>
+              </a:rPr>
+              <a:t>offices</a:t>
+            </a:r>
+            <a:r>
+              <a:rPr lang="de-DE" sz="4000" dirty="0">
+                <a:latin typeface="Consolas" panose="020B0609020204030204" pitchFamily="49" charset="0"/>
+                <a:cs typeface="Consolas" panose="020B0609020204030204" pitchFamily="49" charset="0"/>
+              </a:rPr>
+              <a:t>		 </a:t>
+            </a:r>
+            <a:r>
+              <a:rPr lang="de-DE" sz="4000" dirty="0">
+                <a:solidFill>
+                  <a:schemeClr val="accent6"/>
+                </a:solidFill>
+                <a:latin typeface="Consolas" panose="020B0609020204030204" pitchFamily="49" charset="0"/>
+                <a:cs typeface="Consolas" panose="020B0609020204030204" pitchFamily="49" charset="0"/>
+              </a:rPr>
+              <a:t>201 </a:t>
+            </a:r>
+            <a:r>
+              <a:rPr lang="de-DE" sz="4000" dirty="0" err="1">
+                <a:solidFill>
+                  <a:schemeClr val="accent6"/>
+                </a:solidFill>
+                <a:latin typeface="Consolas" panose="020B0609020204030204" pitchFamily="49" charset="0"/>
+                <a:cs typeface="Consolas" panose="020B0609020204030204" pitchFamily="49" charset="0"/>
+              </a:rPr>
+              <a:t>Created</a:t>
+            </a:r>
+            <a:endParaRPr lang="de-DE" sz="4000" dirty="0">
+              <a:solidFill>
+                <a:schemeClr val="accent6"/>
+              </a:solidFill>
+              <a:latin typeface="Consolas" panose="020B0609020204030204" pitchFamily="49" charset="0"/>
+              <a:cs typeface="Consolas" panose="020B0609020204030204" pitchFamily="49" charset="0"/>
+            </a:endParaRPr>
+          </a:p>
+          <a:p>
+            <a:pPr marL="0" indent="0">
+              <a:lnSpc>
+                <a:spcPct val="150000"/>
+              </a:lnSpc>
+              <a:buNone/>
+            </a:pPr>
+            <a:r>
+              <a:rPr lang="de-DE" sz="4000" dirty="0">
+                <a:latin typeface="Consolas" panose="020B0609020204030204" pitchFamily="49" charset="0"/>
+                <a:cs typeface="Consolas" panose="020B0609020204030204" pitchFamily="49" charset="0"/>
+              </a:rPr>
+              <a:t>DELETE	 </a:t>
+            </a:r>
+            <a:r>
+              <a:rPr lang="de-DE" sz="4000" b="1" dirty="0">
+                <a:latin typeface="Consolas" panose="020B0609020204030204" pitchFamily="49" charset="0"/>
+                <a:cs typeface="Consolas" panose="020B0609020204030204" pitchFamily="49" charset="0"/>
+              </a:rPr>
+              <a:t>/</a:t>
+            </a:r>
+            <a:r>
+              <a:rPr lang="de-DE" sz="4000" b="1" dirty="0" err="1">
+                <a:latin typeface="Consolas" panose="020B0609020204030204" pitchFamily="49" charset="0"/>
+                <a:cs typeface="Consolas" panose="020B0609020204030204" pitchFamily="49" charset="0"/>
+              </a:rPr>
+              <a:t>offices</a:t>
+            </a:r>
+            <a:r>
+              <a:rPr lang="de-DE" sz="4000" b="1" dirty="0">
+                <a:latin typeface="Consolas" panose="020B0609020204030204" pitchFamily="49" charset="0"/>
+                <a:cs typeface="Consolas" panose="020B0609020204030204" pitchFamily="49" charset="0"/>
+              </a:rPr>
+              <a:t>/1</a:t>
+            </a:r>
+            <a:r>
+              <a:rPr lang="de-DE" sz="4000" dirty="0">
+                <a:latin typeface="Consolas" panose="020B0609020204030204" pitchFamily="49" charset="0"/>
+                <a:cs typeface="Consolas" panose="020B0609020204030204" pitchFamily="49" charset="0"/>
+              </a:rPr>
+              <a:t>	 </a:t>
+            </a:r>
+            <a:r>
+              <a:rPr lang="de-DE" sz="4000" dirty="0">
+                <a:solidFill>
+                  <a:schemeClr val="accent6"/>
+                </a:solidFill>
+                <a:latin typeface="Consolas" panose="020B0609020204030204" pitchFamily="49" charset="0"/>
+                <a:cs typeface="Consolas" panose="020B0609020204030204" pitchFamily="49" charset="0"/>
+              </a:rPr>
+              <a:t>202 </a:t>
+            </a:r>
+            <a:r>
+              <a:rPr lang="de-DE" sz="4000" dirty="0" err="1">
+                <a:solidFill>
+                  <a:schemeClr val="accent6"/>
+                </a:solidFill>
+                <a:latin typeface="Consolas" panose="020B0609020204030204" pitchFamily="49" charset="0"/>
+                <a:cs typeface="Consolas" panose="020B0609020204030204" pitchFamily="49" charset="0"/>
+              </a:rPr>
+              <a:t>No</a:t>
+            </a:r>
+            <a:r>
+              <a:rPr lang="de-DE" sz="4000" dirty="0">
+                <a:solidFill>
+                  <a:schemeClr val="accent6"/>
+                </a:solidFill>
+                <a:latin typeface="Consolas" panose="020B0609020204030204" pitchFamily="49" charset="0"/>
+                <a:cs typeface="Consolas" panose="020B0609020204030204" pitchFamily="49" charset="0"/>
+              </a:rPr>
+              <a:t> Content</a:t>
+            </a:r>
+          </a:p>
+        </p:txBody>
+      </p:sp>
+    </p:spTree>
+    <p:extLst>
+      <p:ext uri="{BB962C8B-B14F-4D97-AF65-F5344CB8AC3E}">
+        <p14:creationId xmlns:p14="http://schemas.microsoft.com/office/powerpoint/2010/main" val="722503734"/>
+      </p:ext>
+    </p:extLst>
+  </p:cSld>
+  <p:clrMapOvr>
+    <a:masterClrMapping/>
+  </p:clrMapOvr>
+</p:sld>
+</file>
+
+<file path=ppt/slides/slide19.xml><?xml version="1.0" encoding="utf-8"?>
+<p:sld xmlns:a="http://schemas.openxmlformats.org/drawingml/2006/main" xmlns:r="http://schemas.openxmlformats.org/officeDocument/2006/relationships" xmlns:p="http://schemas.openxmlformats.org/presentationml/2006/main">
+  <p:cSld>
+    <p:spTree>
+      <p:nvGrpSpPr>
+        <p:cNvPr id="1" name=""/>
+        <p:cNvGrpSpPr/>
+        <p:nvPr/>
+      </p:nvGrpSpPr>
+      <p:grpSpPr>
+        <a:xfrm>
+          <a:off x="0" y="0"/>
+          <a:ext cx="0" cy="0"/>
+          <a:chOff x="0" y="0"/>
+          <a:chExt cx="0" cy="0"/>
+        </a:xfrm>
+      </p:grpSpPr>
+      <p:sp>
+        <p:nvSpPr>
+          <p:cNvPr id="2" name="Titel 1">
+            <a:extLst>
+              <a:ext uri="{FF2B5EF4-FFF2-40B4-BE49-F238E27FC236}">
+                <a16:creationId xmlns:a16="http://schemas.microsoft.com/office/drawing/2014/main" id="{AE99CD72-193B-5148-A6AD-C52C4733424B}"/>
+              </a:ext>
+            </a:extLst>
+          </p:cNvPr>
+          <p:cNvSpPr>
+            <a:spLocks noGrp="1"/>
+          </p:cNvSpPr>
+          <p:nvPr>
+            <p:ph type="title"/>
+          </p:nvPr>
+        </p:nvSpPr>
+        <p:spPr/>
+        <p:txBody>
+          <a:bodyPr/>
+          <a:lstStyle/>
+          <a:p>
+            <a:r>
+              <a:rPr lang="de-DE" dirty="0"/>
+              <a:t>Antworten mit HTTP-Statuscodes</a:t>
+            </a:r>
+          </a:p>
+        </p:txBody>
+      </p:sp>
+      <p:sp>
+        <p:nvSpPr>
+          <p:cNvPr id="4" name="Inhaltsplatzhalter 2">
+            <a:extLst>
+              <a:ext uri="{FF2B5EF4-FFF2-40B4-BE49-F238E27FC236}">
+                <a16:creationId xmlns:a16="http://schemas.microsoft.com/office/drawing/2014/main" id="{CA2AE2CB-CC3E-B945-9B37-D2B898DCBDBB}"/>
+              </a:ext>
+            </a:extLst>
+          </p:cNvPr>
+          <p:cNvSpPr>
+            <a:spLocks noGrp="1"/>
+          </p:cNvSpPr>
+          <p:nvPr>
+            <p:ph idx="1"/>
+          </p:nvPr>
+        </p:nvSpPr>
+        <p:spPr/>
+        <p:txBody>
+          <a:bodyPr anchor="ctr">
+            <a:normAutofit fontScale="77500" lnSpcReduction="20000"/>
+          </a:bodyPr>
+          <a:lstStyle/>
+          <a:p>
+            <a:pPr marL="0" indent="0">
+              <a:lnSpc>
+                <a:spcPct val="150000"/>
+              </a:lnSpc>
+              <a:buNone/>
+            </a:pPr>
+            <a:r>
+              <a:rPr lang="de-DE" sz="4000" dirty="0">
+                <a:latin typeface="Consolas" panose="020B0609020204030204" pitchFamily="49" charset="0"/>
+                <a:cs typeface="Consolas" panose="020B0609020204030204" pitchFamily="49" charset="0"/>
+              </a:rPr>
+              <a:t>GET		</a:t>
+            </a:r>
+            <a:r>
+              <a:rPr lang="de-DE" sz="4000" b="1" dirty="0">
+                <a:latin typeface="Consolas" panose="020B0609020204030204" pitchFamily="49" charset="0"/>
+                <a:cs typeface="Consolas" panose="020B0609020204030204" pitchFamily="49" charset="0"/>
+              </a:rPr>
+              <a:t>/</a:t>
+            </a:r>
+            <a:r>
+              <a:rPr lang="de-DE" sz="4000" b="1" dirty="0" err="1">
+                <a:latin typeface="Consolas" panose="020B0609020204030204" pitchFamily="49" charset="0"/>
+                <a:cs typeface="Consolas" panose="020B0609020204030204" pitchFamily="49" charset="0"/>
+              </a:rPr>
+              <a:t>offices</a:t>
+            </a:r>
+            <a:r>
+              <a:rPr lang="de-DE" sz="4000" dirty="0">
+                <a:latin typeface="Consolas" panose="020B0609020204030204" pitchFamily="49" charset="0"/>
+                <a:cs typeface="Consolas" panose="020B0609020204030204" pitchFamily="49" charset="0"/>
+              </a:rPr>
+              <a:t>		  </a:t>
+            </a:r>
+            <a:r>
+              <a:rPr lang="de-DE" sz="4000" dirty="0">
+                <a:solidFill>
+                  <a:srgbClr val="FF0000"/>
+                </a:solidFill>
+                <a:latin typeface="Consolas" panose="020B0609020204030204" pitchFamily="49" charset="0"/>
+                <a:cs typeface="Consolas" panose="020B0609020204030204" pitchFamily="49" charset="0"/>
+              </a:rPr>
+              <a:t>400 Bad Request</a:t>
+            </a:r>
+          </a:p>
+          <a:p>
+            <a:pPr marL="0" indent="0">
+              <a:lnSpc>
+                <a:spcPct val="150000"/>
+              </a:lnSpc>
+              <a:buNone/>
+            </a:pPr>
+            <a:r>
+              <a:rPr lang="de-DE" sz="4000" dirty="0">
+                <a:latin typeface="Consolas" panose="020B0609020204030204" pitchFamily="49" charset="0"/>
+                <a:cs typeface="Consolas" panose="020B0609020204030204" pitchFamily="49" charset="0"/>
+              </a:rPr>
+              <a:t>GET		</a:t>
+            </a:r>
+            <a:r>
+              <a:rPr lang="de-DE" sz="4000" b="1" dirty="0">
+                <a:latin typeface="Consolas" panose="020B0609020204030204" pitchFamily="49" charset="0"/>
+                <a:cs typeface="Consolas" panose="020B0609020204030204" pitchFamily="49" charset="0"/>
+              </a:rPr>
+              <a:t>/</a:t>
+            </a:r>
+            <a:r>
+              <a:rPr lang="de-DE" sz="4000" b="1" dirty="0" err="1">
+                <a:latin typeface="Consolas" panose="020B0609020204030204" pitchFamily="49" charset="0"/>
+                <a:cs typeface="Consolas" panose="020B0609020204030204" pitchFamily="49" charset="0"/>
+              </a:rPr>
+              <a:t>offices</a:t>
+            </a:r>
+            <a:r>
+              <a:rPr lang="de-DE" sz="4000" dirty="0">
+                <a:latin typeface="Consolas" panose="020B0609020204030204" pitchFamily="49" charset="0"/>
+                <a:cs typeface="Consolas" panose="020B0609020204030204" pitchFamily="49" charset="0"/>
+              </a:rPr>
+              <a:t>		  </a:t>
+            </a:r>
+            <a:r>
+              <a:rPr lang="de-DE" sz="4000" dirty="0">
+                <a:solidFill>
+                  <a:srgbClr val="FF0000"/>
+                </a:solidFill>
+                <a:latin typeface="Consolas" panose="020B0609020204030204" pitchFamily="49" charset="0"/>
+                <a:cs typeface="Consolas" panose="020B0609020204030204" pitchFamily="49" charset="0"/>
+              </a:rPr>
+              <a:t>401 </a:t>
+            </a:r>
+            <a:r>
+              <a:rPr lang="de-DE" sz="4000" dirty="0" err="1">
+                <a:solidFill>
+                  <a:srgbClr val="FF0000"/>
+                </a:solidFill>
+                <a:latin typeface="Consolas" panose="020B0609020204030204" pitchFamily="49" charset="0"/>
+                <a:cs typeface="Consolas" panose="020B0609020204030204" pitchFamily="49" charset="0"/>
+              </a:rPr>
+              <a:t>Unauthorized</a:t>
+            </a:r>
+            <a:endParaRPr lang="de-DE" sz="4000" dirty="0">
+              <a:solidFill>
+                <a:srgbClr val="FF0000"/>
+              </a:solidFill>
+              <a:latin typeface="Consolas" panose="020B0609020204030204" pitchFamily="49" charset="0"/>
+              <a:cs typeface="Consolas" panose="020B0609020204030204" pitchFamily="49" charset="0"/>
+            </a:endParaRPr>
+          </a:p>
+          <a:p>
+            <a:pPr marL="0" indent="0">
+              <a:lnSpc>
+                <a:spcPct val="150000"/>
+              </a:lnSpc>
+              <a:buNone/>
+            </a:pPr>
+            <a:r>
+              <a:rPr lang="de-DE" sz="4000" dirty="0">
+                <a:latin typeface="Consolas" panose="020B0609020204030204" pitchFamily="49" charset="0"/>
+                <a:cs typeface="Consolas" panose="020B0609020204030204" pitchFamily="49" charset="0"/>
+              </a:rPr>
+              <a:t>GET		</a:t>
+            </a:r>
+            <a:r>
+              <a:rPr lang="de-DE" sz="4000" b="1" dirty="0">
+                <a:latin typeface="Consolas" panose="020B0609020204030204" pitchFamily="49" charset="0"/>
+                <a:cs typeface="Consolas" panose="020B0609020204030204" pitchFamily="49" charset="0"/>
+              </a:rPr>
+              <a:t>/</a:t>
+            </a:r>
+            <a:r>
+              <a:rPr lang="de-DE" sz="4000" b="1" dirty="0" err="1">
+                <a:latin typeface="Consolas" panose="020B0609020204030204" pitchFamily="49" charset="0"/>
+                <a:cs typeface="Consolas" panose="020B0609020204030204" pitchFamily="49" charset="0"/>
+              </a:rPr>
+              <a:t>offices</a:t>
+            </a:r>
+            <a:r>
+              <a:rPr lang="de-DE" sz="4000" b="1" dirty="0">
+                <a:latin typeface="Consolas" panose="020B0609020204030204" pitchFamily="49" charset="0"/>
+                <a:cs typeface="Consolas" panose="020B0609020204030204" pitchFamily="49" charset="0"/>
+              </a:rPr>
+              <a:t>/2</a:t>
+            </a:r>
+            <a:r>
+              <a:rPr lang="de-DE" sz="4000" dirty="0">
+                <a:latin typeface="Consolas" panose="020B0609020204030204" pitchFamily="49" charset="0"/>
+                <a:cs typeface="Consolas" panose="020B0609020204030204" pitchFamily="49" charset="0"/>
+              </a:rPr>
+              <a:t>	</a:t>
+            </a:r>
+            <a:r>
+              <a:rPr lang="de-DE" sz="4000" dirty="0">
+                <a:solidFill>
+                  <a:srgbClr val="FF0000"/>
+                </a:solidFill>
+                <a:latin typeface="Consolas" panose="020B0609020204030204" pitchFamily="49" charset="0"/>
+                <a:cs typeface="Consolas" panose="020B0609020204030204" pitchFamily="49" charset="0"/>
+              </a:rPr>
+              <a:t>  403 </a:t>
+            </a:r>
+            <a:r>
+              <a:rPr lang="de-DE" sz="4000" dirty="0" err="1">
+                <a:solidFill>
+                  <a:srgbClr val="FF0000"/>
+                </a:solidFill>
+                <a:latin typeface="Consolas" panose="020B0609020204030204" pitchFamily="49" charset="0"/>
+                <a:cs typeface="Consolas" panose="020B0609020204030204" pitchFamily="49" charset="0"/>
+              </a:rPr>
+              <a:t>Forbidden</a:t>
+            </a:r>
+            <a:endParaRPr lang="de-DE" sz="4000" dirty="0">
+              <a:solidFill>
+                <a:srgbClr val="FF0000"/>
+              </a:solidFill>
+              <a:latin typeface="Consolas" panose="020B0609020204030204" pitchFamily="49" charset="0"/>
+              <a:cs typeface="Consolas" panose="020B0609020204030204" pitchFamily="49" charset="0"/>
+            </a:endParaRPr>
+          </a:p>
+          <a:p>
+            <a:pPr marL="0" indent="0">
+              <a:lnSpc>
+                <a:spcPct val="150000"/>
+              </a:lnSpc>
+              <a:buNone/>
+            </a:pPr>
+            <a:r>
+              <a:rPr lang="de-DE" sz="4000" dirty="0">
+                <a:latin typeface="Consolas" panose="020B0609020204030204" pitchFamily="49" charset="0"/>
+                <a:cs typeface="Consolas" panose="020B0609020204030204" pitchFamily="49" charset="0"/>
+              </a:rPr>
+              <a:t>GET		</a:t>
+            </a:r>
+            <a:r>
+              <a:rPr lang="de-DE" sz="4000" b="1" dirty="0">
+                <a:latin typeface="Consolas" panose="020B0609020204030204" pitchFamily="49" charset="0"/>
+                <a:cs typeface="Consolas" panose="020B0609020204030204" pitchFamily="49" charset="0"/>
+              </a:rPr>
+              <a:t>/</a:t>
+            </a:r>
+            <a:r>
+              <a:rPr lang="de-DE" sz="4000" b="1" dirty="0" err="1">
+                <a:latin typeface="Consolas" panose="020B0609020204030204" pitchFamily="49" charset="0"/>
+                <a:cs typeface="Consolas" panose="020B0609020204030204" pitchFamily="49" charset="0"/>
+              </a:rPr>
+              <a:t>offices</a:t>
+            </a:r>
+            <a:r>
+              <a:rPr lang="de-DE" sz="4000" b="1" dirty="0">
+                <a:latin typeface="Consolas" panose="020B0609020204030204" pitchFamily="49" charset="0"/>
+                <a:cs typeface="Consolas" panose="020B0609020204030204" pitchFamily="49" charset="0"/>
+              </a:rPr>
+              <a:t>/7</a:t>
+            </a:r>
+            <a:r>
+              <a:rPr lang="de-DE" sz="4000" dirty="0">
+                <a:latin typeface="Consolas" panose="020B0609020204030204" pitchFamily="49" charset="0"/>
+                <a:cs typeface="Consolas" panose="020B0609020204030204" pitchFamily="49" charset="0"/>
+              </a:rPr>
+              <a:t>	  </a:t>
+            </a:r>
+            <a:r>
+              <a:rPr lang="de-DE" sz="4000" dirty="0">
+                <a:solidFill>
+                  <a:srgbClr val="FF0000"/>
+                </a:solidFill>
+                <a:latin typeface="Consolas" panose="020B0609020204030204" pitchFamily="49" charset="0"/>
+                <a:cs typeface="Consolas" panose="020B0609020204030204" pitchFamily="49" charset="0"/>
+              </a:rPr>
+              <a:t>404 Not </a:t>
+            </a:r>
+            <a:r>
+              <a:rPr lang="de-DE" sz="4000" dirty="0" err="1">
+                <a:solidFill>
+                  <a:srgbClr val="FF0000"/>
+                </a:solidFill>
+                <a:latin typeface="Consolas" panose="020B0609020204030204" pitchFamily="49" charset="0"/>
+                <a:cs typeface="Consolas" panose="020B0609020204030204" pitchFamily="49" charset="0"/>
+              </a:rPr>
+              <a:t>Found</a:t>
+            </a:r>
+            <a:endParaRPr lang="de-DE" sz="4000" dirty="0">
+              <a:solidFill>
+                <a:srgbClr val="FF0000"/>
+              </a:solidFill>
+              <a:latin typeface="Consolas" panose="020B0609020204030204" pitchFamily="49" charset="0"/>
+              <a:cs typeface="Consolas" panose="020B0609020204030204" pitchFamily="49" charset="0"/>
+            </a:endParaRPr>
+          </a:p>
+          <a:p>
+            <a:pPr marL="0" indent="0">
+              <a:lnSpc>
+                <a:spcPct val="150000"/>
+              </a:lnSpc>
+              <a:buNone/>
+            </a:pPr>
+            <a:r>
+              <a:rPr lang="de-DE" sz="4000" dirty="0">
+                <a:latin typeface="Consolas" panose="020B0609020204030204" pitchFamily="49" charset="0"/>
+                <a:cs typeface="Consolas" panose="020B0609020204030204" pitchFamily="49" charset="0"/>
+              </a:rPr>
+              <a:t>POST		</a:t>
+            </a:r>
+            <a:r>
+              <a:rPr lang="de-DE" sz="4000" b="1" dirty="0">
+                <a:latin typeface="Consolas" panose="020B0609020204030204" pitchFamily="49" charset="0"/>
+                <a:cs typeface="Consolas" panose="020B0609020204030204" pitchFamily="49" charset="0"/>
+              </a:rPr>
+              <a:t>/</a:t>
+            </a:r>
+            <a:r>
+              <a:rPr lang="de-DE" sz="4000" b="1" dirty="0" err="1">
+                <a:latin typeface="Consolas" panose="020B0609020204030204" pitchFamily="49" charset="0"/>
+                <a:cs typeface="Consolas" panose="020B0609020204030204" pitchFamily="49" charset="0"/>
+              </a:rPr>
+              <a:t>offices</a:t>
+            </a:r>
+            <a:r>
+              <a:rPr lang="de-DE" sz="4000" dirty="0">
+                <a:latin typeface="Consolas" panose="020B0609020204030204" pitchFamily="49" charset="0"/>
+                <a:cs typeface="Consolas" panose="020B0609020204030204" pitchFamily="49" charset="0"/>
+              </a:rPr>
+              <a:t>		  </a:t>
+            </a:r>
+            <a:r>
+              <a:rPr lang="de-DE" sz="4000" dirty="0">
+                <a:solidFill>
+                  <a:srgbClr val="FF0000"/>
+                </a:solidFill>
+                <a:latin typeface="Consolas" panose="020B0609020204030204" pitchFamily="49" charset="0"/>
+                <a:cs typeface="Consolas" panose="020B0609020204030204" pitchFamily="49" charset="0"/>
+              </a:rPr>
+              <a:t>422 </a:t>
+            </a:r>
+            <a:r>
+              <a:rPr lang="de-DE" sz="4000" dirty="0" err="1">
+                <a:solidFill>
+                  <a:srgbClr val="FF0000"/>
+                </a:solidFill>
+                <a:latin typeface="Consolas" panose="020B0609020204030204" pitchFamily="49" charset="0"/>
+                <a:cs typeface="Consolas" panose="020B0609020204030204" pitchFamily="49" charset="0"/>
+              </a:rPr>
+              <a:t>Unprocessable</a:t>
+            </a:r>
+            <a:r>
+              <a:rPr lang="de-DE" sz="4000" dirty="0">
+                <a:solidFill>
+                  <a:srgbClr val="FF0000"/>
+                </a:solidFill>
+                <a:latin typeface="Consolas" panose="020B0609020204030204" pitchFamily="49" charset="0"/>
+                <a:cs typeface="Consolas" panose="020B0609020204030204" pitchFamily="49" charset="0"/>
+              </a:rPr>
+              <a:t> Entity</a:t>
+            </a:r>
+          </a:p>
+        </p:txBody>
+      </p:sp>
+    </p:spTree>
+    <p:extLst>
+      <p:ext uri="{BB962C8B-B14F-4D97-AF65-F5344CB8AC3E}">
+        <p14:creationId xmlns:p14="http://schemas.microsoft.com/office/powerpoint/2010/main" val="529064594"/>
+      </p:ext>
+    </p:extLst>
+  </p:cSld>
+  <p:clrMapOvr>
+    <a:masterClrMapping/>
+  </p:clrMapOvr>
+</p:sld>
+</file>
+
 <file path=ppt/slides/slide2.xml><?xml version="1.0" encoding="utf-8"?>
 <p:sld xmlns:a="http://schemas.openxmlformats.org/drawingml/2006/main" xmlns:r="http://schemas.openxmlformats.org/officeDocument/2006/relationships" xmlns:p="http://schemas.openxmlformats.org/presentationml/2006/main">
   <p:cSld>
@@ -6460,13 +8840,13 @@
           </p:nvPr>
         </p:nvPicPr>
         <p:blipFill>
-          <a:blip r:embed="rId2">
+          <a:blip r:embed="rId3">
             <a:extLst>
               <a:ext uri="{28A0092B-C50C-407E-A947-70E740481C1C}">
                 <a14:useLocalDpi xmlns:a14="http://schemas.microsoft.com/office/drawing/2010/main" val="0"/>
               </a:ext>
               <a:ext uri="{96DAC541-7B7A-43D3-8B79-37D633B846F1}">
-                <asvg:svgBlip xmlns:asvg="http://schemas.microsoft.com/office/drawing/2016/SVG/main" r:embed="rId3"/>
+                <asvg:svgBlip xmlns:asvg="http://schemas.microsoft.com/office/drawing/2016/SVG/main" r:embed="rId4"/>
               </a:ext>
             </a:extLst>
           </a:blip>
@@ -6496,13 +8876,13 @@
           <p:nvPr/>
         </p:nvPicPr>
         <p:blipFill>
-          <a:blip r:embed="rId4">
+          <a:blip r:embed="rId5">
             <a:extLst>
               <a:ext uri="{28A0092B-C50C-407E-A947-70E740481C1C}">
                 <a14:useLocalDpi xmlns:a14="http://schemas.microsoft.com/office/drawing/2010/main" val="0"/>
               </a:ext>
               <a:ext uri="{96DAC541-7B7A-43D3-8B79-37D633B846F1}">
-                <asvg:svgBlip xmlns:asvg="http://schemas.microsoft.com/office/drawing/2016/SVG/main" r:embed="rId5"/>
+                <asvg:svgBlip xmlns:asvg="http://schemas.microsoft.com/office/drawing/2016/SVG/main" r:embed="rId6"/>
               </a:ext>
             </a:extLst>
           </a:blip>
@@ -6629,6 +9009,549 @@
     <p:extLst>
       <p:ext uri="{BB962C8B-B14F-4D97-AF65-F5344CB8AC3E}">
         <p14:creationId xmlns:p14="http://schemas.microsoft.com/office/powerpoint/2010/main" val="2175510650"/>
+      </p:ext>
+    </p:extLst>
+  </p:cSld>
+  <p:clrMapOvr>
+    <a:masterClrMapping/>
+  </p:clrMapOvr>
+</p:sld>
+</file>
+
+<file path=ppt/slides/slide20.xml><?xml version="1.0" encoding="utf-8"?>
+<p:sld xmlns:a="http://schemas.openxmlformats.org/drawingml/2006/main" xmlns:r="http://schemas.openxmlformats.org/officeDocument/2006/relationships" xmlns:p="http://schemas.openxmlformats.org/presentationml/2006/main">
+  <p:cSld>
+    <p:spTree>
+      <p:nvGrpSpPr>
+        <p:cNvPr id="1" name=""/>
+        <p:cNvGrpSpPr/>
+        <p:nvPr/>
+      </p:nvGrpSpPr>
+      <p:grpSpPr>
+        <a:xfrm>
+          <a:off x="0" y="0"/>
+          <a:ext cx="0" cy="0"/>
+          <a:chOff x="0" y="0"/>
+          <a:chExt cx="0" cy="0"/>
+        </a:xfrm>
+      </p:grpSpPr>
+      <p:sp>
+        <p:nvSpPr>
+          <p:cNvPr id="2" name="Titel 1">
+            <a:extLst>
+              <a:ext uri="{FF2B5EF4-FFF2-40B4-BE49-F238E27FC236}">
+                <a16:creationId xmlns:a16="http://schemas.microsoft.com/office/drawing/2014/main" id="{AE99CD72-193B-5148-A6AD-C52C4733424B}"/>
+              </a:ext>
+            </a:extLst>
+          </p:cNvPr>
+          <p:cNvSpPr>
+            <a:spLocks noGrp="1"/>
+          </p:cNvSpPr>
+          <p:nvPr>
+            <p:ph type="title"/>
+          </p:nvPr>
+        </p:nvSpPr>
+        <p:spPr/>
+        <p:txBody>
+          <a:bodyPr/>
+          <a:lstStyle/>
+          <a:p>
+            <a:r>
+              <a:rPr lang="de-DE" dirty="0"/>
+              <a:t>Antworten mit HTTP-Statuscodes</a:t>
+            </a:r>
+          </a:p>
+        </p:txBody>
+      </p:sp>
+      <p:sp>
+        <p:nvSpPr>
+          <p:cNvPr id="4" name="Inhaltsplatzhalter 2">
+            <a:extLst>
+              <a:ext uri="{FF2B5EF4-FFF2-40B4-BE49-F238E27FC236}">
+                <a16:creationId xmlns:a16="http://schemas.microsoft.com/office/drawing/2014/main" id="{CA2AE2CB-CC3E-B945-9B37-D2B898DCBDBB}"/>
+              </a:ext>
+            </a:extLst>
+          </p:cNvPr>
+          <p:cNvSpPr>
+            <a:spLocks noGrp="1"/>
+          </p:cNvSpPr>
+          <p:nvPr>
+            <p:ph idx="1"/>
+          </p:nvPr>
+        </p:nvSpPr>
+        <p:spPr/>
+        <p:txBody>
+          <a:bodyPr anchor="ctr">
+            <a:normAutofit/>
+          </a:bodyPr>
+          <a:lstStyle/>
+          <a:p>
+            <a:pPr marL="0" indent="0" algn="ctr">
+              <a:lnSpc>
+                <a:spcPct val="150000"/>
+              </a:lnSpc>
+              <a:buNone/>
+            </a:pPr>
+            <a:r>
+              <a:rPr lang="de-DE" sz="4000" dirty="0">
+                <a:solidFill>
+                  <a:schemeClr val="accent1"/>
+                </a:solidFill>
+                <a:latin typeface="Consolas" panose="020B0609020204030204" pitchFamily="49" charset="0"/>
+                <a:cs typeface="Consolas" panose="020B0609020204030204" pitchFamily="49" charset="0"/>
+              </a:rPr>
+              <a:t>3xx Umleitungen</a:t>
+            </a:r>
+          </a:p>
+          <a:p>
+            <a:pPr marL="0" indent="0" algn="ctr">
+              <a:lnSpc>
+                <a:spcPct val="150000"/>
+              </a:lnSpc>
+              <a:buNone/>
+            </a:pPr>
+            <a:r>
+              <a:rPr lang="de-DE" sz="4000" dirty="0">
+                <a:solidFill>
+                  <a:srgbClr val="C00000"/>
+                </a:solidFill>
+                <a:latin typeface="Consolas" panose="020B0609020204030204" pitchFamily="49" charset="0"/>
+                <a:cs typeface="Consolas" panose="020B0609020204030204" pitchFamily="49" charset="0"/>
+              </a:rPr>
+              <a:t>  5xx Server-Fehler</a:t>
+            </a:r>
+          </a:p>
+        </p:txBody>
+      </p:sp>
+    </p:spTree>
+    <p:extLst>
+      <p:ext uri="{BB962C8B-B14F-4D97-AF65-F5344CB8AC3E}">
+        <p14:creationId xmlns:p14="http://schemas.microsoft.com/office/powerpoint/2010/main" val="4093087118"/>
+      </p:ext>
+    </p:extLst>
+  </p:cSld>
+  <p:clrMapOvr>
+    <a:masterClrMapping/>
+  </p:clrMapOvr>
+</p:sld>
+</file>
+
+<file path=ppt/slides/slide21.xml><?xml version="1.0" encoding="utf-8"?>
+<p:sld xmlns:a="http://schemas.openxmlformats.org/drawingml/2006/main" xmlns:r="http://schemas.openxmlformats.org/officeDocument/2006/relationships" xmlns:p="http://schemas.openxmlformats.org/presentationml/2006/main">
+  <p:cSld>
+    <p:spTree>
+      <p:nvGrpSpPr>
+        <p:cNvPr id="1" name=""/>
+        <p:cNvGrpSpPr/>
+        <p:nvPr/>
+      </p:nvGrpSpPr>
+      <p:grpSpPr>
+        <a:xfrm>
+          <a:off x="0" y="0"/>
+          <a:ext cx="0" cy="0"/>
+          <a:chOff x="0" y="0"/>
+          <a:chExt cx="0" cy="0"/>
+        </a:xfrm>
+      </p:grpSpPr>
+      <p:sp>
+        <p:nvSpPr>
+          <p:cNvPr id="2" name="Titel 1">
+            <a:extLst>
+              <a:ext uri="{FF2B5EF4-FFF2-40B4-BE49-F238E27FC236}">
+                <a16:creationId xmlns:a16="http://schemas.microsoft.com/office/drawing/2014/main" id="{2BAC6494-58BE-3D41-B7F3-616FF8138D9C}"/>
+              </a:ext>
+            </a:extLst>
+          </p:cNvPr>
+          <p:cNvSpPr>
+            <a:spLocks noGrp="1"/>
+          </p:cNvSpPr>
+          <p:nvPr>
+            <p:ph type="title"/>
+          </p:nvPr>
+        </p:nvSpPr>
+        <p:spPr/>
+        <p:txBody>
+          <a:bodyPr/>
+          <a:lstStyle/>
+          <a:p>
+            <a:r>
+              <a:rPr lang="de-DE" dirty="0"/>
+              <a:t>Anpassung der Antwort</a:t>
+            </a:r>
+          </a:p>
+        </p:txBody>
+      </p:sp>
+      <p:sp>
+        <p:nvSpPr>
+          <p:cNvPr id="3" name="Inhaltsplatzhalter 2">
+            <a:extLst>
+              <a:ext uri="{FF2B5EF4-FFF2-40B4-BE49-F238E27FC236}">
+                <a16:creationId xmlns:a16="http://schemas.microsoft.com/office/drawing/2014/main" id="{E979677C-4F30-C747-A3EA-4216A6DC69CE}"/>
+              </a:ext>
+            </a:extLst>
+          </p:cNvPr>
+          <p:cNvSpPr>
+            <a:spLocks noGrp="1"/>
+          </p:cNvSpPr>
+          <p:nvPr>
+            <p:ph idx="1"/>
+          </p:nvPr>
+        </p:nvSpPr>
+        <p:spPr>
+          <a:xfrm>
+            <a:off x="838200" y="1825625"/>
+            <a:ext cx="10515599" cy="4351338"/>
+          </a:xfrm>
+        </p:spPr>
+        <p:txBody>
+          <a:bodyPr anchor="ctr"/>
+          <a:lstStyle/>
+          <a:p>
+            <a:pPr marL="0" indent="0">
+              <a:buNone/>
+            </a:pPr>
+            <a:r>
+              <a:rPr lang="de-DE" b="1" dirty="0">
+                <a:latin typeface="Consolas" panose="020B0609020204030204" pitchFamily="49" charset="0"/>
+                <a:cs typeface="Consolas" panose="020B0609020204030204" pitchFamily="49" charset="0"/>
+              </a:rPr>
+              <a:t>Content-Type: 	</a:t>
+            </a:r>
+            <a:r>
+              <a:rPr lang="de-DE" dirty="0">
+                <a:latin typeface="Consolas" panose="020B0609020204030204" pitchFamily="49" charset="0"/>
+                <a:cs typeface="Consolas" panose="020B0609020204030204" pitchFamily="49" charset="0"/>
+              </a:rPr>
+              <a:t>   </a:t>
+            </a:r>
+            <a:r>
+              <a:rPr lang="de-DE" dirty="0" err="1">
+                <a:latin typeface="Consolas" panose="020B0609020204030204" pitchFamily="49" charset="0"/>
+                <a:cs typeface="Consolas" panose="020B0609020204030204" pitchFamily="49" charset="0"/>
+              </a:rPr>
+              <a:t>application</a:t>
+            </a:r>
+            <a:r>
+              <a:rPr lang="de-DE" dirty="0">
+                <a:latin typeface="Consolas" panose="020B0609020204030204" pitchFamily="49" charset="0"/>
+                <a:cs typeface="Consolas" panose="020B0609020204030204" pitchFamily="49" charset="0"/>
+              </a:rPr>
+              <a:t>/</a:t>
+            </a:r>
+            <a:r>
+              <a:rPr lang="de-DE" dirty="0" err="1">
+                <a:latin typeface="Consolas" panose="020B0609020204030204" pitchFamily="49" charset="0"/>
+                <a:cs typeface="Consolas" panose="020B0609020204030204" pitchFamily="49" charset="0"/>
+              </a:rPr>
+              <a:t>json</a:t>
+            </a:r>
+            <a:endParaRPr lang="de-DE" dirty="0">
+              <a:latin typeface="Consolas" panose="020B0609020204030204" pitchFamily="49" charset="0"/>
+              <a:cs typeface="Consolas" panose="020B0609020204030204" pitchFamily="49" charset="0"/>
+            </a:endParaRPr>
+          </a:p>
+          <a:p>
+            <a:pPr marL="0" indent="0">
+              <a:buNone/>
+            </a:pPr>
+            <a:r>
+              <a:rPr lang="de-DE" b="1" dirty="0" err="1">
+                <a:latin typeface="Consolas" panose="020B0609020204030204" pitchFamily="49" charset="0"/>
+                <a:cs typeface="Consolas" panose="020B0609020204030204" pitchFamily="49" charset="0"/>
+              </a:rPr>
+              <a:t>Accept</a:t>
+            </a:r>
+            <a:r>
+              <a:rPr lang="de-DE" b="1" dirty="0">
+                <a:latin typeface="Consolas" panose="020B0609020204030204" pitchFamily="49" charset="0"/>
+                <a:cs typeface="Consolas" panose="020B0609020204030204" pitchFamily="49" charset="0"/>
+              </a:rPr>
+              <a:t>: </a:t>
+            </a:r>
+            <a:r>
+              <a:rPr lang="de-DE" dirty="0">
+                <a:latin typeface="Consolas" panose="020B0609020204030204" pitchFamily="49" charset="0"/>
+                <a:cs typeface="Consolas" panose="020B0609020204030204" pitchFamily="49" charset="0"/>
+              </a:rPr>
+              <a:t>		   </a:t>
+            </a:r>
+            <a:r>
+              <a:rPr lang="de-DE" dirty="0" err="1">
+                <a:latin typeface="Consolas" panose="020B0609020204030204" pitchFamily="49" charset="0"/>
+                <a:cs typeface="Consolas" panose="020B0609020204030204" pitchFamily="49" charset="0"/>
+              </a:rPr>
+              <a:t>application</a:t>
+            </a:r>
+            <a:r>
+              <a:rPr lang="de-DE" dirty="0">
+                <a:latin typeface="Consolas" panose="020B0609020204030204" pitchFamily="49" charset="0"/>
+                <a:cs typeface="Consolas" panose="020B0609020204030204" pitchFamily="49" charset="0"/>
+              </a:rPr>
+              <a:t>/</a:t>
+            </a:r>
+            <a:r>
+              <a:rPr lang="de-DE" dirty="0" err="1">
+                <a:latin typeface="Consolas" panose="020B0609020204030204" pitchFamily="49" charset="0"/>
+                <a:cs typeface="Consolas" panose="020B0609020204030204" pitchFamily="49" charset="0"/>
+              </a:rPr>
+              <a:t>json</a:t>
+            </a:r>
+            <a:endParaRPr lang="de-DE" dirty="0">
+              <a:latin typeface="Consolas" panose="020B0609020204030204" pitchFamily="49" charset="0"/>
+              <a:cs typeface="Consolas" panose="020B0609020204030204" pitchFamily="49" charset="0"/>
+            </a:endParaRPr>
+          </a:p>
+          <a:p>
+            <a:pPr marL="0" indent="0">
+              <a:buNone/>
+            </a:pPr>
+            <a:r>
+              <a:rPr lang="de-DE" b="1" dirty="0" err="1">
+                <a:latin typeface="Consolas" panose="020B0609020204030204" pitchFamily="49" charset="0"/>
+                <a:cs typeface="Consolas" panose="020B0609020204030204" pitchFamily="49" charset="0"/>
+              </a:rPr>
+              <a:t>Accept</a:t>
+            </a:r>
+            <a:r>
+              <a:rPr lang="de-DE" b="1" dirty="0">
+                <a:latin typeface="Consolas" panose="020B0609020204030204" pitchFamily="49" charset="0"/>
+                <a:cs typeface="Consolas" panose="020B0609020204030204" pitchFamily="49" charset="0"/>
+              </a:rPr>
+              <a:t>: </a:t>
+            </a:r>
+            <a:r>
+              <a:rPr lang="de-DE" dirty="0">
+                <a:latin typeface="Consolas" panose="020B0609020204030204" pitchFamily="49" charset="0"/>
+                <a:cs typeface="Consolas" panose="020B0609020204030204" pitchFamily="49" charset="0"/>
+              </a:rPr>
+              <a:t>		   </a:t>
+            </a:r>
+            <a:r>
+              <a:rPr lang="de-DE" dirty="0" err="1">
+                <a:latin typeface="Consolas" panose="020B0609020204030204" pitchFamily="49" charset="0"/>
+                <a:cs typeface="Consolas" panose="020B0609020204030204" pitchFamily="49" charset="0"/>
+              </a:rPr>
+              <a:t>application</a:t>
+            </a:r>
+            <a:r>
+              <a:rPr lang="de-DE" dirty="0">
+                <a:latin typeface="Consolas" panose="020B0609020204030204" pitchFamily="49" charset="0"/>
+                <a:cs typeface="Consolas" panose="020B0609020204030204" pitchFamily="49" charset="0"/>
+              </a:rPr>
+              <a:t>/</a:t>
+            </a:r>
+            <a:r>
+              <a:rPr lang="de-DE" dirty="0" err="1">
+                <a:latin typeface="Consolas" panose="020B0609020204030204" pitchFamily="49" charset="0"/>
+                <a:cs typeface="Consolas" panose="020B0609020204030204" pitchFamily="49" charset="0"/>
+              </a:rPr>
+              <a:t>xml</a:t>
+            </a:r>
+            <a:endParaRPr lang="de-DE" dirty="0">
+              <a:latin typeface="Consolas" panose="020B0609020204030204" pitchFamily="49" charset="0"/>
+              <a:cs typeface="Consolas" panose="020B0609020204030204" pitchFamily="49" charset="0"/>
+            </a:endParaRPr>
+          </a:p>
+          <a:p>
+            <a:pPr marL="0" indent="0">
+              <a:buNone/>
+            </a:pPr>
+            <a:r>
+              <a:rPr lang="de-DE" b="1" dirty="0" err="1">
+                <a:latin typeface="Consolas" panose="020B0609020204030204" pitchFamily="49" charset="0"/>
+                <a:cs typeface="Consolas" panose="020B0609020204030204" pitchFamily="49" charset="0"/>
+              </a:rPr>
+              <a:t>Accept</a:t>
+            </a:r>
+            <a:r>
+              <a:rPr lang="de-DE" b="1" dirty="0">
+                <a:latin typeface="Consolas" panose="020B0609020204030204" pitchFamily="49" charset="0"/>
+                <a:cs typeface="Consolas" panose="020B0609020204030204" pitchFamily="49" charset="0"/>
+              </a:rPr>
+              <a:t>: </a:t>
+            </a:r>
+            <a:r>
+              <a:rPr lang="de-DE" dirty="0">
+                <a:latin typeface="Consolas" panose="020B0609020204030204" pitchFamily="49" charset="0"/>
+                <a:cs typeface="Consolas" panose="020B0609020204030204" pitchFamily="49" charset="0"/>
+              </a:rPr>
+              <a:t>		   </a:t>
+            </a:r>
+            <a:r>
+              <a:rPr lang="de-DE" dirty="0" err="1">
+                <a:latin typeface="Consolas" panose="020B0609020204030204" pitchFamily="49" charset="0"/>
+                <a:cs typeface="Consolas" panose="020B0609020204030204" pitchFamily="49" charset="0"/>
+              </a:rPr>
+              <a:t>application</a:t>
+            </a:r>
+            <a:r>
+              <a:rPr lang="de-DE" dirty="0">
+                <a:latin typeface="Consolas" panose="020B0609020204030204" pitchFamily="49" charset="0"/>
+                <a:cs typeface="Consolas" panose="020B0609020204030204" pitchFamily="49" charset="0"/>
+              </a:rPr>
+              <a:t>/</a:t>
+            </a:r>
+            <a:r>
+              <a:rPr lang="de-DE" dirty="0" err="1">
+                <a:latin typeface="Consolas" panose="020B0609020204030204" pitchFamily="49" charset="0"/>
+                <a:cs typeface="Consolas" panose="020B0609020204030204" pitchFamily="49" charset="0"/>
+              </a:rPr>
+              <a:t>ical</a:t>
+            </a:r>
+            <a:endParaRPr lang="de-DE" dirty="0">
+              <a:latin typeface="Consolas" panose="020B0609020204030204" pitchFamily="49" charset="0"/>
+              <a:cs typeface="Consolas" panose="020B0609020204030204" pitchFamily="49" charset="0"/>
+            </a:endParaRPr>
+          </a:p>
+          <a:p>
+            <a:pPr marL="0" indent="0">
+              <a:buNone/>
+            </a:pPr>
+            <a:r>
+              <a:rPr lang="de-DE" b="1" dirty="0" err="1">
+                <a:latin typeface="Consolas" panose="020B0609020204030204" pitchFamily="49" charset="0"/>
+                <a:cs typeface="Consolas" panose="020B0609020204030204" pitchFamily="49" charset="0"/>
+              </a:rPr>
+              <a:t>Accept</a:t>
+            </a:r>
+            <a:r>
+              <a:rPr lang="de-DE" b="1" dirty="0">
+                <a:latin typeface="Consolas" panose="020B0609020204030204" pitchFamily="49" charset="0"/>
+                <a:cs typeface="Consolas" panose="020B0609020204030204" pitchFamily="49" charset="0"/>
+              </a:rPr>
+              <a:t>: </a:t>
+            </a:r>
+            <a:r>
+              <a:rPr lang="de-DE" dirty="0">
+                <a:latin typeface="Consolas" panose="020B0609020204030204" pitchFamily="49" charset="0"/>
+                <a:cs typeface="Consolas" panose="020B0609020204030204" pitchFamily="49" charset="0"/>
+              </a:rPr>
+              <a:t>	 	   </a:t>
+            </a:r>
+            <a:r>
+              <a:rPr lang="de-DE" dirty="0" err="1">
+                <a:latin typeface="Consolas" panose="020B0609020204030204" pitchFamily="49" charset="0"/>
+                <a:cs typeface="Consolas" panose="020B0609020204030204" pitchFamily="49" charset="0"/>
+              </a:rPr>
+              <a:t>application</a:t>
+            </a:r>
+            <a:r>
+              <a:rPr lang="de-DE" dirty="0">
+                <a:latin typeface="Consolas" panose="020B0609020204030204" pitchFamily="49" charset="0"/>
+                <a:cs typeface="Consolas" panose="020B0609020204030204" pitchFamily="49" charset="0"/>
+              </a:rPr>
+              <a:t>/</a:t>
+            </a:r>
+            <a:r>
+              <a:rPr lang="de-DE" dirty="0" err="1">
+                <a:latin typeface="Consolas" panose="020B0609020204030204" pitchFamily="49" charset="0"/>
+                <a:cs typeface="Consolas" panose="020B0609020204030204" pitchFamily="49" charset="0"/>
+              </a:rPr>
+              <a:t>csv</a:t>
+            </a:r>
+            <a:endParaRPr lang="de-DE" dirty="0">
+              <a:latin typeface="Consolas" panose="020B0609020204030204" pitchFamily="49" charset="0"/>
+              <a:cs typeface="Consolas" panose="020B0609020204030204" pitchFamily="49" charset="0"/>
+            </a:endParaRPr>
+          </a:p>
+          <a:p>
+            <a:pPr marL="0" indent="0">
+              <a:buNone/>
+            </a:pPr>
+            <a:r>
+              <a:rPr lang="de-DE" b="1" dirty="0" err="1">
+                <a:latin typeface="Consolas" panose="020B0609020204030204" pitchFamily="49" charset="0"/>
+                <a:cs typeface="Consolas" panose="020B0609020204030204" pitchFamily="49" charset="0"/>
+              </a:rPr>
+              <a:t>Accept</a:t>
+            </a:r>
+            <a:r>
+              <a:rPr lang="de-DE" b="1" dirty="0">
+                <a:latin typeface="Consolas" panose="020B0609020204030204" pitchFamily="49" charset="0"/>
+                <a:cs typeface="Consolas" panose="020B0609020204030204" pitchFamily="49" charset="0"/>
+              </a:rPr>
+              <a:t>-version:  </a:t>
+            </a:r>
+            <a:r>
+              <a:rPr lang="de-DE" dirty="0">
+                <a:latin typeface="Consolas" panose="020B0609020204030204" pitchFamily="49" charset="0"/>
+                <a:cs typeface="Consolas" panose="020B0609020204030204" pitchFamily="49" charset="0"/>
+              </a:rPr>
+              <a:t>v10</a:t>
+            </a:r>
+          </a:p>
+          <a:p>
+            <a:pPr marL="0" indent="0">
+              <a:buNone/>
+            </a:pPr>
+            <a:r>
+              <a:rPr lang="de-DE" b="1" dirty="0" err="1">
+                <a:latin typeface="Consolas" panose="020B0609020204030204" pitchFamily="49" charset="0"/>
+                <a:cs typeface="Consolas" panose="020B0609020204030204" pitchFamily="49" charset="0"/>
+              </a:rPr>
+              <a:t>Authorization</a:t>
+            </a:r>
+            <a:r>
+              <a:rPr lang="de-DE" b="1" dirty="0">
+                <a:latin typeface="Consolas" panose="020B0609020204030204" pitchFamily="49" charset="0"/>
+                <a:cs typeface="Consolas" panose="020B0609020204030204" pitchFamily="49" charset="0"/>
+              </a:rPr>
+              <a:t>:	</a:t>
+            </a:r>
+            <a:r>
+              <a:rPr lang="de-DE" dirty="0">
+                <a:latin typeface="Consolas" panose="020B0609020204030204" pitchFamily="49" charset="0"/>
+                <a:cs typeface="Consolas" panose="020B0609020204030204" pitchFamily="49" charset="0"/>
+              </a:rPr>
+              <a:t>   </a:t>
+            </a:r>
+            <a:r>
+              <a:rPr lang="de-DE" dirty="0" err="1">
+                <a:latin typeface="Consolas" panose="020B0609020204030204" pitchFamily="49" charset="0"/>
+                <a:cs typeface="Consolas" panose="020B0609020204030204" pitchFamily="49" charset="0"/>
+              </a:rPr>
+              <a:t>Bearer</a:t>
+            </a:r>
+            <a:r>
+              <a:rPr lang="de-DE" dirty="0">
+                <a:latin typeface="Consolas" panose="020B0609020204030204" pitchFamily="49" charset="0"/>
+                <a:cs typeface="Consolas" panose="020B0609020204030204" pitchFamily="49" charset="0"/>
+              </a:rPr>
+              <a:t>: apsofijawßef9ijavsdvoinam49</a:t>
+            </a:r>
+          </a:p>
+          <a:p>
+            <a:pPr marL="0" indent="0">
+              <a:buNone/>
+            </a:pPr>
+            <a:r>
+              <a:rPr lang="de-DE" b="1" dirty="0">
+                <a:latin typeface="Consolas" panose="020B0609020204030204" pitchFamily="49" charset="0"/>
+                <a:cs typeface="Consolas" panose="020B0609020204030204" pitchFamily="49" charset="0"/>
+              </a:rPr>
+              <a:t>Cache-Control:   </a:t>
+            </a:r>
+            <a:r>
+              <a:rPr lang="de-DE" dirty="0" err="1">
+                <a:latin typeface="Consolas" panose="020B0609020204030204" pitchFamily="49" charset="0"/>
+                <a:cs typeface="Consolas" panose="020B0609020204030204" pitchFamily="49" charset="0"/>
+              </a:rPr>
+              <a:t>max-age</a:t>
+            </a:r>
+            <a:r>
+              <a:rPr lang="de-DE" dirty="0">
+                <a:latin typeface="Consolas" panose="020B0609020204030204" pitchFamily="49" charset="0"/>
+                <a:cs typeface="Consolas" panose="020B0609020204030204" pitchFamily="49" charset="0"/>
+              </a:rPr>
+              <a:t>=300</a:t>
+            </a:r>
+          </a:p>
+        </p:txBody>
+      </p:sp>
+    </p:spTree>
+    <p:extLst>
+      <p:ext uri="{BB962C8B-B14F-4D97-AF65-F5344CB8AC3E}">
+        <p14:creationId xmlns:p14="http://schemas.microsoft.com/office/powerpoint/2010/main" val="1494557713"/>
       </p:ext>
     </p:extLst>
   </p:cSld>
@@ -6705,13 +9628,13 @@
           </p:nvPr>
         </p:nvPicPr>
         <p:blipFill>
-          <a:blip r:embed="rId2">
+          <a:blip r:embed="rId3">
             <a:extLst>
               <a:ext uri="{28A0092B-C50C-407E-A947-70E740481C1C}">
                 <a14:useLocalDpi xmlns:a14="http://schemas.microsoft.com/office/drawing/2010/main" val="0"/>
               </a:ext>
               <a:ext uri="{96DAC541-7B7A-43D3-8B79-37D633B846F1}">
-                <asvg:svgBlip xmlns:asvg="http://schemas.microsoft.com/office/drawing/2016/SVG/main" r:embed="rId3"/>
+                <asvg:svgBlip xmlns:asvg="http://schemas.microsoft.com/office/drawing/2016/SVG/main" r:embed="rId4"/>
               </a:ext>
             </a:extLst>
           </a:blip>
@@ -6741,13 +9664,13 @@
           <p:nvPr/>
         </p:nvPicPr>
         <p:blipFill>
-          <a:blip r:embed="rId4">
+          <a:blip r:embed="rId5">
             <a:extLst>
               <a:ext uri="{28A0092B-C50C-407E-A947-70E740481C1C}">
                 <a14:useLocalDpi xmlns:a14="http://schemas.microsoft.com/office/drawing/2010/main" val="0"/>
               </a:ext>
               <a:ext uri="{96DAC541-7B7A-43D3-8B79-37D633B846F1}">
-                <asvg:svgBlip xmlns:asvg="http://schemas.microsoft.com/office/drawing/2016/SVG/main" r:embed="rId5"/>
+                <asvg:svgBlip xmlns:asvg="http://schemas.microsoft.com/office/drawing/2016/SVG/main" r:embed="rId6"/>
               </a:ext>
             </a:extLst>
           </a:blip>
@@ -6780,13 +9703,13 @@
           <p:nvPr/>
         </p:nvPicPr>
         <p:blipFill>
-          <a:blip r:embed="rId6">
+          <a:blip r:embed="rId7">
             <a:extLst>
               <a:ext uri="{28A0092B-C50C-407E-A947-70E740481C1C}">
                 <a14:useLocalDpi xmlns:a14="http://schemas.microsoft.com/office/drawing/2010/main" val="0"/>
               </a:ext>
               <a:ext uri="{96DAC541-7B7A-43D3-8B79-37D633B846F1}">
-                <asvg:svgBlip xmlns:asvg="http://schemas.microsoft.com/office/drawing/2016/SVG/main" r:embed="rId7"/>
+                <asvg:svgBlip xmlns:asvg="http://schemas.microsoft.com/office/drawing/2016/SVG/main" r:embed="rId8"/>
               </a:ext>
             </a:extLst>
           </a:blip>
@@ -7024,13 +9947,13 @@
           </p:nvPr>
         </p:nvPicPr>
         <p:blipFill>
-          <a:blip r:embed="rId2">
+          <a:blip r:embed="rId3">
             <a:extLst>
               <a:ext uri="{28A0092B-C50C-407E-A947-70E740481C1C}">
                 <a14:useLocalDpi xmlns:a14="http://schemas.microsoft.com/office/drawing/2010/main" val="0"/>
               </a:ext>
               <a:ext uri="{96DAC541-7B7A-43D3-8B79-37D633B846F1}">
-                <asvg:svgBlip xmlns:asvg="http://schemas.microsoft.com/office/drawing/2016/SVG/main" r:embed="rId3"/>
+                <asvg:svgBlip xmlns:asvg="http://schemas.microsoft.com/office/drawing/2016/SVG/main" r:embed="rId4"/>
               </a:ext>
             </a:extLst>
           </a:blip>
@@ -7060,13 +9983,13 @@
           <p:nvPr/>
         </p:nvPicPr>
         <p:blipFill>
-          <a:blip r:embed="rId4">
+          <a:blip r:embed="rId5">
             <a:extLst>
               <a:ext uri="{28A0092B-C50C-407E-A947-70E740481C1C}">
                 <a14:useLocalDpi xmlns:a14="http://schemas.microsoft.com/office/drawing/2010/main" val="0"/>
               </a:ext>
               <a:ext uri="{96DAC541-7B7A-43D3-8B79-37D633B846F1}">
-                <asvg:svgBlip xmlns:asvg="http://schemas.microsoft.com/office/drawing/2016/SVG/main" r:embed="rId5"/>
+                <asvg:svgBlip xmlns:asvg="http://schemas.microsoft.com/office/drawing/2016/SVG/main" r:embed="rId6"/>
               </a:ext>
             </a:extLst>
           </a:blip>
@@ -7099,13 +10022,13 @@
           <p:nvPr/>
         </p:nvPicPr>
         <p:blipFill>
-          <a:blip r:embed="rId6">
+          <a:blip r:embed="rId7">
             <a:extLst>
               <a:ext uri="{28A0092B-C50C-407E-A947-70E740481C1C}">
                 <a14:useLocalDpi xmlns:a14="http://schemas.microsoft.com/office/drawing/2010/main" val="0"/>
               </a:ext>
               <a:ext uri="{96DAC541-7B7A-43D3-8B79-37D633B846F1}">
-                <asvg:svgBlip xmlns:asvg="http://schemas.microsoft.com/office/drawing/2016/SVG/main" r:embed="rId7"/>
+                <asvg:svgBlip xmlns:asvg="http://schemas.microsoft.com/office/drawing/2016/SVG/main" r:embed="rId8"/>
               </a:ext>
             </a:extLst>
           </a:blip>
@@ -7278,13 +10201,13 @@
           <p:nvPr/>
         </p:nvPicPr>
         <p:blipFill>
-          <a:blip r:embed="rId8">
+          <a:blip r:embed="rId9">
             <a:extLst>
               <a:ext uri="{28A0092B-C50C-407E-A947-70E740481C1C}">
                 <a14:useLocalDpi xmlns:a14="http://schemas.microsoft.com/office/drawing/2010/main" val="0"/>
               </a:ext>
               <a:ext uri="{96DAC541-7B7A-43D3-8B79-37D633B846F1}">
-                <asvg:svgBlip xmlns:asvg="http://schemas.microsoft.com/office/drawing/2016/SVG/main" r:embed="rId9"/>
+                <asvg:svgBlip xmlns:asvg="http://schemas.microsoft.com/office/drawing/2016/SVG/main" r:embed="rId10"/>
               </a:ext>
             </a:extLst>
           </a:blip>
@@ -7417,13 +10340,13 @@
           </p:nvPr>
         </p:nvPicPr>
         <p:blipFill>
-          <a:blip r:embed="rId2">
+          <a:blip r:embed="rId3">
             <a:extLst>
               <a:ext uri="{28A0092B-C50C-407E-A947-70E740481C1C}">
                 <a14:useLocalDpi xmlns:a14="http://schemas.microsoft.com/office/drawing/2010/main" val="0"/>
               </a:ext>
               <a:ext uri="{96DAC541-7B7A-43D3-8B79-37D633B846F1}">
-                <asvg:svgBlip xmlns:asvg="http://schemas.microsoft.com/office/drawing/2016/SVG/main" r:embed="rId3"/>
+                <asvg:svgBlip xmlns:asvg="http://schemas.microsoft.com/office/drawing/2016/SVG/main" r:embed="rId4"/>
               </a:ext>
             </a:extLst>
           </a:blip>
@@ -7440,10 +10363,10 @@
       </p:pic>
       <p:pic>
         <p:nvPicPr>
-          <p:cNvPr id="12" name="Grafik 11">
-            <a:extLst>
-              <a:ext uri="{FF2B5EF4-FFF2-40B4-BE49-F238E27FC236}">
-                <a16:creationId xmlns:a16="http://schemas.microsoft.com/office/drawing/2014/main" id="{5FAA8E9F-5974-45EE-8B95-5627BEFED39F}"/>
+          <p:cNvPr id="10" name="Grafik 9">
+            <a:extLst>
+              <a:ext uri="{FF2B5EF4-FFF2-40B4-BE49-F238E27FC236}">
+                <a16:creationId xmlns:a16="http://schemas.microsoft.com/office/drawing/2014/main" id="{C8167A9D-709E-45C9-8A37-9B16530CF554}"/>
               </a:ext>
             </a:extLst>
           </p:cNvPr>
@@ -7453,13 +10376,52 @@
           <p:nvPr/>
         </p:nvPicPr>
         <p:blipFill>
-          <a:blip r:embed="rId4">
+          <a:blip r:embed="rId5">
             <a:extLst>
               <a:ext uri="{28A0092B-C50C-407E-A947-70E740481C1C}">
                 <a14:useLocalDpi xmlns:a14="http://schemas.microsoft.com/office/drawing/2010/main" val="0"/>
               </a:ext>
               <a:ext uri="{96DAC541-7B7A-43D3-8B79-37D633B846F1}">
-                <asvg:svgBlip xmlns:asvg="http://schemas.microsoft.com/office/drawing/2016/SVG/main" r:embed="rId5"/>
+                <asvg:svgBlip xmlns:asvg="http://schemas.microsoft.com/office/drawing/2016/SVG/main" r:embed="rId6"/>
+              </a:ext>
+            </a:extLst>
+          </a:blip>
+          <a:stretch>
+            <a:fillRect/>
+          </a:stretch>
+        </p:blipFill>
+        <p:spPr>
+          <a:xfrm>
+            <a:off x="2473316" y="1923329"/>
+            <a:ext cx="1290762" cy="1771045"/>
+          </a:xfrm>
+          <a:prstGeom prst="rect">
+            <a:avLst/>
+          </a:prstGeom>
+        </p:spPr>
+      </p:pic>
+      <p:pic>
+        <p:nvPicPr>
+          <p:cNvPr id="12" name="Grafik 11">
+            <a:extLst>
+              <a:ext uri="{FF2B5EF4-FFF2-40B4-BE49-F238E27FC236}">
+                <a16:creationId xmlns:a16="http://schemas.microsoft.com/office/drawing/2014/main" id="{5FAA8E9F-5974-45EE-8B95-5627BEFED39F}"/>
+              </a:ext>
+            </a:extLst>
+          </p:cNvPr>
+          <p:cNvPicPr>
+            <a:picLocks noChangeAspect="1"/>
+          </p:cNvPicPr>
+          <p:nvPr/>
+        </p:nvPicPr>
+        <p:blipFill>
+          <a:blip r:embed="rId7">
+            <a:extLst>
+              <a:ext uri="{28A0092B-C50C-407E-A947-70E740481C1C}">
+                <a14:useLocalDpi xmlns:a14="http://schemas.microsoft.com/office/drawing/2010/main" val="0"/>
+              </a:ext>
+              <a:ext uri="{96DAC541-7B7A-43D3-8B79-37D633B846F1}">
+                <asvg:svgBlip xmlns:asvg="http://schemas.microsoft.com/office/drawing/2016/SVG/main" r:embed="rId8"/>
               </a:ext>
             </a:extLst>
           </a:blip>
@@ -7492,445 +10454,13 @@
           <p:nvPr/>
         </p:nvPicPr>
         <p:blipFill>
-          <a:blip r:embed="rId6">
+          <a:blip r:embed="rId9">
             <a:extLst>
               <a:ext uri="{28A0092B-C50C-407E-A947-70E740481C1C}">
                 <a14:useLocalDpi xmlns:a14="http://schemas.microsoft.com/office/drawing/2010/main" val="0"/>
               </a:ext>
               <a:ext uri="{96DAC541-7B7A-43D3-8B79-37D633B846F1}">
-                <asvg:svgBlip xmlns:asvg="http://schemas.microsoft.com/office/drawing/2016/SVG/main" r:embed="rId7"/>
-              </a:ext>
-            </a:extLst>
-          </a:blip>
-          <a:stretch>
-            <a:fillRect/>
-          </a:stretch>
-        </p:blipFill>
-        <p:spPr>
-          <a:xfrm>
-            <a:off x="5432755" y="3463549"/>
-            <a:ext cx="1592637" cy="2707894"/>
-          </a:xfrm>
-          <a:prstGeom prst="rect">
-            <a:avLst/>
-          </a:prstGeom>
-        </p:spPr>
-      </p:pic>
-      <p:sp>
-        <p:nvSpPr>
-          <p:cNvPr id="15" name="Textfeld 14">
-            <a:extLst>
-              <a:ext uri="{FF2B5EF4-FFF2-40B4-BE49-F238E27FC236}">
-                <a16:creationId xmlns:a16="http://schemas.microsoft.com/office/drawing/2014/main" id="{03682263-AEE8-4E64-91D2-4DCCD6C76D39}"/>
-              </a:ext>
-            </a:extLst>
-          </p:cNvPr>
-          <p:cNvSpPr txBox="1"/>
-          <p:nvPr/>
-        </p:nvSpPr>
-        <p:spPr>
-          <a:xfrm>
-            <a:off x="1624522" y="4590495"/>
-            <a:ext cx="1417055" cy="369332"/>
-          </a:xfrm>
-          <a:prstGeom prst="rect">
-            <a:avLst/>
-          </a:prstGeom>
-          <a:noFill/>
-        </p:spPr>
-        <p:txBody>
-          <a:bodyPr wrap="none" rtlCol="0">
-            <a:spAutoFit/>
-          </a:bodyPr>
-          <a:lstStyle/>
-          <a:p>
-            <a:r>
-              <a:rPr lang="de-DE" dirty="0"/>
-              <a:t>das Frontend</a:t>
-            </a:r>
-          </a:p>
-        </p:txBody>
-      </p:sp>
-      <p:sp>
-        <p:nvSpPr>
-          <p:cNvPr id="16" name="Textfeld 15">
-            <a:extLst>
-              <a:ext uri="{FF2B5EF4-FFF2-40B4-BE49-F238E27FC236}">
-                <a16:creationId xmlns:a16="http://schemas.microsoft.com/office/drawing/2014/main" id="{51685A1F-0577-48C4-95C2-A72657D2B508}"/>
-              </a:ext>
-            </a:extLst>
-          </p:cNvPr>
-          <p:cNvSpPr txBox="1"/>
-          <p:nvPr/>
-        </p:nvSpPr>
-        <p:spPr>
-          <a:xfrm>
-            <a:off x="6349885" y="3463549"/>
-            <a:ext cx="1676741" cy="369332"/>
-          </a:xfrm>
-          <a:prstGeom prst="rect">
-            <a:avLst/>
-          </a:prstGeom>
-          <a:noFill/>
-        </p:spPr>
-        <p:txBody>
-          <a:bodyPr wrap="none" rtlCol="0">
-            <a:spAutoFit/>
-          </a:bodyPr>
-          <a:lstStyle/>
-          <a:p>
-            <a:r>
-              <a:rPr lang="de-DE" dirty="0"/>
-              <a:t>die Schnittstelle</a:t>
-            </a:r>
-          </a:p>
-        </p:txBody>
-      </p:sp>
-      <p:sp>
-        <p:nvSpPr>
-          <p:cNvPr id="17" name="Textfeld 16">
-            <a:extLst>
-              <a:ext uri="{FF2B5EF4-FFF2-40B4-BE49-F238E27FC236}">
-                <a16:creationId xmlns:a16="http://schemas.microsoft.com/office/drawing/2014/main" id="{800FFC37-E607-4B24-9022-55C13FD48F59}"/>
-              </a:ext>
-            </a:extLst>
-          </p:cNvPr>
-          <p:cNvSpPr txBox="1"/>
-          <p:nvPr/>
-        </p:nvSpPr>
-        <p:spPr>
-          <a:xfrm>
-            <a:off x="9830693" y="3463549"/>
-            <a:ext cx="1349024" cy="369332"/>
-          </a:xfrm>
-          <a:prstGeom prst="rect">
-            <a:avLst/>
-          </a:prstGeom>
-          <a:noFill/>
-        </p:spPr>
-        <p:txBody>
-          <a:bodyPr wrap="none" rtlCol="0">
-            <a:spAutoFit/>
-          </a:bodyPr>
-          <a:lstStyle/>
-          <a:p>
-            <a:r>
-              <a:rPr lang="de-DE" dirty="0"/>
-              <a:t>das Backend</a:t>
-            </a:r>
-          </a:p>
-        </p:txBody>
-      </p:sp>
-      <p:sp>
-        <p:nvSpPr>
-          <p:cNvPr id="47" name="Textfeld 46">
-            <a:extLst>
-              <a:ext uri="{FF2B5EF4-FFF2-40B4-BE49-F238E27FC236}">
-                <a16:creationId xmlns:a16="http://schemas.microsoft.com/office/drawing/2014/main" id="{9FFB4CA2-E8FA-40E9-89C2-6BD6B2CD1409}"/>
-              </a:ext>
-            </a:extLst>
-          </p:cNvPr>
-          <p:cNvSpPr txBox="1"/>
-          <p:nvPr/>
-        </p:nvSpPr>
-        <p:spPr>
-          <a:xfrm>
-            <a:off x="10047675" y="6501459"/>
-            <a:ext cx="1768433" cy="200055"/>
-          </a:xfrm>
-          <a:prstGeom prst="rect">
-            <a:avLst/>
-          </a:prstGeom>
-          <a:noFill/>
-        </p:spPr>
-        <p:txBody>
-          <a:bodyPr wrap="none" rtlCol="0">
-            <a:spAutoFit/>
-          </a:bodyPr>
-          <a:lstStyle/>
-          <a:p>
-            <a:r>
-              <a:rPr lang="de-DE" sz="700" dirty="0"/>
-              <a:t>Bilder von https://publicdomainvectors.org</a:t>
-            </a:r>
-          </a:p>
-        </p:txBody>
-      </p:sp>
-      <p:pic>
-        <p:nvPicPr>
-          <p:cNvPr id="10" name="Grafik 9">
-            <a:extLst>
-              <a:ext uri="{FF2B5EF4-FFF2-40B4-BE49-F238E27FC236}">
-                <a16:creationId xmlns:a16="http://schemas.microsoft.com/office/drawing/2014/main" id="{3080D4E5-5DBA-4FF0-A0EA-7B2183D8E4F4}"/>
-              </a:ext>
-            </a:extLst>
-          </p:cNvPr>
-          <p:cNvPicPr>
-            <a:picLocks noChangeAspect="1"/>
-          </p:cNvPicPr>
-          <p:nvPr/>
-        </p:nvPicPr>
-        <p:blipFill>
-          <a:blip r:embed="rId8">
-            <a:extLst>
-              <a:ext uri="{28A0092B-C50C-407E-A947-70E740481C1C}">
-                <a14:useLocalDpi xmlns:a14="http://schemas.microsoft.com/office/drawing/2010/main" val="0"/>
-              </a:ext>
-              <a:ext uri="{96DAC541-7B7A-43D3-8B79-37D633B846F1}">
-                <asvg:svgBlip xmlns:asvg="http://schemas.microsoft.com/office/drawing/2016/SVG/main" r:embed="rId9"/>
-              </a:ext>
-            </a:extLst>
-          </a:blip>
-          <a:stretch>
-            <a:fillRect/>
-          </a:stretch>
-        </p:blipFill>
-        <p:spPr>
-          <a:xfrm>
-            <a:off x="2473316" y="1923329"/>
-            <a:ext cx="1290762" cy="1771045"/>
-          </a:xfrm>
-          <a:prstGeom prst="rect">
-            <a:avLst/>
-          </a:prstGeom>
-        </p:spPr>
-      </p:pic>
-      <p:sp>
-        <p:nvSpPr>
-          <p:cNvPr id="11" name="Textfeld 10">
-            <a:extLst>
-              <a:ext uri="{FF2B5EF4-FFF2-40B4-BE49-F238E27FC236}">
-                <a16:creationId xmlns:a16="http://schemas.microsoft.com/office/drawing/2014/main" id="{5DFB1B3C-A1DF-4181-8E60-41A6049E3DCB}"/>
-              </a:ext>
-            </a:extLst>
-          </p:cNvPr>
-          <p:cNvSpPr txBox="1"/>
-          <p:nvPr/>
-        </p:nvSpPr>
-        <p:spPr>
-          <a:xfrm>
-            <a:off x="3764078" y="2624185"/>
-            <a:ext cx="3065134" cy="369332"/>
-          </a:xfrm>
-          <a:prstGeom prst="rect">
-            <a:avLst/>
-          </a:prstGeom>
-          <a:noFill/>
-        </p:spPr>
-        <p:txBody>
-          <a:bodyPr wrap="none" rtlCol="0">
-            <a:spAutoFit/>
-          </a:bodyPr>
-          <a:lstStyle/>
-          <a:p>
-            <a:r>
-              <a:rPr lang="de-DE" dirty="0"/>
-              <a:t>die Schnittstellenbeschreibung</a:t>
-            </a:r>
-          </a:p>
-        </p:txBody>
-      </p:sp>
-    </p:spTree>
-    <p:extLst>
-      <p:ext uri="{BB962C8B-B14F-4D97-AF65-F5344CB8AC3E}">
-        <p14:creationId xmlns:p14="http://schemas.microsoft.com/office/powerpoint/2010/main" val="4016206484"/>
-      </p:ext>
-    </p:extLst>
-  </p:cSld>
-  <p:clrMapOvr>
-    <a:masterClrMapping/>
-  </p:clrMapOvr>
-</p:sld>
-</file>
-
-<file path=ppt/slides/slide6.xml><?xml version="1.0" encoding="utf-8"?>
-<p:sld xmlns:a="http://schemas.openxmlformats.org/drawingml/2006/main" xmlns:r="http://schemas.openxmlformats.org/officeDocument/2006/relationships" xmlns:p="http://schemas.openxmlformats.org/presentationml/2006/main">
-  <p:cSld>
-    <p:spTree>
-      <p:nvGrpSpPr>
-        <p:cNvPr id="1" name=""/>
-        <p:cNvGrpSpPr/>
-        <p:nvPr/>
-      </p:nvGrpSpPr>
-      <p:grpSpPr>
-        <a:xfrm>
-          <a:off x="0" y="0"/>
-          <a:ext cx="0" cy="0"/>
-          <a:chOff x="0" y="0"/>
-          <a:chExt cx="0" cy="0"/>
-        </a:xfrm>
-      </p:grpSpPr>
-      <p:sp>
-        <p:nvSpPr>
-          <p:cNvPr id="4" name="Titel 3">
-            <a:extLst>
-              <a:ext uri="{FF2B5EF4-FFF2-40B4-BE49-F238E27FC236}">
-                <a16:creationId xmlns:a16="http://schemas.microsoft.com/office/drawing/2014/main" id="{1C50C305-399E-426F-A6B2-8509FE9A3D5C}"/>
-              </a:ext>
-            </a:extLst>
-          </p:cNvPr>
-          <p:cNvSpPr>
-            <a:spLocks noGrp="1"/>
-          </p:cNvSpPr>
-          <p:nvPr>
-            <p:ph type="title"/>
-          </p:nvPr>
-        </p:nvSpPr>
-        <p:spPr>
-          <a:xfrm>
-            <a:off x="838200" y="365125"/>
-            <a:ext cx="10515600" cy="1325563"/>
-          </a:xfrm>
-        </p:spPr>
-        <p:txBody>
-          <a:bodyPr/>
-          <a:lstStyle/>
-          <a:p>
-            <a:r>
-              <a:rPr lang="de-DE" dirty="0"/>
-              <a:t>Herzlich Willkommen im RESTaurant!</a:t>
-            </a:r>
-          </a:p>
-        </p:txBody>
-      </p:sp>
-      <p:pic>
-        <p:nvPicPr>
-          <p:cNvPr id="8" name="Inhaltsplatzhalter 7">
-            <a:extLst>
-              <a:ext uri="{FF2B5EF4-FFF2-40B4-BE49-F238E27FC236}">
-                <a16:creationId xmlns:a16="http://schemas.microsoft.com/office/drawing/2014/main" id="{BC477C8F-9A7B-4BC5-96A5-B81B397FB4D5}"/>
-              </a:ext>
-            </a:extLst>
-          </p:cNvPr>
-          <p:cNvPicPr>
-            <a:picLocks noGrp="1" noChangeAspect="1"/>
-          </p:cNvPicPr>
-          <p:nvPr>
-            <p:ph idx="1"/>
-          </p:nvPr>
-        </p:nvPicPr>
-        <p:blipFill>
-          <a:blip r:embed="rId2">
-            <a:extLst>
-              <a:ext uri="{28A0092B-C50C-407E-A947-70E740481C1C}">
-                <a14:useLocalDpi xmlns:a14="http://schemas.microsoft.com/office/drawing/2010/main" val="0"/>
-              </a:ext>
-              <a:ext uri="{96DAC541-7B7A-43D3-8B79-37D633B846F1}">
-                <asvg:svgBlip xmlns:asvg="http://schemas.microsoft.com/office/drawing/2016/SVG/main" r:embed="rId3"/>
-              </a:ext>
-            </a:extLst>
-          </a:blip>
-          <a:stretch>
-            <a:fillRect/>
-          </a:stretch>
-        </p:blipFill>
-        <p:spPr>
-          <a:xfrm>
-            <a:off x="9517214" y="3927015"/>
-            <a:ext cx="1836586" cy="2244428"/>
-          </a:xfrm>
-        </p:spPr>
-      </p:pic>
-      <p:pic>
-        <p:nvPicPr>
-          <p:cNvPr id="10" name="Grafik 9">
-            <a:extLst>
-              <a:ext uri="{FF2B5EF4-FFF2-40B4-BE49-F238E27FC236}">
-                <a16:creationId xmlns:a16="http://schemas.microsoft.com/office/drawing/2014/main" id="{C8167A9D-709E-45C9-8A37-9B16530CF554}"/>
-              </a:ext>
-            </a:extLst>
-          </p:cNvPr>
-          <p:cNvPicPr>
-            <a:picLocks noChangeAspect="1"/>
-          </p:cNvPicPr>
-          <p:nvPr/>
-        </p:nvPicPr>
-        <p:blipFill>
-          <a:blip r:embed="rId4">
-            <a:extLst>
-              <a:ext uri="{28A0092B-C50C-407E-A947-70E740481C1C}">
-                <a14:useLocalDpi xmlns:a14="http://schemas.microsoft.com/office/drawing/2010/main" val="0"/>
-              </a:ext>
-              <a:ext uri="{96DAC541-7B7A-43D3-8B79-37D633B846F1}">
-                <asvg:svgBlip xmlns:asvg="http://schemas.microsoft.com/office/drawing/2016/SVG/main" r:embed="rId5"/>
-              </a:ext>
-            </a:extLst>
-          </a:blip>
-          <a:stretch>
-            <a:fillRect/>
-          </a:stretch>
-        </p:blipFill>
-        <p:spPr>
-          <a:xfrm>
-            <a:off x="2473316" y="1923329"/>
-            <a:ext cx="1290762" cy="1771045"/>
-          </a:xfrm>
-          <a:prstGeom prst="rect">
-            <a:avLst/>
-          </a:prstGeom>
-        </p:spPr>
-      </p:pic>
-      <p:pic>
-        <p:nvPicPr>
-          <p:cNvPr id="12" name="Grafik 11">
-            <a:extLst>
-              <a:ext uri="{FF2B5EF4-FFF2-40B4-BE49-F238E27FC236}">
-                <a16:creationId xmlns:a16="http://schemas.microsoft.com/office/drawing/2014/main" id="{5FAA8E9F-5974-45EE-8B95-5627BEFED39F}"/>
-              </a:ext>
-            </a:extLst>
-          </p:cNvPr>
-          <p:cNvPicPr>
-            <a:picLocks noChangeAspect="1"/>
-          </p:cNvPicPr>
-          <p:nvPr/>
-        </p:nvPicPr>
-        <p:blipFill>
-          <a:blip r:embed="rId6">
-            <a:extLst>
-              <a:ext uri="{28A0092B-C50C-407E-A947-70E740481C1C}">
-                <a14:useLocalDpi xmlns:a14="http://schemas.microsoft.com/office/drawing/2010/main" val="0"/>
-              </a:ext>
-              <a:ext uri="{96DAC541-7B7A-43D3-8B79-37D633B846F1}">
-                <asvg:svgBlip xmlns:asvg="http://schemas.microsoft.com/office/drawing/2016/SVG/main" r:embed="rId7"/>
-              </a:ext>
-            </a:extLst>
-          </a:blip>
-          <a:stretch>
-            <a:fillRect/>
-          </a:stretch>
-        </p:blipFill>
-        <p:spPr>
-          <a:xfrm>
-            <a:off x="838200" y="4590495"/>
-            <a:ext cx="2725141" cy="1586467"/>
-          </a:xfrm>
-          <a:prstGeom prst="rect">
-            <a:avLst/>
-          </a:prstGeom>
-        </p:spPr>
-      </p:pic>
-      <p:pic>
-        <p:nvPicPr>
-          <p:cNvPr id="14" name="Grafik 13">
-            <a:extLst>
-              <a:ext uri="{FF2B5EF4-FFF2-40B4-BE49-F238E27FC236}">
-                <a16:creationId xmlns:a16="http://schemas.microsoft.com/office/drawing/2014/main" id="{14166AD1-73A7-4097-88D9-56C2B0EFF51E}"/>
-              </a:ext>
-            </a:extLst>
-          </p:cNvPr>
-          <p:cNvPicPr>
-            <a:picLocks noChangeAspect="1"/>
-          </p:cNvPicPr>
-          <p:nvPr/>
-        </p:nvPicPr>
-        <p:blipFill>
-          <a:blip r:embed="rId8">
-            <a:extLst>
-              <a:ext uri="{28A0092B-C50C-407E-A947-70E740481C1C}">
-                <a14:useLocalDpi xmlns:a14="http://schemas.microsoft.com/office/drawing/2010/main" val="0"/>
-              </a:ext>
-              <a:ext uri="{96DAC541-7B7A-43D3-8B79-37D633B846F1}">
-                <asvg:svgBlip xmlns:asvg="http://schemas.microsoft.com/office/drawing/2016/SVG/main" r:embed="rId9"/>
+                <asvg:svgBlip xmlns:asvg="http://schemas.microsoft.com/office/drawing/2016/SVG/main" r:embed="rId10"/>
               </a:ext>
             </a:extLst>
           </a:blip>
@@ -8582,6 +11112,399 @@
 </p:sld>
 </file>
 
+<file path=ppt/slides/slide6.xml><?xml version="1.0" encoding="utf-8"?>
+<p:sld xmlns:a="http://schemas.openxmlformats.org/drawingml/2006/main" xmlns:r="http://schemas.openxmlformats.org/officeDocument/2006/relationships" xmlns:p="http://schemas.openxmlformats.org/presentationml/2006/main">
+  <p:cSld>
+    <p:spTree>
+      <p:nvGrpSpPr>
+        <p:cNvPr id="1" name=""/>
+        <p:cNvGrpSpPr/>
+        <p:nvPr/>
+      </p:nvGrpSpPr>
+      <p:grpSpPr>
+        <a:xfrm>
+          <a:off x="0" y="0"/>
+          <a:ext cx="0" cy="0"/>
+          <a:chOff x="0" y="0"/>
+          <a:chExt cx="0" cy="0"/>
+        </a:xfrm>
+      </p:grpSpPr>
+      <p:sp>
+        <p:nvSpPr>
+          <p:cNvPr id="4" name="Titel 3">
+            <a:extLst>
+              <a:ext uri="{FF2B5EF4-FFF2-40B4-BE49-F238E27FC236}">
+                <a16:creationId xmlns:a16="http://schemas.microsoft.com/office/drawing/2014/main" id="{1C50C305-399E-426F-A6B2-8509FE9A3D5C}"/>
+              </a:ext>
+            </a:extLst>
+          </p:cNvPr>
+          <p:cNvSpPr>
+            <a:spLocks noGrp="1"/>
+          </p:cNvSpPr>
+          <p:nvPr>
+            <p:ph type="title"/>
+          </p:nvPr>
+        </p:nvSpPr>
+        <p:spPr>
+          <a:xfrm>
+            <a:off x="838200" y="365125"/>
+            <a:ext cx="10515600" cy="1325563"/>
+          </a:xfrm>
+        </p:spPr>
+        <p:txBody>
+          <a:bodyPr/>
+          <a:lstStyle/>
+          <a:p>
+            <a:r>
+              <a:rPr lang="de-DE" dirty="0"/>
+              <a:t>Herzlich Willkommen im RESTaurant!</a:t>
+            </a:r>
+          </a:p>
+        </p:txBody>
+      </p:sp>
+      <p:pic>
+        <p:nvPicPr>
+          <p:cNvPr id="8" name="Inhaltsplatzhalter 7">
+            <a:extLst>
+              <a:ext uri="{FF2B5EF4-FFF2-40B4-BE49-F238E27FC236}">
+                <a16:creationId xmlns:a16="http://schemas.microsoft.com/office/drawing/2014/main" id="{BC477C8F-9A7B-4BC5-96A5-B81B397FB4D5}"/>
+              </a:ext>
+            </a:extLst>
+          </p:cNvPr>
+          <p:cNvPicPr>
+            <a:picLocks noGrp="1" noChangeAspect="1"/>
+          </p:cNvPicPr>
+          <p:nvPr>
+            <p:ph idx="1"/>
+          </p:nvPr>
+        </p:nvPicPr>
+        <p:blipFill>
+          <a:blip r:embed="rId3">
+            <a:extLst>
+              <a:ext uri="{28A0092B-C50C-407E-A947-70E740481C1C}">
+                <a14:useLocalDpi xmlns:a14="http://schemas.microsoft.com/office/drawing/2010/main" val="0"/>
+              </a:ext>
+              <a:ext uri="{96DAC541-7B7A-43D3-8B79-37D633B846F1}">
+                <asvg:svgBlip xmlns:asvg="http://schemas.microsoft.com/office/drawing/2016/SVG/main" r:embed="rId4"/>
+              </a:ext>
+            </a:extLst>
+          </a:blip>
+          <a:stretch>
+            <a:fillRect/>
+          </a:stretch>
+        </p:blipFill>
+        <p:spPr>
+          <a:xfrm>
+            <a:off x="9517214" y="3927015"/>
+            <a:ext cx="1836586" cy="2244428"/>
+          </a:xfrm>
+        </p:spPr>
+      </p:pic>
+      <p:pic>
+        <p:nvPicPr>
+          <p:cNvPr id="12" name="Grafik 11">
+            <a:extLst>
+              <a:ext uri="{FF2B5EF4-FFF2-40B4-BE49-F238E27FC236}">
+                <a16:creationId xmlns:a16="http://schemas.microsoft.com/office/drawing/2014/main" id="{5FAA8E9F-5974-45EE-8B95-5627BEFED39F}"/>
+              </a:ext>
+            </a:extLst>
+          </p:cNvPr>
+          <p:cNvPicPr>
+            <a:picLocks noChangeAspect="1"/>
+          </p:cNvPicPr>
+          <p:nvPr/>
+        </p:nvPicPr>
+        <p:blipFill>
+          <a:blip r:embed="rId5">
+            <a:extLst>
+              <a:ext uri="{28A0092B-C50C-407E-A947-70E740481C1C}">
+                <a14:useLocalDpi xmlns:a14="http://schemas.microsoft.com/office/drawing/2010/main" val="0"/>
+              </a:ext>
+              <a:ext uri="{96DAC541-7B7A-43D3-8B79-37D633B846F1}">
+                <asvg:svgBlip xmlns:asvg="http://schemas.microsoft.com/office/drawing/2016/SVG/main" r:embed="rId6"/>
+              </a:ext>
+            </a:extLst>
+          </a:blip>
+          <a:stretch>
+            <a:fillRect/>
+          </a:stretch>
+        </p:blipFill>
+        <p:spPr>
+          <a:xfrm>
+            <a:off x="838200" y="4590495"/>
+            <a:ext cx="2725141" cy="1586467"/>
+          </a:xfrm>
+          <a:prstGeom prst="rect">
+            <a:avLst/>
+          </a:prstGeom>
+        </p:spPr>
+      </p:pic>
+      <p:pic>
+        <p:nvPicPr>
+          <p:cNvPr id="14" name="Grafik 13">
+            <a:extLst>
+              <a:ext uri="{FF2B5EF4-FFF2-40B4-BE49-F238E27FC236}">
+                <a16:creationId xmlns:a16="http://schemas.microsoft.com/office/drawing/2014/main" id="{14166AD1-73A7-4097-88D9-56C2B0EFF51E}"/>
+              </a:ext>
+            </a:extLst>
+          </p:cNvPr>
+          <p:cNvPicPr>
+            <a:picLocks noChangeAspect="1"/>
+          </p:cNvPicPr>
+          <p:nvPr/>
+        </p:nvPicPr>
+        <p:blipFill>
+          <a:blip r:embed="rId7">
+            <a:extLst>
+              <a:ext uri="{28A0092B-C50C-407E-A947-70E740481C1C}">
+                <a14:useLocalDpi xmlns:a14="http://schemas.microsoft.com/office/drawing/2010/main" val="0"/>
+              </a:ext>
+              <a:ext uri="{96DAC541-7B7A-43D3-8B79-37D633B846F1}">
+                <asvg:svgBlip xmlns:asvg="http://schemas.microsoft.com/office/drawing/2016/SVG/main" r:embed="rId8"/>
+              </a:ext>
+            </a:extLst>
+          </a:blip>
+          <a:stretch>
+            <a:fillRect/>
+          </a:stretch>
+        </p:blipFill>
+        <p:spPr>
+          <a:xfrm>
+            <a:off x="5432755" y="3463549"/>
+            <a:ext cx="1592637" cy="2707894"/>
+          </a:xfrm>
+          <a:prstGeom prst="rect">
+            <a:avLst/>
+          </a:prstGeom>
+        </p:spPr>
+      </p:pic>
+      <p:sp>
+        <p:nvSpPr>
+          <p:cNvPr id="15" name="Textfeld 14">
+            <a:extLst>
+              <a:ext uri="{FF2B5EF4-FFF2-40B4-BE49-F238E27FC236}">
+                <a16:creationId xmlns:a16="http://schemas.microsoft.com/office/drawing/2014/main" id="{03682263-AEE8-4E64-91D2-4DCCD6C76D39}"/>
+              </a:ext>
+            </a:extLst>
+          </p:cNvPr>
+          <p:cNvSpPr txBox="1"/>
+          <p:nvPr/>
+        </p:nvSpPr>
+        <p:spPr>
+          <a:xfrm>
+            <a:off x="1624522" y="4590495"/>
+            <a:ext cx="1417055" cy="369332"/>
+          </a:xfrm>
+          <a:prstGeom prst="rect">
+            <a:avLst/>
+          </a:prstGeom>
+          <a:noFill/>
+        </p:spPr>
+        <p:txBody>
+          <a:bodyPr wrap="none" rtlCol="0">
+            <a:spAutoFit/>
+          </a:bodyPr>
+          <a:lstStyle/>
+          <a:p>
+            <a:r>
+              <a:rPr lang="de-DE" dirty="0"/>
+              <a:t>das Frontend</a:t>
+            </a:r>
+          </a:p>
+        </p:txBody>
+      </p:sp>
+      <p:sp>
+        <p:nvSpPr>
+          <p:cNvPr id="16" name="Textfeld 15">
+            <a:extLst>
+              <a:ext uri="{FF2B5EF4-FFF2-40B4-BE49-F238E27FC236}">
+                <a16:creationId xmlns:a16="http://schemas.microsoft.com/office/drawing/2014/main" id="{51685A1F-0577-48C4-95C2-A72657D2B508}"/>
+              </a:ext>
+            </a:extLst>
+          </p:cNvPr>
+          <p:cNvSpPr txBox="1"/>
+          <p:nvPr/>
+        </p:nvSpPr>
+        <p:spPr>
+          <a:xfrm>
+            <a:off x="6349885" y="3463549"/>
+            <a:ext cx="1676741" cy="369332"/>
+          </a:xfrm>
+          <a:prstGeom prst="rect">
+            <a:avLst/>
+          </a:prstGeom>
+          <a:noFill/>
+        </p:spPr>
+        <p:txBody>
+          <a:bodyPr wrap="none" rtlCol="0">
+            <a:spAutoFit/>
+          </a:bodyPr>
+          <a:lstStyle/>
+          <a:p>
+            <a:r>
+              <a:rPr lang="de-DE" dirty="0"/>
+              <a:t>die Schnittstelle</a:t>
+            </a:r>
+          </a:p>
+        </p:txBody>
+      </p:sp>
+      <p:sp>
+        <p:nvSpPr>
+          <p:cNvPr id="17" name="Textfeld 16">
+            <a:extLst>
+              <a:ext uri="{FF2B5EF4-FFF2-40B4-BE49-F238E27FC236}">
+                <a16:creationId xmlns:a16="http://schemas.microsoft.com/office/drawing/2014/main" id="{800FFC37-E607-4B24-9022-55C13FD48F59}"/>
+              </a:ext>
+            </a:extLst>
+          </p:cNvPr>
+          <p:cNvSpPr txBox="1"/>
+          <p:nvPr/>
+        </p:nvSpPr>
+        <p:spPr>
+          <a:xfrm>
+            <a:off x="9830693" y="3463549"/>
+            <a:ext cx="1349024" cy="369332"/>
+          </a:xfrm>
+          <a:prstGeom prst="rect">
+            <a:avLst/>
+          </a:prstGeom>
+          <a:noFill/>
+        </p:spPr>
+        <p:txBody>
+          <a:bodyPr wrap="none" rtlCol="0">
+            <a:spAutoFit/>
+          </a:bodyPr>
+          <a:lstStyle/>
+          <a:p>
+            <a:r>
+              <a:rPr lang="de-DE" dirty="0"/>
+              <a:t>das Backend</a:t>
+            </a:r>
+          </a:p>
+        </p:txBody>
+      </p:sp>
+      <p:sp>
+        <p:nvSpPr>
+          <p:cNvPr id="47" name="Textfeld 46">
+            <a:extLst>
+              <a:ext uri="{FF2B5EF4-FFF2-40B4-BE49-F238E27FC236}">
+                <a16:creationId xmlns:a16="http://schemas.microsoft.com/office/drawing/2014/main" id="{9FFB4CA2-E8FA-40E9-89C2-6BD6B2CD1409}"/>
+              </a:ext>
+            </a:extLst>
+          </p:cNvPr>
+          <p:cNvSpPr txBox="1"/>
+          <p:nvPr/>
+        </p:nvSpPr>
+        <p:spPr>
+          <a:xfrm>
+            <a:off x="10047675" y="6501459"/>
+            <a:ext cx="1768433" cy="200055"/>
+          </a:xfrm>
+          <a:prstGeom prst="rect">
+            <a:avLst/>
+          </a:prstGeom>
+          <a:noFill/>
+        </p:spPr>
+        <p:txBody>
+          <a:bodyPr wrap="none" rtlCol="0">
+            <a:spAutoFit/>
+          </a:bodyPr>
+          <a:lstStyle/>
+          <a:p>
+            <a:r>
+              <a:rPr lang="de-DE" sz="700" dirty="0"/>
+              <a:t>Bilder von https://publicdomainvectors.org</a:t>
+            </a:r>
+          </a:p>
+        </p:txBody>
+      </p:sp>
+      <p:pic>
+        <p:nvPicPr>
+          <p:cNvPr id="10" name="Grafik 9">
+            <a:extLst>
+              <a:ext uri="{FF2B5EF4-FFF2-40B4-BE49-F238E27FC236}">
+                <a16:creationId xmlns:a16="http://schemas.microsoft.com/office/drawing/2014/main" id="{3080D4E5-5DBA-4FF0-A0EA-7B2183D8E4F4}"/>
+              </a:ext>
+            </a:extLst>
+          </p:cNvPr>
+          <p:cNvPicPr>
+            <a:picLocks noChangeAspect="1"/>
+          </p:cNvPicPr>
+          <p:nvPr/>
+        </p:nvPicPr>
+        <p:blipFill>
+          <a:blip r:embed="rId9">
+            <a:extLst>
+              <a:ext uri="{28A0092B-C50C-407E-A947-70E740481C1C}">
+                <a14:useLocalDpi xmlns:a14="http://schemas.microsoft.com/office/drawing/2010/main" val="0"/>
+              </a:ext>
+              <a:ext uri="{96DAC541-7B7A-43D3-8B79-37D633B846F1}">
+                <asvg:svgBlip xmlns:asvg="http://schemas.microsoft.com/office/drawing/2016/SVG/main" r:embed="rId10"/>
+              </a:ext>
+            </a:extLst>
+          </a:blip>
+          <a:stretch>
+            <a:fillRect/>
+          </a:stretch>
+        </p:blipFill>
+        <p:spPr>
+          <a:xfrm>
+            <a:off x="2473316" y="1923329"/>
+            <a:ext cx="1290762" cy="1771045"/>
+          </a:xfrm>
+          <a:prstGeom prst="rect">
+            <a:avLst/>
+          </a:prstGeom>
+        </p:spPr>
+      </p:pic>
+      <p:sp>
+        <p:nvSpPr>
+          <p:cNvPr id="11" name="Textfeld 10">
+            <a:extLst>
+              <a:ext uri="{FF2B5EF4-FFF2-40B4-BE49-F238E27FC236}">
+                <a16:creationId xmlns:a16="http://schemas.microsoft.com/office/drawing/2014/main" id="{5DFB1B3C-A1DF-4181-8E60-41A6049E3DCB}"/>
+              </a:ext>
+            </a:extLst>
+          </p:cNvPr>
+          <p:cNvSpPr txBox="1"/>
+          <p:nvPr/>
+        </p:nvSpPr>
+        <p:spPr>
+          <a:xfrm>
+            <a:off x="3764078" y="2624185"/>
+            <a:ext cx="3065134" cy="369332"/>
+          </a:xfrm>
+          <a:prstGeom prst="rect">
+            <a:avLst/>
+          </a:prstGeom>
+          <a:noFill/>
+        </p:spPr>
+        <p:txBody>
+          <a:bodyPr wrap="none" rtlCol="0">
+            <a:spAutoFit/>
+          </a:bodyPr>
+          <a:lstStyle/>
+          <a:p>
+            <a:r>
+              <a:rPr lang="de-DE" dirty="0"/>
+              <a:t>die Schnittstellenbeschreibung</a:t>
+            </a:r>
+          </a:p>
+        </p:txBody>
+      </p:sp>
+    </p:spTree>
+    <p:extLst>
+      <p:ext uri="{BB962C8B-B14F-4D97-AF65-F5344CB8AC3E}">
+        <p14:creationId xmlns:p14="http://schemas.microsoft.com/office/powerpoint/2010/main" val="4016206484"/>
+      </p:ext>
+    </p:extLst>
+  </p:cSld>
+  <p:clrMapOvr>
+    <a:masterClrMapping/>
+  </p:clrMapOvr>
+</p:sld>
+</file>
+
 <file path=ppt/slides/slide7.xml><?xml version="1.0" encoding="utf-8"?>
 <p:sld xmlns:a="http://schemas.openxmlformats.org/drawingml/2006/main" xmlns:r="http://schemas.openxmlformats.org/officeDocument/2006/relationships" xmlns:p="http://schemas.openxmlformats.org/presentationml/2006/main">
   <p:cSld>
@@ -8649,13 +11572,13 @@
           </p:nvPr>
         </p:nvPicPr>
         <p:blipFill>
-          <a:blip r:embed="rId2">
+          <a:blip r:embed="rId3">
             <a:extLst>
               <a:ext uri="{28A0092B-C50C-407E-A947-70E740481C1C}">
                 <a14:useLocalDpi xmlns:a14="http://schemas.microsoft.com/office/drawing/2010/main" val="0"/>
               </a:ext>
               <a:ext uri="{96DAC541-7B7A-43D3-8B79-37D633B846F1}">
-                <asvg:svgBlip xmlns:asvg="http://schemas.microsoft.com/office/drawing/2016/SVG/main" r:embed="rId3"/>
+                <asvg:svgBlip xmlns:asvg="http://schemas.microsoft.com/office/drawing/2016/SVG/main" r:embed="rId4"/>
               </a:ext>
             </a:extLst>
           </a:blip>
@@ -8685,13 +11608,13 @@
           <p:nvPr/>
         </p:nvPicPr>
         <p:blipFill>
-          <a:blip r:embed="rId4">
+          <a:blip r:embed="rId5">
             <a:extLst>
               <a:ext uri="{28A0092B-C50C-407E-A947-70E740481C1C}">
                 <a14:useLocalDpi xmlns:a14="http://schemas.microsoft.com/office/drawing/2010/main" val="0"/>
               </a:ext>
               <a:ext uri="{96DAC541-7B7A-43D3-8B79-37D633B846F1}">
-                <asvg:svgBlip xmlns:asvg="http://schemas.microsoft.com/office/drawing/2016/SVG/main" r:embed="rId5"/>
+                <asvg:svgBlip xmlns:asvg="http://schemas.microsoft.com/office/drawing/2016/SVG/main" r:embed="rId6"/>
               </a:ext>
             </a:extLst>
           </a:blip>
@@ -8724,13 +11647,13 @@
           <p:nvPr/>
         </p:nvPicPr>
         <p:blipFill>
-          <a:blip r:embed="rId6">
+          <a:blip r:embed="rId7">
             <a:extLst>
               <a:ext uri="{28A0092B-C50C-407E-A947-70E740481C1C}">
                 <a14:useLocalDpi xmlns:a14="http://schemas.microsoft.com/office/drawing/2010/main" val="0"/>
               </a:ext>
               <a:ext uri="{96DAC541-7B7A-43D3-8B79-37D633B846F1}">
-                <asvg:svgBlip xmlns:asvg="http://schemas.microsoft.com/office/drawing/2016/SVG/main" r:embed="rId7"/>
+                <asvg:svgBlip xmlns:asvg="http://schemas.microsoft.com/office/drawing/2016/SVG/main" r:embed="rId8"/>
               </a:ext>
             </a:extLst>
           </a:blip>
@@ -8763,13 +11686,13 @@
           <p:nvPr/>
         </p:nvPicPr>
         <p:blipFill>
-          <a:blip r:embed="rId8">
+          <a:blip r:embed="rId9">
             <a:extLst>
               <a:ext uri="{28A0092B-C50C-407E-A947-70E740481C1C}">
                 <a14:useLocalDpi xmlns:a14="http://schemas.microsoft.com/office/drawing/2010/main" val="0"/>
               </a:ext>
               <a:ext uri="{96DAC541-7B7A-43D3-8B79-37D633B846F1}">
-                <asvg:svgBlip xmlns:asvg="http://schemas.microsoft.com/office/drawing/2016/SVG/main" r:embed="rId9"/>
+                <asvg:svgBlip xmlns:asvg="http://schemas.microsoft.com/office/drawing/2016/SVG/main" r:embed="rId10"/>
               </a:ext>
             </a:extLst>
           </a:blip>
@@ -9616,7 +12539,7 @@
           </p:nvPr>
         </p:nvPicPr>
         <p:blipFill>
-          <a:blip r:embed="rId2">
+          <a:blip r:embed="rId3">
             <a:extLst>
               <a:ext uri="{28A0092B-C50C-407E-A947-70E740481C1C}">
                 <a14:useLocalDpi xmlns:a14="http://schemas.microsoft.com/office/drawing/2010/main" val="0"/>
@@ -9680,7 +12603,7 @@
           </p:nvPr>
         </p:nvPicPr>
         <p:blipFill>
-          <a:blip r:embed="rId3">
+          <a:blip r:embed="rId4">
             <a:extLst>
               <a:ext uri="{28A0092B-C50C-407E-A947-70E740481C1C}">
                 <a14:useLocalDpi xmlns:a14="http://schemas.microsoft.com/office/drawing/2010/main" val="0"/>

--- a/01-api-design/präsentation.pptx
+++ b/01-api-design/präsentation.pptx
@@ -40,6 +40,16 @@
     <p:sldId id="285" r:id="rId37"/>
     <p:sldId id="286" r:id="rId38"/>
     <p:sldId id="287" r:id="rId39"/>
+    <p:sldId id="288" r:id="rId40"/>
+    <p:sldId id="289" r:id="rId41"/>
+    <p:sldId id="290" r:id="rId42"/>
+    <p:sldId id="291" r:id="rId43"/>
+    <p:sldId id="292" r:id="rId44"/>
+    <p:sldId id="293" r:id="rId45"/>
+    <p:sldId id="294" r:id="rId46"/>
+    <p:sldId id="295" r:id="rId47"/>
+    <p:sldId id="296" r:id="rId48"/>
+    <p:sldId id="297" r:id="rId49"/>
   </p:sldIdLst>
   <p:sldSz cx="12192000" cy="6858000"/>
   <p:notesSz cx="6858000" cy="9144000"/>
@@ -514,7 +524,7 @@
       </p:grpSpPr>
       <p:sp>
         <p:nvSpPr>
-          <p:cNvPr id="112" name="Shape 112"/>
+          <p:cNvPr id="114" name="Shape 114"/>
           <p:cNvSpPr/>
           <p:nvPr>
             <p:ph type="sldImg"/>
@@ -535,7 +545,7 @@
       </p:sp>
       <p:sp>
         <p:nvSpPr>
-          <p:cNvPr id="113" name="Shape 113"/>
+          <p:cNvPr id="115" name="Shape 115"/>
           <p:cNvSpPr/>
           <p:nvPr>
             <p:ph type="body" sz="quarter" idx="1"/>
@@ -596,7 +606,7 @@
       </p:grpSpPr>
       <p:sp>
         <p:nvSpPr>
-          <p:cNvPr id="242" name="Shape 242"/>
+          <p:cNvPr id="256" name="Shape 256"/>
           <p:cNvSpPr/>
           <p:nvPr>
             <p:ph type="sldImg"/>
@@ -617,7 +627,7 @@
       </p:sp>
       <p:sp>
         <p:nvSpPr>
-          <p:cNvPr id="243" name="Shape 243"/>
+          <p:cNvPr id="257" name="Shape 257"/>
           <p:cNvSpPr/>
           <p:nvPr>
             <p:ph type="body" sz="quarter" idx="1"/>
@@ -678,7 +688,7 @@
       </p:grpSpPr>
       <p:sp>
         <p:nvSpPr>
-          <p:cNvPr id="247" name="Shape 247"/>
+          <p:cNvPr id="262" name="Shape 262"/>
           <p:cNvSpPr/>
           <p:nvPr>
             <p:ph type="sldImg"/>
@@ -699,7 +709,7 @@
       </p:sp>
       <p:sp>
         <p:nvSpPr>
-          <p:cNvPr id="248" name="Shape 248"/>
+          <p:cNvPr id="263" name="Shape 263"/>
           <p:cNvSpPr/>
           <p:nvPr>
             <p:ph type="body" sz="quarter" idx="1"/>
@@ -778,7 +788,7 @@
       </p:grpSpPr>
       <p:sp>
         <p:nvSpPr>
-          <p:cNvPr id="252" name="Shape 252"/>
+          <p:cNvPr id="268" name="Shape 268"/>
           <p:cNvSpPr/>
           <p:nvPr>
             <p:ph type="sldImg"/>
@@ -799,7 +809,7 @@
       </p:sp>
       <p:sp>
         <p:nvSpPr>
-          <p:cNvPr id="253" name="Shape 253"/>
+          <p:cNvPr id="269" name="Shape 269"/>
           <p:cNvSpPr/>
           <p:nvPr>
             <p:ph type="body" sz="quarter" idx="1"/>
@@ -853,7 +863,7 @@
       </p:grpSpPr>
       <p:sp>
         <p:nvSpPr>
-          <p:cNvPr id="123" name="Shape 123"/>
+          <p:cNvPr id="126" name="Shape 126"/>
           <p:cNvSpPr/>
           <p:nvPr>
             <p:ph type="sldImg"/>
@@ -874,7 +884,7 @@
       </p:sp>
       <p:sp>
         <p:nvSpPr>
-          <p:cNvPr id="124" name="Shape 124"/>
+          <p:cNvPr id="127" name="Shape 127"/>
           <p:cNvSpPr/>
           <p:nvPr>
             <p:ph type="body" sz="quarter" idx="1"/>
@@ -935,7 +945,7 @@
       </p:grpSpPr>
       <p:sp>
         <p:nvSpPr>
-          <p:cNvPr id="136" name="Shape 136"/>
+          <p:cNvPr id="140" name="Shape 140"/>
           <p:cNvSpPr/>
           <p:nvPr>
             <p:ph type="sldImg"/>
@@ -956,7 +966,7 @@
       </p:sp>
       <p:sp>
         <p:nvSpPr>
-          <p:cNvPr id="137" name="Shape 137"/>
+          <p:cNvPr id="141" name="Shape 141"/>
           <p:cNvSpPr/>
           <p:nvPr>
             <p:ph type="body" sz="quarter" idx="1"/>
@@ -1010,7 +1020,7 @@
       </p:grpSpPr>
       <p:sp>
         <p:nvSpPr>
-          <p:cNvPr id="159" name="Shape 159"/>
+          <p:cNvPr id="164" name="Shape 164"/>
           <p:cNvSpPr/>
           <p:nvPr>
             <p:ph type="sldImg"/>
@@ -1031,7 +1041,7 @@
       </p:sp>
       <p:sp>
         <p:nvSpPr>
-          <p:cNvPr id="160" name="Shape 160"/>
+          <p:cNvPr id="165" name="Shape 165"/>
           <p:cNvSpPr/>
           <p:nvPr>
             <p:ph type="body" sz="quarter" idx="1"/>
@@ -1085,7 +1095,7 @@
       </p:grpSpPr>
       <p:sp>
         <p:nvSpPr>
-          <p:cNvPr id="172" name="Shape 172"/>
+          <p:cNvPr id="178" name="Shape 178"/>
           <p:cNvSpPr/>
           <p:nvPr>
             <p:ph type="sldImg"/>
@@ -1106,7 +1116,7 @@
       </p:sp>
       <p:sp>
         <p:nvSpPr>
-          <p:cNvPr id="173" name="Shape 173"/>
+          <p:cNvPr id="179" name="Shape 179"/>
           <p:cNvSpPr/>
           <p:nvPr>
             <p:ph type="body" sz="quarter" idx="1"/>
@@ -1185,7 +1195,7 @@
       </p:grpSpPr>
       <p:sp>
         <p:nvSpPr>
-          <p:cNvPr id="195" name="Shape 195"/>
+          <p:cNvPr id="202" name="Shape 202"/>
           <p:cNvSpPr/>
           <p:nvPr>
             <p:ph type="sldImg"/>
@@ -1206,7 +1216,7 @@
       </p:sp>
       <p:sp>
         <p:nvSpPr>
-          <p:cNvPr id="196" name="Shape 196"/>
+          <p:cNvPr id="203" name="Shape 203"/>
           <p:cNvSpPr/>
           <p:nvPr>
             <p:ph type="body" sz="quarter" idx="1"/>
@@ -1260,7 +1270,7 @@
       </p:grpSpPr>
       <p:sp>
         <p:nvSpPr>
-          <p:cNvPr id="200" name="Shape 200"/>
+          <p:cNvPr id="207" name="Shape 207"/>
           <p:cNvSpPr/>
           <p:nvPr>
             <p:ph type="sldImg"/>
@@ -1281,7 +1291,7 @@
       </p:sp>
       <p:sp>
         <p:nvSpPr>
-          <p:cNvPr id="201" name="Shape 201"/>
+          <p:cNvPr id="208" name="Shape 208"/>
           <p:cNvSpPr/>
           <p:nvPr>
             <p:ph type="body" sz="quarter" idx="1"/>
@@ -1351,7 +1361,7 @@
       </p:grpSpPr>
       <p:sp>
         <p:nvSpPr>
-          <p:cNvPr id="230" name="Shape 230"/>
+          <p:cNvPr id="242" name="Shape 242"/>
           <p:cNvSpPr/>
           <p:nvPr>
             <p:ph type="sldImg"/>
@@ -1372,7 +1382,7 @@
       </p:sp>
       <p:sp>
         <p:nvSpPr>
-          <p:cNvPr id="231" name="Shape 231"/>
+          <p:cNvPr id="243" name="Shape 243"/>
           <p:cNvSpPr/>
           <p:nvPr>
             <p:ph type="body" sz="quarter" idx="1"/>
@@ -1426,7 +1436,7 @@
       </p:grpSpPr>
       <p:sp>
         <p:nvSpPr>
-          <p:cNvPr id="236" name="Shape 236"/>
+          <p:cNvPr id="249" name="Shape 249"/>
           <p:cNvSpPr/>
           <p:nvPr>
             <p:ph type="sldImg"/>
@@ -1447,7 +1457,7 @@
       </p:sp>
       <p:sp>
         <p:nvSpPr>
-          <p:cNvPr id="237" name="Shape 237"/>
+          <p:cNvPr id="250" name="Shape 250"/>
           <p:cNvSpPr/>
           <p:nvPr>
             <p:ph type="body" sz="quarter" idx="1"/>
@@ -1630,6 +1640,10 @@
           </p:nvPr>
         </p:nvSpPr>
         <p:spPr>
+          <a:xfrm>
+            <a:off x="11080144" y="6406785"/>
+            <a:ext cx="273657" cy="264255"/>
+          </a:xfrm>
           <a:prstGeom prst="rect">
             <a:avLst/>
           </a:prstGeom>
@@ -1933,6 +1947,10 @@
           </p:nvPr>
         </p:nvSpPr>
         <p:spPr>
+          <a:xfrm>
+            <a:off x="11080144" y="6406785"/>
+            <a:ext cx="273657" cy="264255"/>
+          </a:xfrm>
           <a:prstGeom prst="rect">
             <a:avLst/>
           </a:prstGeom>
@@ -2057,6 +2075,10 @@
           </p:nvPr>
         </p:nvSpPr>
         <p:spPr>
+          <a:xfrm>
+            <a:off x="11080144" y="6406785"/>
+            <a:ext cx="273657" cy="264255"/>
+          </a:xfrm>
           <a:prstGeom prst="rect">
             <a:avLst/>
           </a:prstGeom>
@@ -2318,6 +2340,10 @@
           </p:nvPr>
         </p:nvSpPr>
         <p:spPr>
+          <a:xfrm>
+            <a:off x="11080144" y="6406785"/>
+            <a:ext cx="273657" cy="264255"/>
+          </a:xfrm>
           <a:prstGeom prst="rect">
             <a:avLst/>
           </a:prstGeom>
@@ -2366,6 +2392,10 @@
           </p:nvPr>
         </p:nvSpPr>
         <p:spPr>
+          <a:xfrm>
+            <a:off x="11080144" y="6406785"/>
+            <a:ext cx="273657" cy="264255"/>
+          </a:xfrm>
           <a:prstGeom prst="rect">
             <a:avLst/>
           </a:prstGeom>
@@ -2544,6 +2574,10 @@
           </p:nvPr>
         </p:nvSpPr>
         <p:spPr>
+          <a:xfrm>
+            <a:off x="11080144" y="6406785"/>
+            <a:ext cx="273657" cy="264255"/>
+          </a:xfrm>
           <a:prstGeom prst="rect">
             <a:avLst/>
           </a:prstGeom>
@@ -2734,6 +2768,10 @@
           </p:nvPr>
         </p:nvSpPr>
         <p:spPr>
+          <a:xfrm>
+            <a:off x="11080144" y="6406785"/>
+            <a:ext cx="273657" cy="264255"/>
+          </a:xfrm>
           <a:prstGeom prst="rect">
             <a:avLst/>
           </a:prstGeom>
@@ -2890,8 +2928,8 @@
         </p:nvSpPr>
         <p:spPr>
           <a:xfrm>
-            <a:off x="11080144" y="6406785"/>
-            <a:ext cx="273657" cy="264255"/>
+            <a:off x="5959172" y="6482985"/>
+            <a:ext cx="273656" cy="264255"/>
           </a:xfrm>
           <a:prstGeom prst="rect">
             <a:avLst/>
@@ -3836,7 +3874,7 @@
       </p:grpSpPr>
       <p:sp>
         <p:nvSpPr>
-          <p:cNvPr id="175" name="Titel 3"/>
+          <p:cNvPr id="181" name="Titel 3"/>
           <p:cNvSpPr txBox="1"/>
           <p:nvPr>
             <p:ph type="title"/>
@@ -3862,9 +3900,36 @@
           </a:p>
         </p:txBody>
       </p:sp>
+      <p:sp>
+        <p:nvSpPr>
+          <p:cNvPr id="182" name="Foliennummer"/>
+          <p:cNvSpPr txBox="1"/>
+          <p:nvPr>
+            <p:ph type="sldNum" sz="quarter" idx="2"/>
+          </p:nvPr>
+        </p:nvSpPr>
+        <p:spPr>
+          <a:prstGeom prst="rect">
+            <a:avLst/>
+          </a:prstGeom>
+          <a:extLst>
+            <a:ext uri="{C572A759-6A51-4108-AA02-DFA0A04FC94B}">
+              <ma14:wrappingTextBoxFlag xmlns:ma14="http://schemas.microsoft.com/office/mac/drawingml/2011/main" val="1"/>
+            </a:ext>
+          </a:extLst>
+        </p:spPr>
+        <p:txBody>
+          <a:bodyPr/>
+          <a:lstStyle/>
+          <a:p>
+            <a:pPr/>
+            <a:fld id="{86CB4B4D-7CA3-9044-876B-883B54F8677D}" type="slidenum"/>
+          </a:p>
+        </p:txBody>
+      </p:sp>
       <p:pic>
         <p:nvPicPr>
-          <p:cNvPr id="176" name="Inhaltsplatzhalter 7" descr="Inhaltsplatzhalter 7"/>
+          <p:cNvPr id="183" name="Inhaltsplatzhalter 7" descr="Inhaltsplatzhalter 7"/>
           <p:cNvPicPr>
             <a:picLocks noChangeAspect="1"/>
           </p:cNvPicPr>
@@ -3893,7 +3958,7 @@
       </p:pic>
       <p:pic>
         <p:nvPicPr>
-          <p:cNvPr id="177" name="Grafik 9" descr="Grafik 9"/>
+          <p:cNvPr id="184" name="Grafik 9" descr="Grafik 9"/>
           <p:cNvPicPr>
             <a:picLocks noChangeAspect="1"/>
           </p:cNvPicPr>
@@ -3922,7 +3987,7 @@
       </p:pic>
       <p:pic>
         <p:nvPicPr>
-          <p:cNvPr id="178" name="Grafik 11" descr="Grafik 11"/>
+          <p:cNvPr id="185" name="Grafik 11" descr="Grafik 11"/>
           <p:cNvPicPr>
             <a:picLocks noChangeAspect="1"/>
           </p:cNvPicPr>
@@ -3951,7 +4016,7 @@
       </p:pic>
       <p:pic>
         <p:nvPicPr>
-          <p:cNvPr id="179" name="Grafik 13" descr="Grafik 13"/>
+          <p:cNvPr id="186" name="Grafik 13" descr="Grafik 13"/>
           <p:cNvPicPr>
             <a:picLocks noChangeAspect="1"/>
           </p:cNvPicPr>
@@ -3980,7 +4045,7 @@
       </p:pic>
       <p:sp>
         <p:nvSpPr>
-          <p:cNvPr id="180" name="Gerade Verbindung mit Pfeil 19"/>
+          <p:cNvPr id="187" name="Gerade Verbindung mit Pfeil 19"/>
           <p:cNvSpPr/>
           <p:nvPr/>
         </p:nvSpPr>
@@ -4010,7 +4075,7 @@
       </p:sp>
       <p:sp>
         <p:nvSpPr>
-          <p:cNvPr id="181" name="Gerade Verbindung mit Pfeil 20"/>
+          <p:cNvPr id="188" name="Gerade Verbindung mit Pfeil 20"/>
           <p:cNvSpPr/>
           <p:nvPr/>
         </p:nvSpPr>
@@ -4040,7 +4105,7 @@
       </p:sp>
       <p:sp>
         <p:nvSpPr>
-          <p:cNvPr id="182" name="Gerade Verbindung mit Pfeil 23"/>
+          <p:cNvPr id="189" name="Gerade Verbindung mit Pfeil 23"/>
           <p:cNvSpPr/>
           <p:nvPr/>
         </p:nvSpPr>
@@ -4070,7 +4135,7 @@
       </p:sp>
       <p:sp>
         <p:nvSpPr>
-          <p:cNvPr id="183" name="Gerade Verbindung mit Pfeil 29"/>
+          <p:cNvPr id="190" name="Gerade Verbindung mit Pfeil 29"/>
           <p:cNvSpPr/>
           <p:nvPr/>
         </p:nvSpPr>
@@ -4100,7 +4165,7 @@
       </p:sp>
       <p:sp>
         <p:nvSpPr>
-          <p:cNvPr id="184" name="Gerade Verbindung mit Pfeil 32"/>
+          <p:cNvPr id="191" name="Gerade Verbindung mit Pfeil 32"/>
           <p:cNvSpPr/>
           <p:nvPr/>
         </p:nvSpPr>
@@ -4130,7 +4195,7 @@
       </p:sp>
       <p:sp>
         <p:nvSpPr>
-          <p:cNvPr id="185" name="Textfeld 34"/>
+          <p:cNvPr id="192" name="Textfeld 34"/>
           <p:cNvSpPr txBox="1"/>
           <p:nvPr/>
         </p:nvSpPr>
@@ -4196,7 +4261,7 @@
       </p:sp>
       <p:sp>
         <p:nvSpPr>
-          <p:cNvPr id="186" name="Textfeld 35"/>
+          <p:cNvPr id="193" name="Textfeld 35"/>
           <p:cNvSpPr txBox="1"/>
           <p:nvPr/>
         </p:nvSpPr>
@@ -4240,7 +4305,7 @@
       </p:sp>
       <p:sp>
         <p:nvSpPr>
-          <p:cNvPr id="187" name="Textfeld 36"/>
+          <p:cNvPr id="194" name="Textfeld 36"/>
           <p:cNvSpPr txBox="1"/>
           <p:nvPr/>
         </p:nvSpPr>
@@ -4294,7 +4359,7 @@
       </p:sp>
       <p:sp>
         <p:nvSpPr>
-          <p:cNvPr id="188" name="Textfeld 37"/>
+          <p:cNvPr id="195" name="Textfeld 37"/>
           <p:cNvSpPr txBox="1"/>
           <p:nvPr/>
         </p:nvSpPr>
@@ -4338,7 +4403,7 @@
       </p:sp>
       <p:sp>
         <p:nvSpPr>
-          <p:cNvPr id="189" name="Textfeld 38"/>
+          <p:cNvPr id="196" name="Textfeld 38"/>
           <p:cNvSpPr txBox="1"/>
           <p:nvPr/>
         </p:nvSpPr>
@@ -4382,7 +4447,7 @@
       </p:sp>
       <p:sp>
         <p:nvSpPr>
-          <p:cNvPr id="190" name="Textfeld 21"/>
+          <p:cNvPr id="197" name="Textfeld 21"/>
           <p:cNvSpPr txBox="1"/>
           <p:nvPr/>
         </p:nvSpPr>
@@ -4422,7 +4487,7 @@
       </p:sp>
       <p:sp>
         <p:nvSpPr>
-          <p:cNvPr id="191" name="Textfeld 22"/>
+          <p:cNvPr id="198" name="Textfeld 22"/>
           <p:cNvSpPr txBox="1"/>
           <p:nvPr/>
         </p:nvSpPr>
@@ -4458,7 +4523,7 @@
       </p:sp>
       <p:sp>
         <p:nvSpPr>
-          <p:cNvPr id="192" name="Textfeld 24"/>
+          <p:cNvPr id="199" name="Textfeld 24"/>
           <p:cNvSpPr txBox="1"/>
           <p:nvPr/>
         </p:nvSpPr>
@@ -4494,7 +4559,7 @@
       </p:sp>
       <p:sp>
         <p:nvSpPr>
-          <p:cNvPr id="193" name="Textfeld 25"/>
+          <p:cNvPr id="200" name="Textfeld 25"/>
           <p:cNvSpPr txBox="1"/>
           <p:nvPr/>
         </p:nvSpPr>
@@ -4530,7 +4595,7 @@
       </p:sp>
       <p:sp>
         <p:nvSpPr>
-          <p:cNvPr id="194" name="Textfeld 26"/>
+          <p:cNvPr id="201" name="Textfeld 26"/>
           <p:cNvSpPr txBox="1"/>
           <p:nvPr/>
         </p:nvSpPr>
@@ -4592,7 +4657,7 @@
       </p:grpSpPr>
       <p:sp>
         <p:nvSpPr>
-          <p:cNvPr id="198" name="Titel 3"/>
+          <p:cNvPr id="205" name="Titel 3"/>
           <p:cNvSpPr txBox="1"/>
           <p:nvPr>
             <p:ph type="title"/>
@@ -4620,7 +4685,7 @@
       </p:sp>
       <p:sp>
         <p:nvSpPr>
-          <p:cNvPr id="199" name="Textplatzhalter 4"/>
+          <p:cNvPr id="206" name="Textplatzhalter 4"/>
           <p:cNvSpPr txBox="1"/>
           <p:nvPr>
             <p:ph type="body" sz="quarter" idx="1"/>
@@ -4671,7 +4736,7 @@
       </p:grpSpPr>
       <p:sp>
         <p:nvSpPr>
-          <p:cNvPr id="203" name="Titel 1"/>
+          <p:cNvPr id="210" name="Titel 1"/>
           <p:cNvSpPr txBox="1"/>
           <p:nvPr>
             <p:ph type="title"/>
@@ -4699,7 +4764,7 @@
       </p:sp>
       <p:sp>
         <p:nvSpPr>
-          <p:cNvPr id="204" name="Textplatzhalter 2"/>
+          <p:cNvPr id="211" name="Textplatzhalter 2"/>
           <p:cNvSpPr txBox="1"/>
           <p:nvPr>
             <p:ph type="body" sz="quarter" idx="1"/>
@@ -4729,7 +4794,7 @@
       </p:sp>
       <p:pic>
         <p:nvPicPr>
-          <p:cNvPr id="205" name="Inhaltsplatzhalter 9" descr="Inhaltsplatzhalter 9"/>
+          <p:cNvPr id="212" name="Inhaltsplatzhalter 9" descr="Inhaltsplatzhalter 9"/>
           <p:cNvPicPr>
             <a:picLocks noChangeAspect="1"/>
           </p:cNvPicPr>
@@ -4758,7 +4823,7 @@
       </p:pic>
       <p:sp>
         <p:nvSpPr>
-          <p:cNvPr id="206" name="Textplatzhalter 4"/>
+          <p:cNvPr id="213" name="Textplatzhalter 4"/>
           <p:cNvSpPr/>
           <p:nvPr>
             <p:ph type="body" idx="13"/>
@@ -4792,9 +4857,36 @@
           </a:p>
         </p:txBody>
       </p:sp>
+      <p:sp>
+        <p:nvSpPr>
+          <p:cNvPr id="214" name="Foliennummer"/>
+          <p:cNvSpPr txBox="1"/>
+          <p:nvPr>
+            <p:ph type="sldNum" sz="quarter" idx="2"/>
+          </p:nvPr>
+        </p:nvSpPr>
+        <p:spPr>
+          <a:prstGeom prst="rect">
+            <a:avLst/>
+          </a:prstGeom>
+          <a:extLst>
+            <a:ext uri="{C572A759-6A51-4108-AA02-DFA0A04FC94B}">
+              <ma14:wrappingTextBoxFlag xmlns:ma14="http://schemas.microsoft.com/office/mac/drawingml/2011/main" val="1"/>
+            </a:ext>
+          </a:extLst>
+        </p:spPr>
+        <p:txBody>
+          <a:bodyPr/>
+          <a:lstStyle/>
+          <a:p>
+            <a:pPr/>
+            <a:fld id="{86CB4B4D-7CA3-9044-876B-883B54F8677D}" type="slidenum"/>
+          </a:p>
+        </p:txBody>
+      </p:sp>
       <p:pic>
         <p:nvPicPr>
-          <p:cNvPr id="207" name="Inhaltsplatzhalter 7" descr="Inhaltsplatzhalter 7"/>
+          <p:cNvPr id="215" name="Inhaltsplatzhalter 7" descr="Inhaltsplatzhalter 7"/>
           <p:cNvPicPr>
             <a:picLocks noChangeAspect="1"/>
           </p:cNvPicPr>
@@ -4823,7 +4915,7 @@
       </p:pic>
       <p:sp>
         <p:nvSpPr>
-          <p:cNvPr id="208" name="Textfeld 10"/>
+          <p:cNvPr id="216" name="Textfeld 10"/>
           <p:cNvSpPr txBox="1"/>
           <p:nvPr/>
         </p:nvSpPr>
@@ -4859,7 +4951,7 @@
       </p:sp>
       <p:sp>
         <p:nvSpPr>
-          <p:cNvPr id="209" name="Textfeld 11"/>
+          <p:cNvPr id="217" name="Textfeld 11"/>
           <p:cNvSpPr txBox="1"/>
           <p:nvPr/>
         </p:nvSpPr>
@@ -4921,7 +5013,7 @@
       </p:grpSpPr>
       <p:sp>
         <p:nvSpPr>
-          <p:cNvPr id="211" name="Titel 1"/>
+          <p:cNvPr id="219" name="Titel 1"/>
           <p:cNvSpPr txBox="1"/>
           <p:nvPr>
             <p:ph type="title"/>
@@ -4949,7 +5041,7 @@
       </p:sp>
       <p:sp>
         <p:nvSpPr>
-          <p:cNvPr id="212" name="Textplatzhalter 2"/>
+          <p:cNvPr id="220" name="Textplatzhalter 2"/>
           <p:cNvSpPr txBox="1"/>
           <p:nvPr>
             <p:ph type="body" sz="quarter" idx="1"/>
@@ -4979,7 +5071,7 @@
       </p:sp>
       <p:sp>
         <p:nvSpPr>
-          <p:cNvPr id="213" name="Textplatzhalter 4"/>
+          <p:cNvPr id="221" name="Textplatzhalter 4"/>
           <p:cNvSpPr/>
           <p:nvPr>
             <p:ph type="body" idx="13"/>
@@ -5015,7 +5107,34 @@
       </p:sp>
       <p:sp>
         <p:nvSpPr>
-          <p:cNvPr id="214" name="Textfeld 10"/>
+          <p:cNvPr id="222" name="Foliennummer"/>
+          <p:cNvSpPr txBox="1"/>
+          <p:nvPr>
+            <p:ph type="sldNum" sz="quarter" idx="2"/>
+          </p:nvPr>
+        </p:nvSpPr>
+        <p:spPr>
+          <a:prstGeom prst="rect">
+            <a:avLst/>
+          </a:prstGeom>
+          <a:extLst>
+            <a:ext uri="{C572A759-6A51-4108-AA02-DFA0A04FC94B}">
+              <ma14:wrappingTextBoxFlag xmlns:ma14="http://schemas.microsoft.com/office/mac/drawingml/2011/main" val="1"/>
+            </a:ext>
+          </a:extLst>
+        </p:spPr>
+        <p:txBody>
+          <a:bodyPr/>
+          <a:lstStyle/>
+          <a:p>
+            <a:pPr/>
+            <a:fld id="{86CB4B4D-7CA3-9044-876B-883B54F8677D}" type="slidenum"/>
+          </a:p>
+        </p:txBody>
+      </p:sp>
+      <p:sp>
+        <p:nvSpPr>
+          <p:cNvPr id="223" name="Textfeld 10"/>
           <p:cNvSpPr txBox="1"/>
           <p:nvPr/>
         </p:nvSpPr>
@@ -5051,7 +5170,7 @@
       </p:sp>
       <p:sp>
         <p:nvSpPr>
-          <p:cNvPr id="215" name="Textfeld 11"/>
+          <p:cNvPr id="224" name="Textfeld 11"/>
           <p:cNvSpPr txBox="1"/>
           <p:nvPr/>
         </p:nvSpPr>
@@ -5087,7 +5206,7 @@
       </p:sp>
       <p:pic>
         <p:nvPicPr>
-          <p:cNvPr id="216" name="Inhaltsplatzhalter 8" descr="Inhaltsplatzhalter 8"/>
+          <p:cNvPr id="225" name="Inhaltsplatzhalter 8" descr="Inhaltsplatzhalter 8"/>
           <p:cNvPicPr>
             <a:picLocks noChangeAspect="1"/>
           </p:cNvPicPr>
@@ -5116,7 +5235,7 @@
       </p:pic>
       <p:pic>
         <p:nvPicPr>
-          <p:cNvPr id="217" name="Inhaltsplatzhalter 15" descr="Inhaltsplatzhalter 15"/>
+          <p:cNvPr id="226" name="Inhaltsplatzhalter 15" descr="Inhaltsplatzhalter 15"/>
           <p:cNvPicPr>
             <a:picLocks noChangeAspect="1"/>
           </p:cNvPicPr>
@@ -5171,7 +5290,7 @@
       </p:grpSpPr>
       <p:sp>
         <p:nvSpPr>
-          <p:cNvPr id="219" name="Titel 1"/>
+          <p:cNvPr id="228" name="Titel 1"/>
           <p:cNvSpPr txBox="1"/>
           <p:nvPr>
             <p:ph type="title"/>
@@ -5197,9 +5316,36 @@
           </a:p>
         </p:txBody>
       </p:sp>
+      <p:sp>
+        <p:nvSpPr>
+          <p:cNvPr id="229" name="Foliennummer"/>
+          <p:cNvSpPr txBox="1"/>
+          <p:nvPr>
+            <p:ph type="sldNum" sz="quarter" idx="2"/>
+          </p:nvPr>
+        </p:nvSpPr>
+        <p:spPr>
+          <a:prstGeom prst="rect">
+            <a:avLst/>
+          </a:prstGeom>
+          <a:extLst>
+            <a:ext uri="{C572A759-6A51-4108-AA02-DFA0A04FC94B}">
+              <ma14:wrappingTextBoxFlag xmlns:ma14="http://schemas.microsoft.com/office/mac/drawingml/2011/main" val="1"/>
+            </a:ext>
+          </a:extLst>
+        </p:spPr>
+        <p:txBody>
+          <a:bodyPr/>
+          <a:lstStyle/>
+          <a:p>
+            <a:pPr/>
+            <a:fld id="{86CB4B4D-7CA3-9044-876B-883B54F8677D}" type="slidenum"/>
+          </a:p>
+        </p:txBody>
+      </p:sp>
       <p:pic>
         <p:nvPicPr>
-          <p:cNvPr id="220" name="Inhaltsplatzhalter 10" descr="Inhaltsplatzhalter 10"/>
+          <p:cNvPr id="230" name="Inhaltsplatzhalter 10" descr="Inhaltsplatzhalter 10"/>
           <p:cNvPicPr>
             <a:picLocks noChangeAspect="1"/>
           </p:cNvPicPr>
@@ -5254,7 +5400,7 @@
       </p:grpSpPr>
       <p:sp>
         <p:nvSpPr>
-          <p:cNvPr id="222" name="Titel 1"/>
+          <p:cNvPr id="232" name="Titel 1"/>
           <p:cNvSpPr txBox="1"/>
           <p:nvPr>
             <p:ph type="title"/>
@@ -5280,9 +5426,36 @@
           </a:p>
         </p:txBody>
       </p:sp>
+      <p:sp>
+        <p:nvSpPr>
+          <p:cNvPr id="233" name="Foliennummer"/>
+          <p:cNvSpPr txBox="1"/>
+          <p:nvPr>
+            <p:ph type="sldNum" sz="quarter" idx="2"/>
+          </p:nvPr>
+        </p:nvSpPr>
+        <p:spPr>
+          <a:prstGeom prst="rect">
+            <a:avLst/>
+          </a:prstGeom>
+          <a:extLst>
+            <a:ext uri="{C572A759-6A51-4108-AA02-DFA0A04FC94B}">
+              <ma14:wrappingTextBoxFlag xmlns:ma14="http://schemas.microsoft.com/office/mac/drawingml/2011/main" val="1"/>
+            </a:ext>
+          </a:extLst>
+        </p:spPr>
+        <p:txBody>
+          <a:bodyPr/>
+          <a:lstStyle/>
+          <a:p>
+            <a:pPr/>
+            <a:fld id="{86CB4B4D-7CA3-9044-876B-883B54F8677D}" type="slidenum"/>
+          </a:p>
+        </p:txBody>
+      </p:sp>
       <p:pic>
         <p:nvPicPr>
-          <p:cNvPr id="223" name="Picture 2" descr="Picture 2"/>
+          <p:cNvPr id="234" name="Picture 2" descr="Picture 2"/>
           <p:cNvPicPr>
             <a:picLocks noChangeAspect="1"/>
           </p:cNvPicPr>
@@ -5337,7 +5510,7 @@
       </p:grpSpPr>
       <p:sp>
         <p:nvSpPr>
-          <p:cNvPr id="225" name="Titel 3"/>
+          <p:cNvPr id="236" name="Titel 3"/>
           <p:cNvSpPr txBox="1"/>
           <p:nvPr>
             <p:ph type="title"/>
@@ -5365,7 +5538,7 @@
       </p:sp>
       <p:sp>
         <p:nvSpPr>
-          <p:cNvPr id="226" name="Textplatzhalter 4"/>
+          <p:cNvPr id="237" name="Textplatzhalter 4"/>
           <p:cNvSpPr txBox="1"/>
           <p:nvPr>
             <p:ph type="body" sz="quarter" idx="1"/>
@@ -5416,7 +5589,7 @@
       </p:grpSpPr>
       <p:sp>
         <p:nvSpPr>
-          <p:cNvPr id="228" name="Titel 1"/>
+          <p:cNvPr id="239" name="Titel 1"/>
           <p:cNvSpPr txBox="1"/>
           <p:nvPr>
             <p:ph type="title"/>
@@ -5464,7 +5637,7 @@
       </p:sp>
       <p:sp>
         <p:nvSpPr>
-          <p:cNvPr id="229" name="Inhaltsplatzhalter 2"/>
+          <p:cNvPr id="240" name="Inhaltsplatzhalter 2"/>
           <p:cNvSpPr txBox="1"/>
           <p:nvPr>
             <p:ph type="body" idx="1"/>
@@ -5536,6 +5709,33 @@
             <a:r>
               <a:t>kann mehrere Repräsentationen einer Ressource anbieten</a:t>
             </a:r>
+          </a:p>
+        </p:txBody>
+      </p:sp>
+      <p:sp>
+        <p:nvSpPr>
+          <p:cNvPr id="241" name="Foliennummer"/>
+          <p:cNvSpPr txBox="1"/>
+          <p:nvPr>
+            <p:ph type="sldNum" sz="quarter" idx="2"/>
+          </p:nvPr>
+        </p:nvSpPr>
+        <p:spPr>
+          <a:prstGeom prst="rect">
+            <a:avLst/>
+          </a:prstGeom>
+          <a:extLst>
+            <a:ext uri="{C572A759-6A51-4108-AA02-DFA0A04FC94B}">
+              <ma14:wrappingTextBoxFlag xmlns:ma14="http://schemas.microsoft.com/office/mac/drawingml/2011/main" val="1"/>
+            </a:ext>
+          </a:extLst>
+        </p:spPr>
+        <p:txBody>
+          <a:bodyPr/>
+          <a:lstStyle/>
+          <a:p>
+            <a:pPr/>
+            <a:fld id="{86CB4B4D-7CA3-9044-876B-883B54F8677D}" type="slidenum"/>
           </a:p>
         </p:txBody>
       </p:sp>
@@ -5567,7 +5767,7 @@
       </p:grpSpPr>
       <p:sp>
         <p:nvSpPr>
-          <p:cNvPr id="233" name="Titel 1"/>
+          <p:cNvPr id="245" name="Titel 1"/>
           <p:cNvSpPr txBox="1"/>
           <p:nvPr>
             <p:ph type="title"/>
@@ -5595,13 +5795,40 @@
       </p:sp>
       <p:sp>
         <p:nvSpPr>
-          <p:cNvPr id="234" name="Textfeld 3"/>
+          <p:cNvPr id="246" name="Foliennummer"/>
+          <p:cNvSpPr txBox="1"/>
+          <p:nvPr>
+            <p:ph type="sldNum" sz="quarter" idx="2"/>
+          </p:nvPr>
+        </p:nvSpPr>
+        <p:spPr>
+          <a:prstGeom prst="rect">
+            <a:avLst/>
+          </a:prstGeom>
+          <a:extLst>
+            <a:ext uri="{C572A759-6A51-4108-AA02-DFA0A04FC94B}">
+              <ma14:wrappingTextBoxFlag xmlns:ma14="http://schemas.microsoft.com/office/mac/drawingml/2011/main" val="1"/>
+            </a:ext>
+          </a:extLst>
+        </p:spPr>
+        <p:txBody>
+          <a:bodyPr/>
+          <a:lstStyle/>
+          <a:p>
+            <a:pPr/>
+            <a:fld id="{86CB4B4D-7CA3-9044-876B-883B54F8677D}" type="slidenum"/>
+          </a:p>
+        </p:txBody>
+      </p:sp>
+      <p:sp>
+        <p:nvSpPr>
+          <p:cNvPr id="247" name="Textfeld 3"/>
           <p:cNvSpPr txBox="1"/>
           <p:nvPr/>
         </p:nvSpPr>
         <p:spPr>
           <a:xfrm>
-            <a:off x="2666428" y="2138089"/>
+            <a:off x="1231328" y="2138089"/>
             <a:ext cx="1567420" cy="3469641"/>
           </a:xfrm>
           <a:prstGeom prst="rect">
@@ -5705,13 +5932,13 @@
       </p:sp>
       <p:sp>
         <p:nvSpPr>
-          <p:cNvPr id="235" name="Textfeld 5"/>
+          <p:cNvPr id="248" name="Textfeld 5"/>
           <p:cNvSpPr txBox="1"/>
           <p:nvPr/>
         </p:nvSpPr>
         <p:spPr>
           <a:xfrm>
-            <a:off x="4837841" y="3637410"/>
+            <a:off x="3402741" y="3637410"/>
             <a:ext cx="4067186" cy="701041"/>
           </a:xfrm>
           <a:prstGeom prst="rect">
@@ -5782,7 +6009,7 @@
       </p:grpSpPr>
       <p:sp>
         <p:nvSpPr>
-          <p:cNvPr id="239" name="Titel 1"/>
+          <p:cNvPr id="252" name="Titel 1"/>
           <p:cNvSpPr txBox="1"/>
           <p:nvPr>
             <p:ph type="title"/>
@@ -5810,13 +6037,40 @@
       </p:sp>
       <p:sp>
         <p:nvSpPr>
-          <p:cNvPr id="240" name="Textfeld 3"/>
+          <p:cNvPr id="253" name="Foliennummer"/>
+          <p:cNvSpPr txBox="1"/>
+          <p:nvPr>
+            <p:ph type="sldNum" sz="quarter" idx="2"/>
+          </p:nvPr>
+        </p:nvSpPr>
+        <p:spPr>
+          <a:prstGeom prst="rect">
+            <a:avLst/>
+          </a:prstGeom>
+          <a:extLst>
+            <a:ext uri="{C572A759-6A51-4108-AA02-DFA0A04FC94B}">
+              <ma14:wrappingTextBoxFlag xmlns:ma14="http://schemas.microsoft.com/office/mac/drawingml/2011/main" val="1"/>
+            </a:ext>
+          </a:extLst>
+        </p:spPr>
+        <p:txBody>
+          <a:bodyPr/>
+          <a:lstStyle/>
+          <a:p>
+            <a:pPr/>
+            <a:fld id="{86CB4B4D-7CA3-9044-876B-883B54F8677D}" type="slidenum"/>
+          </a:p>
+        </p:txBody>
+      </p:sp>
+      <p:sp>
+        <p:nvSpPr>
+          <p:cNvPr id="254" name="Textfeld 3"/>
           <p:cNvSpPr txBox="1"/>
           <p:nvPr/>
         </p:nvSpPr>
         <p:spPr>
           <a:xfrm>
-            <a:off x="2666428" y="2138089"/>
+            <a:off x="1231328" y="2138089"/>
             <a:ext cx="1567420" cy="3469641"/>
           </a:xfrm>
           <a:prstGeom prst="rect">
@@ -5920,13 +6174,13 @@
       </p:sp>
       <p:sp>
         <p:nvSpPr>
-          <p:cNvPr id="241" name="Textfeld 4"/>
+          <p:cNvPr id="255" name="Textfeld 4"/>
           <p:cNvSpPr txBox="1"/>
           <p:nvPr/>
         </p:nvSpPr>
         <p:spPr>
           <a:xfrm>
-            <a:off x="4837841" y="3637410"/>
+            <a:off x="3415441" y="3637410"/>
             <a:ext cx="7420532" cy="701041"/>
           </a:xfrm>
           <a:prstGeom prst="rect">
@@ -6068,6 +6322,12 @@
           <a:p>
             <a:pPr/>
             <a:r>
+              <a:t>Swagger-UI</a:t>
+            </a:r>
+          </a:p>
+          <a:p>
+            <a:pPr/>
+            <a:r>
               <a:t>Use Case vorstellen</a:t>
             </a:r>
           </a:p>
@@ -6076,6 +6336,37 @@
             <a:r>
               <a:t>Hands-on</a:t>
             </a:r>
+          </a:p>
+        </p:txBody>
+      </p:sp>
+      <p:sp>
+        <p:nvSpPr>
+          <p:cNvPr id="99" name="Foliennummer"/>
+          <p:cNvSpPr txBox="1"/>
+          <p:nvPr>
+            <p:ph type="sldNum" sz="quarter" idx="2"/>
+          </p:nvPr>
+        </p:nvSpPr>
+        <p:spPr>
+          <a:xfrm>
+            <a:off x="6043929" y="6482985"/>
+            <a:ext cx="188899" cy="264255"/>
+          </a:xfrm>
+          <a:prstGeom prst="rect">
+            <a:avLst/>
+          </a:prstGeom>
+          <a:extLst>
+            <a:ext uri="{C572A759-6A51-4108-AA02-DFA0A04FC94B}">
+              <ma14:wrappingTextBoxFlag xmlns:ma14="http://schemas.microsoft.com/office/mac/drawingml/2011/main" val="1"/>
+            </a:ext>
+          </a:extLst>
+        </p:spPr>
+        <p:txBody>
+          <a:bodyPr/>
+          <a:lstStyle/>
+          <a:p>
+            <a:pPr/>
+            <a:fld id="{86CB4B4D-7CA3-9044-876B-883B54F8677D}" type="slidenum"/>
           </a:p>
         </p:txBody>
       </p:sp>
@@ -6107,7 +6398,7 @@
       </p:grpSpPr>
       <p:sp>
         <p:nvSpPr>
-          <p:cNvPr id="245" name="Titel 1"/>
+          <p:cNvPr id="259" name="Titel 1"/>
           <p:cNvSpPr txBox="1"/>
           <p:nvPr>
             <p:ph type="title"/>
@@ -6133,9 +6424,36 @@
           </a:p>
         </p:txBody>
       </p:sp>
+      <p:sp>
+        <p:nvSpPr>
+          <p:cNvPr id="260" name="Foliennummer"/>
+          <p:cNvSpPr txBox="1"/>
+          <p:nvPr>
+            <p:ph type="sldNum" sz="quarter" idx="2"/>
+          </p:nvPr>
+        </p:nvSpPr>
+        <p:spPr>
+          <a:prstGeom prst="rect">
+            <a:avLst/>
+          </a:prstGeom>
+          <a:extLst>
+            <a:ext uri="{C572A759-6A51-4108-AA02-DFA0A04FC94B}">
+              <ma14:wrappingTextBoxFlag xmlns:ma14="http://schemas.microsoft.com/office/mac/drawingml/2011/main" val="1"/>
+            </a:ext>
+          </a:extLst>
+        </p:spPr>
+        <p:txBody>
+          <a:bodyPr/>
+          <a:lstStyle/>
+          <a:p>
+            <a:pPr/>
+            <a:fld id="{86CB4B4D-7CA3-9044-876B-883B54F8677D}" type="slidenum"/>
+          </a:p>
+        </p:txBody>
+      </p:sp>
       <p:graphicFrame>
         <p:nvGraphicFramePr>
-          <p:cNvPr id="246" name="Inhaltsplatzhalter 3"/>
+          <p:cNvPr id="261" name="Inhaltsplatzhalter 3"/>
           <p:cNvGraphicFramePr/>
           <p:nvPr/>
         </p:nvGraphicFramePr>
@@ -7084,7 +7402,7 @@
       </p:grpSpPr>
       <p:sp>
         <p:nvSpPr>
-          <p:cNvPr id="250" name="Titel 1"/>
+          <p:cNvPr id="265" name="Titel 1"/>
           <p:cNvSpPr txBox="1"/>
           <p:nvPr>
             <p:ph type="title"/>
@@ -7112,7 +7430,7 @@
       </p:sp>
       <p:sp>
         <p:nvSpPr>
-          <p:cNvPr id="251" name="Inhaltsplatzhalter 2"/>
+          <p:cNvPr id="266" name="Inhaltsplatzhalter 2"/>
           <p:cNvSpPr txBox="1"/>
           <p:nvPr>
             <p:ph type="body" idx="1"/>
@@ -7121,7 +7439,7 @@
         <p:spPr>
           <a:xfrm>
             <a:off x="838200" y="1825625"/>
-            <a:ext cx="10515600" cy="4351338"/>
+            <a:ext cx="11216184" cy="4351338"/>
           </a:xfrm>
           <a:prstGeom prst="rect">
             <a:avLst/>
@@ -7137,7 +7455,7 @@
               </a:lnSpc>
               <a:buSzTx/>
               <a:buNone/>
-              <a:defRPr sz="4000">
+              <a:defRPr sz="3900">
                 <a:latin typeface="Courier"/>
                 <a:ea typeface="Courier"/>
                 <a:cs typeface="Courier"/>
@@ -7175,7 +7493,7 @@
               </a:lnSpc>
               <a:buSzTx/>
               <a:buNone/>
-              <a:defRPr sz="4000">
+              <a:defRPr sz="3900">
                 <a:latin typeface="Courier"/>
                 <a:ea typeface="Courier"/>
                 <a:cs typeface="Courier"/>
@@ -7213,7 +7531,7 @@
               </a:lnSpc>
               <a:buSzTx/>
               <a:buNone/>
-              <a:defRPr sz="4000">
+              <a:defRPr sz="3900">
                 <a:latin typeface="Courier"/>
                 <a:ea typeface="Courier"/>
                 <a:cs typeface="Courier"/>
@@ -7238,6 +7556,33 @@
               </a:rPr>
               <a:t>202 No Content</a:t>
             </a:r>
+          </a:p>
+        </p:txBody>
+      </p:sp>
+      <p:sp>
+        <p:nvSpPr>
+          <p:cNvPr id="267" name="Foliennummer"/>
+          <p:cNvSpPr txBox="1"/>
+          <p:nvPr>
+            <p:ph type="sldNum" sz="quarter" idx="2"/>
+          </p:nvPr>
+        </p:nvSpPr>
+        <p:spPr>
+          <a:prstGeom prst="rect">
+            <a:avLst/>
+          </a:prstGeom>
+          <a:extLst>
+            <a:ext uri="{C572A759-6A51-4108-AA02-DFA0A04FC94B}">
+              <ma14:wrappingTextBoxFlag xmlns:ma14="http://schemas.microsoft.com/office/mac/drawingml/2011/main" val="1"/>
+            </a:ext>
+          </a:extLst>
+        </p:spPr>
+        <p:txBody>
+          <a:bodyPr/>
+          <a:lstStyle/>
+          <a:p>
+            <a:pPr/>
+            <a:fld id="{86CB4B4D-7CA3-9044-876B-883B54F8677D}" type="slidenum"/>
           </a:p>
         </p:txBody>
       </p:sp>
@@ -7269,7 +7614,7 @@
       </p:grpSpPr>
       <p:sp>
         <p:nvSpPr>
-          <p:cNvPr id="255" name="Titel 1"/>
+          <p:cNvPr id="271" name="Titel 1"/>
           <p:cNvSpPr txBox="1"/>
           <p:nvPr>
             <p:ph type="title"/>
@@ -7297,7 +7642,7 @@
       </p:sp>
       <p:sp>
         <p:nvSpPr>
-          <p:cNvPr id="256" name="Inhaltsplatzhalter 2"/>
+          <p:cNvPr id="272" name="Inhaltsplatzhalter 2"/>
           <p:cNvSpPr txBox="1"/>
           <p:nvPr>
             <p:ph type="body" idx="1"/>
@@ -7322,7 +7667,7 @@
               </a:lnSpc>
               <a:buSzTx/>
               <a:buNone/>
-              <a:defRPr sz="3100">
+              <a:defRPr sz="2900">
                 <a:latin typeface="Courier"/>
                 <a:ea typeface="Courier"/>
                 <a:cs typeface="Courier"/>
@@ -7347,7 +7692,6 @@
               </a:rPr>
               <a:t>400 Bad Request</a:t>
             </a:r>
-            <a:endParaRPr sz="2100"/>
           </a:p>
           <a:p>
             <a:pPr marL="0" indent="0">
@@ -7356,7 +7700,7 @@
               </a:lnSpc>
               <a:buSzTx/>
               <a:buNone/>
-              <a:defRPr sz="3100">
+              <a:defRPr sz="2900">
                 <a:latin typeface="Courier"/>
                 <a:ea typeface="Courier"/>
                 <a:cs typeface="Courier"/>
@@ -7381,7 +7725,7 @@
               </a:rPr>
               <a:t>401 Unauthorized</a:t>
             </a:r>
-            <a:endParaRPr sz="4000">
+            <a:endParaRPr>
               <a:solidFill>
                 <a:srgbClr val="FF0000"/>
               </a:solidFill>
@@ -7394,7 +7738,7 @@
               </a:lnSpc>
               <a:buSzTx/>
               <a:buNone/>
-              <a:defRPr sz="3100">
+              <a:defRPr sz="2900">
                 <a:latin typeface="Courier"/>
                 <a:ea typeface="Courier"/>
                 <a:cs typeface="Courier"/>
@@ -7419,7 +7763,7 @@
               </a:rPr>
               <a:t>  403 Forbidden</a:t>
             </a:r>
-            <a:endParaRPr sz="4000">
+            <a:endParaRPr>
               <a:solidFill>
                 <a:srgbClr val="FF0000"/>
               </a:solidFill>
@@ -7432,7 +7776,7 @@
               </a:lnSpc>
               <a:buSzTx/>
               <a:buNone/>
-              <a:defRPr sz="3100">
+              <a:defRPr sz="2900">
                 <a:latin typeface="Courier"/>
                 <a:ea typeface="Courier"/>
                 <a:cs typeface="Courier"/>
@@ -7457,7 +7801,7 @@
               </a:rPr>
               <a:t>404 Not Found</a:t>
             </a:r>
-            <a:endParaRPr sz="4000">
+            <a:endParaRPr>
               <a:solidFill>
                 <a:srgbClr val="FF0000"/>
               </a:solidFill>
@@ -7470,7 +7814,7 @@
               </a:lnSpc>
               <a:buSzTx/>
               <a:buNone/>
-              <a:defRPr sz="3100">
+              <a:defRPr sz="2900">
                 <a:latin typeface="Courier"/>
                 <a:ea typeface="Courier"/>
                 <a:cs typeface="Courier"/>
@@ -7495,6 +7839,33 @@
               </a:rPr>
               <a:t>422 Unprocessable Entity</a:t>
             </a:r>
+          </a:p>
+        </p:txBody>
+      </p:sp>
+      <p:sp>
+        <p:nvSpPr>
+          <p:cNvPr id="273" name="Foliennummer"/>
+          <p:cNvSpPr txBox="1"/>
+          <p:nvPr>
+            <p:ph type="sldNum" sz="quarter" idx="2"/>
+          </p:nvPr>
+        </p:nvSpPr>
+        <p:spPr>
+          <a:prstGeom prst="rect">
+            <a:avLst/>
+          </a:prstGeom>
+          <a:extLst>
+            <a:ext uri="{C572A759-6A51-4108-AA02-DFA0A04FC94B}">
+              <ma14:wrappingTextBoxFlag xmlns:ma14="http://schemas.microsoft.com/office/mac/drawingml/2011/main" val="1"/>
+            </a:ext>
+          </a:extLst>
+        </p:spPr>
+        <p:txBody>
+          <a:bodyPr/>
+          <a:lstStyle/>
+          <a:p>
+            <a:pPr/>
+            <a:fld id="{86CB4B4D-7CA3-9044-876B-883B54F8677D}" type="slidenum"/>
           </a:p>
         </p:txBody>
       </p:sp>
@@ -7526,7 +7897,7 @@
       </p:grpSpPr>
       <p:sp>
         <p:nvSpPr>
-          <p:cNvPr id="258" name="Titel 1"/>
+          <p:cNvPr id="275" name="Titel 1"/>
           <p:cNvSpPr txBox="1"/>
           <p:nvPr>
             <p:ph type="title"/>
@@ -7554,7 +7925,7 @@
       </p:sp>
       <p:sp>
         <p:nvSpPr>
-          <p:cNvPr id="259" name="Inhaltsplatzhalter 2"/>
+          <p:cNvPr id="276" name="Inhaltsplatzhalter 2"/>
           <p:cNvSpPr txBox="1"/>
           <p:nvPr>
             <p:ph type="body" idx="1"/>
@@ -7613,6 +7984,33 @@
             <a:r>
               <a:t>  5xx Server-Fehler</a:t>
             </a:r>
+          </a:p>
+        </p:txBody>
+      </p:sp>
+      <p:sp>
+        <p:nvSpPr>
+          <p:cNvPr id="277" name="Foliennummer"/>
+          <p:cNvSpPr txBox="1"/>
+          <p:nvPr>
+            <p:ph type="sldNum" sz="quarter" idx="2"/>
+          </p:nvPr>
+        </p:nvSpPr>
+        <p:spPr>
+          <a:prstGeom prst="rect">
+            <a:avLst/>
+          </a:prstGeom>
+          <a:extLst>
+            <a:ext uri="{C572A759-6A51-4108-AA02-DFA0A04FC94B}">
+              <ma14:wrappingTextBoxFlag xmlns:ma14="http://schemas.microsoft.com/office/mac/drawingml/2011/main" val="1"/>
+            </a:ext>
+          </a:extLst>
+        </p:spPr>
+        <p:txBody>
+          <a:bodyPr/>
+          <a:lstStyle/>
+          <a:p>
+            <a:pPr/>
+            <a:fld id="{86CB4B4D-7CA3-9044-876B-883B54F8677D}" type="slidenum"/>
           </a:p>
         </p:txBody>
       </p:sp>
@@ -7644,7 +8042,7 @@
       </p:grpSpPr>
       <p:sp>
         <p:nvSpPr>
-          <p:cNvPr id="261" name="Titel 1"/>
+          <p:cNvPr id="279" name="Titel 1"/>
           <p:cNvSpPr txBox="1"/>
           <p:nvPr>
             <p:ph type="title"/>
@@ -7672,7 +8070,7 @@
       </p:sp>
       <p:sp>
         <p:nvSpPr>
-          <p:cNvPr id="262" name="Inhaltsplatzhalter 2"/>
+          <p:cNvPr id="280" name="Inhaltsplatzhalter 2"/>
           <p:cNvSpPr txBox="1"/>
           <p:nvPr>
             <p:ph type="body" idx="1"/>
@@ -7691,13 +8089,10 @@
           <a:bodyPr anchor="ctr"/>
           <a:lstStyle/>
           <a:p>
-            <a:pPr marL="0" indent="0" defTabSz="886968">
-              <a:spcBef>
-                <a:spcPts val="900"/>
-              </a:spcBef>
+            <a:pPr marL="0" indent="0">
               <a:buSzTx/>
               <a:buNone/>
-              <a:defRPr b="1" sz="2716">
+              <a:defRPr b="1" sz="2500">
                 <a:latin typeface="Courier"/>
                 <a:ea typeface="Courier"/>
                 <a:cs typeface="Courier"/>
@@ -7705,21 +8100,18 @@
               </a:defRPr>
             </a:pPr>
             <a:r>
-              <a:t>Content-Type: 	</a:t>
+              <a:t>Content-Type:    </a:t>
             </a:r>
             <a:r>
               <a:rPr b="0"/>
-              <a:t>   application/json</a:t>
-            </a:r>
-          </a:p>
-          <a:p>
-            <a:pPr marL="0" indent="0" defTabSz="886968">
-              <a:spcBef>
-                <a:spcPts val="900"/>
-              </a:spcBef>
+              <a:t>application/json</a:t>
+            </a:r>
+          </a:p>
+          <a:p>
+            <a:pPr marL="0" indent="0">
               <a:buSzTx/>
               <a:buNone/>
-              <a:defRPr b="1" sz="2716">
+              <a:defRPr b="1" sz="2500">
                 <a:latin typeface="Courier"/>
                 <a:ea typeface="Courier"/>
                 <a:cs typeface="Courier"/>
@@ -7727,21 +8119,18 @@
               </a:defRPr>
             </a:pPr>
             <a:r>
-              <a:t>Accept: </a:t>
+              <a:t>Accept:          </a:t>
             </a:r>
             <a:r>
               <a:rPr b="0"/>
-              <a:t>		   application/json</a:t>
-            </a:r>
-          </a:p>
-          <a:p>
-            <a:pPr marL="0" indent="0" defTabSz="886968">
-              <a:spcBef>
-                <a:spcPts val="900"/>
-              </a:spcBef>
+              <a:t>application/json</a:t>
+            </a:r>
+          </a:p>
+          <a:p>
+            <a:pPr marL="0" indent="0">
               <a:buSzTx/>
               <a:buNone/>
-              <a:defRPr b="1" sz="2716">
+              <a:defRPr b="1" sz="2500">
                 <a:latin typeface="Courier"/>
                 <a:ea typeface="Courier"/>
                 <a:cs typeface="Courier"/>
@@ -7749,21 +8138,18 @@
               </a:defRPr>
             </a:pPr>
             <a:r>
-              <a:t>Accept: </a:t>
+              <a:t>Accept:          </a:t>
             </a:r>
             <a:r>
               <a:rPr b="0"/>
-              <a:t>		   application/xml</a:t>
-            </a:r>
-          </a:p>
-          <a:p>
-            <a:pPr marL="0" indent="0" defTabSz="886968">
-              <a:spcBef>
-                <a:spcPts val="900"/>
-              </a:spcBef>
+              <a:t>application/xml</a:t>
+            </a:r>
+          </a:p>
+          <a:p>
+            <a:pPr marL="0" indent="0">
               <a:buSzTx/>
               <a:buNone/>
-              <a:defRPr b="1" sz="2716">
+              <a:defRPr b="1" sz="2500">
                 <a:latin typeface="Courier"/>
                 <a:ea typeface="Courier"/>
                 <a:cs typeface="Courier"/>
@@ -7771,21 +8157,18 @@
               </a:defRPr>
             </a:pPr>
             <a:r>
-              <a:t>Accept: </a:t>
+              <a:t>Accept:          </a:t>
             </a:r>
             <a:r>
               <a:rPr b="0"/>
-              <a:t>		   application/ical</a:t>
-            </a:r>
-          </a:p>
-          <a:p>
-            <a:pPr marL="0" indent="0" defTabSz="886968">
-              <a:spcBef>
-                <a:spcPts val="900"/>
-              </a:spcBef>
+              <a:t>application/ical</a:t>
+            </a:r>
+          </a:p>
+          <a:p>
+            <a:pPr marL="0" indent="0">
               <a:buSzTx/>
               <a:buNone/>
-              <a:defRPr b="1" sz="2716">
+              <a:defRPr b="1" sz="2500">
                 <a:latin typeface="Courier"/>
                 <a:ea typeface="Courier"/>
                 <a:cs typeface="Courier"/>
@@ -7793,21 +8176,18 @@
               </a:defRPr>
             </a:pPr>
             <a:r>
-              <a:t>Accept: </a:t>
+              <a:t>Accept:          </a:t>
             </a:r>
             <a:r>
               <a:rPr b="0"/>
-              <a:t>	 	   application/csv</a:t>
-            </a:r>
-          </a:p>
-          <a:p>
-            <a:pPr marL="0" indent="0" defTabSz="886968">
-              <a:spcBef>
-                <a:spcPts val="900"/>
-              </a:spcBef>
+              <a:t>application/csv</a:t>
+            </a:r>
+          </a:p>
+          <a:p>
+            <a:pPr marL="0" indent="0">
               <a:buSzTx/>
               <a:buNone/>
-              <a:defRPr b="1" sz="2716">
+              <a:defRPr b="1" sz="2500">
                 <a:latin typeface="Courier"/>
                 <a:ea typeface="Courier"/>
                 <a:cs typeface="Courier"/>
@@ -7824,13 +8204,10 @@
             <a:endParaRPr b="0"/>
           </a:p>
           <a:p>
-            <a:pPr marL="0" indent="0" defTabSz="886968">
-              <a:spcBef>
-                <a:spcPts val="900"/>
-              </a:spcBef>
+            <a:pPr marL="0" indent="0">
               <a:buSzTx/>
               <a:buNone/>
-              <a:defRPr b="1" sz="2716">
+              <a:defRPr b="1" sz="2500">
                 <a:latin typeface="Courier"/>
                 <a:ea typeface="Courier"/>
                 <a:cs typeface="Courier"/>
@@ -7838,22 +8215,19 @@
               </a:defRPr>
             </a:pPr>
             <a:r>
-              <a:t>Authorization:	</a:t>
+              <a:t>Authorization:   </a:t>
             </a:r>
             <a:r>
               <a:rPr b="0"/>
-              <a:t>   Bearer: apsofijawßef9ijavsdvoinam49</a:t>
+              <a:t>Bearer: apsofijawßef9ijavsdvoinam49</a:t>
             </a:r>
             <a:endParaRPr b="0"/>
           </a:p>
           <a:p>
-            <a:pPr marL="0" indent="0" defTabSz="886968">
-              <a:spcBef>
-                <a:spcPts val="900"/>
-              </a:spcBef>
+            <a:pPr marL="0" indent="0">
               <a:buSzTx/>
               <a:buNone/>
-              <a:defRPr b="1" sz="2716">
+              <a:defRPr b="1" sz="2500">
                 <a:latin typeface="Courier"/>
                 <a:ea typeface="Courier"/>
                 <a:cs typeface="Courier"/>
@@ -7867,6 +8241,33 @@
               <a:rPr b="0"/>
               <a:t>max-age=300</a:t>
             </a:r>
+          </a:p>
+        </p:txBody>
+      </p:sp>
+      <p:sp>
+        <p:nvSpPr>
+          <p:cNvPr id="281" name="Foliennummer"/>
+          <p:cNvSpPr txBox="1"/>
+          <p:nvPr>
+            <p:ph type="sldNum" sz="quarter" idx="2"/>
+          </p:nvPr>
+        </p:nvSpPr>
+        <p:spPr>
+          <a:prstGeom prst="rect">
+            <a:avLst/>
+          </a:prstGeom>
+          <a:extLst>
+            <a:ext uri="{C572A759-6A51-4108-AA02-DFA0A04FC94B}">
+              <ma14:wrappingTextBoxFlag xmlns:ma14="http://schemas.microsoft.com/office/mac/drawingml/2011/main" val="1"/>
+            </a:ext>
+          </a:extLst>
+        </p:spPr>
+        <p:txBody>
+          <a:bodyPr/>
+          <a:lstStyle/>
+          <a:p>
+            <a:pPr/>
+            <a:fld id="{86CB4B4D-7CA3-9044-876B-883B54F8677D}" type="slidenum"/>
           </a:p>
         </p:txBody>
       </p:sp>
@@ -7898,7 +8299,7 @@
       </p:grpSpPr>
       <p:sp>
         <p:nvSpPr>
-          <p:cNvPr id="264" name="Titel 3"/>
+          <p:cNvPr id="283" name="Titel 3"/>
           <p:cNvSpPr txBox="1"/>
           <p:nvPr>
             <p:ph type="title"/>
@@ -7926,7 +8327,7 @@
       </p:sp>
       <p:sp>
         <p:nvSpPr>
-          <p:cNvPr id="265" name="Textplatzhalter 4"/>
+          <p:cNvPr id="284" name="Textplatzhalter 4"/>
           <p:cNvSpPr txBox="1"/>
           <p:nvPr>
             <p:ph type="body" sz="quarter" idx="1"/>
@@ -7973,7 +8374,7 @@
       </p:grpSpPr>
       <p:sp>
         <p:nvSpPr>
-          <p:cNvPr id="267" name="API-Beschreibungen"/>
+          <p:cNvPr id="286" name="API-Beschreibungen"/>
           <p:cNvSpPr txBox="1"/>
           <p:nvPr>
             <p:ph type="title"/>
@@ -7997,7 +8398,7 @@
       </p:sp>
       <p:sp>
         <p:nvSpPr>
-          <p:cNvPr id="268" name="Formale Beschreibung der API…"/>
+          <p:cNvPr id="287" name="Formale Beschreibung der API…"/>
           <p:cNvSpPr txBox="1"/>
           <p:nvPr>
             <p:ph type="body" idx="1"/>
@@ -8020,44 +8421,65 @@
           <a:p>
             <a:pPr/>
             <a:r>
-              <a:t>WSDL für APIs</a:t>
+              <a:t>Nur Beschreibung, keine Implementierung</a:t>
+            </a:r>
+          </a:p>
+          <a:p>
+            <a:pPr/>
+            <a:r>
+              <a:t>Beschreibungsformate</a:t>
             </a:r>
           </a:p>
           <a:p>
             <a:pPr lvl="1" marL="685800" indent="-228600"/>
             <a:r>
-              <a:t>Nur Beschreibung, keine Implementierung</a:t>
-            </a:r>
-          </a:p>
-          <a:p>
-            <a:pPr/>
-            <a:r>
-              <a:t>Beschreibungsformate</a:t>
+              <a:t>API Blueprint</a:t>
             </a:r>
           </a:p>
           <a:p>
             <a:pPr lvl="1" marL="685800" indent="-228600"/>
             <a:r>
-              <a:t>API Blueprint</a:t>
+              <a:t>RAML</a:t>
             </a:r>
           </a:p>
           <a:p>
             <a:pPr lvl="1" marL="685800" indent="-228600"/>
             <a:r>
-              <a:t>RAML</a:t>
-            </a:r>
-          </a:p>
-          <a:p>
-            <a:pPr lvl="1" marL="685800" indent="-228600"/>
-            <a:r>
               <a:t>OpenAPI</a:t>
             </a:r>
+          </a:p>
+        </p:txBody>
+      </p:sp>
+      <p:sp>
+        <p:nvSpPr>
+          <p:cNvPr id="288" name="Foliennummer"/>
+          <p:cNvSpPr txBox="1"/>
+          <p:nvPr>
+            <p:ph type="sldNum" sz="quarter" idx="2"/>
+          </p:nvPr>
+        </p:nvSpPr>
+        <p:spPr>
+          <a:prstGeom prst="rect">
+            <a:avLst/>
+          </a:prstGeom>
+          <a:extLst>
+            <a:ext uri="{C572A759-6A51-4108-AA02-DFA0A04FC94B}">
+              <ma14:wrappingTextBoxFlag xmlns:ma14="http://schemas.microsoft.com/office/mac/drawingml/2011/main" val="1"/>
+            </a:ext>
+          </a:extLst>
+        </p:spPr>
+        <p:txBody>
+          <a:bodyPr/>
+          <a:lstStyle/>
+          <a:p>
+            <a:pPr/>
+            <a:fld id="{86CB4B4D-7CA3-9044-876B-883B54F8677D}" type="slidenum"/>
           </a:p>
         </p:txBody>
       </p:sp>
       <p:pic>
         <p:nvPicPr>
-          <p:cNvPr id="269" name="Grafik 9" descr="Grafik 9"/>
+          <p:cNvPr id="289" name="Grafik 9" descr="Grafik 9"/>
           <p:cNvPicPr>
             <a:picLocks noChangeAspect="1"/>
           </p:cNvPicPr>
@@ -8086,7 +8508,7 @@
       </p:pic>
       <p:sp>
         <p:nvSpPr>
-          <p:cNvPr id="270" name="https://nordicapis.com/top-specification-formats-for-rest-apis/">
+          <p:cNvPr id="290" name="https://nordicapis.com/top-specification-formats-for-rest-apis/">
             <a:hlinkClick r:id="rId3" invalidUrl="" action="" tgtFrame="" tooltip="" history="1" highlightClick="0" endSnd="0"/>
           </p:cNvPr>
           <p:cNvSpPr txBox="1"/>
@@ -8161,7 +8583,7 @@
       </p:grpSpPr>
       <p:sp>
         <p:nvSpPr>
-          <p:cNvPr id="272" name="OpenAPI Entstehung"/>
+          <p:cNvPr id="292" name="OpenAPI Entstehung"/>
           <p:cNvSpPr txBox="1"/>
           <p:nvPr>
             <p:ph type="title"/>
@@ -8185,7 +8607,7 @@
       </p:sp>
       <p:sp>
         <p:nvSpPr>
-          <p:cNvPr id="273" name="Version 1.0.0 2011 (Swagger)…"/>
+          <p:cNvPr id="293" name="Version 1.0.0 2011 (Swagger)…"/>
           <p:cNvSpPr txBox="1"/>
           <p:nvPr>
             <p:ph type="body" idx="1"/>
@@ -8240,6 +8662,33 @@
             <a:r>
               <a:t>Aktuell Version 3.0.2</a:t>
             </a:r>
+          </a:p>
+        </p:txBody>
+      </p:sp>
+      <p:sp>
+        <p:nvSpPr>
+          <p:cNvPr id="294" name="Foliennummer"/>
+          <p:cNvSpPr txBox="1"/>
+          <p:nvPr>
+            <p:ph type="sldNum" sz="quarter" idx="2"/>
+          </p:nvPr>
+        </p:nvSpPr>
+        <p:spPr>
+          <a:prstGeom prst="rect">
+            <a:avLst/>
+          </a:prstGeom>
+          <a:extLst>
+            <a:ext uri="{C572A759-6A51-4108-AA02-DFA0A04FC94B}">
+              <ma14:wrappingTextBoxFlag xmlns:ma14="http://schemas.microsoft.com/office/mac/drawingml/2011/main" val="1"/>
+            </a:ext>
+          </a:extLst>
+        </p:spPr>
+        <p:txBody>
+          <a:bodyPr/>
+          <a:lstStyle/>
+          <a:p>
+            <a:pPr/>
+            <a:fld id="{86CB4B4D-7CA3-9044-876B-883B54F8677D}" type="slidenum"/>
           </a:p>
         </p:txBody>
       </p:sp>
@@ -8271,7 +8720,7 @@
       </p:grpSpPr>
       <p:sp>
         <p:nvSpPr>
-          <p:cNvPr id="275" name="Exkurs YAML"/>
+          <p:cNvPr id="296" name="Exkurs YAML"/>
           <p:cNvSpPr txBox="1"/>
           <p:nvPr>
             <p:ph type="title"/>
@@ -8295,7 +8744,7 @@
       </p:sp>
       <p:sp>
         <p:nvSpPr>
-          <p:cNvPr id="276" name="OAS wird in YAML/JSON geschrieben…"/>
+          <p:cNvPr id="297" name="OAS wird in YAML/JSON geschrieben…"/>
           <p:cNvSpPr txBox="1"/>
           <p:nvPr>
             <p:ph type="body" idx="1"/>
@@ -8418,6 +8867,33 @@
             <a:r>
               <a:t>Menschenlesbar(er als XML)</a:t>
             </a:r>
+          </a:p>
+        </p:txBody>
+      </p:sp>
+      <p:sp>
+        <p:nvSpPr>
+          <p:cNvPr id="298" name="Foliennummer"/>
+          <p:cNvSpPr txBox="1"/>
+          <p:nvPr>
+            <p:ph type="sldNum" sz="quarter" idx="2"/>
+          </p:nvPr>
+        </p:nvSpPr>
+        <p:spPr>
+          <a:prstGeom prst="rect">
+            <a:avLst/>
+          </a:prstGeom>
+          <a:extLst>
+            <a:ext uri="{C572A759-6A51-4108-AA02-DFA0A04FC94B}">
+              <ma14:wrappingTextBoxFlag xmlns:ma14="http://schemas.microsoft.com/office/mac/drawingml/2011/main" val="1"/>
+            </a:ext>
+          </a:extLst>
+        </p:spPr>
+        <p:txBody>
+          <a:bodyPr/>
+          <a:lstStyle/>
+          <a:p>
+            <a:pPr/>
+            <a:fld id="{86CB4B4D-7CA3-9044-876B-883B54F8677D}" type="slidenum"/>
           </a:p>
         </p:txBody>
       </p:sp>
@@ -8449,7 +8925,7 @@
       </p:grpSpPr>
       <p:sp>
         <p:nvSpPr>
-          <p:cNvPr id="278" name="Exkurs YAML"/>
+          <p:cNvPr id="300" name="Exkurs YAML"/>
           <p:cNvSpPr txBox="1"/>
           <p:nvPr>
             <p:ph type="title"/>
@@ -8473,7 +8949,7 @@
       </p:sp>
       <p:sp>
         <p:nvSpPr>
-          <p:cNvPr id="279" name="# Kommentar…"/>
+          <p:cNvPr id="301" name="# Kommentar…"/>
           <p:cNvSpPr txBox="1"/>
           <p:nvPr>
             <p:ph type="body" idx="1"/>
@@ -8974,7 +9450,34 @@
       </p:sp>
       <p:sp>
         <p:nvSpPr>
-          <p:cNvPr id="280" name="Rechteck"/>
+          <p:cNvPr id="302" name="Foliennummer"/>
+          <p:cNvSpPr txBox="1"/>
+          <p:nvPr>
+            <p:ph type="sldNum" sz="quarter" idx="2"/>
+          </p:nvPr>
+        </p:nvSpPr>
+        <p:spPr>
+          <a:prstGeom prst="rect">
+            <a:avLst/>
+          </a:prstGeom>
+          <a:extLst>
+            <a:ext uri="{C572A759-6A51-4108-AA02-DFA0A04FC94B}">
+              <ma14:wrappingTextBoxFlag xmlns:ma14="http://schemas.microsoft.com/office/mac/drawingml/2011/main" val="1"/>
+            </a:ext>
+          </a:extLst>
+        </p:spPr>
+        <p:txBody>
+          <a:bodyPr/>
+          <a:lstStyle/>
+          <a:p>
+            <a:pPr/>
+            <a:fld id="{86CB4B4D-7CA3-9044-876B-883B54F8677D}" type="slidenum"/>
+          </a:p>
+        </p:txBody>
+      </p:sp>
+      <p:sp>
+        <p:nvSpPr>
+          <p:cNvPr id="303" name="Rechteck"/>
           <p:cNvSpPr/>
           <p:nvPr/>
         </p:nvSpPr>
@@ -9003,7 +9506,7 @@
       </p:sp>
       <p:sp>
         <p:nvSpPr>
-          <p:cNvPr id="281" name="Skalare Werte"/>
+          <p:cNvPr id="304" name="Skalare Werte"/>
           <p:cNvSpPr txBox="1"/>
           <p:nvPr/>
         </p:nvSpPr>
@@ -9039,7 +9542,7 @@
       </p:sp>
       <p:sp>
         <p:nvSpPr>
-          <p:cNvPr id="282" name="Linie"/>
+          <p:cNvPr id="305" name="Linie"/>
           <p:cNvSpPr/>
           <p:nvPr/>
         </p:nvSpPr>
@@ -9069,7 +9572,7 @@
       </p:sp>
       <p:sp>
         <p:nvSpPr>
-          <p:cNvPr id="283" name="Rechteck"/>
+          <p:cNvPr id="306" name="Rechteck"/>
           <p:cNvSpPr/>
           <p:nvPr/>
         </p:nvSpPr>
@@ -9098,7 +9601,7 @@
       </p:sp>
       <p:sp>
         <p:nvSpPr>
-          <p:cNvPr id="284" name="Liste von Objekten"/>
+          <p:cNvPr id="307" name="Liste von Objekten"/>
           <p:cNvSpPr txBox="1"/>
           <p:nvPr/>
         </p:nvSpPr>
@@ -9134,7 +9637,7 @@
       </p:sp>
       <p:sp>
         <p:nvSpPr>
-          <p:cNvPr id="285" name="Linie"/>
+          <p:cNvPr id="308" name="Linie"/>
           <p:cNvSpPr/>
           <p:nvPr/>
         </p:nvSpPr>
@@ -9164,7 +9667,7 @@
       </p:sp>
       <p:sp>
         <p:nvSpPr>
-          <p:cNvPr id="286" name="Rechteck"/>
+          <p:cNvPr id="309" name="Rechteck"/>
           <p:cNvSpPr/>
           <p:nvPr/>
         </p:nvSpPr>
@@ -9193,7 +9696,7 @@
       </p:sp>
       <p:sp>
         <p:nvSpPr>
-          <p:cNvPr id="287" name="Einzelnes Objekt"/>
+          <p:cNvPr id="310" name="Einzelnes Objekt"/>
           <p:cNvSpPr txBox="1"/>
           <p:nvPr/>
         </p:nvSpPr>
@@ -9229,7 +9732,7 @@
       </p:sp>
       <p:sp>
         <p:nvSpPr>
-          <p:cNvPr id="288" name="Linie"/>
+          <p:cNvPr id="311" name="Linie"/>
           <p:cNvSpPr/>
           <p:nvPr/>
         </p:nvSpPr>
@@ -9285,7 +9788,7 @@
       </p:grpSpPr>
       <p:sp>
         <p:nvSpPr>
-          <p:cNvPr id="100" name="Vorstellungsrunde"/>
+          <p:cNvPr id="101" name="Vorstellungsrunde"/>
           <p:cNvSpPr txBox="1"/>
           <p:nvPr>
             <p:ph type="title"/>
@@ -9309,7 +9812,7 @@
       </p:sp>
       <p:sp>
         <p:nvSpPr>
-          <p:cNvPr id="101" name="Text"/>
+          <p:cNvPr id="102" name="Text"/>
           <p:cNvSpPr txBox="1"/>
           <p:nvPr>
             <p:ph type="body" sz="quarter" idx="1"/>
@@ -9356,7 +9859,7 @@
       </p:grpSpPr>
       <p:sp>
         <p:nvSpPr>
-          <p:cNvPr id="290" name="OAS Specification"/>
+          <p:cNvPr id="313" name="OAS Specification"/>
           <p:cNvSpPr txBox="1"/>
           <p:nvPr>
             <p:ph type="title"/>
@@ -9380,7 +9883,7 @@
       </p:sp>
       <p:sp>
         <p:nvSpPr>
-          <p:cNvPr id="291" name="openapi: 3.0.2…"/>
+          <p:cNvPr id="314" name="openapi: 3.0.2…"/>
           <p:cNvSpPr txBox="1"/>
           <p:nvPr>
             <p:ph type="body" sz="half" idx="1"/>
@@ -9900,7 +10403,34 @@
       </p:sp>
       <p:sp>
         <p:nvSpPr>
-          <p:cNvPr id="292" name="security:…"/>
+          <p:cNvPr id="315" name="Foliennummer"/>
+          <p:cNvSpPr txBox="1"/>
+          <p:nvPr>
+            <p:ph type="sldNum" sz="quarter" idx="2"/>
+          </p:nvPr>
+        </p:nvSpPr>
+        <p:spPr>
+          <a:prstGeom prst="rect">
+            <a:avLst/>
+          </a:prstGeom>
+          <a:extLst>
+            <a:ext uri="{C572A759-6A51-4108-AA02-DFA0A04FC94B}">
+              <ma14:wrappingTextBoxFlag xmlns:ma14="http://schemas.microsoft.com/office/mac/drawingml/2011/main" val="1"/>
+            </a:ext>
+          </a:extLst>
+        </p:spPr>
+        <p:txBody>
+          <a:bodyPr/>
+          <a:lstStyle/>
+          <a:p>
+            <a:pPr/>
+            <a:fld id="{86CB4B4D-7CA3-9044-876B-883B54F8677D}" type="slidenum"/>
+          </a:p>
+        </p:txBody>
+      </p:sp>
+      <p:sp>
+        <p:nvSpPr>
+          <p:cNvPr id="316" name="security:…"/>
           <p:cNvSpPr txBox="1"/>
           <p:nvPr/>
         </p:nvSpPr>
@@ -10079,7 +10609,7 @@
               </a:defRPr>
             </a:pPr>
             <a:r>
-              <a:t>paths</a:t>
+              <a:t>components</a:t>
             </a:r>
             <a:r>
               <a:rPr b="0">
@@ -10137,7 +10667,7 @@
               </a:defRPr>
             </a:pPr>
             <a:r>
-              <a:t>components</a:t>
+              <a:t>paths</a:t>
             </a:r>
             <a:r>
               <a:rPr b="0">
@@ -10288,6 +10818,35 @@
               </a:rPr>
               <a:t>https://my.doku.domain/fachliches</a:t>
             </a:r>
+          </a:p>
+        </p:txBody>
+      </p:sp>
+      <p:sp>
+        <p:nvSpPr>
+          <p:cNvPr id="317" name="Linie"/>
+          <p:cNvSpPr/>
+          <p:nvPr/>
+        </p:nvSpPr>
+        <p:spPr>
+          <a:xfrm flipV="1">
+            <a:off x="6096000" y="1723194"/>
+            <a:ext cx="1" cy="4556200"/>
+          </a:xfrm>
+          <a:prstGeom prst="line">
+            <a:avLst/>
+          </a:prstGeom>
+          <a:ln w="12700">
+            <a:solidFill>
+              <a:schemeClr val="accent1"/>
+            </a:solidFill>
+            <a:miter/>
+          </a:ln>
+        </p:spPr>
+        <p:txBody>
+          <a:bodyPr lIns="45719" rIns="45719"/>
+          <a:lstStyle/>
+          <a:p>
+            <a:pPr/>
           </a:p>
         </p:txBody>
       </p:sp>
@@ -10319,7 +10878,7 @@
       </p:grpSpPr>
       <p:sp>
         <p:nvSpPr>
-          <p:cNvPr id="294" name="OAS Specification - Components"/>
+          <p:cNvPr id="319" name="OAS Specification - Components"/>
           <p:cNvSpPr txBox="1"/>
           <p:nvPr>
             <p:ph type="title"/>
@@ -10343,7 +10902,7 @@
       </p:sp>
       <p:sp>
         <p:nvSpPr>
-          <p:cNvPr id="295" name="paths:…"/>
+          <p:cNvPr id="320" name="#openapi: 3.0.2…"/>
           <p:cNvSpPr txBox="1"/>
           <p:nvPr>
             <p:ph type="body" sz="half" idx="1"/>
@@ -10362,7 +10921,7 @@
           <a:bodyPr/>
           <a:lstStyle/>
           <a:p>
-            <a:pPr marL="0" indent="0" defTabSz="457200">
+            <a:pPr marL="0" indent="0" defTabSz="406908">
               <a:lnSpc>
                 <a:spcPct val="100000"/>
               </a:lnSpc>
@@ -10372,9 +10931,9 @@
               <a:buSzTx/>
               <a:buFontTx/>
               <a:buNone/>
-              <a:defRPr b="1" sz="1500">
-                <a:solidFill>
-                  <a:srgbClr val="011480"/>
+              <a:defRPr i="1" sz="1335">
+                <a:solidFill>
+                  <a:srgbClr val="808080"/>
                 </a:solidFill>
                 <a:latin typeface="Menlo"/>
                 <a:ea typeface="Menlo"/>
@@ -10383,24 +10942,11 @@
               </a:defRPr>
             </a:pPr>
             <a:r>
-              <a:t>paths</a:t>
-            </a:r>
-            <a:r>
-              <a:rPr b="0">
-                <a:solidFill>
-                  <a:srgbClr val="000000"/>
-                </a:solidFill>
-              </a:rPr>
-              <a:t>:</a:t>
-            </a:r>
-            <a:endParaRPr b="0">
-              <a:solidFill>
-                <a:srgbClr val="000000"/>
-              </a:solidFill>
-            </a:endParaRPr>
-          </a:p>
-          <a:p>
-            <a:pPr marL="0" indent="0" defTabSz="457200">
+              <a:t>#openapi: 3.0.2</a:t>
+            </a:r>
+          </a:p>
+          <a:p>
+            <a:pPr marL="0" indent="0" defTabSz="406908">
               <a:lnSpc>
                 <a:spcPct val="100000"/>
               </a:lnSpc>
@@ -10410,7 +10956,7 @@
               <a:buSzTx/>
               <a:buFontTx/>
               <a:buNone/>
-              <a:defRPr b="1" sz="1500">
+              <a:defRPr b="1" sz="1335">
                 <a:solidFill>
                   <a:srgbClr val="011480"/>
                 </a:solidFill>
@@ -10421,15 +10967,7 @@
               </a:defRPr>
             </a:pPr>
             <a:r>
-              <a:rPr b="0">
-                <a:solidFill>
-                  <a:srgbClr val="000000"/>
-                </a:solidFill>
-              </a:rPr>
-              <a:t>  </a:t>
-            </a:r>
-            <a:r>
-              <a:t>/rooms</a:t>
+              <a:t>components</a:t>
             </a:r>
             <a:r>
               <a:rPr b="0">
@@ -10446,7 +10984,7 @@
             </a:endParaRPr>
           </a:p>
           <a:p>
-            <a:pPr marL="0" indent="0" defTabSz="457200">
+            <a:pPr marL="0" indent="0" defTabSz="406908">
               <a:lnSpc>
                 <a:spcPct val="100000"/>
               </a:lnSpc>
@@ -10456,7 +10994,10 @@
               <a:buSzTx/>
               <a:buFontTx/>
               <a:buNone/>
-              <a:defRPr sz="1500">
+              <a:defRPr b="1" sz="1335">
+                <a:solidFill>
+                  <a:srgbClr val="011480"/>
+                </a:solidFill>
                 <a:latin typeface="Menlo"/>
                 <a:ea typeface="Menlo"/>
                 <a:cs typeface="Menlo"/>
@@ -10464,22 +11005,32 @@
               </a:defRPr>
             </a:pPr>
             <a:r>
-              <a:t>    </a:t>
-            </a:r>
-            <a:r>
-              <a:rPr b="1">
-                <a:solidFill>
-                  <a:srgbClr val="011480"/>
+              <a:rPr b="0">
+                <a:solidFill>
+                  <a:srgbClr val="000000"/>
                 </a:solidFill>
               </a:rPr>
-              <a:t>description</a:t>
-            </a:r>
-            <a:r>
-              <a:t>: Ressource für Bespre...</a:t>
-            </a:r>
-          </a:p>
-          <a:p>
-            <a:pPr marL="0" indent="0" defTabSz="457200">
+              <a:t>  </a:t>
+            </a:r>
+            <a:r>
+              <a:t>schemas</a:t>
+            </a:r>
+            <a:r>
+              <a:rPr b="0">
+                <a:solidFill>
+                  <a:srgbClr val="000000"/>
+                </a:solidFill>
+              </a:rPr>
+              <a:t>:</a:t>
+            </a:r>
+            <a:endParaRPr b="0">
+              <a:solidFill>
+                <a:srgbClr val="000000"/>
+              </a:solidFill>
+            </a:endParaRPr>
+          </a:p>
+          <a:p>
+            <a:pPr marL="0" indent="0" defTabSz="406908">
               <a:lnSpc>
                 <a:spcPct val="100000"/>
               </a:lnSpc>
@@ -10489,7 +11040,10 @@
               <a:buSzTx/>
               <a:buFontTx/>
               <a:buNone/>
-              <a:defRPr sz="1500">
+              <a:defRPr b="1" sz="1335">
+                <a:solidFill>
+                  <a:srgbClr val="011480"/>
+                </a:solidFill>
                 <a:latin typeface="Menlo"/>
                 <a:ea typeface="Menlo"/>
                 <a:cs typeface="Menlo"/>
@@ -10497,22 +11051,32 @@
               </a:defRPr>
             </a:pPr>
             <a:r>
+              <a:rPr>
+                <a:solidFill>
+                  <a:srgbClr val="018001"/>
+                </a:solidFill>
+              </a:rPr>
               <a:t>    </a:t>
             </a:r>
             <a:r>
-              <a:rPr b="1">
-                <a:solidFill>
-                  <a:srgbClr val="011480"/>
+              <a:t>RoomWrite</a:t>
+            </a:r>
+            <a:r>
+              <a:rPr b="0">
+                <a:solidFill>
+                  <a:srgbClr val="000000"/>
                 </a:solidFill>
               </a:rPr>
-              <a:t>get</a:t>
-            </a:r>
-            <a:r>
               <a:t>:</a:t>
             </a:r>
-          </a:p>
-          <a:p>
-            <a:pPr marL="0" indent="0" defTabSz="457200">
+            <a:endParaRPr b="0">
+              <a:solidFill>
+                <a:srgbClr val="000000"/>
+              </a:solidFill>
+            </a:endParaRPr>
+          </a:p>
+          <a:p>
+            <a:pPr marL="0" indent="0" defTabSz="406908">
               <a:lnSpc>
                 <a:spcPct val="100000"/>
               </a:lnSpc>
@@ -10522,7 +11086,7 @@
               <a:buSzTx/>
               <a:buFontTx/>
               <a:buNone/>
-              <a:defRPr sz="1500">
+              <a:defRPr sz="1335">
                 <a:latin typeface="Menlo"/>
                 <a:ea typeface="Menlo"/>
                 <a:cs typeface="Menlo"/>
@@ -10538,14 +11102,14 @@
                   <a:srgbClr val="011480"/>
                 </a:solidFill>
               </a:rPr>
-              <a:t>summary</a:t>
-            </a:r>
-            <a:r>
-              <a:t>: Liefert Besprechungsräume</a:t>
-            </a:r>
-          </a:p>
-          <a:p>
-            <a:pPr marL="0" indent="0" defTabSz="457200">
+              <a:t>type</a:t>
+            </a:r>
+            <a:r>
+              <a:t>: object</a:t>
+            </a:r>
+          </a:p>
+          <a:p>
+            <a:pPr marL="0" indent="0" defTabSz="406908">
               <a:lnSpc>
                 <a:spcPct val="100000"/>
               </a:lnSpc>
@@ -10555,7 +11119,7 @@
               <a:buSzTx/>
               <a:buFontTx/>
               <a:buNone/>
-              <a:defRPr sz="1500">
+              <a:defRPr sz="1335">
                 <a:latin typeface="Menlo"/>
                 <a:ea typeface="Menlo"/>
                 <a:cs typeface="Menlo"/>
@@ -10574,11 +11138,11 @@
               <a:t>description</a:t>
             </a:r>
             <a:r>
-              <a:t>: Liefert alle ...</a:t>
-            </a:r>
-          </a:p>
-          <a:p>
-            <a:pPr marL="0" indent="0" defTabSz="457200">
+              <a:t>: ... schreibende Zugriffe</a:t>
+            </a:r>
+          </a:p>
+          <a:p>
+            <a:pPr marL="0" indent="0" defTabSz="406908">
               <a:lnSpc>
                 <a:spcPct val="100000"/>
               </a:lnSpc>
@@ -10588,7 +11152,10 @@
               <a:buSzTx/>
               <a:buFontTx/>
               <a:buNone/>
-              <a:defRPr sz="1500">
+              <a:defRPr b="1" sz="1335">
+                <a:solidFill>
+                  <a:srgbClr val="011480"/>
+                </a:solidFill>
                 <a:latin typeface="Menlo"/>
                 <a:ea typeface="Menlo"/>
                 <a:cs typeface="Menlo"/>
@@ -10596,22 +11163,32 @@
               </a:defRPr>
             </a:pPr>
             <a:r>
+              <a:rPr b="0">
+                <a:solidFill>
+                  <a:srgbClr val="000000"/>
+                </a:solidFill>
+              </a:rPr>
               <a:t>      </a:t>
             </a:r>
             <a:r>
-              <a:rPr b="1">
-                <a:solidFill>
-                  <a:srgbClr val="011480"/>
+              <a:t>required</a:t>
+            </a:r>
+            <a:r>
+              <a:rPr b="0">
+                <a:solidFill>
+                  <a:srgbClr val="000000"/>
                 </a:solidFill>
               </a:rPr>
-              <a:t>tags</a:t>
-            </a:r>
-            <a:r>
               <a:t>:</a:t>
             </a:r>
-          </a:p>
-          <a:p>
-            <a:pPr marL="0" indent="0" defTabSz="457200">
+            <a:endParaRPr b="0">
+              <a:solidFill>
+                <a:srgbClr val="000000"/>
+              </a:solidFill>
+            </a:endParaRPr>
+          </a:p>
+          <a:p>
+            <a:pPr marL="0" indent="0" defTabSz="406908">
               <a:lnSpc>
                 <a:spcPct val="100000"/>
               </a:lnSpc>
@@ -10621,7 +11198,7 @@
               <a:buSzTx/>
               <a:buFontTx/>
               <a:buNone/>
-              <a:defRPr sz="1500">
+              <a:defRPr sz="1335">
                 <a:latin typeface="Menlo"/>
                 <a:ea typeface="Menlo"/>
                 <a:cs typeface="Menlo"/>
@@ -10629,11 +11206,11 @@
               </a:defRPr>
             </a:pPr>
             <a:r>
-              <a:t>        - Besprechungsräume</a:t>
-            </a:r>
-          </a:p>
-          <a:p>
-            <a:pPr marL="0" indent="0" defTabSz="457200">
+              <a:t>        - name</a:t>
+            </a:r>
+          </a:p>
+          <a:p>
+            <a:pPr marL="0" indent="0" defTabSz="406908">
               <a:lnSpc>
                 <a:spcPct val="100000"/>
               </a:lnSpc>
@@ -10643,10 +11220,7 @@
               <a:buSzTx/>
               <a:buFontTx/>
               <a:buNone/>
-              <a:defRPr b="1" sz="1500">
-                <a:solidFill>
-                  <a:srgbClr val="011480"/>
-                </a:solidFill>
+              <a:defRPr sz="1335">
                 <a:latin typeface="Menlo"/>
                 <a:ea typeface="Menlo"/>
                 <a:cs typeface="Menlo"/>
@@ -10654,32 +11228,11 @@
               </a:defRPr>
             </a:pPr>
             <a:r>
-              <a:rPr b="0">
-                <a:solidFill>
-                  <a:srgbClr val="000000"/>
-                </a:solidFill>
-              </a:rPr>
-              <a:t>      </a:t>
-            </a:r>
-            <a:r>
-              <a:t>operationId</a:t>
-            </a:r>
-            <a:r>
-              <a:rPr b="0">
-                <a:solidFill>
-                  <a:srgbClr val="000000"/>
-                </a:solidFill>
-              </a:rPr>
-              <a:t>: getRooms</a:t>
-            </a:r>
-            <a:endParaRPr b="0">
-              <a:solidFill>
-                <a:srgbClr val="000000"/>
-              </a:solidFill>
-            </a:endParaRPr>
-          </a:p>
-          <a:p>
-            <a:pPr marL="0" indent="0" defTabSz="457200">
+              <a:t>        - capacity</a:t>
+            </a:r>
+          </a:p>
+          <a:p>
+            <a:pPr marL="0" indent="0" defTabSz="406908">
               <a:lnSpc>
                 <a:spcPct val="100000"/>
               </a:lnSpc>
@@ -10689,7 +11242,7 @@
               <a:buSzTx/>
               <a:buFontTx/>
               <a:buNone/>
-              <a:defRPr b="1" sz="1500">
+              <a:defRPr b="1" sz="1335">
                 <a:solidFill>
                   <a:srgbClr val="011480"/>
                 </a:solidFill>
@@ -10708,7 +11261,7 @@
               <a:t>      </a:t>
             </a:r>
             <a:r>
-              <a:t>parameters</a:t>
+              <a:t>properties</a:t>
             </a:r>
             <a:r>
               <a:rPr b="0">
@@ -10725,7 +11278,7 @@
             </a:endParaRPr>
           </a:p>
           <a:p>
-            <a:pPr marL="0" indent="0" defTabSz="457200">
+            <a:pPr marL="0" indent="0" defTabSz="406908">
               <a:lnSpc>
                 <a:spcPct val="100000"/>
               </a:lnSpc>
@@ -10735,7 +11288,7 @@
               <a:buSzTx/>
               <a:buFontTx/>
               <a:buNone/>
-              <a:defRPr sz="1500">
+              <a:defRPr sz="1335">
                 <a:latin typeface="Menlo"/>
                 <a:ea typeface="Menlo"/>
                 <a:cs typeface="Menlo"/>
@@ -10743,7 +11296,7 @@
               </a:defRPr>
             </a:pPr>
             <a:r>
-              <a:t>        - </a:t>
+              <a:t>        </a:t>
             </a:r>
             <a:r>
               <a:rPr b="1">
@@ -10754,11 +11307,11 @@
               <a:t>name</a:t>
             </a:r>
             <a:r>
-              <a:t>: capacity</a:t>
-            </a:r>
-          </a:p>
-          <a:p>
-            <a:pPr marL="0" indent="0" defTabSz="457200">
+              <a:t>:</a:t>
+            </a:r>
+          </a:p>
+          <a:p>
+            <a:pPr marL="0" indent="0" defTabSz="406908">
               <a:lnSpc>
                 <a:spcPct val="100000"/>
               </a:lnSpc>
@@ -10768,7 +11321,7 @@
               <a:buSzTx/>
               <a:buFontTx/>
               <a:buNone/>
-              <a:defRPr sz="1500">
+              <a:defRPr sz="1335">
                 <a:latin typeface="Menlo"/>
                 <a:ea typeface="Menlo"/>
                 <a:cs typeface="Menlo"/>
@@ -10784,14 +11337,14 @@
                   <a:srgbClr val="011480"/>
                 </a:solidFill>
               </a:rPr>
-              <a:t>description</a:t>
-            </a:r>
-            <a:r>
-              <a:t>: Parameter um ...</a:t>
-            </a:r>
-          </a:p>
-          <a:p>
-            <a:pPr marL="0" indent="0" defTabSz="457200">
+              <a:t>type</a:t>
+            </a:r>
+            <a:r>
+              <a:t>: string</a:t>
+            </a:r>
+          </a:p>
+          <a:p>
+            <a:pPr marL="0" indent="0" defTabSz="406908">
               <a:lnSpc>
                 <a:spcPct val="100000"/>
               </a:lnSpc>
@@ -10801,7 +11354,7 @@
               <a:buSzTx/>
               <a:buFontTx/>
               <a:buNone/>
-              <a:defRPr sz="1500">
+              <a:defRPr sz="1335">
                 <a:latin typeface="Menlo"/>
                 <a:ea typeface="Menlo"/>
                 <a:cs typeface="Menlo"/>
@@ -10817,14 +11370,14 @@
                   <a:srgbClr val="011480"/>
                 </a:solidFill>
               </a:rPr>
-              <a:t>in</a:t>
-            </a:r>
-            <a:r>
-              <a:t>: query</a:t>
-            </a:r>
-          </a:p>
-          <a:p>
-            <a:pPr marL="0" indent="0" defTabSz="457200">
+              <a:t>description</a:t>
+            </a:r>
+            <a:r>
+              <a:t>: Raumbezeichnung</a:t>
+            </a:r>
+          </a:p>
+          <a:p>
+            <a:pPr marL="0" indent="0" defTabSz="406908">
               <a:lnSpc>
                 <a:spcPct val="100000"/>
               </a:lnSpc>
@@ -10834,7 +11387,7 @@
               <a:buSzTx/>
               <a:buFontTx/>
               <a:buNone/>
-              <a:defRPr sz="1500">
+              <a:defRPr sz="1335">
                 <a:latin typeface="Menlo"/>
                 <a:ea typeface="Menlo"/>
                 <a:cs typeface="Menlo"/>
@@ -10850,14 +11403,14 @@
                   <a:srgbClr val="011480"/>
                 </a:solidFill>
               </a:rPr>
-              <a:t>schema</a:t>
-            </a:r>
-            <a:r>
-              <a:t>:</a:t>
-            </a:r>
-          </a:p>
-          <a:p>
-            <a:pPr marL="0" indent="0" defTabSz="457200">
+              <a:t>example</a:t>
+            </a:r>
+            <a:r>
+              <a:t>: O0_00W50</a:t>
+            </a:r>
+          </a:p>
+          <a:p>
+            <a:pPr marL="0" indent="0" defTabSz="406908">
               <a:lnSpc>
                 <a:spcPct val="100000"/>
               </a:lnSpc>
@@ -10867,7 +11420,7 @@
               <a:buSzTx/>
               <a:buFontTx/>
               <a:buNone/>
-              <a:defRPr sz="1500">
+              <a:defRPr sz="1335">
                 <a:latin typeface="Menlo"/>
                 <a:ea typeface="Menlo"/>
                 <a:cs typeface="Menlo"/>
@@ -10875,7 +11428,7 @@
               </a:defRPr>
             </a:pPr>
             <a:r>
-              <a:t>            </a:t>
+              <a:t>        </a:t>
             </a:r>
             <a:r>
               <a:rPr b="1">
@@ -10883,14 +11436,14 @@
                   <a:srgbClr val="011480"/>
                 </a:solidFill>
               </a:rPr>
-              <a:t>type</a:t>
-            </a:r>
-            <a:r>
-              <a:t>: integer</a:t>
-            </a:r>
-          </a:p>
-          <a:p>
-            <a:pPr marL="0" indent="0" defTabSz="457200">
+              <a:t>capacity</a:t>
+            </a:r>
+            <a:r>
+              <a:t>:</a:t>
+            </a:r>
+          </a:p>
+          <a:p>
+            <a:pPr marL="0" indent="0" defTabSz="406908">
               <a:lnSpc>
                 <a:spcPct val="100000"/>
               </a:lnSpc>
@@ -10900,10 +11453,7 @@
               <a:buSzTx/>
               <a:buFontTx/>
               <a:buNone/>
-              <a:defRPr b="1" sz="1500">
-                <a:solidFill>
-                  <a:srgbClr val="011480"/>
-                </a:solidFill>
+              <a:defRPr sz="1335">
                 <a:latin typeface="Menlo"/>
                 <a:ea typeface="Menlo"/>
                 <a:cs typeface="Menlo"/>
@@ -10911,33 +11461,163 @@
               </a:defRPr>
             </a:pPr>
             <a:r>
-              <a:rPr b="0">
-                <a:solidFill>
-                  <a:srgbClr val="000000"/>
+              <a:t>          </a:t>
+            </a:r>
+            <a:r>
+              <a:rPr b="1">
+                <a:solidFill>
+                  <a:srgbClr val="011480"/>
                 </a:solidFill>
               </a:rPr>
-              <a:t>     </a:t>
-            </a:r>
-          </a:p>
-        </p:txBody>
-      </p:sp>
-      <p:sp>
-        <p:nvSpPr>
-          <p:cNvPr id="296" name="#get:…"/>
+              <a:t>type</a:t>
+            </a:r>
+            <a:r>
+              <a:t>: integer</a:t>
+            </a:r>
+          </a:p>
+          <a:p>
+            <a:pPr marL="0" indent="0" defTabSz="406908">
+              <a:lnSpc>
+                <a:spcPct val="100000"/>
+              </a:lnSpc>
+              <a:spcBef>
+                <a:spcPts val="0"/>
+              </a:spcBef>
+              <a:buSzTx/>
+              <a:buFontTx/>
+              <a:buNone/>
+              <a:defRPr sz="1335">
+                <a:latin typeface="Menlo"/>
+                <a:ea typeface="Menlo"/>
+                <a:cs typeface="Menlo"/>
+                <a:sym typeface="Menlo"/>
+              </a:defRPr>
+            </a:pPr>
+            <a:r>
+              <a:t>          </a:t>
+            </a:r>
+            <a:r>
+              <a:rPr b="1">
+                <a:solidFill>
+                  <a:srgbClr val="011480"/>
+                </a:solidFill>
+              </a:rPr>
+              <a:t>description</a:t>
+            </a:r>
+            <a:r>
+              <a:t>: Anzahl Sitzplätze ...</a:t>
+            </a:r>
+          </a:p>
+          <a:p>
+            <a:pPr marL="0" indent="0" defTabSz="406908">
+              <a:lnSpc>
+                <a:spcPct val="100000"/>
+              </a:lnSpc>
+              <a:spcBef>
+                <a:spcPts val="0"/>
+              </a:spcBef>
+              <a:buSzTx/>
+              <a:buFontTx/>
+              <a:buNone/>
+              <a:defRPr sz="1335">
+                <a:latin typeface="Menlo"/>
+                <a:ea typeface="Menlo"/>
+                <a:cs typeface="Menlo"/>
+                <a:sym typeface="Menlo"/>
+              </a:defRPr>
+            </a:pPr>
+            <a:r>
+              <a:t>          </a:t>
+            </a:r>
+            <a:r>
+              <a:rPr b="1">
+                <a:solidFill>
+                  <a:srgbClr val="011480"/>
+                </a:solidFill>
+              </a:rPr>
+              <a:t>example</a:t>
+            </a:r>
+            <a:r>
+              <a:t>: 25</a:t>
+            </a:r>
+          </a:p>
+          <a:p>
+            <a:pPr marL="0" indent="0" defTabSz="406908">
+              <a:lnSpc>
+                <a:spcPct val="100000"/>
+              </a:lnSpc>
+              <a:spcBef>
+                <a:spcPts val="0"/>
+              </a:spcBef>
+              <a:buSzTx/>
+              <a:buFontTx/>
+              <a:buNone/>
+              <a:defRPr b="1" sz="1335">
+                <a:solidFill>
+                  <a:srgbClr val="018001"/>
+                </a:solidFill>
+                <a:latin typeface="Menlo"/>
+                <a:ea typeface="Menlo"/>
+                <a:cs typeface="Menlo"/>
+                <a:sym typeface="Menlo"/>
+              </a:defRPr>
+            </a:pPr>
+          </a:p>
+          <a:p>
+            <a:pPr marL="0" indent="0" defTabSz="406908">
+              <a:lnSpc>
+                <a:spcPct val="100000"/>
+              </a:lnSpc>
+              <a:spcBef>
+                <a:spcPts val="0"/>
+              </a:spcBef>
+              <a:buSzTx/>
+              <a:buFontTx/>
+              <a:buNone/>
+              <a:defRPr b="1" sz="1335">
+                <a:solidFill>
+                  <a:srgbClr val="018001"/>
+                </a:solidFill>
+                <a:latin typeface="Menlo"/>
+                <a:ea typeface="Menlo"/>
+                <a:cs typeface="Menlo"/>
+                <a:sym typeface="Menlo"/>
+              </a:defRPr>
+            </a:pPr>
+          </a:p>
+          <a:p>
+            <a:pPr marL="0" indent="0" defTabSz="406908">
+              <a:lnSpc>
+                <a:spcPct val="100000"/>
+              </a:lnSpc>
+              <a:spcBef>
+                <a:spcPts val="0"/>
+              </a:spcBef>
+              <a:buSzTx/>
+              <a:buFontTx/>
+              <a:buNone/>
+              <a:defRPr sz="1335">
+                <a:latin typeface="Menlo"/>
+                <a:ea typeface="Menlo"/>
+                <a:cs typeface="Menlo"/>
+                <a:sym typeface="Menlo"/>
+              </a:defRPr>
+            </a:pPr>
+          </a:p>
+        </p:txBody>
+      </p:sp>
+      <p:sp>
+        <p:nvSpPr>
+          <p:cNvPr id="321" name="Foliennummer"/>
           <p:cNvSpPr txBox="1"/>
-          <p:nvPr/>
-        </p:nvSpPr>
-        <p:spPr>
-          <a:xfrm>
-            <a:off x="6348015" y="1825625"/>
-            <a:ext cx="5402561" cy="4351338"/>
-          </a:xfrm>
-          <a:prstGeom prst="rect">
-            <a:avLst/>
-          </a:prstGeom>
-          <a:ln w="12700">
-            <a:miter lim="400000"/>
-          </a:ln>
+          <p:nvPr>
+            <p:ph type="sldNum" sz="quarter" idx="2"/>
+          </p:nvPr>
+        </p:nvSpPr>
+        <p:spPr>
+          <a:prstGeom prst="rect">
+            <a:avLst/>
+          </a:prstGeom>
           <a:extLst>
             <a:ext uri="{C572A759-6A51-4108-AA02-DFA0A04FC94B}">
               <ma14:wrappingTextBoxFlag xmlns:ma14="http://schemas.microsoft.com/office/mac/drawingml/2011/main" val="1"/>
@@ -10945,490 +11625,520 @@
           </a:extLst>
         </p:spPr>
         <p:txBody>
-          <a:bodyPr lIns="45719" rIns="45719">
-            <a:normAutofit fontScale="100000" lnSpcReduction="0"/>
-          </a:bodyPr>
+          <a:bodyPr/>
           <a:lstStyle/>
           <a:p>
-            <a:pPr defTabSz="448055">
-              <a:defRPr i="1" sz="1470">
-                <a:solidFill>
-                  <a:srgbClr val="808080"/>
-                </a:solidFill>
-                <a:latin typeface="Menlo"/>
-                <a:ea typeface="Menlo"/>
-                <a:cs typeface="Menlo"/>
-                <a:sym typeface="Menlo"/>
-              </a:defRPr>
-            </a:pPr>
-            <a:r>
-              <a:t>#get:</a:t>
-            </a:r>
-          </a:p>
-          <a:p>
-            <a:pPr defTabSz="448055">
-              <a:defRPr b="1" sz="1470">
-                <a:solidFill>
-                  <a:srgbClr val="011480"/>
-                </a:solidFill>
-                <a:latin typeface="Menlo"/>
-                <a:ea typeface="Menlo"/>
-                <a:cs typeface="Menlo"/>
-                <a:sym typeface="Menlo"/>
-              </a:defRPr>
-            </a:pPr>
-            <a:r>
-              <a:rPr b="0" i="1">
-                <a:solidFill>
-                  <a:srgbClr val="808080"/>
-                </a:solidFill>
-              </a:rPr>
-              <a:t>  </a:t>
-            </a:r>
-            <a:r>
-              <a:t>responses</a:t>
-            </a:r>
-            <a:r>
-              <a:rPr b="0">
+            <a:pPr/>
+            <a:fld id="{86CB4B4D-7CA3-9044-876B-883B54F8677D}" type="slidenum"/>
+          </a:p>
+        </p:txBody>
+      </p:sp>
+      <p:grpSp>
+        <p:nvGrpSpPr>
+          <p:cNvPr id="324" name="Gruppieren"/>
+          <p:cNvGrpSpPr/>
+          <p:nvPr/>
+        </p:nvGrpSpPr>
+        <p:grpSpPr>
+          <a:xfrm>
+            <a:off x="6348015" y="1825625"/>
+            <a:ext cx="5402561" cy="4351338"/>
+            <a:chOff x="0" y="0"/>
+            <a:chExt cx="5402560" cy="4351337"/>
+          </a:xfrm>
+        </p:grpSpPr>
+        <p:sp>
+          <p:nvSpPr>
+            <p:cNvPr id="322" name="#schemas:…"/>
+            <p:cNvSpPr txBox="1"/>
+            <p:nvPr/>
+          </p:nvSpPr>
+          <p:spPr>
+            <a:xfrm>
+              <a:off x="0" y="0"/>
+              <a:ext cx="5402561" cy="4351338"/>
+            </a:xfrm>
+            <a:prstGeom prst="rect">
+              <a:avLst/>
+            </a:prstGeom>
+            <a:noFill/>
+            <a:ln w="12700" cap="flat">
+              <a:noFill/>
+              <a:miter lim="400000"/>
+            </a:ln>
+            <a:effectLst/>
+            <a:extLst>
+              <a:ext uri="{C572A759-6A51-4108-AA02-DFA0A04FC94B}">
+                <ma14:wrappingTextBoxFlag xmlns:ma14="http://schemas.microsoft.com/office/mac/drawingml/2011/main" val="1"/>
+              </a:ext>
+            </a:extLst>
+          </p:spPr>
+          <p:txBody>
+            <a:bodyPr wrap="square" lIns="45719" tIns="45719" rIns="45719" bIns="45719" numCol="1" anchor="t">
+              <a:normAutofit fontScale="100000" lnSpcReduction="0"/>
+            </a:bodyPr>
+            <a:lstStyle/>
+            <a:p>
+              <a:pPr defTabSz="457200">
+                <a:defRPr i="1" sz="1500">
+                  <a:solidFill>
+                    <a:srgbClr val="808080"/>
+                  </a:solidFill>
+                  <a:latin typeface="Menlo"/>
+                  <a:ea typeface="Menlo"/>
+                  <a:cs typeface="Menlo"/>
+                  <a:sym typeface="Menlo"/>
+                </a:defRPr>
+              </a:pPr>
+              <a:r>
+                <a:t>#schemas:</a:t>
+              </a:r>
+            </a:p>
+            <a:p>
+              <a:pPr defTabSz="457200">
+                <a:defRPr b="1" sz="1500">
+                  <a:solidFill>
+                    <a:srgbClr val="011480"/>
+                  </a:solidFill>
+                  <a:latin typeface="Menlo"/>
+                  <a:ea typeface="Menlo"/>
+                  <a:cs typeface="Menlo"/>
+                  <a:sym typeface="Menlo"/>
+                </a:defRPr>
+              </a:pPr>
+              <a:r>
+                <a:rPr b="0" i="1">
+                  <a:solidFill>
+                    <a:srgbClr val="808080"/>
+                  </a:solidFill>
+                </a:rPr>
+                <a:t>  </a:t>
+              </a:r>
+              <a:r>
+                <a:t>Room</a:t>
+              </a:r>
+              <a:r>
+                <a:rPr b="0">
+                  <a:solidFill>
+                    <a:srgbClr val="000000"/>
+                  </a:solidFill>
+                </a:rPr>
+                <a:t>:</a:t>
+              </a:r>
+              <a:endParaRPr b="0">
                 <a:solidFill>
                   <a:srgbClr val="000000"/>
                 </a:solidFill>
-              </a:rPr>
-              <a:t>:</a:t>
-            </a:r>
-            <a:endParaRPr b="0">
+              </a:endParaRPr>
+            </a:p>
+            <a:p>
+              <a:pPr defTabSz="457200">
+                <a:defRPr sz="1500">
+                  <a:latin typeface="Menlo"/>
+                  <a:ea typeface="Menlo"/>
+                  <a:cs typeface="Menlo"/>
+                  <a:sym typeface="Menlo"/>
+                </a:defRPr>
+              </a:pPr>
+              <a:r>
+                <a:t>    </a:t>
+              </a:r>
+              <a:r>
+                <a:rPr b="1">
+                  <a:solidFill>
+                    <a:srgbClr val="011480"/>
+                  </a:solidFill>
+                </a:rPr>
+                <a:t>type</a:t>
+              </a:r>
+              <a:r>
+                <a:t>: object</a:t>
+              </a:r>
+            </a:p>
+            <a:p>
+              <a:pPr defTabSz="457200">
+                <a:defRPr sz="1500">
+                  <a:latin typeface="Menlo"/>
+                  <a:ea typeface="Menlo"/>
+                  <a:cs typeface="Menlo"/>
+                  <a:sym typeface="Menlo"/>
+                </a:defRPr>
+              </a:pPr>
+              <a:r>
+                <a:t>    </a:t>
+              </a:r>
+              <a:r>
+                <a:rPr b="1">
+                  <a:solidFill>
+                    <a:srgbClr val="011480"/>
+                  </a:solidFill>
+                </a:rPr>
+                <a:t>description</a:t>
+              </a:r>
+              <a:r>
+                <a:t>: ... lesende Zugriffe</a:t>
+              </a:r>
+            </a:p>
+            <a:p>
+              <a:pPr defTabSz="457200">
+                <a:defRPr b="1" sz="1500">
+                  <a:solidFill>
+                    <a:srgbClr val="011480"/>
+                  </a:solidFill>
+                  <a:latin typeface="Menlo"/>
+                  <a:ea typeface="Menlo"/>
+                  <a:cs typeface="Menlo"/>
+                  <a:sym typeface="Menlo"/>
+                </a:defRPr>
+              </a:pPr>
+              <a:r>
+                <a:rPr b="0">
+                  <a:solidFill>
+                    <a:srgbClr val="000000"/>
+                  </a:solidFill>
+                </a:rPr>
+                <a:t>    </a:t>
+              </a:r>
+              <a:r>
+                <a:t>required</a:t>
+              </a:r>
+              <a:r>
+                <a:rPr b="0">
+                  <a:solidFill>
+                    <a:srgbClr val="000000"/>
+                  </a:solidFill>
+                </a:rPr>
+                <a:t>:</a:t>
+              </a:r>
+              <a:endParaRPr b="0">
+                <a:solidFill>
+                  <a:srgbClr val="000000"/>
+                </a:solidFill>
+              </a:endParaRPr>
+            </a:p>
+            <a:p>
+              <a:pPr defTabSz="457200">
+                <a:defRPr sz="1500">
+                  <a:latin typeface="Menlo"/>
+                  <a:ea typeface="Menlo"/>
+                  <a:cs typeface="Menlo"/>
+                  <a:sym typeface="Menlo"/>
+                </a:defRPr>
+              </a:pPr>
+              <a:r>
+                <a:t>      - room_id</a:t>
+              </a:r>
+            </a:p>
+            <a:p>
+              <a:pPr defTabSz="457200">
+                <a:defRPr b="1" sz="1500">
+                  <a:solidFill>
+                    <a:srgbClr val="011480"/>
+                  </a:solidFill>
+                  <a:latin typeface="Menlo"/>
+                  <a:ea typeface="Menlo"/>
+                  <a:cs typeface="Menlo"/>
+                  <a:sym typeface="Menlo"/>
+                </a:defRPr>
+              </a:pPr>
+              <a:r>
+                <a:rPr b="0">
+                  <a:solidFill>
+                    <a:srgbClr val="000000"/>
+                  </a:solidFill>
+                </a:rPr>
+                <a:t>    </a:t>
+              </a:r>
+              <a:r>
+                <a:t>allOf</a:t>
+              </a:r>
+              <a:r>
+                <a:rPr b="0">
+                  <a:solidFill>
+                    <a:srgbClr val="000000"/>
+                  </a:solidFill>
+                </a:rPr>
+                <a:t>:</a:t>
+              </a:r>
+              <a:endParaRPr b="0">
+                <a:solidFill>
+                  <a:srgbClr val="000000"/>
+                </a:solidFill>
+              </a:endParaRPr>
+            </a:p>
+            <a:p>
+              <a:pPr defTabSz="457200">
+                <a:defRPr sz="1500">
+                  <a:latin typeface="Menlo"/>
+                  <a:ea typeface="Menlo"/>
+                  <a:cs typeface="Menlo"/>
+                  <a:sym typeface="Menlo"/>
+                </a:defRPr>
+              </a:pPr>
+              <a:r>
+                <a:t>      - </a:t>
+              </a:r>
+              <a:r>
+                <a:rPr b="1">
+                  <a:solidFill>
+                    <a:srgbClr val="011480"/>
+                  </a:solidFill>
+                </a:rPr>
+                <a:t>type</a:t>
+              </a:r>
+              <a:r>
+                <a:t>: object</a:t>
+              </a:r>
+            </a:p>
+            <a:p>
+              <a:pPr defTabSz="457200">
+                <a:defRPr b="1" sz="1500">
+                  <a:solidFill>
+                    <a:srgbClr val="011480"/>
+                  </a:solidFill>
+                  <a:latin typeface="Menlo"/>
+                  <a:ea typeface="Menlo"/>
+                  <a:cs typeface="Menlo"/>
+                  <a:sym typeface="Menlo"/>
+                </a:defRPr>
+              </a:pPr>
+              <a:r>
+                <a:rPr b="0">
+                  <a:solidFill>
+                    <a:srgbClr val="000000"/>
+                  </a:solidFill>
+                </a:rPr>
+                <a:t>        </a:t>
+              </a:r>
+              <a:r>
+                <a:t>properties</a:t>
+              </a:r>
+              <a:r>
+                <a:rPr b="0">
+                  <a:solidFill>
+                    <a:srgbClr val="000000"/>
+                  </a:solidFill>
+                </a:rPr>
+                <a:t>:</a:t>
+              </a:r>
+              <a:endParaRPr b="0">
+                <a:solidFill>
+                  <a:srgbClr val="000000"/>
+                </a:solidFill>
+              </a:endParaRPr>
+            </a:p>
+            <a:p>
+              <a:pPr defTabSz="457200">
+                <a:defRPr sz="1500">
+                  <a:latin typeface="Menlo"/>
+                  <a:ea typeface="Menlo"/>
+                  <a:cs typeface="Menlo"/>
+                  <a:sym typeface="Menlo"/>
+                </a:defRPr>
+              </a:pPr>
+              <a:r>
+                <a:t>          </a:t>
+              </a:r>
+              <a:r>
+                <a:rPr b="1">
+                  <a:solidFill>
+                    <a:srgbClr val="011480"/>
+                  </a:solidFill>
+                </a:rPr>
+                <a:t>room_id</a:t>
+              </a:r>
+              <a:r>
+                <a:t>:</a:t>
+              </a:r>
+            </a:p>
+            <a:p>
+              <a:pPr defTabSz="457200">
+                <a:defRPr sz="1500">
+                  <a:latin typeface="Menlo"/>
+                  <a:ea typeface="Menlo"/>
+                  <a:cs typeface="Menlo"/>
+                  <a:sym typeface="Menlo"/>
+                </a:defRPr>
+              </a:pPr>
+              <a:r>
+                <a:t>            </a:t>
+              </a:r>
+              <a:r>
+                <a:rPr b="1">
+                  <a:solidFill>
+                    <a:srgbClr val="011480"/>
+                  </a:solidFill>
+                </a:rPr>
+                <a:t>type</a:t>
+              </a:r>
+              <a:r>
+                <a:t>: string</a:t>
+              </a:r>
+            </a:p>
+            <a:p>
+              <a:pPr defTabSz="457200">
+                <a:defRPr sz="1500">
+                  <a:latin typeface="Menlo"/>
+                  <a:ea typeface="Menlo"/>
+                  <a:cs typeface="Menlo"/>
+                  <a:sym typeface="Menlo"/>
+                </a:defRPr>
+              </a:pPr>
+              <a:r>
+                <a:t>            </a:t>
+              </a:r>
+              <a:r>
+                <a:rPr b="1">
+                  <a:solidFill>
+                    <a:srgbClr val="011480"/>
+                  </a:solidFill>
+                </a:rPr>
+                <a:t>description</a:t>
+              </a:r>
+              <a:r>
+                <a:t>: UUID des Raumes</a:t>
+              </a:r>
+            </a:p>
+            <a:p>
+              <a:pPr defTabSz="457200">
+                <a:defRPr sz="1500">
+                  <a:latin typeface="Menlo"/>
+                  <a:ea typeface="Menlo"/>
+                  <a:cs typeface="Menlo"/>
+                  <a:sym typeface="Menlo"/>
+                </a:defRPr>
+              </a:pPr>
+              <a:r>
+                <a:t>            </a:t>
+              </a:r>
+              <a:r>
+                <a:rPr b="1">
+                  <a:solidFill>
+                    <a:srgbClr val="011480"/>
+                  </a:solidFill>
+                </a:rPr>
+                <a:t>example</a:t>
+              </a:r>
+              <a:r>
+                <a:t>: 6f410920-ea6b-4fbe-...</a:t>
+              </a:r>
+            </a:p>
+            <a:p>
+              <a:pPr defTabSz="457200">
+                <a:defRPr b="1" sz="1500">
+                  <a:solidFill>
+                    <a:srgbClr val="018001"/>
+                  </a:solidFill>
+                  <a:latin typeface="Menlo"/>
+                  <a:ea typeface="Menlo"/>
+                  <a:cs typeface="Menlo"/>
+                  <a:sym typeface="Menlo"/>
+                </a:defRPr>
+              </a:pPr>
+              <a:r>
+                <a:rPr b="0">
+                  <a:solidFill>
+                    <a:srgbClr val="000000"/>
+                  </a:solidFill>
+                </a:rPr>
+                <a:t>      - </a:t>
+              </a:r>
+              <a:r>
+                <a:rPr>
+                  <a:solidFill>
+                    <a:srgbClr val="011480"/>
+                  </a:solidFill>
+                </a:rPr>
+                <a:t>$ref</a:t>
+              </a:r>
+              <a:r>
+                <a:rPr b="0">
+                  <a:solidFill>
+                    <a:srgbClr val="000000"/>
+                  </a:solidFill>
+                </a:rPr>
+                <a:t>: </a:t>
+              </a:r>
+              <a:r>
+                <a:t>'#/components/schemas/RoomWrite'</a:t>
+              </a:r>
+            </a:p>
+            <a:p>
+              <a:pPr defTabSz="457200">
+                <a:defRPr b="1" sz="1500">
+                  <a:solidFill>
+                    <a:srgbClr val="018001"/>
+                  </a:solidFill>
+                  <a:latin typeface="Menlo"/>
+                  <a:ea typeface="Menlo"/>
+                  <a:cs typeface="Menlo"/>
+                  <a:sym typeface="Menlo"/>
+                </a:defRPr>
+              </a:pPr>
+            </a:p>
+          </p:txBody>
+        </p:sp>
+        <p:sp>
+          <p:nvSpPr>
+            <p:cNvPr id="323" name="Rechteck"/>
+            <p:cNvSpPr/>
+            <p:nvPr/>
+          </p:nvSpPr>
+          <p:spPr>
+            <a:xfrm>
+              <a:off x="331737" y="1408410"/>
+              <a:ext cx="5068046" cy="2045098"/>
+            </a:xfrm>
+            <a:prstGeom prst="rect">
+              <a:avLst/>
+            </a:prstGeom>
+            <a:noFill/>
+            <a:ln w="12700" cap="flat">
               <a:solidFill>
-                <a:srgbClr val="000000"/>
+                <a:srgbClr val="BE1700"/>
               </a:solidFill>
-            </a:endParaRPr>
-          </a:p>
-          <a:p>
-            <a:pPr defTabSz="448055">
-              <a:defRPr b="1" sz="1470">
-                <a:solidFill>
-                  <a:srgbClr val="011480"/>
-                </a:solidFill>
-                <a:latin typeface="Menlo"/>
-                <a:ea typeface="Menlo"/>
-                <a:cs typeface="Menlo"/>
-                <a:sym typeface="Menlo"/>
-              </a:defRPr>
-            </a:pPr>
-            <a:r>
-              <a:rPr b="0">
-                <a:solidFill>
-                  <a:srgbClr val="000000"/>
-                </a:solidFill>
-              </a:rPr>
-              <a:t>    </a:t>
-            </a:r>
-            <a:r>
-              <a:t>'200'</a:t>
-            </a:r>
-            <a:r>
-              <a:rPr b="0">
-                <a:solidFill>
-                  <a:srgbClr val="000000"/>
-                </a:solidFill>
-              </a:rPr>
-              <a:t>:</a:t>
-            </a:r>
-            <a:endParaRPr b="0">
-              <a:solidFill>
-                <a:srgbClr val="000000"/>
-              </a:solidFill>
-            </a:endParaRPr>
-          </a:p>
-          <a:p>
-            <a:pPr defTabSz="448055">
-              <a:defRPr sz="1470">
-                <a:latin typeface="Menlo"/>
-                <a:ea typeface="Menlo"/>
-                <a:cs typeface="Menlo"/>
-                <a:sym typeface="Menlo"/>
-              </a:defRPr>
-            </a:pPr>
-            <a:r>
-              <a:t>      </a:t>
-            </a:r>
-            <a:r>
-              <a:rPr b="1">
-                <a:solidFill>
-                  <a:srgbClr val="011480"/>
-                </a:solidFill>
-              </a:rPr>
-              <a:t>description</a:t>
-            </a:r>
-            <a:r>
-              <a:t>: Erfolgreicher Zugriff.</a:t>
-            </a:r>
-          </a:p>
-          <a:p>
-            <a:pPr defTabSz="448055">
-              <a:defRPr b="1" sz="1470">
-                <a:solidFill>
-                  <a:srgbClr val="011480"/>
-                </a:solidFill>
-                <a:latin typeface="Menlo"/>
-                <a:ea typeface="Menlo"/>
-                <a:cs typeface="Menlo"/>
-                <a:sym typeface="Menlo"/>
-              </a:defRPr>
-            </a:pPr>
-            <a:r>
-              <a:rPr b="0">
-                <a:solidFill>
-                  <a:srgbClr val="000000"/>
-                </a:solidFill>
-              </a:rPr>
-              <a:t>      </a:t>
-            </a:r>
-            <a:r>
-              <a:t>content</a:t>
-            </a:r>
-            <a:r>
-              <a:rPr b="0">
-                <a:solidFill>
-                  <a:srgbClr val="000000"/>
-                </a:solidFill>
-              </a:rPr>
-              <a:t>:</a:t>
-            </a:r>
-            <a:endParaRPr b="0">
-              <a:solidFill>
-                <a:srgbClr val="000000"/>
-              </a:solidFill>
-            </a:endParaRPr>
-          </a:p>
-          <a:p>
-            <a:pPr defTabSz="448055">
-              <a:defRPr b="1" sz="1470">
-                <a:solidFill>
-                  <a:srgbClr val="011480"/>
-                </a:solidFill>
-                <a:latin typeface="Menlo"/>
-                <a:ea typeface="Menlo"/>
-                <a:cs typeface="Menlo"/>
-                <a:sym typeface="Menlo"/>
-              </a:defRPr>
-            </a:pPr>
-            <a:r>
-              <a:rPr b="0">
-                <a:solidFill>
-                  <a:srgbClr val="000000"/>
-                </a:solidFill>
-              </a:rPr>
-              <a:t>        </a:t>
-            </a:r>
-            <a:r>
-              <a:t>application/json</a:t>
-            </a:r>
-            <a:r>
-              <a:rPr b="0">
-                <a:solidFill>
-                  <a:srgbClr val="000000"/>
-                </a:solidFill>
-              </a:rPr>
-              <a:t>:</a:t>
-            </a:r>
-            <a:endParaRPr b="0">
-              <a:solidFill>
-                <a:srgbClr val="000000"/>
-              </a:solidFill>
-            </a:endParaRPr>
-          </a:p>
-          <a:p>
-            <a:pPr defTabSz="448055">
-              <a:defRPr sz="1470">
-                <a:latin typeface="Menlo"/>
-                <a:ea typeface="Menlo"/>
-                <a:cs typeface="Menlo"/>
-                <a:sym typeface="Menlo"/>
-              </a:defRPr>
-            </a:pPr>
-            <a:r>
-              <a:t>          </a:t>
-            </a:r>
-            <a:r>
-              <a:rPr b="1">
-                <a:solidFill>
-                  <a:srgbClr val="011480"/>
-                </a:solidFill>
-              </a:rPr>
-              <a:t>schema</a:t>
-            </a:r>
-            <a:r>
-              <a:t>:</a:t>
-            </a:r>
-          </a:p>
-          <a:p>
-            <a:pPr defTabSz="448055">
-              <a:defRPr sz="1470">
-                <a:latin typeface="Menlo"/>
-                <a:ea typeface="Menlo"/>
-                <a:cs typeface="Menlo"/>
-                <a:sym typeface="Menlo"/>
-              </a:defRPr>
-            </a:pPr>
-            <a:r>
-              <a:t>            </a:t>
-            </a:r>
-            <a:r>
-              <a:rPr b="1">
-                <a:solidFill>
-                  <a:srgbClr val="011480"/>
-                </a:solidFill>
-              </a:rPr>
-              <a:t>type</a:t>
-            </a:r>
-            <a:r>
-              <a:t>: array</a:t>
-            </a:r>
-          </a:p>
-          <a:p>
-            <a:pPr defTabSz="448055">
-              <a:defRPr sz="1470">
-                <a:latin typeface="Menlo"/>
-                <a:ea typeface="Menlo"/>
-                <a:cs typeface="Menlo"/>
-                <a:sym typeface="Menlo"/>
-              </a:defRPr>
-            </a:pPr>
-            <a:r>
-              <a:t>            </a:t>
-            </a:r>
-            <a:r>
-              <a:rPr b="1">
-                <a:solidFill>
-                  <a:srgbClr val="011480"/>
-                </a:solidFill>
-              </a:rPr>
-              <a:t>items</a:t>
-            </a:r>
-            <a:r>
-              <a:t>:</a:t>
-            </a:r>
-          </a:p>
-          <a:p>
-            <a:pPr defTabSz="448055">
-              <a:defRPr b="1" sz="1470">
-                <a:solidFill>
-                  <a:srgbClr val="018001"/>
-                </a:solidFill>
-                <a:latin typeface="Menlo"/>
-                <a:ea typeface="Menlo"/>
-                <a:cs typeface="Menlo"/>
-                <a:sym typeface="Menlo"/>
-              </a:defRPr>
-            </a:pPr>
-            <a:r>
-              <a:rPr b="0">
-                <a:solidFill>
-                  <a:srgbClr val="000000"/>
-                </a:solidFill>
-              </a:rPr>
-              <a:t>              </a:t>
-            </a:r>
-            <a:r>
-              <a:rPr>
-                <a:solidFill>
-                  <a:srgbClr val="011480"/>
-                </a:solidFill>
-              </a:rPr>
-              <a:t>$ref</a:t>
-            </a:r>
-            <a:r>
-              <a:rPr b="0">
-                <a:solidFill>
-                  <a:srgbClr val="000000"/>
-                </a:solidFill>
-              </a:rPr>
-              <a:t>: </a:t>
-            </a:r>
-            <a:r>
-              <a:t>'#/components/schemas/Room'</a:t>
-            </a:r>
-          </a:p>
-          <a:p>
-            <a:pPr defTabSz="448055">
-              <a:defRPr b="1" sz="1470">
-                <a:solidFill>
-                  <a:srgbClr val="018001"/>
-                </a:solidFill>
-                <a:latin typeface="Menlo"/>
-                <a:ea typeface="Menlo"/>
-                <a:cs typeface="Menlo"/>
-                <a:sym typeface="Menlo"/>
-              </a:defRPr>
-            </a:pPr>
-            <a:r>
-              <a:t>            </a:t>
-            </a:r>
-            <a:r>
-              <a:rPr>
-                <a:solidFill>
-                  <a:srgbClr val="011480"/>
-                </a:solidFill>
-              </a:rPr>
-              <a:t>example</a:t>
-            </a:r>
-            <a:r>
-              <a:rPr b="0">
-                <a:solidFill>
-                  <a:srgbClr val="000000"/>
-                </a:solidFill>
-              </a:rPr>
-              <a:t>:</a:t>
-            </a:r>
-            <a:endParaRPr b="0">
-              <a:solidFill>
-                <a:srgbClr val="000000"/>
-              </a:solidFill>
-            </a:endParaRPr>
-          </a:p>
-          <a:p>
-            <a:pPr defTabSz="448055">
-              <a:defRPr sz="1470">
-                <a:latin typeface="Menlo"/>
-                <a:ea typeface="Menlo"/>
-                <a:cs typeface="Menlo"/>
-                <a:sym typeface="Menlo"/>
-              </a:defRPr>
-            </a:pPr>
-            <a:r>
-              <a:t>              - </a:t>
-            </a:r>
-            <a:r>
-              <a:rPr b="1">
-                <a:solidFill>
-                  <a:srgbClr val="011480"/>
-                </a:solidFill>
-              </a:rPr>
-              <a:t>room_id</a:t>
-            </a:r>
-            <a:r>
-              <a:t>: 6f410920-ea6b-4fbe-</a:t>
-            </a:r>
-          </a:p>
-          <a:p>
-            <a:pPr defTabSz="448055">
-              <a:defRPr sz="1470">
-                <a:latin typeface="Menlo"/>
-                <a:ea typeface="Menlo"/>
-                <a:cs typeface="Menlo"/>
-                <a:sym typeface="Menlo"/>
-              </a:defRPr>
-            </a:pPr>
-            <a:r>
-              <a:t>                </a:t>
-            </a:r>
-            <a:r>
-              <a:rPr b="1">
-                <a:solidFill>
-                  <a:srgbClr val="011480"/>
-                </a:solidFill>
-              </a:rPr>
-              <a:t>name</a:t>
-            </a:r>
-            <a:r>
-              <a:t>: O0_00W50</a:t>
-            </a:r>
-          </a:p>
-          <a:p>
-            <a:pPr defTabSz="448055">
-              <a:defRPr sz="1470">
-                <a:latin typeface="Menlo"/>
-                <a:ea typeface="Menlo"/>
-                <a:cs typeface="Menlo"/>
-                <a:sym typeface="Menlo"/>
-              </a:defRPr>
-            </a:pPr>
-            <a:r>
-              <a:t>                </a:t>
-            </a:r>
-            <a:r>
-              <a:rPr b="1">
-                <a:solidFill>
-                  <a:srgbClr val="011480"/>
-                </a:solidFill>
-              </a:rPr>
-              <a:t>capacity</a:t>
-            </a:r>
-            <a:r>
-              <a:t>: 25</a:t>
-            </a:r>
-          </a:p>
-          <a:p>
-            <a:pPr defTabSz="448055">
-              <a:defRPr sz="1470">
-                <a:latin typeface="Menlo"/>
-                <a:ea typeface="Menlo"/>
-                <a:cs typeface="Menlo"/>
-                <a:sym typeface="Menlo"/>
-              </a:defRPr>
-            </a:pPr>
-            <a:r>
-              <a:t>              - </a:t>
-            </a:r>
-            <a:r>
-              <a:rPr b="1">
-                <a:solidFill>
-                  <a:srgbClr val="011480"/>
-                </a:solidFill>
-              </a:rPr>
-              <a:t>room_id</a:t>
-            </a:r>
-            <a:r>
-              <a:t>: fb904c1b-bc00-4ce9-</a:t>
-            </a:r>
-          </a:p>
-          <a:p>
-            <a:pPr defTabSz="448055">
-              <a:defRPr sz="1470">
-                <a:latin typeface="Menlo"/>
-                <a:ea typeface="Menlo"/>
-                <a:cs typeface="Menlo"/>
-                <a:sym typeface="Menlo"/>
-              </a:defRPr>
-            </a:pPr>
-            <a:r>
-              <a:t>                </a:t>
-            </a:r>
-            <a:r>
-              <a:rPr b="1">
-                <a:solidFill>
-                  <a:srgbClr val="011480"/>
-                </a:solidFill>
-              </a:rPr>
-              <a:t>name</a:t>
-            </a:r>
-            <a:r>
-              <a:t>: O0_00W60</a:t>
-            </a:r>
-          </a:p>
-          <a:p>
-            <a:pPr defTabSz="448055">
-              <a:defRPr sz="1470">
-                <a:latin typeface="Menlo"/>
-                <a:ea typeface="Menlo"/>
-                <a:cs typeface="Menlo"/>
-                <a:sym typeface="Menlo"/>
-              </a:defRPr>
-            </a:pPr>
-            <a:r>
-              <a:t>                </a:t>
-            </a:r>
-            <a:r>
-              <a:rPr b="1">
-                <a:solidFill>
-                  <a:srgbClr val="011480"/>
-                </a:solidFill>
-              </a:rPr>
-              <a:t>capacity</a:t>
-            </a:r>
-            <a:r>
-              <a:t>: 42</a:t>
-            </a:r>
+              <a:prstDash val="solid"/>
+              <a:miter lim="800000"/>
+            </a:ln>
+            <a:effectLst/>
+          </p:spPr>
+          <p:txBody>
+            <a:bodyPr wrap="square" lIns="45719" tIns="45719" rIns="45719" bIns="45719" numCol="1" anchor="ctr">
+              <a:noAutofit/>
+            </a:bodyPr>
+            <a:lstStyle/>
+            <a:p>
+              <a:pPr/>
+            </a:p>
+          </p:txBody>
+        </p:sp>
+      </p:grpSp>
+      <p:sp>
+        <p:nvSpPr>
+          <p:cNvPr id="325" name="Linie"/>
+          <p:cNvSpPr/>
+          <p:nvPr/>
+        </p:nvSpPr>
+        <p:spPr>
+          <a:xfrm flipV="1">
+            <a:off x="6096000" y="1723194"/>
+            <a:ext cx="0" cy="4556200"/>
+          </a:xfrm>
+          <a:prstGeom prst="line">
+            <a:avLst/>
+          </a:prstGeom>
+          <a:ln w="12700">
+            <a:solidFill>
+              <a:schemeClr val="accent1"/>
+            </a:solidFill>
+            <a:miter/>
+          </a:ln>
+        </p:spPr>
+        <p:txBody>
+          <a:bodyPr lIns="45719" rIns="45719"/>
+          <a:lstStyle/>
+          <a:p>
+            <a:pPr/>
           </a:p>
         </p:txBody>
       </p:sp>
@@ -11438,6 +12148,83 @@
     <a:masterClrMapping/>
   </p:clrMapOvr>
   <p:transition xmlns:p14="http://schemas.microsoft.com/office/powerpoint/2010/main" spd="med" advClick="1"/>
+  <p:timing>
+    <p:tnLst>
+      <p:par>
+        <p:cTn id="1" nodeType="tmRoot" restart="never" dur="indefinite" fill="hold">
+          <p:childTnLst>
+            <p:seq concurrent="1" prevAc="none" nextAc="seek">
+              <p:cTn id="2" nodeType="mainSeq" dur="indefinite" fill="hold">
+                <p:childTnLst>
+                  <p:par>
+                    <p:cTn id="3" fill="hold">
+                      <p:stCondLst>
+                        <p:cond delay="indefinite"/>
+                      </p:stCondLst>
+                      <p:childTnLst>
+                        <p:par>
+                          <p:cTn id="4" fill="hold">
+                            <p:stCondLst>
+                              <p:cond delay="0"/>
+                            </p:stCondLst>
+                            <p:childTnLst>
+                              <p:par>
+                                <p:cTn id="5" presetClass="entr" nodeType="clickEffect" presetSubtype="0" presetID="1" grpId="1" fill="hold">
+                                  <p:stCondLst>
+                                    <p:cond delay="0"/>
+                                  </p:stCondLst>
+                                  <p:iterate type="el" backwards="0">
+                                    <p:tmAbs val="0"/>
+                                  </p:iterate>
+                                  <p:childTnLst>
+                                    <p:set>
+                                      <p:cBhvr>
+                                        <p:cTn id="6" fill="hold"/>
+                                        <p:tgtEl>
+                                          <p:spTgt spid="324"/>
+                                        </p:tgtEl>
+                                        <p:attrNameLst>
+                                          <p:attrName>style.visibility</p:attrName>
+                                        </p:attrNameLst>
+                                      </p:cBhvr>
+                                      <p:to>
+                                        <p:strVal val="visible"/>
+                                      </p:to>
+                                    </p:set>
+                                  </p:childTnLst>
+                                </p:cTn>
+                              </p:par>
+                            </p:childTnLst>
+                          </p:cTn>
+                        </p:par>
+                      </p:childTnLst>
+                    </p:cTn>
+                  </p:par>
+                </p:childTnLst>
+              </p:cTn>
+              <p:prevCondLst>
+                <p:cond evt="onPrev">
+                  <p:tgtEl>
+                    <p:sldTgt/>
+                  </p:tgtEl>
+                </p:cond>
+              </p:prevCondLst>
+              <p:nextCondLst>
+                <p:cond evt="onNext">
+                  <p:tgtEl>
+                    <p:sldTgt/>
+                  </p:tgtEl>
+                </p:cond>
+              </p:nextCondLst>
+            </p:seq>
+          </p:childTnLst>
+        </p:cTn>
+      </p:par>
+    </p:tnLst>
+    <p:bldLst>
+      <p:bldP build="whole" bldLvl="1" animBg="1" rev="0" advAuto="0" spid="324" grpId="1"/>
+    </p:bldLst>
+  </p:timing>
 </p:sld>
 </file>
 
@@ -11460,7 +12247,7 @@
       </p:grpSpPr>
       <p:sp>
         <p:nvSpPr>
-          <p:cNvPr id="298" name="OAS Specification - Paths"/>
+          <p:cNvPr id="327" name="OAS Specification - Components"/>
           <p:cNvSpPr txBox="1"/>
           <p:nvPr>
             <p:ph type="title"/>
@@ -11477,14 +12264,14 @@
           <a:p>
             <a:pPr/>
             <a:r>
-              <a:t>OAS Specification - Paths</a:t>
-            </a:r>
-          </a:p>
-        </p:txBody>
-      </p:sp>
-      <p:sp>
-        <p:nvSpPr>
-          <p:cNvPr id="299" name="paths:…"/>
+              <a:t>OAS Specification - Components</a:t>
+            </a:r>
+          </a:p>
+        </p:txBody>
+      </p:sp>
+      <p:sp>
+        <p:nvSpPr>
+          <p:cNvPr id="328" name="#components:…"/>
           <p:cNvSpPr txBox="1"/>
           <p:nvPr>
             <p:ph type="body" sz="half" idx="1"/>
@@ -11492,8 +12279,8 @@
         </p:nvSpPr>
         <p:spPr>
           <a:xfrm>
-            <a:off x="838200" y="1825625"/>
-            <a:ext cx="4768156" cy="4351338"/>
+            <a:off x="838200" y="1825624"/>
+            <a:ext cx="6848624" cy="4351339"/>
           </a:xfrm>
           <a:prstGeom prst="rect">
             <a:avLst/>
@@ -11502,6 +12289,31 @@
         <p:txBody>
           <a:bodyPr/>
           <a:lstStyle/>
+          <a:p>
+            <a:pPr marL="0" indent="0" defTabSz="457200">
+              <a:lnSpc>
+                <a:spcPct val="100000"/>
+              </a:lnSpc>
+              <a:spcBef>
+                <a:spcPts val="0"/>
+              </a:spcBef>
+              <a:buSzTx/>
+              <a:buFontTx/>
+              <a:buNone/>
+              <a:defRPr i="1" sz="1500">
+                <a:solidFill>
+                  <a:srgbClr val="808080"/>
+                </a:solidFill>
+                <a:latin typeface="Menlo"/>
+                <a:ea typeface="Menlo"/>
+                <a:cs typeface="Menlo"/>
+                <a:sym typeface="Menlo"/>
+              </a:defRPr>
+            </a:pPr>
+            <a:r>
+              <a:t>#components:</a:t>
+            </a:r>
+          </a:p>
           <a:p>
             <a:pPr marL="0" indent="0" defTabSz="457200">
               <a:lnSpc>
@@ -11524,7 +12336,15 @@
               </a:defRPr>
             </a:pPr>
             <a:r>
-              <a:t>paths</a:t>
+              <a:rPr b="0" i="1">
+                <a:solidFill>
+                  <a:srgbClr val="808080"/>
+                </a:solidFill>
+              </a:rPr>
+              <a:t>  </a:t>
+            </a:r>
+            <a:r>
+              <a:t>parameters</a:t>
             </a:r>
             <a:r>
               <a:rPr b="0">
@@ -11567,10 +12387,10 @@
                   <a:srgbClr val="000000"/>
                 </a:solidFill>
               </a:rPr>
-              <a:t>  </a:t>
-            </a:r>
-            <a:r>
-              <a:t>/rooms</a:t>
+              <a:t>    </a:t>
+            </a:r>
+            <a:r>
+              <a:t>RoomId</a:t>
             </a:r>
             <a:r>
               <a:rPr b="0">
@@ -11605,7 +12425,7 @@
               </a:defRPr>
             </a:pPr>
             <a:r>
-              <a:t>    </a:t>
+              <a:t>      </a:t>
             </a:r>
             <a:r>
               <a:rPr b="1">
@@ -11613,10 +12433,10 @@
                   <a:srgbClr val="011480"/>
                 </a:solidFill>
               </a:rPr>
-              <a:t>description</a:t>
-            </a:r>
-            <a:r>
-              <a:t>: Ressource für Bespre...</a:t>
+              <a:t>name</a:t>
+            </a:r>
+            <a:r>
+              <a:t>: room_id</a:t>
             </a:r>
           </a:p>
           <a:p>
@@ -11638,7 +12458,7 @@
               </a:defRPr>
             </a:pPr>
             <a:r>
-              <a:t>    </a:t>
+              <a:t>      </a:t>
             </a:r>
             <a:r>
               <a:rPr b="1">
@@ -11646,11 +12466,57 @@
                   <a:srgbClr val="011480"/>
                 </a:solidFill>
               </a:rPr>
-              <a:t>get</a:t>
-            </a:r>
-            <a:r>
-              <a:t>:</a:t>
-            </a:r>
+              <a:t>in</a:t>
+            </a:r>
+            <a:r>
+              <a:t>: path</a:t>
+            </a:r>
+          </a:p>
+          <a:p>
+            <a:pPr marL="0" indent="0" defTabSz="457200">
+              <a:lnSpc>
+                <a:spcPct val="100000"/>
+              </a:lnSpc>
+              <a:spcBef>
+                <a:spcPts val="0"/>
+              </a:spcBef>
+              <a:buSzTx/>
+              <a:buFontTx/>
+              <a:buNone/>
+              <a:defRPr b="1" sz="1500">
+                <a:solidFill>
+                  <a:srgbClr val="011480"/>
+                </a:solidFill>
+                <a:latin typeface="Menlo"/>
+                <a:ea typeface="Menlo"/>
+                <a:cs typeface="Menlo"/>
+                <a:sym typeface="Menlo"/>
+              </a:defRPr>
+            </a:pPr>
+            <a:r>
+              <a:rPr b="0">
+                <a:solidFill>
+                  <a:srgbClr val="000000"/>
+                </a:solidFill>
+              </a:rPr>
+              <a:t>      </a:t>
+            </a:r>
+            <a:r>
+              <a:t>required</a:t>
+            </a:r>
+            <a:r>
+              <a:rPr b="0">
+                <a:solidFill>
+                  <a:srgbClr val="000000"/>
+                </a:solidFill>
+              </a:rPr>
+              <a:t>: true</a:t>
+            </a:r>
+            <a:endParaRPr b="0">
+              <a:solidFill>
+                <a:srgbClr val="000000"/>
+              </a:solidFill>
+            </a:endParaRPr>
           </a:p>
           <a:p>
             <a:pPr marL="0" indent="0" defTabSz="457200">
@@ -11679,10 +12545,10 @@
                   <a:srgbClr val="011480"/>
                 </a:solidFill>
               </a:rPr>
-              <a:t>summary</a:t>
-            </a:r>
-            <a:r>
-              <a:t>: Liefert Besprechungsräume</a:t>
+              <a:t>description</a:t>
+            </a:r>
+            <a:r>
+              <a:t>: UUID des Besprechungsraumes.</a:t>
             </a:r>
           </a:p>
           <a:p>
@@ -11712,10 +12578,10 @@
                   <a:srgbClr val="011480"/>
                 </a:solidFill>
               </a:rPr>
-              <a:t>description</a:t>
-            </a:r>
-            <a:r>
-              <a:t>: Liefert alle ...</a:t>
+              <a:t>schema</a:t>
+            </a:r>
+            <a:r>
+              <a:t>:</a:t>
             </a:r>
           </a:p>
           <a:p>
@@ -11737,7 +12603,7 @@
               </a:defRPr>
             </a:pPr>
             <a:r>
-              <a:t>      </a:t>
+              <a:t>        </a:t>
             </a:r>
             <a:r>
               <a:rPr b="1">
@@ -11745,10 +12611,10 @@
                   <a:srgbClr val="011480"/>
                 </a:solidFill>
               </a:rPr>
-              <a:t>tags</a:t>
-            </a:r>
-            <a:r>
-              <a:t>:</a:t>
+              <a:t>type</a:t>
+            </a:r>
+            <a:r>
+              <a:t>: string</a:t>
             </a:r>
           </a:p>
           <a:p>
@@ -11770,100 +12636,19 @@
               </a:defRPr>
             </a:pPr>
             <a:r>
-              <a:t>        - Besprechungsräume</a:t>
-            </a:r>
-          </a:p>
-          <a:p>
-            <a:pPr marL="0" indent="0" defTabSz="457200">
-              <a:lnSpc>
-                <a:spcPct val="100000"/>
-              </a:lnSpc>
-              <a:spcBef>
-                <a:spcPts val="0"/>
-              </a:spcBef>
-              <a:buSzTx/>
-              <a:buFontTx/>
-              <a:buNone/>
-              <a:defRPr b="1" sz="1500">
+              <a:t>        </a:t>
+            </a:r>
+            <a:r>
+              <a:rPr b="1">
                 <a:solidFill>
                   <a:srgbClr val="011480"/>
                 </a:solidFill>
-                <a:latin typeface="Menlo"/>
-                <a:ea typeface="Menlo"/>
-                <a:cs typeface="Menlo"/>
-                <a:sym typeface="Menlo"/>
-              </a:defRPr>
-            </a:pPr>
-            <a:r>
-              <a:rPr b="0">
-                <a:solidFill>
-                  <a:srgbClr val="000000"/>
-                </a:solidFill>
               </a:rPr>
-              <a:t>      </a:t>
-            </a:r>
-            <a:r>
-              <a:t>operationId</a:t>
-            </a:r>
-            <a:r>
-              <a:rPr b="0">
-                <a:solidFill>
-                  <a:srgbClr val="000000"/>
-                </a:solidFill>
-              </a:rPr>
-              <a:t>: getRooms</a:t>
-            </a:r>
-            <a:endParaRPr b="0">
-              <a:solidFill>
-                <a:srgbClr val="000000"/>
-              </a:solidFill>
-            </a:endParaRPr>
-          </a:p>
-          <a:p>
-            <a:pPr marL="0" indent="0" defTabSz="457200">
-              <a:lnSpc>
-                <a:spcPct val="100000"/>
-              </a:lnSpc>
-              <a:spcBef>
-                <a:spcPts val="0"/>
-              </a:spcBef>
-              <a:buSzTx/>
-              <a:buFontTx/>
-              <a:buNone/>
-              <a:defRPr b="1" sz="1500">
-                <a:solidFill>
-                  <a:srgbClr val="011480"/>
-                </a:solidFill>
-                <a:latin typeface="Menlo"/>
-                <a:ea typeface="Menlo"/>
-                <a:cs typeface="Menlo"/>
-                <a:sym typeface="Menlo"/>
-              </a:defRPr>
-            </a:pPr>
-            <a:r>
-              <a:rPr b="0">
-                <a:solidFill>
-                  <a:srgbClr val="000000"/>
-                </a:solidFill>
-              </a:rPr>
-              <a:t>      </a:t>
-            </a:r>
-            <a:r>
-              <a:t>parameters</a:t>
-            </a:r>
-            <a:r>
-              <a:rPr b="0">
-                <a:solidFill>
-                  <a:srgbClr val="000000"/>
-                </a:solidFill>
-              </a:rPr>
-              <a:t>:</a:t>
-            </a:r>
-            <a:endParaRPr b="0">
-              <a:solidFill>
-                <a:srgbClr val="000000"/>
-              </a:solidFill>
-            </a:endParaRPr>
+              <a:t>example</a:t>
+            </a:r>
+            <a:r>
+              <a:t>: 5fcec5cd-a4f6-42f3-b9c0-...</a:t>
+            </a:r>
           </a:p>
           <a:p>
             <a:pPr marL="0" indent="0" defTabSz="457200">
@@ -11883,20 +12668,272 @@
                 <a:sym typeface="Menlo"/>
               </a:defRPr>
             </a:pPr>
-            <a:r>
-              <a:t>        - </a:t>
-            </a:r>
-            <a:r>
-              <a:rPr b="1">
+          </a:p>
+        </p:txBody>
+      </p:sp>
+      <p:sp>
+        <p:nvSpPr>
+          <p:cNvPr id="329" name="Foliennummer"/>
+          <p:cNvSpPr txBox="1"/>
+          <p:nvPr>
+            <p:ph type="sldNum" sz="quarter" idx="2"/>
+          </p:nvPr>
+        </p:nvSpPr>
+        <p:spPr>
+          <a:prstGeom prst="rect">
+            <a:avLst/>
+          </a:prstGeom>
+          <a:extLst>
+            <a:ext uri="{C572A759-6A51-4108-AA02-DFA0A04FC94B}">
+              <ma14:wrappingTextBoxFlag xmlns:ma14="http://schemas.microsoft.com/office/mac/drawingml/2011/main" val="1"/>
+            </a:ext>
+          </a:extLst>
+        </p:spPr>
+        <p:txBody>
+          <a:bodyPr/>
+          <a:lstStyle/>
+          <a:p>
+            <a:pPr/>
+            <a:fld id="{86CB4B4D-7CA3-9044-876B-883B54F8677D}" type="slidenum"/>
+          </a:p>
+        </p:txBody>
+      </p:sp>
+      <p:sp>
+        <p:nvSpPr>
+          <p:cNvPr id="330" name="Rechteck"/>
+          <p:cNvSpPr/>
+          <p:nvPr/>
+        </p:nvSpPr>
+        <p:spPr>
+          <a:xfrm>
+            <a:off x="918467" y="2113359"/>
+            <a:ext cx="1914278" cy="251555"/>
+          </a:xfrm>
+          <a:prstGeom prst="rect">
+            <a:avLst/>
+          </a:prstGeom>
+          <a:ln w="12700">
+            <a:solidFill>
+              <a:srgbClr val="BE1700"/>
+            </a:solidFill>
+            <a:miter/>
+          </a:ln>
+        </p:spPr>
+        <p:txBody>
+          <a:bodyPr lIns="45719" rIns="45719" anchor="ctr"/>
+          <a:lstStyle/>
+          <a:p>
+            <a:pPr/>
+          </a:p>
+        </p:txBody>
+      </p:sp>
+      <p:sp>
+        <p:nvSpPr>
+          <p:cNvPr id="331" name="Rechteck"/>
+          <p:cNvSpPr/>
+          <p:nvPr/>
+        </p:nvSpPr>
+        <p:spPr>
+          <a:xfrm>
+            <a:off x="1412825" y="2566178"/>
+            <a:ext cx="1914278" cy="687042"/>
+          </a:xfrm>
+          <a:prstGeom prst="rect">
+            <a:avLst/>
+          </a:prstGeom>
+          <a:ln w="12700">
+            <a:solidFill>
+              <a:srgbClr val="BE1700"/>
+            </a:solidFill>
+            <a:miter/>
+          </a:ln>
+        </p:spPr>
+        <p:txBody>
+          <a:bodyPr lIns="45719" rIns="45719" anchor="ctr"/>
+          <a:lstStyle/>
+          <a:p>
+            <a:pPr/>
+          </a:p>
+        </p:txBody>
+      </p:sp>
+    </p:spTree>
+  </p:cSld>
+  <p:clrMapOvr>
+    <a:masterClrMapping/>
+  </p:clrMapOvr>
+  <p:transition xmlns:p14="http://schemas.microsoft.com/office/powerpoint/2010/main" spd="med" advClick="1"/>
+</p:sld>
+</file>
+
+<file path=ppt/slides/slide33.xml><?xml version="1.0" encoding="utf-8"?>
+<p:sld xmlns:a="http://schemas.openxmlformats.org/drawingml/2006/main" xmlns:r="http://schemas.openxmlformats.org/officeDocument/2006/relationships" xmlns:p="http://schemas.openxmlformats.org/presentationml/2006/main" xmlns:m="http://schemas.openxmlformats.org/officeDocument/2006/math" xmlns:a14="http://schemas.microsoft.com/office/drawing/2010/main" showMasterSp="1" showMasterPhAnim="1">
+  <p:cSld>
+    <p:spTree>
+      <p:nvGrpSpPr>
+        <p:cNvPr id="1" name=""/>
+        <p:cNvGrpSpPr/>
+        <p:nvPr/>
+      </p:nvGrpSpPr>
+      <p:grpSpPr>
+        <a:xfrm>
+          <a:off x="0" y="0"/>
+          <a:ext cx="0" cy="0"/>
+          <a:chOff x="0" y="0"/>
+          <a:chExt cx="0" cy="0"/>
+        </a:xfrm>
+      </p:grpSpPr>
+      <p:sp>
+        <p:nvSpPr>
+          <p:cNvPr id="333" name="OAS Specification - Paths"/>
+          <p:cNvSpPr txBox="1"/>
+          <p:nvPr>
+            <p:ph type="title"/>
+          </p:nvPr>
+        </p:nvSpPr>
+        <p:spPr>
+          <a:prstGeom prst="rect">
+            <a:avLst/>
+          </a:prstGeom>
+        </p:spPr>
+        <p:txBody>
+          <a:bodyPr/>
+          <a:lstStyle/>
+          <a:p>
+            <a:pPr/>
+            <a:r>
+              <a:t>OAS Specification - Paths</a:t>
+            </a:r>
+          </a:p>
+        </p:txBody>
+      </p:sp>
+      <p:sp>
+        <p:nvSpPr>
+          <p:cNvPr id="334" name="#openapi: 3.0.2…"/>
+          <p:cNvSpPr txBox="1"/>
+          <p:nvPr>
+            <p:ph type="body" sz="half" idx="1"/>
+          </p:nvPr>
+        </p:nvSpPr>
+        <p:spPr>
+          <a:xfrm>
+            <a:off x="838200" y="1825625"/>
+            <a:ext cx="4768156" cy="4351338"/>
+          </a:xfrm>
+          <a:prstGeom prst="rect">
+            <a:avLst/>
+          </a:prstGeom>
+        </p:spPr>
+        <p:txBody>
+          <a:bodyPr/>
+          <a:lstStyle/>
+          <a:p>
+            <a:pPr marL="0" indent="0" defTabSz="457200">
+              <a:lnSpc>
+                <a:spcPct val="100000"/>
+              </a:lnSpc>
+              <a:spcBef>
+                <a:spcPts val="0"/>
+              </a:spcBef>
+              <a:buSzTx/>
+              <a:buFontTx/>
+              <a:buNone/>
+              <a:defRPr i="1" sz="1500">
+                <a:solidFill>
+                  <a:srgbClr val="808080"/>
+                </a:solidFill>
+                <a:latin typeface="Menlo"/>
+                <a:ea typeface="Menlo"/>
+                <a:cs typeface="Menlo"/>
+                <a:sym typeface="Menlo"/>
+              </a:defRPr>
+            </a:pPr>
+            <a:r>
+              <a:t>#openapi: 3.0.2</a:t>
+            </a:r>
+          </a:p>
+          <a:p>
+            <a:pPr marL="0" indent="0" defTabSz="457200">
+              <a:lnSpc>
+                <a:spcPct val="100000"/>
+              </a:lnSpc>
+              <a:spcBef>
+                <a:spcPts val="0"/>
+              </a:spcBef>
+              <a:buSzTx/>
+              <a:buFontTx/>
+              <a:buNone/>
+              <a:defRPr b="1" sz="1500">
                 <a:solidFill>
                   <a:srgbClr val="011480"/>
                 </a:solidFill>
+                <a:latin typeface="Menlo"/>
+                <a:ea typeface="Menlo"/>
+                <a:cs typeface="Menlo"/>
+                <a:sym typeface="Menlo"/>
+              </a:defRPr>
+            </a:pPr>
+            <a:r>
+              <a:t>paths</a:t>
+            </a:r>
+            <a:r>
+              <a:rPr b="0">
+                <a:solidFill>
+                  <a:srgbClr val="000000"/>
+                </a:solidFill>
               </a:rPr>
-              <a:t>name</a:t>
-            </a:r>
-            <a:r>
-              <a:t>: capacity</a:t>
-            </a:r>
+              <a:t>:</a:t>
+            </a:r>
+            <a:endParaRPr b="0">
+              <a:solidFill>
+                <a:srgbClr val="000000"/>
+              </a:solidFill>
+            </a:endParaRPr>
+          </a:p>
+          <a:p>
+            <a:pPr marL="0" indent="0" defTabSz="457200">
+              <a:lnSpc>
+                <a:spcPct val="100000"/>
+              </a:lnSpc>
+              <a:spcBef>
+                <a:spcPts val="0"/>
+              </a:spcBef>
+              <a:buSzTx/>
+              <a:buFontTx/>
+              <a:buNone/>
+              <a:defRPr b="1" sz="1500">
+                <a:solidFill>
+                  <a:srgbClr val="011480"/>
+                </a:solidFill>
+                <a:latin typeface="Menlo"/>
+                <a:ea typeface="Menlo"/>
+                <a:cs typeface="Menlo"/>
+                <a:sym typeface="Menlo"/>
+              </a:defRPr>
+            </a:pPr>
+            <a:r>
+              <a:rPr b="0">
+                <a:solidFill>
+                  <a:srgbClr val="000000"/>
+                </a:solidFill>
+              </a:rPr>
+              <a:t>  </a:t>
+            </a:r>
+            <a:r>
+              <a:t>/rooms</a:t>
+            </a:r>
+            <a:r>
+              <a:rPr b="0">
+                <a:solidFill>
+                  <a:srgbClr val="000000"/>
+                </a:solidFill>
+              </a:rPr>
+              <a:t>:</a:t>
+            </a:r>
+            <a:endParaRPr b="0">
+              <a:solidFill>
+                <a:srgbClr val="000000"/>
+              </a:solidFill>
+            </a:endParaRPr>
           </a:p>
           <a:p>
             <a:pPr marL="0" indent="0" defTabSz="457200">
@@ -11917,7 +12954,7 @@
               </a:defRPr>
             </a:pPr>
             <a:r>
-              <a:t>          </a:t>
+              <a:t>    </a:t>
             </a:r>
             <a:r>
               <a:rPr b="1">
@@ -11928,7 +12965,7 @@
               <a:t>description</a:t>
             </a:r>
             <a:r>
-              <a:t>: Parameter um ...</a:t>
+              <a:t>: Ressource für Bespre...</a:t>
             </a:r>
           </a:p>
           <a:p>
@@ -11950,7 +12987,7 @@
               </a:defRPr>
             </a:pPr>
             <a:r>
-              <a:t>          </a:t>
+              <a:t>    </a:t>
             </a:r>
             <a:r>
               <a:rPr b="1">
@@ -11958,10 +12995,10 @@
                   <a:srgbClr val="011480"/>
                 </a:solidFill>
               </a:rPr>
-              <a:t>in</a:t>
-            </a:r>
-            <a:r>
-              <a:t>: query</a:t>
+              <a:t>get</a:t>
+            </a:r>
+            <a:r>
+              <a:t>:</a:t>
             </a:r>
           </a:p>
           <a:p>
@@ -11983,7 +13020,7 @@
               </a:defRPr>
             </a:pPr>
             <a:r>
-              <a:t>          </a:t>
+              <a:t>      </a:t>
             </a:r>
             <a:r>
               <a:rPr b="1">
@@ -11991,10 +13028,10 @@
                   <a:srgbClr val="011480"/>
                 </a:solidFill>
               </a:rPr>
-              <a:t>schema</a:t>
-            </a:r>
-            <a:r>
-              <a:t>:</a:t>
+              <a:t>summary</a:t>
+            </a:r>
+            <a:r>
+              <a:t>: Liefert Besprechungsräume</a:t>
             </a:r>
           </a:p>
           <a:p>
@@ -12016,7 +13053,7 @@
               </a:defRPr>
             </a:pPr>
             <a:r>
-              <a:t>            </a:t>
+              <a:t>      </a:t>
             </a:r>
             <a:r>
               <a:rPr b="1">
@@ -12024,10 +13061,65 @@
                   <a:srgbClr val="011480"/>
                 </a:solidFill>
               </a:rPr>
-              <a:t>type</a:t>
-            </a:r>
-            <a:r>
-              <a:t>: integer</a:t>
+              <a:t>description</a:t>
+            </a:r>
+            <a:r>
+              <a:t>: Liefert alle ...</a:t>
+            </a:r>
+          </a:p>
+          <a:p>
+            <a:pPr marL="0" indent="0" defTabSz="457200">
+              <a:lnSpc>
+                <a:spcPct val="100000"/>
+              </a:lnSpc>
+              <a:spcBef>
+                <a:spcPts val="0"/>
+              </a:spcBef>
+              <a:buSzTx/>
+              <a:buFontTx/>
+              <a:buNone/>
+              <a:defRPr sz="1500">
+                <a:latin typeface="Menlo"/>
+                <a:ea typeface="Menlo"/>
+                <a:cs typeface="Menlo"/>
+                <a:sym typeface="Menlo"/>
+              </a:defRPr>
+            </a:pPr>
+            <a:r>
+              <a:t>      </a:t>
+            </a:r>
+            <a:r>
+              <a:rPr b="1">
+                <a:solidFill>
+                  <a:srgbClr val="011480"/>
+                </a:solidFill>
+              </a:rPr>
+              <a:t>tags</a:t>
+            </a:r>
+            <a:r>
+              <a:t>:</a:t>
+            </a:r>
+          </a:p>
+          <a:p>
+            <a:pPr marL="0" indent="0" defTabSz="457200">
+              <a:lnSpc>
+                <a:spcPct val="100000"/>
+              </a:lnSpc>
+              <a:spcBef>
+                <a:spcPts val="0"/>
+              </a:spcBef>
+              <a:buSzTx/>
+              <a:buFontTx/>
+              <a:buNone/>
+              <a:defRPr sz="1500">
+                <a:latin typeface="Menlo"/>
+                <a:ea typeface="Menlo"/>
+                <a:cs typeface="Menlo"/>
+                <a:sym typeface="Menlo"/>
+              </a:defRPr>
+            </a:pPr>
+            <a:r>
+              <a:t>        - Besprechungsräume</a:t>
             </a:r>
           </a:p>
           <a:p>
@@ -12057,6 +13149,263 @@
                   <a:srgbClr val="000000"/>
                 </a:solidFill>
               </a:rPr>
+              <a:t>      </a:t>
+            </a:r>
+            <a:r>
+              <a:t>operationId</a:t>
+            </a:r>
+            <a:r>
+              <a:rPr b="0">
+                <a:solidFill>
+                  <a:srgbClr val="000000"/>
+                </a:solidFill>
+              </a:rPr>
+              <a:t>: getRooms</a:t>
+            </a:r>
+            <a:endParaRPr b="0">
+              <a:solidFill>
+                <a:srgbClr val="000000"/>
+              </a:solidFill>
+            </a:endParaRPr>
+          </a:p>
+          <a:p>
+            <a:pPr marL="0" indent="0" defTabSz="457200">
+              <a:lnSpc>
+                <a:spcPct val="100000"/>
+              </a:lnSpc>
+              <a:spcBef>
+                <a:spcPts val="0"/>
+              </a:spcBef>
+              <a:buSzTx/>
+              <a:buFontTx/>
+              <a:buNone/>
+              <a:defRPr b="1" sz="1500">
+                <a:solidFill>
+                  <a:srgbClr val="011480"/>
+                </a:solidFill>
+                <a:latin typeface="Menlo"/>
+                <a:ea typeface="Menlo"/>
+                <a:cs typeface="Menlo"/>
+                <a:sym typeface="Menlo"/>
+              </a:defRPr>
+            </a:pPr>
+            <a:r>
+              <a:rPr b="0">
+                <a:solidFill>
+                  <a:srgbClr val="000000"/>
+                </a:solidFill>
+              </a:rPr>
+              <a:t>      </a:t>
+            </a:r>
+            <a:r>
+              <a:t>parameters</a:t>
+            </a:r>
+            <a:r>
+              <a:rPr b="0">
+                <a:solidFill>
+                  <a:srgbClr val="000000"/>
+                </a:solidFill>
+              </a:rPr>
+              <a:t>:</a:t>
+            </a:r>
+            <a:endParaRPr b="0">
+              <a:solidFill>
+                <a:srgbClr val="000000"/>
+              </a:solidFill>
+            </a:endParaRPr>
+          </a:p>
+          <a:p>
+            <a:pPr marL="0" indent="0" defTabSz="457200">
+              <a:lnSpc>
+                <a:spcPct val="100000"/>
+              </a:lnSpc>
+              <a:spcBef>
+                <a:spcPts val="0"/>
+              </a:spcBef>
+              <a:buSzTx/>
+              <a:buFontTx/>
+              <a:buNone/>
+              <a:defRPr sz="1500">
+                <a:latin typeface="Menlo"/>
+                <a:ea typeface="Menlo"/>
+                <a:cs typeface="Menlo"/>
+                <a:sym typeface="Menlo"/>
+              </a:defRPr>
+            </a:pPr>
+            <a:r>
+              <a:t>        - </a:t>
+            </a:r>
+            <a:r>
+              <a:rPr b="1">
+                <a:solidFill>
+                  <a:srgbClr val="011480"/>
+                </a:solidFill>
+              </a:rPr>
+              <a:t>name</a:t>
+            </a:r>
+            <a:r>
+              <a:t>: capacity</a:t>
+            </a:r>
+          </a:p>
+          <a:p>
+            <a:pPr marL="0" indent="0" defTabSz="457200">
+              <a:lnSpc>
+                <a:spcPct val="100000"/>
+              </a:lnSpc>
+              <a:spcBef>
+                <a:spcPts val="0"/>
+              </a:spcBef>
+              <a:buSzTx/>
+              <a:buFontTx/>
+              <a:buNone/>
+              <a:defRPr sz="1500">
+                <a:latin typeface="Menlo"/>
+                <a:ea typeface="Menlo"/>
+                <a:cs typeface="Menlo"/>
+                <a:sym typeface="Menlo"/>
+              </a:defRPr>
+            </a:pPr>
+            <a:r>
+              <a:t>          </a:t>
+            </a:r>
+            <a:r>
+              <a:rPr b="1">
+                <a:solidFill>
+                  <a:srgbClr val="011480"/>
+                </a:solidFill>
+              </a:rPr>
+              <a:t>description</a:t>
+            </a:r>
+            <a:r>
+              <a:t>: Parameter um ...</a:t>
+            </a:r>
+          </a:p>
+          <a:p>
+            <a:pPr marL="0" indent="0" defTabSz="457200">
+              <a:lnSpc>
+                <a:spcPct val="100000"/>
+              </a:lnSpc>
+              <a:spcBef>
+                <a:spcPts val="0"/>
+              </a:spcBef>
+              <a:buSzTx/>
+              <a:buFontTx/>
+              <a:buNone/>
+              <a:defRPr sz="1500">
+                <a:latin typeface="Menlo"/>
+                <a:ea typeface="Menlo"/>
+                <a:cs typeface="Menlo"/>
+                <a:sym typeface="Menlo"/>
+              </a:defRPr>
+            </a:pPr>
+            <a:r>
+              <a:t>          </a:t>
+            </a:r>
+            <a:r>
+              <a:rPr b="1">
+                <a:solidFill>
+                  <a:srgbClr val="011480"/>
+                </a:solidFill>
+              </a:rPr>
+              <a:t>in</a:t>
+            </a:r>
+            <a:r>
+              <a:t>: query</a:t>
+            </a:r>
+          </a:p>
+          <a:p>
+            <a:pPr marL="0" indent="0" defTabSz="457200">
+              <a:lnSpc>
+                <a:spcPct val="100000"/>
+              </a:lnSpc>
+              <a:spcBef>
+                <a:spcPts val="0"/>
+              </a:spcBef>
+              <a:buSzTx/>
+              <a:buFontTx/>
+              <a:buNone/>
+              <a:defRPr sz="1500">
+                <a:latin typeface="Menlo"/>
+                <a:ea typeface="Menlo"/>
+                <a:cs typeface="Menlo"/>
+                <a:sym typeface="Menlo"/>
+              </a:defRPr>
+            </a:pPr>
+            <a:r>
+              <a:t>          </a:t>
+            </a:r>
+            <a:r>
+              <a:rPr b="1">
+                <a:solidFill>
+                  <a:srgbClr val="011480"/>
+                </a:solidFill>
+              </a:rPr>
+              <a:t>schema</a:t>
+            </a:r>
+            <a:r>
+              <a:t>:</a:t>
+            </a:r>
+          </a:p>
+          <a:p>
+            <a:pPr marL="0" indent="0" defTabSz="457200">
+              <a:lnSpc>
+                <a:spcPct val="100000"/>
+              </a:lnSpc>
+              <a:spcBef>
+                <a:spcPts val="0"/>
+              </a:spcBef>
+              <a:buSzTx/>
+              <a:buFontTx/>
+              <a:buNone/>
+              <a:defRPr sz="1500">
+                <a:latin typeface="Menlo"/>
+                <a:ea typeface="Menlo"/>
+                <a:cs typeface="Menlo"/>
+                <a:sym typeface="Menlo"/>
+              </a:defRPr>
+            </a:pPr>
+            <a:r>
+              <a:t>            </a:t>
+            </a:r>
+            <a:r>
+              <a:rPr b="1">
+                <a:solidFill>
+                  <a:srgbClr val="011480"/>
+                </a:solidFill>
+              </a:rPr>
+              <a:t>type</a:t>
+            </a:r>
+            <a:r>
+              <a:t>: integer</a:t>
+            </a:r>
+          </a:p>
+          <a:p>
+            <a:pPr marL="0" indent="0" defTabSz="457200">
+              <a:lnSpc>
+                <a:spcPct val="100000"/>
+              </a:lnSpc>
+              <a:spcBef>
+                <a:spcPts val="0"/>
+              </a:spcBef>
+              <a:buSzTx/>
+              <a:buFontTx/>
+              <a:buNone/>
+              <a:defRPr b="1" sz="1500">
+                <a:solidFill>
+                  <a:srgbClr val="011480"/>
+                </a:solidFill>
+                <a:latin typeface="Menlo"/>
+                <a:ea typeface="Menlo"/>
+                <a:cs typeface="Menlo"/>
+                <a:sym typeface="Menlo"/>
+              </a:defRPr>
+            </a:pPr>
+            <a:r>
+              <a:rPr b="0">
+                <a:solidFill>
+                  <a:srgbClr val="000000"/>
+                </a:solidFill>
+              </a:rPr>
               <a:t>     </a:t>
             </a:r>
           </a:p>
@@ -12064,7 +13413,34 @@
       </p:sp>
       <p:sp>
         <p:nvSpPr>
-          <p:cNvPr id="300" name="#get:…"/>
+          <p:cNvPr id="335" name="Foliennummer"/>
+          <p:cNvSpPr txBox="1"/>
+          <p:nvPr>
+            <p:ph type="sldNum" sz="quarter" idx="2"/>
+          </p:nvPr>
+        </p:nvSpPr>
+        <p:spPr>
+          <a:prstGeom prst="rect">
+            <a:avLst/>
+          </a:prstGeom>
+          <a:extLst>
+            <a:ext uri="{C572A759-6A51-4108-AA02-DFA0A04FC94B}">
+              <ma14:wrappingTextBoxFlag xmlns:ma14="http://schemas.microsoft.com/office/mac/drawingml/2011/main" val="1"/>
+            </a:ext>
+          </a:extLst>
+        </p:spPr>
+        <p:txBody>
+          <a:bodyPr/>
+          <a:lstStyle/>
+          <a:p>
+            <a:pPr/>
+            <a:fld id="{86CB4B4D-7CA3-9044-876B-883B54F8677D}" type="slidenum"/>
+          </a:p>
+        </p:txBody>
+      </p:sp>
+      <p:sp>
+        <p:nvSpPr>
+          <p:cNvPr id="336" name="#get:…"/>
           <p:cNvSpPr txBox="1"/>
           <p:nvPr/>
         </p:nvSpPr>
@@ -12448,7 +13824,7 @@
               <a:t>room_id</a:t>
             </a:r>
             <a:r>
-              <a:t>: 6f410920-ea6b-4fbe-</a:t>
+              <a:t>: 6f410920-ea6b-4fb...</a:t>
             </a:r>
           </a:p>
           <a:p>
@@ -12520,7 +13896,7 @@
               <a:t>room_id</a:t>
             </a:r>
             <a:r>
-              <a:t>: fb904c1b-bc00-4ce9-</a:t>
+              <a:t>: fb904c1b-bc00-4ce...</a:t>
             </a:r>
           </a:p>
           <a:p>
@@ -12573,6 +13949,2980 @@
           </a:p>
         </p:txBody>
       </p:sp>
+      <p:sp>
+        <p:nvSpPr>
+          <p:cNvPr id="337" name="Linie"/>
+          <p:cNvSpPr/>
+          <p:nvPr/>
+        </p:nvSpPr>
+        <p:spPr>
+          <a:xfrm flipV="1">
+            <a:off x="6096000" y="1723194"/>
+            <a:ext cx="0" cy="4556200"/>
+          </a:xfrm>
+          <a:prstGeom prst="line">
+            <a:avLst/>
+          </a:prstGeom>
+          <a:ln w="12700">
+            <a:solidFill>
+              <a:schemeClr val="accent1"/>
+            </a:solidFill>
+            <a:miter/>
+          </a:ln>
+        </p:spPr>
+        <p:txBody>
+          <a:bodyPr lIns="45719" rIns="45719"/>
+          <a:lstStyle/>
+          <a:p>
+            <a:pPr/>
+          </a:p>
+        </p:txBody>
+      </p:sp>
+    </p:spTree>
+  </p:cSld>
+  <p:clrMapOvr>
+    <a:masterClrMapping/>
+  </p:clrMapOvr>
+  <p:transition xmlns:p14="http://schemas.microsoft.com/office/powerpoint/2010/main" spd="med" advClick="1"/>
+  <p:timing>
+    <p:tnLst>
+      <p:par>
+        <p:cTn id="1" nodeType="tmRoot" restart="never" dur="indefinite" fill="hold">
+          <p:childTnLst>
+            <p:seq concurrent="1" prevAc="none" nextAc="seek">
+              <p:cTn id="2" nodeType="mainSeq" dur="indefinite" fill="hold">
+                <p:childTnLst>
+                  <p:par>
+                    <p:cTn id="3" fill="hold">
+                      <p:stCondLst>
+                        <p:cond delay="indefinite"/>
+                      </p:stCondLst>
+                      <p:childTnLst>
+                        <p:par>
+                          <p:cTn id="4" fill="hold">
+                            <p:stCondLst>
+                              <p:cond delay="0"/>
+                            </p:stCondLst>
+                            <p:childTnLst>
+                              <p:par>
+                                <p:cTn id="5" presetClass="entr" nodeType="clickEffect" presetSubtype="0" presetID="1" grpId="1" fill="hold">
+                                  <p:stCondLst>
+                                    <p:cond delay="0"/>
+                                  </p:stCondLst>
+                                  <p:iterate type="el" backwards="0">
+                                    <p:tmAbs val="0"/>
+                                  </p:iterate>
+                                  <p:childTnLst>
+                                    <p:set>
+                                      <p:cBhvr>
+                                        <p:cTn id="6" fill="hold"/>
+                                        <p:tgtEl>
+                                          <p:spTgt spid="336"/>
+                                        </p:tgtEl>
+                                        <p:attrNameLst>
+                                          <p:attrName>style.visibility</p:attrName>
+                                        </p:attrNameLst>
+                                      </p:cBhvr>
+                                      <p:to>
+                                        <p:strVal val="visible"/>
+                                      </p:to>
+                                    </p:set>
+                                  </p:childTnLst>
+                                </p:cTn>
+                              </p:par>
+                            </p:childTnLst>
+                          </p:cTn>
+                        </p:par>
+                      </p:childTnLst>
+                    </p:cTn>
+                  </p:par>
+                </p:childTnLst>
+              </p:cTn>
+              <p:prevCondLst>
+                <p:cond evt="onPrev">
+                  <p:tgtEl>
+                    <p:sldTgt/>
+                  </p:tgtEl>
+                </p:cond>
+              </p:prevCondLst>
+              <p:nextCondLst>
+                <p:cond evt="onNext">
+                  <p:tgtEl>
+                    <p:sldTgt/>
+                  </p:tgtEl>
+                </p:cond>
+              </p:nextCondLst>
+            </p:seq>
+          </p:childTnLst>
+        </p:cTn>
+      </p:par>
+    </p:tnLst>
+    <p:bldLst>
+      <p:bldP build="whole" bldLvl="1" animBg="1" rev="0" advAuto="0" spid="336" grpId="1"/>
+    </p:bldLst>
+  </p:timing>
+</p:sld>
+</file>
+
+<file path=ppt/slides/slide34.xml><?xml version="1.0" encoding="utf-8"?>
+<p:sld xmlns:a="http://schemas.openxmlformats.org/drawingml/2006/main" xmlns:r="http://schemas.openxmlformats.org/officeDocument/2006/relationships" xmlns:p="http://schemas.openxmlformats.org/presentationml/2006/main" xmlns:m="http://schemas.openxmlformats.org/officeDocument/2006/math" xmlns:a14="http://schemas.microsoft.com/office/drawing/2010/main" showMasterSp="1" showMasterPhAnim="1">
+  <p:cSld>
+    <p:spTree>
+      <p:nvGrpSpPr>
+        <p:cNvPr id="1" name=""/>
+        <p:cNvGrpSpPr/>
+        <p:nvPr/>
+      </p:nvGrpSpPr>
+      <p:grpSpPr>
+        <a:xfrm>
+          <a:off x="0" y="0"/>
+          <a:ext cx="0" cy="0"/>
+          <a:chOff x="0" y="0"/>
+          <a:chExt cx="0" cy="0"/>
+        </a:xfrm>
+      </p:grpSpPr>
+      <p:sp>
+        <p:nvSpPr>
+          <p:cNvPr id="339" name="OAS Specification - Paths"/>
+          <p:cNvSpPr txBox="1"/>
+          <p:nvPr>
+            <p:ph type="title"/>
+          </p:nvPr>
+        </p:nvSpPr>
+        <p:spPr>
+          <a:prstGeom prst="rect">
+            <a:avLst/>
+          </a:prstGeom>
+        </p:spPr>
+        <p:txBody>
+          <a:bodyPr/>
+          <a:lstStyle/>
+          <a:p>
+            <a:pPr/>
+            <a:r>
+              <a:t>OAS Specification - Paths</a:t>
+            </a:r>
+          </a:p>
+        </p:txBody>
+      </p:sp>
+      <p:sp>
+        <p:nvSpPr>
+          <p:cNvPr id="340" name="#responses:…"/>
+          <p:cNvSpPr txBox="1"/>
+          <p:nvPr>
+            <p:ph type="body" sz="half" idx="1"/>
+          </p:nvPr>
+        </p:nvSpPr>
+        <p:spPr>
+          <a:xfrm>
+            <a:off x="838200" y="1825624"/>
+            <a:ext cx="5359748" cy="4351339"/>
+          </a:xfrm>
+          <a:prstGeom prst="rect">
+            <a:avLst/>
+          </a:prstGeom>
+        </p:spPr>
+        <p:txBody>
+          <a:bodyPr/>
+          <a:lstStyle/>
+          <a:p>
+            <a:pPr marL="0" indent="0" defTabSz="457200">
+              <a:lnSpc>
+                <a:spcPct val="100000"/>
+              </a:lnSpc>
+              <a:spcBef>
+                <a:spcPts val="0"/>
+              </a:spcBef>
+              <a:buSzTx/>
+              <a:buFontTx/>
+              <a:buNone/>
+              <a:defRPr i="1" sz="1500">
+                <a:solidFill>
+                  <a:srgbClr val="808080"/>
+                </a:solidFill>
+                <a:latin typeface="Menlo"/>
+                <a:ea typeface="Menlo"/>
+                <a:cs typeface="Menlo"/>
+                <a:sym typeface="Menlo"/>
+              </a:defRPr>
+            </a:pPr>
+            <a:r>
+              <a:t>#responses:</a:t>
+            </a:r>
+          </a:p>
+          <a:p>
+            <a:pPr marL="0" indent="0" defTabSz="457200">
+              <a:lnSpc>
+                <a:spcPct val="100000"/>
+              </a:lnSpc>
+              <a:spcBef>
+                <a:spcPts val="0"/>
+              </a:spcBef>
+              <a:buSzTx/>
+              <a:buFontTx/>
+              <a:buNone/>
+              <a:defRPr b="1" sz="1500">
+                <a:solidFill>
+                  <a:srgbClr val="011480"/>
+                </a:solidFill>
+                <a:latin typeface="Menlo"/>
+                <a:ea typeface="Menlo"/>
+                <a:cs typeface="Menlo"/>
+                <a:sym typeface="Menlo"/>
+              </a:defRPr>
+            </a:pPr>
+            <a:r>
+              <a:rPr b="0" i="1">
+                <a:solidFill>
+                  <a:srgbClr val="808080"/>
+                </a:solidFill>
+              </a:rPr>
+              <a:t>  </a:t>
+            </a:r>
+            <a:r>
+              <a:t>default</a:t>
+            </a:r>
+            <a:r>
+              <a:rPr b="0">
+                <a:solidFill>
+                  <a:srgbClr val="000000"/>
+                </a:solidFill>
+              </a:rPr>
+              <a:t>:</a:t>
+            </a:r>
+            <a:endParaRPr b="0">
+              <a:solidFill>
+                <a:srgbClr val="000000"/>
+              </a:solidFill>
+            </a:endParaRPr>
+          </a:p>
+          <a:p>
+            <a:pPr marL="0" indent="0" defTabSz="457200">
+              <a:lnSpc>
+                <a:spcPct val="100000"/>
+              </a:lnSpc>
+              <a:spcBef>
+                <a:spcPts val="0"/>
+              </a:spcBef>
+              <a:buSzTx/>
+              <a:buFontTx/>
+              <a:buNone/>
+              <a:defRPr sz="1500">
+                <a:latin typeface="Menlo"/>
+                <a:ea typeface="Menlo"/>
+                <a:cs typeface="Menlo"/>
+                <a:sym typeface="Menlo"/>
+              </a:defRPr>
+            </a:pPr>
+            <a:r>
+              <a:t>    </a:t>
+            </a:r>
+            <a:r>
+              <a:rPr b="1">
+                <a:solidFill>
+                  <a:srgbClr val="011480"/>
+                </a:solidFill>
+              </a:rPr>
+              <a:t>description</a:t>
+            </a:r>
+            <a:r>
+              <a:t>: Fehlerhafter Zugriff</a:t>
+            </a:r>
+          </a:p>
+          <a:p>
+            <a:pPr marL="0" indent="0" defTabSz="457200">
+              <a:lnSpc>
+                <a:spcPct val="100000"/>
+              </a:lnSpc>
+              <a:spcBef>
+                <a:spcPts val="0"/>
+              </a:spcBef>
+              <a:buSzTx/>
+              <a:buFontTx/>
+              <a:buNone/>
+              <a:defRPr b="1" sz="1500">
+                <a:solidFill>
+                  <a:srgbClr val="011480"/>
+                </a:solidFill>
+                <a:latin typeface="Menlo"/>
+                <a:ea typeface="Menlo"/>
+                <a:cs typeface="Menlo"/>
+                <a:sym typeface="Menlo"/>
+              </a:defRPr>
+            </a:pPr>
+            <a:r>
+              <a:rPr b="0">
+                <a:solidFill>
+                  <a:srgbClr val="000000"/>
+                </a:solidFill>
+              </a:rPr>
+              <a:t>    </a:t>
+            </a:r>
+            <a:r>
+              <a:t>content</a:t>
+            </a:r>
+            <a:r>
+              <a:rPr b="0">
+                <a:solidFill>
+                  <a:srgbClr val="000000"/>
+                </a:solidFill>
+              </a:rPr>
+              <a:t>:</a:t>
+            </a:r>
+            <a:endParaRPr b="0">
+              <a:solidFill>
+                <a:srgbClr val="000000"/>
+              </a:solidFill>
+            </a:endParaRPr>
+          </a:p>
+          <a:p>
+            <a:pPr marL="0" indent="0" defTabSz="457200">
+              <a:lnSpc>
+                <a:spcPct val="100000"/>
+              </a:lnSpc>
+              <a:spcBef>
+                <a:spcPts val="0"/>
+              </a:spcBef>
+              <a:buSzTx/>
+              <a:buFontTx/>
+              <a:buNone/>
+              <a:defRPr b="1" sz="1500">
+                <a:solidFill>
+                  <a:srgbClr val="011480"/>
+                </a:solidFill>
+                <a:latin typeface="Menlo"/>
+                <a:ea typeface="Menlo"/>
+                <a:cs typeface="Menlo"/>
+                <a:sym typeface="Menlo"/>
+              </a:defRPr>
+            </a:pPr>
+            <a:r>
+              <a:rPr b="0">
+                <a:solidFill>
+                  <a:srgbClr val="000000"/>
+                </a:solidFill>
+              </a:rPr>
+              <a:t>      </a:t>
+            </a:r>
+            <a:r>
+              <a:t>application/json</a:t>
+            </a:r>
+            <a:r>
+              <a:rPr b="0">
+                <a:solidFill>
+                  <a:srgbClr val="000000"/>
+                </a:solidFill>
+              </a:rPr>
+              <a:t>:</a:t>
+            </a:r>
+            <a:endParaRPr b="0">
+              <a:solidFill>
+                <a:srgbClr val="000000"/>
+              </a:solidFill>
+            </a:endParaRPr>
+          </a:p>
+          <a:p>
+            <a:pPr marL="0" indent="0" defTabSz="457200">
+              <a:lnSpc>
+                <a:spcPct val="100000"/>
+              </a:lnSpc>
+              <a:spcBef>
+                <a:spcPts val="0"/>
+              </a:spcBef>
+              <a:buSzTx/>
+              <a:buFontTx/>
+              <a:buNone/>
+              <a:defRPr sz="1500">
+                <a:latin typeface="Menlo"/>
+                <a:ea typeface="Menlo"/>
+                <a:cs typeface="Menlo"/>
+                <a:sym typeface="Menlo"/>
+              </a:defRPr>
+            </a:pPr>
+            <a:r>
+              <a:t>        </a:t>
+            </a:r>
+            <a:r>
+              <a:rPr b="1">
+                <a:solidFill>
+                  <a:srgbClr val="011480"/>
+                </a:solidFill>
+              </a:rPr>
+              <a:t>schema</a:t>
+            </a:r>
+            <a:r>
+              <a:t>:</a:t>
+            </a:r>
+          </a:p>
+          <a:p>
+            <a:pPr marL="0" indent="0" defTabSz="457200">
+              <a:lnSpc>
+                <a:spcPct val="100000"/>
+              </a:lnSpc>
+              <a:spcBef>
+                <a:spcPts val="0"/>
+              </a:spcBef>
+              <a:buSzTx/>
+              <a:buFontTx/>
+              <a:buNone/>
+              <a:defRPr b="1" sz="1500">
+                <a:solidFill>
+                  <a:srgbClr val="018001"/>
+                </a:solidFill>
+                <a:latin typeface="Menlo"/>
+                <a:ea typeface="Menlo"/>
+                <a:cs typeface="Menlo"/>
+                <a:sym typeface="Menlo"/>
+              </a:defRPr>
+            </a:pPr>
+            <a:r>
+              <a:rPr b="0">
+                <a:solidFill>
+                  <a:srgbClr val="000000"/>
+                </a:solidFill>
+              </a:rPr>
+              <a:t>          </a:t>
+            </a:r>
+            <a:r>
+              <a:rPr>
+                <a:solidFill>
+                  <a:srgbClr val="011480"/>
+                </a:solidFill>
+              </a:rPr>
+              <a:t>$ref</a:t>
+            </a:r>
+            <a:r>
+              <a:rPr b="0">
+                <a:solidFill>
+                  <a:srgbClr val="000000"/>
+                </a:solidFill>
+              </a:rPr>
+              <a:t>: </a:t>
+            </a:r>
+            <a:r>
+              <a:t>'#/components/schemas/Error'</a:t>
+            </a:r>
+          </a:p>
+        </p:txBody>
+      </p:sp>
+      <p:sp>
+        <p:nvSpPr>
+          <p:cNvPr id="341" name="Foliennummer"/>
+          <p:cNvSpPr txBox="1"/>
+          <p:nvPr>
+            <p:ph type="sldNum" sz="quarter" idx="2"/>
+          </p:nvPr>
+        </p:nvSpPr>
+        <p:spPr>
+          <a:prstGeom prst="rect">
+            <a:avLst/>
+          </a:prstGeom>
+          <a:extLst>
+            <a:ext uri="{C572A759-6A51-4108-AA02-DFA0A04FC94B}">
+              <ma14:wrappingTextBoxFlag xmlns:ma14="http://schemas.microsoft.com/office/mac/drawingml/2011/main" val="1"/>
+            </a:ext>
+          </a:extLst>
+        </p:spPr>
+        <p:txBody>
+          <a:bodyPr/>
+          <a:lstStyle/>
+          <a:p>
+            <a:pPr/>
+            <a:fld id="{86CB4B4D-7CA3-9044-876B-883B54F8677D}" type="slidenum"/>
+          </a:p>
+        </p:txBody>
+      </p:sp>
+    </p:spTree>
+  </p:cSld>
+  <p:clrMapOvr>
+    <a:masterClrMapping/>
+  </p:clrMapOvr>
+  <p:transition xmlns:p14="http://schemas.microsoft.com/office/powerpoint/2010/main" spd="med" advClick="1"/>
+</p:sld>
+</file>
+
+<file path=ppt/slides/slide35.xml><?xml version="1.0" encoding="utf-8"?>
+<p:sld xmlns:a="http://schemas.openxmlformats.org/drawingml/2006/main" xmlns:r="http://schemas.openxmlformats.org/officeDocument/2006/relationships" xmlns:p="http://schemas.openxmlformats.org/presentationml/2006/main" xmlns:m="http://schemas.openxmlformats.org/officeDocument/2006/math" xmlns:a14="http://schemas.microsoft.com/office/drawing/2010/main" showMasterSp="1" showMasterPhAnim="1">
+  <p:cSld>
+    <p:spTree>
+      <p:nvGrpSpPr>
+        <p:cNvPr id="1" name=""/>
+        <p:cNvGrpSpPr/>
+        <p:nvPr/>
+      </p:nvGrpSpPr>
+      <p:grpSpPr>
+        <a:xfrm>
+          <a:off x="0" y="0"/>
+          <a:ext cx="0" cy="0"/>
+          <a:chOff x="0" y="0"/>
+          <a:chExt cx="0" cy="0"/>
+        </a:xfrm>
+      </p:grpSpPr>
+      <p:sp>
+        <p:nvSpPr>
+          <p:cNvPr id="343" name="OAS Specification - Paths"/>
+          <p:cNvSpPr txBox="1"/>
+          <p:nvPr>
+            <p:ph type="title"/>
+          </p:nvPr>
+        </p:nvSpPr>
+        <p:spPr>
+          <a:prstGeom prst="rect">
+            <a:avLst/>
+          </a:prstGeom>
+        </p:spPr>
+        <p:txBody>
+          <a:bodyPr/>
+          <a:lstStyle/>
+          <a:p>
+            <a:pPr/>
+            <a:r>
+              <a:t>OAS Specification - Paths</a:t>
+            </a:r>
+          </a:p>
+        </p:txBody>
+      </p:sp>
+      <p:sp>
+        <p:nvSpPr>
+          <p:cNvPr id="344" name="#/rooms:…"/>
+          <p:cNvSpPr txBox="1"/>
+          <p:nvPr>
+            <p:ph type="body" sz="half" idx="1"/>
+          </p:nvPr>
+        </p:nvSpPr>
+        <p:spPr>
+          <a:xfrm>
+            <a:off x="838200" y="1825624"/>
+            <a:ext cx="7610773" cy="4351339"/>
+          </a:xfrm>
+          <a:prstGeom prst="rect">
+            <a:avLst/>
+          </a:prstGeom>
+        </p:spPr>
+        <p:txBody>
+          <a:bodyPr/>
+          <a:lstStyle/>
+          <a:p>
+            <a:pPr marL="0" indent="0" defTabSz="438911">
+              <a:lnSpc>
+                <a:spcPct val="100000"/>
+              </a:lnSpc>
+              <a:spcBef>
+                <a:spcPts val="0"/>
+              </a:spcBef>
+              <a:buSzTx/>
+              <a:buFontTx/>
+              <a:buNone/>
+              <a:defRPr i="1" sz="1440">
+                <a:solidFill>
+                  <a:srgbClr val="808080"/>
+                </a:solidFill>
+                <a:latin typeface="Menlo"/>
+                <a:ea typeface="Menlo"/>
+                <a:cs typeface="Menlo"/>
+                <a:sym typeface="Menlo"/>
+              </a:defRPr>
+            </a:pPr>
+            <a:r>
+              <a:t>#/rooms:</a:t>
+            </a:r>
+          </a:p>
+          <a:p>
+            <a:pPr marL="0" indent="0" defTabSz="438911">
+              <a:lnSpc>
+                <a:spcPct val="100000"/>
+              </a:lnSpc>
+              <a:spcBef>
+                <a:spcPts val="0"/>
+              </a:spcBef>
+              <a:buSzTx/>
+              <a:buFontTx/>
+              <a:buNone/>
+              <a:defRPr b="1" sz="1440">
+                <a:solidFill>
+                  <a:srgbClr val="011480"/>
+                </a:solidFill>
+                <a:latin typeface="Menlo"/>
+                <a:ea typeface="Menlo"/>
+                <a:cs typeface="Menlo"/>
+                <a:sym typeface="Menlo"/>
+              </a:defRPr>
+            </a:pPr>
+            <a:r>
+              <a:rPr b="0" i="1">
+                <a:solidFill>
+                  <a:srgbClr val="808080"/>
+                </a:solidFill>
+              </a:rPr>
+              <a:t>  </a:t>
+            </a:r>
+            <a:r>
+              <a:t>post</a:t>
+            </a:r>
+            <a:r>
+              <a:rPr b="0">
+                <a:solidFill>
+                  <a:srgbClr val="000000"/>
+                </a:solidFill>
+              </a:rPr>
+              <a:t>:</a:t>
+            </a:r>
+            <a:endParaRPr b="0">
+              <a:solidFill>
+                <a:srgbClr val="000000"/>
+              </a:solidFill>
+            </a:endParaRPr>
+          </a:p>
+          <a:p>
+            <a:pPr marL="0" indent="0" defTabSz="438911">
+              <a:lnSpc>
+                <a:spcPct val="100000"/>
+              </a:lnSpc>
+              <a:spcBef>
+                <a:spcPts val="0"/>
+              </a:spcBef>
+              <a:buSzTx/>
+              <a:buFontTx/>
+              <a:buNone/>
+              <a:defRPr sz="1440">
+                <a:latin typeface="Menlo"/>
+                <a:ea typeface="Menlo"/>
+                <a:cs typeface="Menlo"/>
+                <a:sym typeface="Menlo"/>
+              </a:defRPr>
+            </a:pPr>
+            <a:r>
+              <a:t>    </a:t>
+            </a:r>
+            <a:r>
+              <a:rPr b="1">
+                <a:solidFill>
+                  <a:srgbClr val="011480"/>
+                </a:solidFill>
+              </a:rPr>
+              <a:t>summary</a:t>
+            </a:r>
+            <a:r>
+              <a:t>: Anlage eines Besprechungraumes.</a:t>
+            </a:r>
+          </a:p>
+          <a:p>
+            <a:pPr marL="0" indent="0" defTabSz="438911">
+              <a:lnSpc>
+                <a:spcPct val="100000"/>
+              </a:lnSpc>
+              <a:spcBef>
+                <a:spcPts val="0"/>
+              </a:spcBef>
+              <a:buSzTx/>
+              <a:buFontTx/>
+              <a:buNone/>
+              <a:defRPr sz="1440">
+                <a:latin typeface="Menlo"/>
+                <a:ea typeface="Menlo"/>
+                <a:cs typeface="Menlo"/>
+                <a:sym typeface="Menlo"/>
+              </a:defRPr>
+            </a:pPr>
+            <a:r>
+              <a:t>    </a:t>
+            </a:r>
+            <a:r>
+              <a:rPr b="1">
+                <a:solidFill>
+                  <a:srgbClr val="011480"/>
+                </a:solidFill>
+              </a:rPr>
+              <a:t>description</a:t>
+            </a:r>
+            <a:r>
+              <a:t>: Legt einen neuen Besprechungsraum ...</a:t>
+            </a:r>
+          </a:p>
+          <a:p>
+            <a:pPr marL="0" indent="0" defTabSz="438911">
+              <a:lnSpc>
+                <a:spcPct val="100000"/>
+              </a:lnSpc>
+              <a:spcBef>
+                <a:spcPts val="0"/>
+              </a:spcBef>
+              <a:buSzTx/>
+              <a:buFontTx/>
+              <a:buNone/>
+              <a:defRPr sz="1440">
+                <a:latin typeface="Menlo"/>
+                <a:ea typeface="Menlo"/>
+                <a:cs typeface="Menlo"/>
+                <a:sym typeface="Menlo"/>
+              </a:defRPr>
+            </a:pPr>
+            <a:r>
+              <a:t>    </a:t>
+            </a:r>
+            <a:r>
+              <a:rPr b="1">
+                <a:solidFill>
+                  <a:srgbClr val="011480"/>
+                </a:solidFill>
+              </a:rPr>
+              <a:t>tags</a:t>
+            </a:r>
+            <a:r>
+              <a:t>:</a:t>
+            </a:r>
+          </a:p>
+          <a:p>
+            <a:pPr marL="0" indent="0" defTabSz="438911">
+              <a:lnSpc>
+                <a:spcPct val="100000"/>
+              </a:lnSpc>
+              <a:spcBef>
+                <a:spcPts val="0"/>
+              </a:spcBef>
+              <a:buSzTx/>
+              <a:buFontTx/>
+              <a:buNone/>
+              <a:defRPr sz="1440">
+                <a:latin typeface="Menlo"/>
+                <a:ea typeface="Menlo"/>
+                <a:cs typeface="Menlo"/>
+                <a:sym typeface="Menlo"/>
+              </a:defRPr>
+            </a:pPr>
+            <a:r>
+              <a:t>      - Besprechungsräume</a:t>
+            </a:r>
+          </a:p>
+          <a:p>
+            <a:pPr marL="0" indent="0" defTabSz="438911">
+              <a:lnSpc>
+                <a:spcPct val="100000"/>
+              </a:lnSpc>
+              <a:spcBef>
+                <a:spcPts val="0"/>
+              </a:spcBef>
+              <a:buSzTx/>
+              <a:buFontTx/>
+              <a:buNone/>
+              <a:defRPr b="1" sz="1440">
+                <a:solidFill>
+                  <a:srgbClr val="011480"/>
+                </a:solidFill>
+                <a:latin typeface="Menlo"/>
+                <a:ea typeface="Menlo"/>
+                <a:cs typeface="Menlo"/>
+                <a:sym typeface="Menlo"/>
+              </a:defRPr>
+            </a:pPr>
+            <a:r>
+              <a:rPr b="0">
+                <a:solidFill>
+                  <a:srgbClr val="000000"/>
+                </a:solidFill>
+              </a:rPr>
+              <a:t>    </a:t>
+            </a:r>
+            <a:r>
+              <a:t>operationId</a:t>
+            </a:r>
+            <a:r>
+              <a:rPr b="0">
+                <a:solidFill>
+                  <a:srgbClr val="000000"/>
+                </a:solidFill>
+              </a:rPr>
+              <a:t>: addRoom</a:t>
+            </a:r>
+            <a:endParaRPr b="0">
+              <a:solidFill>
+                <a:srgbClr val="000000"/>
+              </a:solidFill>
+            </a:endParaRPr>
+          </a:p>
+          <a:p>
+            <a:pPr marL="0" indent="0" defTabSz="438911">
+              <a:lnSpc>
+                <a:spcPct val="100000"/>
+              </a:lnSpc>
+              <a:spcBef>
+                <a:spcPts val="0"/>
+              </a:spcBef>
+              <a:buSzTx/>
+              <a:buFontTx/>
+              <a:buNone/>
+              <a:defRPr b="1" sz="1440">
+                <a:solidFill>
+                  <a:srgbClr val="011480"/>
+                </a:solidFill>
+                <a:latin typeface="Menlo"/>
+                <a:ea typeface="Menlo"/>
+                <a:cs typeface="Menlo"/>
+                <a:sym typeface="Menlo"/>
+              </a:defRPr>
+            </a:pPr>
+            <a:r>
+              <a:rPr b="0">
+                <a:solidFill>
+                  <a:srgbClr val="000000"/>
+                </a:solidFill>
+              </a:rPr>
+              <a:t>    </a:t>
+            </a:r>
+            <a:r>
+              <a:t>requestBody</a:t>
+            </a:r>
+            <a:r>
+              <a:rPr b="0">
+                <a:solidFill>
+                  <a:srgbClr val="000000"/>
+                </a:solidFill>
+              </a:rPr>
+              <a:t>:</a:t>
+            </a:r>
+            <a:endParaRPr b="0">
+              <a:solidFill>
+                <a:srgbClr val="000000"/>
+              </a:solidFill>
+            </a:endParaRPr>
+          </a:p>
+          <a:p>
+            <a:pPr marL="0" indent="0" defTabSz="438911">
+              <a:lnSpc>
+                <a:spcPct val="100000"/>
+              </a:lnSpc>
+              <a:spcBef>
+                <a:spcPts val="0"/>
+              </a:spcBef>
+              <a:buSzTx/>
+              <a:buFontTx/>
+              <a:buNone/>
+              <a:defRPr b="1" sz="1440">
+                <a:solidFill>
+                  <a:srgbClr val="011480"/>
+                </a:solidFill>
+                <a:latin typeface="Menlo"/>
+                <a:ea typeface="Menlo"/>
+                <a:cs typeface="Menlo"/>
+                <a:sym typeface="Menlo"/>
+              </a:defRPr>
+            </a:pPr>
+            <a:r>
+              <a:rPr b="0">
+                <a:solidFill>
+                  <a:srgbClr val="000000"/>
+                </a:solidFill>
+              </a:rPr>
+              <a:t>      </a:t>
+            </a:r>
+            <a:r>
+              <a:t>required</a:t>
+            </a:r>
+            <a:r>
+              <a:rPr b="0">
+                <a:solidFill>
+                  <a:srgbClr val="000000"/>
+                </a:solidFill>
+              </a:rPr>
+              <a:t>: true</a:t>
+            </a:r>
+            <a:endParaRPr b="0">
+              <a:solidFill>
+                <a:srgbClr val="000000"/>
+              </a:solidFill>
+            </a:endParaRPr>
+          </a:p>
+          <a:p>
+            <a:pPr marL="0" indent="0" defTabSz="438911">
+              <a:lnSpc>
+                <a:spcPct val="100000"/>
+              </a:lnSpc>
+              <a:spcBef>
+                <a:spcPts val="0"/>
+              </a:spcBef>
+              <a:buSzTx/>
+              <a:buFontTx/>
+              <a:buNone/>
+              <a:defRPr b="1" sz="1440">
+                <a:solidFill>
+                  <a:srgbClr val="011480"/>
+                </a:solidFill>
+                <a:latin typeface="Menlo"/>
+                <a:ea typeface="Menlo"/>
+                <a:cs typeface="Menlo"/>
+                <a:sym typeface="Menlo"/>
+              </a:defRPr>
+            </a:pPr>
+            <a:r>
+              <a:rPr b="0">
+                <a:solidFill>
+                  <a:srgbClr val="000000"/>
+                </a:solidFill>
+              </a:rPr>
+              <a:t>      </a:t>
+            </a:r>
+            <a:r>
+              <a:t>content</a:t>
+            </a:r>
+            <a:r>
+              <a:rPr b="0">
+                <a:solidFill>
+                  <a:srgbClr val="000000"/>
+                </a:solidFill>
+              </a:rPr>
+              <a:t>:</a:t>
+            </a:r>
+            <a:endParaRPr b="0">
+              <a:solidFill>
+                <a:srgbClr val="000000"/>
+              </a:solidFill>
+            </a:endParaRPr>
+          </a:p>
+          <a:p>
+            <a:pPr marL="0" indent="0" defTabSz="438911">
+              <a:lnSpc>
+                <a:spcPct val="100000"/>
+              </a:lnSpc>
+              <a:spcBef>
+                <a:spcPts val="0"/>
+              </a:spcBef>
+              <a:buSzTx/>
+              <a:buFontTx/>
+              <a:buNone/>
+              <a:defRPr b="1" sz="1440">
+                <a:solidFill>
+                  <a:srgbClr val="011480"/>
+                </a:solidFill>
+                <a:latin typeface="Menlo"/>
+                <a:ea typeface="Menlo"/>
+                <a:cs typeface="Menlo"/>
+                <a:sym typeface="Menlo"/>
+              </a:defRPr>
+            </a:pPr>
+            <a:r>
+              <a:rPr b="0">
+                <a:solidFill>
+                  <a:srgbClr val="000000"/>
+                </a:solidFill>
+              </a:rPr>
+              <a:t>        </a:t>
+            </a:r>
+            <a:r>
+              <a:t>application/json</a:t>
+            </a:r>
+            <a:r>
+              <a:rPr b="0">
+                <a:solidFill>
+                  <a:srgbClr val="000000"/>
+                </a:solidFill>
+              </a:rPr>
+              <a:t>:</a:t>
+            </a:r>
+            <a:endParaRPr b="0">
+              <a:solidFill>
+                <a:srgbClr val="000000"/>
+              </a:solidFill>
+            </a:endParaRPr>
+          </a:p>
+          <a:p>
+            <a:pPr marL="0" indent="0" defTabSz="438911">
+              <a:lnSpc>
+                <a:spcPct val="100000"/>
+              </a:lnSpc>
+              <a:spcBef>
+                <a:spcPts val="0"/>
+              </a:spcBef>
+              <a:buSzTx/>
+              <a:buFontTx/>
+              <a:buNone/>
+              <a:defRPr sz="1440">
+                <a:latin typeface="Menlo"/>
+                <a:ea typeface="Menlo"/>
+                <a:cs typeface="Menlo"/>
+                <a:sym typeface="Menlo"/>
+              </a:defRPr>
+            </a:pPr>
+            <a:r>
+              <a:t>          </a:t>
+            </a:r>
+            <a:r>
+              <a:rPr b="1">
+                <a:solidFill>
+                  <a:srgbClr val="011480"/>
+                </a:solidFill>
+              </a:rPr>
+              <a:t>schema</a:t>
+            </a:r>
+            <a:r>
+              <a:t>:</a:t>
+            </a:r>
+          </a:p>
+          <a:p>
+            <a:pPr marL="0" indent="0" defTabSz="438911">
+              <a:lnSpc>
+                <a:spcPct val="100000"/>
+              </a:lnSpc>
+              <a:spcBef>
+                <a:spcPts val="0"/>
+              </a:spcBef>
+              <a:buSzTx/>
+              <a:buFontTx/>
+              <a:buNone/>
+              <a:defRPr b="1" sz="1440">
+                <a:solidFill>
+                  <a:srgbClr val="018001"/>
+                </a:solidFill>
+                <a:latin typeface="Menlo"/>
+                <a:ea typeface="Menlo"/>
+                <a:cs typeface="Menlo"/>
+                <a:sym typeface="Menlo"/>
+              </a:defRPr>
+            </a:pPr>
+            <a:r>
+              <a:rPr b="0">
+                <a:solidFill>
+                  <a:srgbClr val="000000"/>
+                </a:solidFill>
+              </a:rPr>
+              <a:t>            </a:t>
+            </a:r>
+            <a:r>
+              <a:rPr>
+                <a:solidFill>
+                  <a:srgbClr val="011480"/>
+                </a:solidFill>
+              </a:rPr>
+              <a:t>$ref</a:t>
+            </a:r>
+            <a:r>
+              <a:rPr b="0">
+                <a:solidFill>
+                  <a:srgbClr val="000000"/>
+                </a:solidFill>
+              </a:rPr>
+              <a:t>: </a:t>
+            </a:r>
+            <a:r>
+              <a:t>'#/components/schemas/RoomWrite'</a:t>
+            </a:r>
+          </a:p>
+          <a:p>
+            <a:pPr marL="0" indent="0" defTabSz="438911">
+              <a:lnSpc>
+                <a:spcPct val="100000"/>
+              </a:lnSpc>
+              <a:spcBef>
+                <a:spcPts val="0"/>
+              </a:spcBef>
+              <a:buSzTx/>
+              <a:buFontTx/>
+              <a:buNone/>
+              <a:defRPr b="1" sz="1440">
+                <a:solidFill>
+                  <a:srgbClr val="011480"/>
+                </a:solidFill>
+                <a:latin typeface="Menlo"/>
+                <a:ea typeface="Menlo"/>
+                <a:cs typeface="Menlo"/>
+                <a:sym typeface="Menlo"/>
+              </a:defRPr>
+            </a:pPr>
+            <a:r>
+              <a:rPr>
+                <a:solidFill>
+                  <a:srgbClr val="018001"/>
+                </a:solidFill>
+              </a:rPr>
+              <a:t>    </a:t>
+            </a:r>
+            <a:r>
+              <a:t>responses</a:t>
+            </a:r>
+            <a:r>
+              <a:rPr b="0">
+                <a:solidFill>
+                  <a:srgbClr val="000000"/>
+                </a:solidFill>
+              </a:rPr>
+              <a:t>:</a:t>
+            </a:r>
+            <a:endParaRPr b="0">
+              <a:solidFill>
+                <a:srgbClr val="000000"/>
+              </a:solidFill>
+            </a:endParaRPr>
+          </a:p>
+          <a:p>
+            <a:pPr marL="0" indent="0" defTabSz="438911">
+              <a:lnSpc>
+                <a:spcPct val="100000"/>
+              </a:lnSpc>
+              <a:spcBef>
+                <a:spcPts val="0"/>
+              </a:spcBef>
+              <a:buSzTx/>
+              <a:buFontTx/>
+              <a:buNone/>
+              <a:defRPr sz="1440">
+                <a:latin typeface="Menlo"/>
+                <a:ea typeface="Menlo"/>
+                <a:cs typeface="Menlo"/>
+                <a:sym typeface="Menlo"/>
+              </a:defRPr>
+            </a:pPr>
+            <a:r>
+              <a:t>      </a:t>
+            </a:r>
+            <a:r>
+              <a:rPr b="1">
+                <a:solidFill>
+                  <a:srgbClr val="011480"/>
+                </a:solidFill>
+              </a:rPr>
+              <a:t>'200'</a:t>
+            </a:r>
+            <a:r>
+              <a:t>:</a:t>
+            </a:r>
+          </a:p>
+          <a:p>
+            <a:pPr marL="0" indent="0" defTabSz="438911">
+              <a:lnSpc>
+                <a:spcPct val="100000"/>
+              </a:lnSpc>
+              <a:spcBef>
+                <a:spcPts val="0"/>
+              </a:spcBef>
+              <a:buSzTx/>
+              <a:buFontTx/>
+              <a:buNone/>
+              <a:defRPr sz="1440">
+                <a:latin typeface="Menlo"/>
+                <a:ea typeface="Menlo"/>
+                <a:cs typeface="Menlo"/>
+                <a:sym typeface="Menlo"/>
+              </a:defRPr>
+            </a:pPr>
+            <a:r>
+              <a:t>        </a:t>
+            </a:r>
+            <a:r>
+              <a:rPr b="1">
+                <a:solidFill>
+                  <a:srgbClr val="011480"/>
+                </a:solidFill>
+              </a:rPr>
+              <a:t>description</a:t>
+            </a:r>
+            <a:r>
+              <a:t>: Neuer Besprechungsraum wurde ...</a:t>
+            </a:r>
+          </a:p>
+          <a:p>
+            <a:pPr marL="0" indent="0" defTabSz="438911">
+              <a:lnSpc>
+                <a:spcPct val="100000"/>
+              </a:lnSpc>
+              <a:spcBef>
+                <a:spcPts val="0"/>
+              </a:spcBef>
+              <a:buSzTx/>
+              <a:buFontTx/>
+              <a:buNone/>
+              <a:defRPr sz="1440">
+                <a:latin typeface="Menlo"/>
+                <a:ea typeface="Menlo"/>
+                <a:cs typeface="Menlo"/>
+                <a:sym typeface="Menlo"/>
+              </a:defRPr>
+            </a:pPr>
+            <a:r>
+              <a:t>        </a:t>
+            </a:r>
+            <a:r>
+              <a:rPr b="1">
+                <a:solidFill>
+                  <a:srgbClr val="011480"/>
+                </a:solidFill>
+              </a:rPr>
+              <a:t>content</a:t>
+            </a:r>
+            <a:r>
+              <a:t>:</a:t>
+            </a:r>
+          </a:p>
+          <a:p>
+            <a:pPr marL="0" indent="0" defTabSz="438911">
+              <a:lnSpc>
+                <a:spcPct val="100000"/>
+              </a:lnSpc>
+              <a:spcBef>
+                <a:spcPts val="0"/>
+              </a:spcBef>
+              <a:buSzTx/>
+              <a:buFontTx/>
+              <a:buNone/>
+              <a:defRPr b="1" sz="1440">
+                <a:solidFill>
+                  <a:srgbClr val="011480"/>
+                </a:solidFill>
+                <a:latin typeface="Menlo"/>
+                <a:ea typeface="Menlo"/>
+                <a:cs typeface="Menlo"/>
+                <a:sym typeface="Menlo"/>
+              </a:defRPr>
+            </a:pPr>
+            <a:r>
+              <a:rPr b="0">
+                <a:solidFill>
+                  <a:srgbClr val="000000"/>
+                </a:solidFill>
+              </a:rPr>
+              <a:t>          </a:t>
+            </a:r>
+            <a:r>
+              <a:t>application/json</a:t>
+            </a:r>
+            <a:r>
+              <a:rPr b="0">
+                <a:solidFill>
+                  <a:srgbClr val="000000"/>
+                </a:solidFill>
+              </a:rPr>
+              <a:t>:</a:t>
+            </a:r>
+            <a:endParaRPr b="0">
+              <a:solidFill>
+                <a:srgbClr val="000000"/>
+              </a:solidFill>
+            </a:endParaRPr>
+          </a:p>
+          <a:p>
+            <a:pPr marL="0" indent="0" defTabSz="438911">
+              <a:lnSpc>
+                <a:spcPct val="100000"/>
+              </a:lnSpc>
+              <a:spcBef>
+                <a:spcPts val="0"/>
+              </a:spcBef>
+              <a:buSzTx/>
+              <a:buFontTx/>
+              <a:buNone/>
+              <a:defRPr sz="1440">
+                <a:latin typeface="Menlo"/>
+                <a:ea typeface="Menlo"/>
+                <a:cs typeface="Menlo"/>
+                <a:sym typeface="Menlo"/>
+              </a:defRPr>
+            </a:pPr>
+            <a:r>
+              <a:t>            </a:t>
+            </a:r>
+            <a:r>
+              <a:rPr b="1">
+                <a:solidFill>
+                  <a:srgbClr val="011480"/>
+                </a:solidFill>
+              </a:rPr>
+              <a:t>schema</a:t>
+            </a:r>
+            <a:r>
+              <a:t>:</a:t>
+            </a:r>
+          </a:p>
+          <a:p>
+            <a:pPr marL="0" indent="0" defTabSz="438911">
+              <a:lnSpc>
+                <a:spcPct val="100000"/>
+              </a:lnSpc>
+              <a:spcBef>
+                <a:spcPts val="0"/>
+              </a:spcBef>
+              <a:buSzTx/>
+              <a:buFontTx/>
+              <a:buNone/>
+              <a:defRPr b="1" sz="1440">
+                <a:solidFill>
+                  <a:srgbClr val="018001"/>
+                </a:solidFill>
+                <a:latin typeface="Menlo"/>
+                <a:ea typeface="Menlo"/>
+                <a:cs typeface="Menlo"/>
+                <a:sym typeface="Menlo"/>
+              </a:defRPr>
+            </a:pPr>
+            <a:r>
+              <a:rPr b="0">
+                <a:solidFill>
+                  <a:srgbClr val="000000"/>
+                </a:solidFill>
+              </a:rPr>
+              <a:t>              </a:t>
+            </a:r>
+            <a:r>
+              <a:rPr>
+                <a:solidFill>
+                  <a:srgbClr val="011480"/>
+                </a:solidFill>
+              </a:rPr>
+              <a:t>$ref</a:t>
+            </a:r>
+            <a:r>
+              <a:rPr b="0">
+                <a:solidFill>
+                  <a:srgbClr val="000000"/>
+                </a:solidFill>
+              </a:rPr>
+              <a:t>: </a:t>
+            </a:r>
+            <a:r>
+              <a:t>'#/components/schemas/Room'</a:t>
+            </a:r>
+          </a:p>
+        </p:txBody>
+      </p:sp>
+      <p:sp>
+        <p:nvSpPr>
+          <p:cNvPr id="345" name="Foliennummer"/>
+          <p:cNvSpPr txBox="1"/>
+          <p:nvPr>
+            <p:ph type="sldNum" sz="quarter" idx="2"/>
+          </p:nvPr>
+        </p:nvSpPr>
+        <p:spPr>
+          <a:xfrm>
+            <a:off x="5959172" y="6482985"/>
+            <a:ext cx="273656" cy="264255"/>
+          </a:xfrm>
+          <a:prstGeom prst="rect">
+            <a:avLst/>
+          </a:prstGeom>
+          <a:extLst>
+            <a:ext uri="{C572A759-6A51-4108-AA02-DFA0A04FC94B}">
+              <ma14:wrappingTextBoxFlag xmlns:ma14="http://schemas.microsoft.com/office/mac/drawingml/2011/main" val="1"/>
+            </a:ext>
+          </a:extLst>
+        </p:spPr>
+        <p:txBody>
+          <a:bodyPr/>
+          <a:lstStyle/>
+          <a:p>
+            <a:pPr/>
+            <a:fld id="{86CB4B4D-7CA3-9044-876B-883B54F8677D}" type="slidenum"/>
+          </a:p>
+        </p:txBody>
+      </p:sp>
+      <p:sp>
+        <p:nvSpPr>
+          <p:cNvPr id="346" name="Rechteck"/>
+          <p:cNvSpPr/>
+          <p:nvPr/>
+        </p:nvSpPr>
+        <p:spPr>
+          <a:xfrm>
+            <a:off x="1235372" y="3291879"/>
+            <a:ext cx="5495629" cy="1221235"/>
+          </a:xfrm>
+          <a:prstGeom prst="rect">
+            <a:avLst/>
+          </a:prstGeom>
+          <a:ln w="12700">
+            <a:solidFill>
+              <a:srgbClr val="BE1700"/>
+            </a:solidFill>
+            <a:miter/>
+          </a:ln>
+        </p:spPr>
+        <p:txBody>
+          <a:bodyPr lIns="45719" rIns="45719" anchor="ctr"/>
+          <a:lstStyle/>
+          <a:p>
+            <a:pPr/>
+          </a:p>
+        </p:txBody>
+      </p:sp>
+    </p:spTree>
+  </p:cSld>
+  <p:clrMapOvr>
+    <a:masterClrMapping/>
+  </p:clrMapOvr>
+  <p:transition xmlns:p14="http://schemas.microsoft.com/office/powerpoint/2010/main" spd="med" advClick="1"/>
+</p:sld>
+</file>
+
+<file path=ppt/slides/slide36.xml><?xml version="1.0" encoding="utf-8"?>
+<p:sld xmlns:a="http://schemas.openxmlformats.org/drawingml/2006/main" xmlns:r="http://schemas.openxmlformats.org/officeDocument/2006/relationships" xmlns:p="http://schemas.openxmlformats.org/presentationml/2006/main" xmlns:m="http://schemas.openxmlformats.org/officeDocument/2006/math" xmlns:a14="http://schemas.microsoft.com/office/drawing/2010/main" showMasterSp="1" showMasterPhAnim="1">
+  <p:cSld>
+    <p:spTree>
+      <p:nvGrpSpPr>
+        <p:cNvPr id="1" name=""/>
+        <p:cNvGrpSpPr/>
+        <p:nvPr/>
+      </p:nvGrpSpPr>
+      <p:grpSpPr>
+        <a:xfrm>
+          <a:off x="0" y="0"/>
+          <a:ext cx="0" cy="0"/>
+          <a:chOff x="0" y="0"/>
+          <a:chExt cx="0" cy="0"/>
+        </a:xfrm>
+      </p:grpSpPr>
+      <p:sp>
+        <p:nvSpPr>
+          <p:cNvPr id="348" name="OAS Specification - Paths"/>
+          <p:cNvSpPr txBox="1"/>
+          <p:nvPr>
+            <p:ph type="title"/>
+          </p:nvPr>
+        </p:nvSpPr>
+        <p:spPr>
+          <a:prstGeom prst="rect">
+            <a:avLst/>
+          </a:prstGeom>
+        </p:spPr>
+        <p:txBody>
+          <a:bodyPr/>
+          <a:lstStyle/>
+          <a:p>
+            <a:pPr/>
+            <a:r>
+              <a:t>OAS Specification - Paths</a:t>
+            </a:r>
+          </a:p>
+        </p:txBody>
+      </p:sp>
+      <p:sp>
+        <p:nvSpPr>
+          <p:cNvPr id="349" name="#paths:…"/>
+          <p:cNvSpPr txBox="1"/>
+          <p:nvPr>
+            <p:ph type="body" sz="half" idx="1"/>
+          </p:nvPr>
+        </p:nvSpPr>
+        <p:spPr>
+          <a:xfrm>
+            <a:off x="838200" y="1825625"/>
+            <a:ext cx="7610773" cy="4351338"/>
+          </a:xfrm>
+          <a:prstGeom prst="rect">
+            <a:avLst/>
+          </a:prstGeom>
+        </p:spPr>
+        <p:txBody>
+          <a:bodyPr/>
+          <a:lstStyle/>
+          <a:p>
+            <a:pPr marL="0" indent="0" defTabSz="457200">
+              <a:lnSpc>
+                <a:spcPct val="100000"/>
+              </a:lnSpc>
+              <a:spcBef>
+                <a:spcPts val="0"/>
+              </a:spcBef>
+              <a:buSzTx/>
+              <a:buFontTx/>
+              <a:buNone/>
+              <a:defRPr i="1" sz="1500">
+                <a:solidFill>
+                  <a:srgbClr val="808080"/>
+                </a:solidFill>
+                <a:latin typeface="Menlo"/>
+                <a:ea typeface="Menlo"/>
+                <a:cs typeface="Menlo"/>
+                <a:sym typeface="Menlo"/>
+              </a:defRPr>
+            </a:pPr>
+            <a:r>
+              <a:t>#paths:</a:t>
+            </a:r>
+          </a:p>
+          <a:p>
+            <a:pPr marL="0" indent="0" defTabSz="457200">
+              <a:lnSpc>
+                <a:spcPct val="100000"/>
+              </a:lnSpc>
+              <a:spcBef>
+                <a:spcPts val="0"/>
+              </a:spcBef>
+              <a:buSzTx/>
+              <a:buFontTx/>
+              <a:buNone/>
+              <a:defRPr b="1" sz="1500">
+                <a:solidFill>
+                  <a:srgbClr val="011480"/>
+                </a:solidFill>
+                <a:latin typeface="Menlo"/>
+                <a:ea typeface="Menlo"/>
+                <a:cs typeface="Menlo"/>
+                <a:sym typeface="Menlo"/>
+              </a:defRPr>
+            </a:pPr>
+            <a:r>
+              <a:rPr b="0" i="1">
+                <a:solidFill>
+                  <a:srgbClr val="808080"/>
+                </a:solidFill>
+              </a:rPr>
+              <a:t>  </a:t>
+            </a:r>
+            <a:r>
+              <a:t>/rooms/{room_id}</a:t>
+            </a:r>
+            <a:r>
+              <a:rPr b="0">
+                <a:solidFill>
+                  <a:srgbClr val="000000"/>
+                </a:solidFill>
+              </a:rPr>
+              <a:t>:</a:t>
+            </a:r>
+            <a:endParaRPr b="0">
+              <a:solidFill>
+                <a:srgbClr val="000000"/>
+              </a:solidFill>
+            </a:endParaRPr>
+          </a:p>
+          <a:p>
+            <a:pPr marL="0" indent="0" defTabSz="457200">
+              <a:lnSpc>
+                <a:spcPct val="100000"/>
+              </a:lnSpc>
+              <a:spcBef>
+                <a:spcPts val="0"/>
+              </a:spcBef>
+              <a:buSzTx/>
+              <a:buFontTx/>
+              <a:buNone/>
+              <a:defRPr sz="1500">
+                <a:latin typeface="Menlo"/>
+                <a:ea typeface="Menlo"/>
+                <a:cs typeface="Menlo"/>
+                <a:sym typeface="Menlo"/>
+              </a:defRPr>
+            </a:pPr>
+            <a:r>
+              <a:t>    </a:t>
+            </a:r>
+            <a:r>
+              <a:rPr b="1">
+                <a:solidFill>
+                  <a:srgbClr val="011480"/>
+                </a:solidFill>
+              </a:rPr>
+              <a:t>description</a:t>
+            </a:r>
+            <a:r>
+              <a:t>: Resource um auf einen einzelnen ...</a:t>
+            </a:r>
+          </a:p>
+          <a:p>
+            <a:pPr marL="0" indent="0" defTabSz="457200">
+              <a:lnSpc>
+                <a:spcPct val="100000"/>
+              </a:lnSpc>
+              <a:spcBef>
+                <a:spcPts val="0"/>
+              </a:spcBef>
+              <a:buSzTx/>
+              <a:buFontTx/>
+              <a:buNone/>
+              <a:defRPr b="1" sz="1500">
+                <a:solidFill>
+                  <a:srgbClr val="011480"/>
+                </a:solidFill>
+                <a:latin typeface="Menlo"/>
+                <a:ea typeface="Menlo"/>
+                <a:cs typeface="Menlo"/>
+                <a:sym typeface="Menlo"/>
+              </a:defRPr>
+            </a:pPr>
+            <a:r>
+              <a:rPr b="0">
+                <a:solidFill>
+                  <a:srgbClr val="000000"/>
+                </a:solidFill>
+              </a:rPr>
+              <a:t>    </a:t>
+            </a:r>
+            <a:r>
+              <a:t>parameters</a:t>
+            </a:r>
+            <a:r>
+              <a:rPr b="0">
+                <a:solidFill>
+                  <a:srgbClr val="000000"/>
+                </a:solidFill>
+              </a:rPr>
+              <a:t>:</a:t>
+            </a:r>
+            <a:endParaRPr b="0">
+              <a:solidFill>
+                <a:srgbClr val="000000"/>
+              </a:solidFill>
+            </a:endParaRPr>
+          </a:p>
+          <a:p>
+            <a:pPr marL="0" indent="0" defTabSz="457200">
+              <a:lnSpc>
+                <a:spcPct val="100000"/>
+              </a:lnSpc>
+              <a:spcBef>
+                <a:spcPts val="0"/>
+              </a:spcBef>
+              <a:buSzTx/>
+              <a:buFontTx/>
+              <a:buNone/>
+              <a:defRPr b="1" sz="1500">
+                <a:solidFill>
+                  <a:srgbClr val="018001"/>
+                </a:solidFill>
+                <a:latin typeface="Menlo"/>
+                <a:ea typeface="Menlo"/>
+                <a:cs typeface="Menlo"/>
+                <a:sym typeface="Menlo"/>
+              </a:defRPr>
+            </a:pPr>
+            <a:r>
+              <a:rPr b="0">
+                <a:solidFill>
+                  <a:srgbClr val="000000"/>
+                </a:solidFill>
+              </a:rPr>
+              <a:t>      - </a:t>
+            </a:r>
+            <a:r>
+              <a:rPr>
+                <a:solidFill>
+                  <a:srgbClr val="011480"/>
+                </a:solidFill>
+              </a:rPr>
+              <a:t>$ref</a:t>
+            </a:r>
+            <a:r>
+              <a:rPr b="0">
+                <a:solidFill>
+                  <a:srgbClr val="000000"/>
+                </a:solidFill>
+              </a:rPr>
+              <a:t>: </a:t>
+            </a:r>
+            <a:r>
+              <a:t>'#/components/parameters/RoomId'</a:t>
+            </a:r>
+          </a:p>
+          <a:p>
+            <a:pPr marL="0" indent="0" defTabSz="457200">
+              <a:lnSpc>
+                <a:spcPct val="100000"/>
+              </a:lnSpc>
+              <a:spcBef>
+                <a:spcPts val="0"/>
+              </a:spcBef>
+              <a:buSzTx/>
+              <a:buFontTx/>
+              <a:buNone/>
+              <a:defRPr b="1" sz="1500">
+                <a:solidFill>
+                  <a:srgbClr val="018001"/>
+                </a:solidFill>
+                <a:latin typeface="Menlo"/>
+                <a:ea typeface="Menlo"/>
+                <a:cs typeface="Menlo"/>
+                <a:sym typeface="Menlo"/>
+              </a:defRPr>
+            </a:pPr>
+            <a:r>
+              <a:t>    </a:t>
+            </a:r>
+            <a:r>
+              <a:rPr>
+                <a:solidFill>
+                  <a:srgbClr val="011480"/>
+                </a:solidFill>
+              </a:rPr>
+              <a:t>get</a:t>
+            </a:r>
+            <a:r>
+              <a:rPr b="0">
+                <a:solidFill>
+                  <a:srgbClr val="000000"/>
+                </a:solidFill>
+              </a:rPr>
+              <a:t>:</a:t>
+            </a:r>
+            <a:endParaRPr b="0">
+              <a:solidFill>
+                <a:srgbClr val="000000"/>
+              </a:solidFill>
+            </a:endParaRPr>
+          </a:p>
+          <a:p>
+            <a:pPr marL="0" indent="0" defTabSz="457200">
+              <a:lnSpc>
+                <a:spcPct val="100000"/>
+              </a:lnSpc>
+              <a:spcBef>
+                <a:spcPts val="0"/>
+              </a:spcBef>
+              <a:buSzTx/>
+              <a:buFontTx/>
+              <a:buNone/>
+              <a:defRPr sz="1500">
+                <a:latin typeface="Menlo"/>
+                <a:ea typeface="Menlo"/>
+                <a:cs typeface="Menlo"/>
+                <a:sym typeface="Menlo"/>
+              </a:defRPr>
+            </a:pPr>
+            <a:r>
+              <a:t>      </a:t>
+            </a:r>
+            <a:r>
+              <a:rPr i="1">
+                <a:solidFill>
+                  <a:srgbClr val="808080"/>
+                </a:solidFill>
+              </a:rPr>
+              <a:t># ...</a:t>
+            </a:r>
+            <a:endParaRPr i="1">
+              <a:solidFill>
+                <a:srgbClr val="808080"/>
+              </a:solidFill>
+            </a:endParaRPr>
+          </a:p>
+          <a:p>
+            <a:pPr marL="0" indent="0" defTabSz="457200">
+              <a:lnSpc>
+                <a:spcPct val="100000"/>
+              </a:lnSpc>
+              <a:spcBef>
+                <a:spcPts val="0"/>
+              </a:spcBef>
+              <a:buSzTx/>
+              <a:buFontTx/>
+              <a:buNone/>
+              <a:defRPr i="1" sz="1500">
+                <a:solidFill>
+                  <a:srgbClr val="808080"/>
+                </a:solidFill>
+                <a:latin typeface="Menlo"/>
+                <a:ea typeface="Menlo"/>
+                <a:cs typeface="Menlo"/>
+                <a:sym typeface="Menlo"/>
+              </a:defRPr>
+            </a:pPr>
+            <a:r>
+              <a:t>    </a:t>
+            </a:r>
+            <a:r>
+              <a:rPr b="1" i="0">
+                <a:solidFill>
+                  <a:srgbClr val="011480"/>
+                </a:solidFill>
+              </a:rPr>
+              <a:t>put</a:t>
+            </a:r>
+            <a:r>
+              <a:rPr i="0">
+                <a:solidFill>
+                  <a:srgbClr val="000000"/>
+                </a:solidFill>
+              </a:rPr>
+              <a:t>:</a:t>
+            </a:r>
+            <a:endParaRPr i="0">
+              <a:solidFill>
+                <a:srgbClr val="000000"/>
+              </a:solidFill>
+            </a:endParaRPr>
+          </a:p>
+          <a:p>
+            <a:pPr marL="0" indent="0" defTabSz="457200">
+              <a:lnSpc>
+                <a:spcPct val="100000"/>
+              </a:lnSpc>
+              <a:spcBef>
+                <a:spcPts val="0"/>
+              </a:spcBef>
+              <a:buSzTx/>
+              <a:buFontTx/>
+              <a:buNone/>
+              <a:defRPr sz="1500">
+                <a:latin typeface="Menlo"/>
+                <a:ea typeface="Menlo"/>
+                <a:cs typeface="Menlo"/>
+                <a:sym typeface="Menlo"/>
+              </a:defRPr>
+            </a:pPr>
+            <a:r>
+              <a:t>      </a:t>
+            </a:r>
+            <a:r>
+              <a:rPr i="1">
+                <a:solidFill>
+                  <a:srgbClr val="808080"/>
+                </a:solidFill>
+              </a:rPr>
+              <a:t># ...</a:t>
+            </a:r>
+          </a:p>
+        </p:txBody>
+      </p:sp>
+      <p:sp>
+        <p:nvSpPr>
+          <p:cNvPr id="350" name="Foliennummer"/>
+          <p:cNvSpPr txBox="1"/>
+          <p:nvPr>
+            <p:ph type="sldNum" sz="quarter" idx="2"/>
+          </p:nvPr>
+        </p:nvSpPr>
+        <p:spPr>
+          <a:xfrm>
+            <a:off x="5959172" y="6482985"/>
+            <a:ext cx="273656" cy="264255"/>
+          </a:xfrm>
+          <a:prstGeom prst="rect">
+            <a:avLst/>
+          </a:prstGeom>
+          <a:extLst>
+            <a:ext uri="{C572A759-6A51-4108-AA02-DFA0A04FC94B}">
+              <ma14:wrappingTextBoxFlag xmlns:ma14="http://schemas.microsoft.com/office/mac/drawingml/2011/main" val="1"/>
+            </a:ext>
+          </a:extLst>
+        </p:spPr>
+        <p:txBody>
+          <a:bodyPr/>
+          <a:lstStyle/>
+          <a:p>
+            <a:pPr/>
+            <a:fld id="{86CB4B4D-7CA3-9044-876B-883B54F8677D}" type="slidenum"/>
+          </a:p>
+        </p:txBody>
+      </p:sp>
+      <p:sp>
+        <p:nvSpPr>
+          <p:cNvPr id="351" name="Rechteck"/>
+          <p:cNvSpPr/>
+          <p:nvPr/>
+        </p:nvSpPr>
+        <p:spPr>
+          <a:xfrm>
+            <a:off x="1235372" y="2608064"/>
+            <a:ext cx="5495628" cy="461765"/>
+          </a:xfrm>
+          <a:prstGeom prst="rect">
+            <a:avLst/>
+          </a:prstGeom>
+          <a:ln w="12700">
+            <a:solidFill>
+              <a:srgbClr val="BE1700"/>
+            </a:solidFill>
+            <a:miter/>
+          </a:ln>
+        </p:spPr>
+        <p:txBody>
+          <a:bodyPr lIns="45719" rIns="45719" anchor="ctr"/>
+          <a:lstStyle/>
+          <a:p>
+            <a:pPr/>
+          </a:p>
+        </p:txBody>
+      </p:sp>
+      <p:sp>
+        <p:nvSpPr>
+          <p:cNvPr id="352" name="Rechteck"/>
+          <p:cNvSpPr/>
+          <p:nvPr/>
+        </p:nvSpPr>
+        <p:spPr>
+          <a:xfrm>
+            <a:off x="1910655" y="2073984"/>
+            <a:ext cx="1190924" cy="251555"/>
+          </a:xfrm>
+          <a:prstGeom prst="rect">
+            <a:avLst/>
+          </a:prstGeom>
+          <a:ln w="12700">
+            <a:solidFill>
+              <a:srgbClr val="BE1700"/>
+            </a:solidFill>
+            <a:miter/>
+          </a:ln>
+        </p:spPr>
+        <p:txBody>
+          <a:bodyPr lIns="45719" rIns="45719" anchor="ctr"/>
+          <a:lstStyle/>
+          <a:p>
+            <a:pPr/>
+          </a:p>
+        </p:txBody>
+      </p:sp>
+    </p:spTree>
+  </p:cSld>
+  <p:clrMapOvr>
+    <a:masterClrMapping/>
+  </p:clrMapOvr>
+  <p:transition xmlns:p14="http://schemas.microsoft.com/office/powerpoint/2010/main" spd="med" advClick="1"/>
+</p:sld>
+</file>
+
+<file path=ppt/slides/slide37.xml><?xml version="1.0" encoding="utf-8"?>
+<p:sld xmlns:a="http://schemas.openxmlformats.org/drawingml/2006/main" xmlns:r="http://schemas.openxmlformats.org/officeDocument/2006/relationships" xmlns:p="http://schemas.openxmlformats.org/presentationml/2006/main" xmlns:m="http://schemas.openxmlformats.org/officeDocument/2006/math" xmlns:a14="http://schemas.microsoft.com/office/drawing/2010/main" showMasterSp="1" showMasterPhAnim="1">
+  <p:cSld>
+    <p:spTree>
+      <p:nvGrpSpPr>
+        <p:cNvPr id="1" name=""/>
+        <p:cNvGrpSpPr/>
+        <p:nvPr/>
+      </p:nvGrpSpPr>
+      <p:grpSpPr>
+        <a:xfrm>
+          <a:off x="0" y="0"/>
+          <a:ext cx="0" cy="0"/>
+          <a:chOff x="0" y="0"/>
+          <a:chExt cx="0" cy="0"/>
+        </a:xfrm>
+      </p:grpSpPr>
+      <p:sp>
+        <p:nvSpPr>
+          <p:cNvPr id="354" name="Titel 3"/>
+          <p:cNvSpPr txBox="1"/>
+          <p:nvPr>
+            <p:ph type="title"/>
+          </p:nvPr>
+        </p:nvSpPr>
+        <p:spPr>
+          <a:xfrm>
+            <a:off x="831850" y="1709738"/>
+            <a:ext cx="10515600" cy="2852738"/>
+          </a:xfrm>
+          <a:prstGeom prst="rect">
+            <a:avLst/>
+          </a:prstGeom>
+        </p:spPr>
+        <p:txBody>
+          <a:bodyPr/>
+          <a:lstStyle/>
+          <a:p>
+            <a:pPr/>
+            <a:r>
+              <a:t>Swagger-UI</a:t>
+            </a:r>
+          </a:p>
+        </p:txBody>
+      </p:sp>
+      <p:sp>
+        <p:nvSpPr>
+          <p:cNvPr id="355" name="Textplatzhalter 4"/>
+          <p:cNvSpPr txBox="1"/>
+          <p:nvPr>
+            <p:ph type="body" sz="quarter" idx="1"/>
+          </p:nvPr>
+        </p:nvSpPr>
+        <p:spPr>
+          <a:prstGeom prst="rect">
+            <a:avLst/>
+          </a:prstGeom>
+        </p:spPr>
+        <p:txBody>
+          <a:bodyPr/>
+          <a:lstStyle/>
+          <a:p>
+            <a:pPr/>
+          </a:p>
+        </p:txBody>
+      </p:sp>
+    </p:spTree>
+  </p:cSld>
+  <p:clrMapOvr>
+    <a:masterClrMapping/>
+  </p:clrMapOvr>
+  <p:transition xmlns:p14="http://schemas.microsoft.com/office/powerpoint/2010/main" spd="med" advClick="1"/>
+</p:sld>
+</file>
+
+<file path=ppt/slides/slide38.xml><?xml version="1.0" encoding="utf-8"?>
+<p:sld xmlns:a="http://schemas.openxmlformats.org/drawingml/2006/main" xmlns:r="http://schemas.openxmlformats.org/officeDocument/2006/relationships" xmlns:p="http://schemas.openxmlformats.org/presentationml/2006/main" xmlns:m="http://schemas.openxmlformats.org/officeDocument/2006/math" xmlns:a14="http://schemas.microsoft.com/office/drawing/2010/main" showMasterSp="1" showMasterPhAnim="1">
+  <p:cSld>
+    <p:spTree>
+      <p:nvGrpSpPr>
+        <p:cNvPr id="1" name=""/>
+        <p:cNvGrpSpPr/>
+        <p:nvPr/>
+      </p:nvGrpSpPr>
+      <p:grpSpPr>
+        <a:xfrm>
+          <a:off x="0" y="0"/>
+          <a:ext cx="0" cy="0"/>
+          <a:chOff x="0" y="0"/>
+          <a:chExt cx="0" cy="0"/>
+        </a:xfrm>
+      </p:grpSpPr>
+      <p:sp>
+        <p:nvSpPr>
+          <p:cNvPr id="357" name="Swagger-UI"/>
+          <p:cNvSpPr txBox="1"/>
+          <p:nvPr>
+            <p:ph type="title"/>
+          </p:nvPr>
+        </p:nvSpPr>
+        <p:spPr>
+          <a:prstGeom prst="rect">
+            <a:avLst/>
+          </a:prstGeom>
+        </p:spPr>
+        <p:txBody>
+          <a:bodyPr/>
+          <a:lstStyle/>
+          <a:p>
+            <a:pPr/>
+            <a:r>
+              <a:t>Swagger-UI</a:t>
+            </a:r>
+          </a:p>
+        </p:txBody>
+      </p:sp>
+      <p:sp>
+        <p:nvSpPr>
+          <p:cNvPr id="358" name="Foliennummer"/>
+          <p:cNvSpPr txBox="1"/>
+          <p:nvPr>
+            <p:ph type="sldNum" sz="quarter" idx="2"/>
+          </p:nvPr>
+        </p:nvSpPr>
+        <p:spPr>
+          <a:xfrm>
+            <a:off x="5959172" y="6482985"/>
+            <a:ext cx="273656" cy="264255"/>
+          </a:xfrm>
+          <a:prstGeom prst="rect">
+            <a:avLst/>
+          </a:prstGeom>
+          <a:extLst>
+            <a:ext uri="{C572A759-6A51-4108-AA02-DFA0A04FC94B}">
+              <ma14:wrappingTextBoxFlag xmlns:ma14="http://schemas.microsoft.com/office/mac/drawingml/2011/main" val="1"/>
+            </a:ext>
+          </a:extLst>
+        </p:spPr>
+        <p:txBody>
+          <a:bodyPr/>
+          <a:lstStyle/>
+          <a:p>
+            <a:pPr/>
+            <a:fld id="{86CB4B4D-7CA3-9044-876B-883B54F8677D}" type="slidenum"/>
+          </a:p>
+        </p:txBody>
+      </p:sp>
+      <p:pic>
+        <p:nvPicPr>
+          <p:cNvPr id="359" name="Bild" descr="Bild"/>
+          <p:cNvPicPr>
+            <a:picLocks noChangeAspect="1"/>
+          </p:cNvPicPr>
+          <p:nvPr/>
+        </p:nvPicPr>
+        <p:blipFill>
+          <a:blip r:embed="rId2">
+            <a:extLst/>
+          </a:blip>
+          <a:stretch>
+            <a:fillRect/>
+          </a:stretch>
+        </p:blipFill>
+        <p:spPr>
+          <a:xfrm>
+            <a:off x="1421093" y="1396998"/>
+            <a:ext cx="9349814" cy="5072584"/>
+          </a:xfrm>
+          <a:prstGeom prst="rect">
+            <a:avLst/>
+          </a:prstGeom>
+          <a:ln w="12700">
+            <a:miter lim="400000"/>
+          </a:ln>
+        </p:spPr>
+      </p:pic>
+      <p:grpSp>
+        <p:nvGrpSpPr>
+          <p:cNvPr id="370" name="Gruppieren"/>
+          <p:cNvGrpSpPr/>
+          <p:nvPr/>
+        </p:nvGrpSpPr>
+        <p:grpSpPr>
+          <a:xfrm>
+            <a:off x="188163" y="886936"/>
+            <a:ext cx="11621173" cy="5775484"/>
+            <a:chOff x="0" y="0"/>
+            <a:chExt cx="11621172" cy="5775483"/>
+          </a:xfrm>
+        </p:grpSpPr>
+        <p:sp>
+          <p:nvSpPr>
+            <p:cNvPr id="360" name="info:…"/>
+            <p:cNvSpPr txBox="1"/>
+            <p:nvPr/>
+          </p:nvSpPr>
+          <p:spPr>
+            <a:xfrm>
+              <a:off x="6484342" y="1356940"/>
+              <a:ext cx="3794589" cy="866141"/>
+            </a:xfrm>
+            <a:prstGeom prst="rect">
+              <a:avLst/>
+            </a:prstGeom>
+            <a:noFill/>
+            <a:ln w="12700" cap="flat">
+              <a:solidFill>
+                <a:schemeClr val="accent1"/>
+              </a:solidFill>
+              <a:prstDash val="solid"/>
+              <a:miter lim="800000"/>
+            </a:ln>
+            <a:effectLst/>
+            <a:extLst>
+              <a:ext uri="{C572A759-6A51-4108-AA02-DFA0A04FC94B}">
+                <ma14:wrappingTextBoxFlag xmlns:ma14="http://schemas.microsoft.com/office/mac/drawingml/2011/main" val="1"/>
+              </a:ext>
+            </a:extLst>
+          </p:spPr>
+          <p:txBody>
+            <a:bodyPr wrap="none" lIns="45719" tIns="45719" rIns="45719" bIns="45719" numCol="1" anchor="t">
+              <a:spAutoFit/>
+            </a:bodyPr>
+            <a:lstStyle/>
+            <a:p>
+              <a:pPr defTabSz="457200">
+                <a:defRPr b="1" sz="1300">
+                  <a:solidFill>
+                    <a:srgbClr val="011480"/>
+                  </a:solidFill>
+                  <a:latin typeface="Menlo"/>
+                  <a:ea typeface="Menlo"/>
+                  <a:cs typeface="Menlo"/>
+                  <a:sym typeface="Menlo"/>
+                </a:defRPr>
+              </a:pPr>
+              <a:r>
+                <a:t>info</a:t>
+              </a:r>
+              <a:r>
+                <a:rPr b="0">
+                  <a:solidFill>
+                    <a:srgbClr val="000000"/>
+                  </a:solidFill>
+                </a:rPr>
+                <a:t>:</a:t>
+              </a:r>
+              <a:endParaRPr b="0">
+                <a:solidFill>
+                  <a:srgbClr val="000000"/>
+                </a:solidFill>
+              </a:endParaRPr>
+            </a:p>
+            <a:p>
+              <a:pPr defTabSz="457200">
+                <a:defRPr sz="1300">
+                  <a:latin typeface="Menlo"/>
+                  <a:ea typeface="Menlo"/>
+                  <a:cs typeface="Menlo"/>
+                  <a:sym typeface="Menlo"/>
+                </a:defRPr>
+              </a:pPr>
+              <a:r>
+                <a:t>  </a:t>
+              </a:r>
+              <a:r>
+                <a:rPr b="1">
+                  <a:solidFill>
+                    <a:srgbClr val="011480"/>
+                  </a:solidFill>
+                </a:rPr>
+                <a:t>title</a:t>
+              </a:r>
+              <a:r>
+                <a:t>: Raumbuchungs-API</a:t>
+              </a:r>
+            </a:p>
+            <a:p>
+              <a:pPr defTabSz="457200">
+                <a:defRPr sz="1300">
+                  <a:latin typeface="Menlo"/>
+                  <a:ea typeface="Menlo"/>
+                  <a:cs typeface="Menlo"/>
+                  <a:sym typeface="Menlo"/>
+                </a:defRPr>
+              </a:pPr>
+              <a:r>
+                <a:t>  </a:t>
+              </a:r>
+              <a:r>
+                <a:rPr b="1">
+                  <a:solidFill>
+                    <a:srgbClr val="011480"/>
+                  </a:solidFill>
+                </a:rPr>
+                <a:t>version</a:t>
+              </a:r>
+              <a:r>
+                <a:t>: 0.1.0</a:t>
+              </a:r>
+            </a:p>
+            <a:p>
+              <a:pPr defTabSz="457200">
+                <a:defRPr sz="1300">
+                  <a:latin typeface="Menlo"/>
+                  <a:ea typeface="Menlo"/>
+                  <a:cs typeface="Menlo"/>
+                  <a:sym typeface="Menlo"/>
+                </a:defRPr>
+              </a:pPr>
+              <a:r>
+                <a:t>  </a:t>
+              </a:r>
+              <a:r>
+                <a:rPr b="1">
+                  <a:solidFill>
+                    <a:srgbClr val="011480"/>
+                  </a:solidFill>
+                </a:rPr>
+                <a:t>description</a:t>
+              </a:r>
+              <a:r>
+                <a:t>: API für das Buchen ...</a:t>
+              </a:r>
+            </a:p>
+          </p:txBody>
+        </p:sp>
+        <p:sp>
+          <p:nvSpPr>
+            <p:cNvPr id="361" name="openapi: 3.0.2"/>
+            <p:cNvSpPr txBox="1"/>
+            <p:nvPr/>
+          </p:nvSpPr>
+          <p:spPr>
+            <a:xfrm>
+              <a:off x="4858742" y="0"/>
+              <a:ext cx="1508421" cy="294640"/>
+            </a:xfrm>
+            <a:prstGeom prst="rect">
+              <a:avLst/>
+            </a:prstGeom>
+            <a:noFill/>
+            <a:ln w="12700" cap="flat">
+              <a:solidFill>
+                <a:schemeClr val="accent1"/>
+              </a:solidFill>
+              <a:prstDash val="solid"/>
+              <a:miter lim="800000"/>
+            </a:ln>
+            <a:effectLst/>
+            <a:extLst>
+              <a:ext uri="{C572A759-6A51-4108-AA02-DFA0A04FC94B}">
+                <ma14:wrappingTextBoxFlag xmlns:ma14="http://schemas.microsoft.com/office/mac/drawingml/2011/main" val="1"/>
+              </a:ext>
+            </a:extLst>
+          </p:spPr>
+          <p:txBody>
+            <a:bodyPr wrap="none" lIns="45719" tIns="45719" rIns="45719" bIns="45719" numCol="1" anchor="t">
+              <a:spAutoFit/>
+            </a:bodyPr>
+            <a:lstStyle/>
+            <a:p>
+              <a:pPr defTabSz="457200">
+                <a:defRPr sz="1300">
+                  <a:latin typeface="Menlo"/>
+                  <a:ea typeface="Menlo"/>
+                  <a:cs typeface="Menlo"/>
+                  <a:sym typeface="Menlo"/>
+                </a:defRPr>
+              </a:pPr>
+              <a:r>
+                <a:rPr b="1">
+                  <a:solidFill>
+                    <a:srgbClr val="011480"/>
+                  </a:solidFill>
+                </a:rPr>
+                <a:t>openapi</a:t>
+              </a:r>
+              <a:r>
+                <a:t>: 3.0.2</a:t>
+              </a:r>
+            </a:p>
+          </p:txBody>
+        </p:sp>
+        <p:sp>
+          <p:nvSpPr>
+            <p:cNvPr id="362" name="Linie"/>
+            <p:cNvSpPr/>
+            <p:nvPr/>
+          </p:nvSpPr>
+          <p:spPr>
+            <a:xfrm flipH="1">
+              <a:off x="5015632" y="308280"/>
+              <a:ext cx="509784" cy="1231619"/>
+            </a:xfrm>
+            <a:prstGeom prst="line">
+              <a:avLst/>
+            </a:prstGeom>
+            <a:noFill/>
+            <a:ln w="12700" cap="flat">
+              <a:solidFill>
+                <a:schemeClr val="accent1"/>
+              </a:solidFill>
+              <a:prstDash val="solid"/>
+              <a:miter lim="800000"/>
+              <a:tailEnd type="triangle" w="med" len="med"/>
+            </a:ln>
+            <a:effectLst/>
+          </p:spPr>
+          <p:txBody>
+            <a:bodyPr wrap="square" lIns="45719" tIns="45719" rIns="45719" bIns="45719" numCol="1" anchor="t">
+              <a:noAutofit/>
+            </a:bodyPr>
+            <a:lstStyle/>
+            <a:p>
+              <a:pPr/>
+            </a:p>
+          </p:txBody>
+        </p:sp>
+        <p:sp>
+          <p:nvSpPr>
+            <p:cNvPr id="363" name="Linie"/>
+            <p:cNvSpPr/>
+            <p:nvPr/>
+          </p:nvSpPr>
+          <p:spPr>
+            <a:xfrm flipH="1">
+              <a:off x="4786359" y="1682436"/>
+              <a:ext cx="1652473" cy="192167"/>
+            </a:xfrm>
+            <a:prstGeom prst="line">
+              <a:avLst/>
+            </a:prstGeom>
+            <a:noFill/>
+            <a:ln w="12700" cap="flat">
+              <a:solidFill>
+                <a:schemeClr val="accent1"/>
+              </a:solidFill>
+              <a:prstDash val="solid"/>
+              <a:miter lim="800000"/>
+              <a:tailEnd type="triangle" w="med" len="med"/>
+            </a:ln>
+            <a:effectLst/>
+          </p:spPr>
+          <p:txBody>
+            <a:bodyPr wrap="square" lIns="45719" tIns="45719" rIns="45719" bIns="45719" numCol="1" anchor="t">
+              <a:noAutofit/>
+            </a:bodyPr>
+            <a:lstStyle/>
+            <a:p>
+              <a:pPr/>
+            </a:p>
+          </p:txBody>
+        </p:sp>
+        <p:sp>
+          <p:nvSpPr>
+            <p:cNvPr id="364" name="servers:…"/>
+            <p:cNvSpPr txBox="1"/>
+            <p:nvPr/>
+          </p:nvSpPr>
+          <p:spPr>
+            <a:xfrm>
+              <a:off x="7428990" y="2708471"/>
+              <a:ext cx="4192183" cy="675641"/>
+            </a:xfrm>
+            <a:prstGeom prst="rect">
+              <a:avLst/>
+            </a:prstGeom>
+            <a:noFill/>
+            <a:ln w="12700" cap="flat">
+              <a:solidFill>
+                <a:schemeClr val="accent1"/>
+              </a:solidFill>
+              <a:prstDash val="solid"/>
+              <a:miter lim="800000"/>
+            </a:ln>
+            <a:effectLst/>
+            <a:extLst>
+              <a:ext uri="{C572A759-6A51-4108-AA02-DFA0A04FC94B}">
+                <ma14:wrappingTextBoxFlag xmlns:ma14="http://schemas.microsoft.com/office/mac/drawingml/2011/main" val="1"/>
+              </a:ext>
+            </a:extLst>
+          </p:spPr>
+          <p:txBody>
+            <a:bodyPr wrap="none" lIns="45719" tIns="45719" rIns="45719" bIns="45719" numCol="1" anchor="t">
+              <a:spAutoFit/>
+            </a:bodyPr>
+            <a:lstStyle/>
+            <a:p>
+              <a:pPr defTabSz="457200">
+                <a:defRPr b="1" sz="1300">
+                  <a:solidFill>
+                    <a:srgbClr val="011480"/>
+                  </a:solidFill>
+                  <a:latin typeface="Menlo"/>
+                  <a:ea typeface="Menlo"/>
+                  <a:cs typeface="Menlo"/>
+                  <a:sym typeface="Menlo"/>
+                </a:defRPr>
+              </a:pPr>
+              <a:r>
+                <a:t>servers</a:t>
+              </a:r>
+              <a:r>
+                <a:rPr b="0">
+                  <a:solidFill>
+                    <a:srgbClr val="000000"/>
+                  </a:solidFill>
+                </a:rPr>
+                <a:t>:</a:t>
+              </a:r>
+              <a:endParaRPr b="0">
+                <a:solidFill>
+                  <a:srgbClr val="000000"/>
+                </a:solidFill>
+              </a:endParaRPr>
+            </a:p>
+            <a:p>
+              <a:pPr defTabSz="457200">
+                <a:defRPr sz="1300">
+                  <a:latin typeface="Menlo"/>
+                  <a:ea typeface="Menlo"/>
+                  <a:cs typeface="Menlo"/>
+                  <a:sym typeface="Menlo"/>
+                </a:defRPr>
+              </a:pPr>
+              <a:r>
+                <a:t>  - </a:t>
+              </a:r>
+              <a:r>
+                <a:rPr b="1">
+                  <a:solidFill>
+                    <a:srgbClr val="011480"/>
+                  </a:solidFill>
+                </a:rPr>
+                <a:t>url</a:t>
+              </a:r>
+              <a:r>
+                <a:t>: https://test.de/raumbuchungsapi</a:t>
+              </a:r>
+            </a:p>
+            <a:p>
+              <a:pPr defTabSz="457200">
+                <a:defRPr sz="1300">
+                  <a:latin typeface="Menlo"/>
+                  <a:ea typeface="Menlo"/>
+                  <a:cs typeface="Menlo"/>
+                  <a:sym typeface="Menlo"/>
+                </a:defRPr>
+              </a:pPr>
+              <a:r>
+                <a:t>    </a:t>
+              </a:r>
+              <a:r>
+                <a:rPr b="1">
+                  <a:solidFill>
+                    <a:srgbClr val="011480"/>
+                  </a:solidFill>
+                </a:rPr>
+                <a:t>description</a:t>
+              </a:r>
+              <a:r>
+                <a:t>: Testumgebung</a:t>
+              </a:r>
+            </a:p>
+          </p:txBody>
+        </p:sp>
+        <p:sp>
+          <p:nvSpPr>
+            <p:cNvPr id="365" name="Linie"/>
+            <p:cNvSpPr/>
+            <p:nvPr/>
+          </p:nvSpPr>
+          <p:spPr>
+            <a:xfrm flipH="1">
+              <a:off x="6838269" y="3170297"/>
+              <a:ext cx="606523" cy="1"/>
+            </a:xfrm>
+            <a:prstGeom prst="line">
+              <a:avLst/>
+            </a:prstGeom>
+            <a:noFill/>
+            <a:ln w="12700" cap="flat">
+              <a:solidFill>
+                <a:schemeClr val="accent1"/>
+              </a:solidFill>
+              <a:prstDash val="solid"/>
+              <a:miter lim="800000"/>
+              <a:tailEnd type="triangle" w="med" len="med"/>
+            </a:ln>
+            <a:effectLst/>
+          </p:spPr>
+          <p:txBody>
+            <a:bodyPr wrap="square" lIns="45719" tIns="45719" rIns="45719" bIns="45719" numCol="1" anchor="t">
+              <a:noAutofit/>
+            </a:bodyPr>
+            <a:lstStyle/>
+            <a:p>
+              <a:pPr/>
+            </a:p>
+          </p:txBody>
+        </p:sp>
+        <p:sp>
+          <p:nvSpPr>
+            <p:cNvPr id="366" name="tags:…"/>
+            <p:cNvSpPr txBox="1"/>
+            <p:nvPr/>
+          </p:nvSpPr>
+          <p:spPr>
+            <a:xfrm>
+              <a:off x="97197" y="3588543"/>
+              <a:ext cx="912029" cy="675641"/>
+            </a:xfrm>
+            <a:prstGeom prst="rect">
+              <a:avLst/>
+            </a:prstGeom>
+            <a:noFill/>
+            <a:ln w="12700" cap="flat">
+              <a:solidFill>
+                <a:schemeClr val="accent1"/>
+              </a:solidFill>
+              <a:prstDash val="solid"/>
+              <a:miter lim="800000"/>
+            </a:ln>
+            <a:effectLst/>
+            <a:extLst>
+              <a:ext uri="{C572A759-6A51-4108-AA02-DFA0A04FC94B}">
+                <ma14:wrappingTextBoxFlag xmlns:ma14="http://schemas.microsoft.com/office/mac/drawingml/2011/main" val="1"/>
+              </a:ext>
+            </a:extLst>
+          </p:spPr>
+          <p:txBody>
+            <a:bodyPr wrap="none" lIns="45719" tIns="45719" rIns="45719" bIns="45719" numCol="1" anchor="t">
+              <a:spAutoFit/>
+            </a:bodyPr>
+            <a:lstStyle/>
+            <a:p>
+              <a:pPr defTabSz="457200">
+                <a:defRPr b="1" sz="1300">
+                  <a:solidFill>
+                    <a:srgbClr val="011480"/>
+                  </a:solidFill>
+                  <a:latin typeface="Menlo"/>
+                  <a:ea typeface="Menlo"/>
+                  <a:cs typeface="Menlo"/>
+                  <a:sym typeface="Menlo"/>
+                </a:defRPr>
+              </a:pPr>
+              <a:r>
+                <a:t>tags</a:t>
+              </a:r>
+              <a:r>
+                <a:rPr b="0">
+                  <a:solidFill>
+                    <a:srgbClr val="000000"/>
+                  </a:solidFill>
+                </a:rPr>
+                <a:t>:</a:t>
+              </a:r>
+              <a:endParaRPr b="0">
+                <a:solidFill>
+                  <a:srgbClr val="000000"/>
+                </a:solidFill>
+              </a:endParaRPr>
+            </a:p>
+            <a:p>
+              <a:pPr defTabSz="457200">
+                <a:defRPr sz="1300">
+                  <a:latin typeface="Menlo"/>
+                  <a:ea typeface="Menlo"/>
+                  <a:cs typeface="Menlo"/>
+                  <a:sym typeface="Menlo"/>
+                </a:defRPr>
+              </a:pPr>
+              <a:r>
+                <a:t>  - </a:t>
+              </a:r>
+              <a:r>
+                <a:rPr b="1">
+                  <a:solidFill>
+                    <a:srgbClr val="011480"/>
+                  </a:solidFill>
+                </a:rPr>
+                <a:t>...</a:t>
+              </a:r>
+            </a:p>
+            <a:p>
+              <a:pPr defTabSz="457200">
+                <a:defRPr sz="1300">
+                  <a:latin typeface="Menlo"/>
+                  <a:ea typeface="Menlo"/>
+                  <a:cs typeface="Menlo"/>
+                  <a:sym typeface="Menlo"/>
+                </a:defRPr>
+              </a:pPr>
+              <a:r>
+                <a:t>  - ...</a:t>
+              </a:r>
+            </a:p>
+          </p:txBody>
+        </p:sp>
+        <p:sp>
+          <p:nvSpPr>
+            <p:cNvPr id="367" name="Linie"/>
+            <p:cNvSpPr/>
+            <p:nvPr/>
+          </p:nvSpPr>
+          <p:spPr>
+            <a:xfrm>
+              <a:off x="1010202" y="3820252"/>
+              <a:ext cx="422168" cy="422168"/>
+            </a:xfrm>
+            <a:prstGeom prst="line">
+              <a:avLst/>
+            </a:prstGeom>
+            <a:noFill/>
+            <a:ln w="12700" cap="flat">
+              <a:solidFill>
+                <a:schemeClr val="accent1"/>
+              </a:solidFill>
+              <a:prstDash val="solid"/>
+              <a:miter lim="800000"/>
+              <a:tailEnd type="triangle" w="med" len="med"/>
+            </a:ln>
+            <a:effectLst/>
+          </p:spPr>
+          <p:txBody>
+            <a:bodyPr wrap="square" lIns="45719" tIns="45719" rIns="45719" bIns="45719" numCol="1" anchor="t">
+              <a:noAutofit/>
+            </a:bodyPr>
+            <a:lstStyle/>
+            <a:p>
+              <a:pPr/>
+            </a:p>
+          </p:txBody>
+        </p:sp>
+        <p:sp>
+          <p:nvSpPr>
+            <p:cNvPr id="368" name="components:…"/>
+            <p:cNvSpPr txBox="1"/>
+            <p:nvPr/>
+          </p:nvSpPr>
+          <p:spPr>
+            <a:xfrm>
+              <a:off x="0" y="5290343"/>
+              <a:ext cx="1309624" cy="485141"/>
+            </a:xfrm>
+            <a:prstGeom prst="rect">
+              <a:avLst/>
+            </a:prstGeom>
+            <a:noFill/>
+            <a:ln w="12700" cap="flat">
+              <a:solidFill>
+                <a:schemeClr val="accent1"/>
+              </a:solidFill>
+              <a:prstDash val="solid"/>
+              <a:miter lim="800000"/>
+            </a:ln>
+            <a:effectLst/>
+            <a:extLst>
+              <a:ext uri="{C572A759-6A51-4108-AA02-DFA0A04FC94B}">
+                <ma14:wrappingTextBoxFlag xmlns:ma14="http://schemas.microsoft.com/office/mac/drawingml/2011/main" val="1"/>
+              </a:ext>
+            </a:extLst>
+          </p:spPr>
+          <p:txBody>
+            <a:bodyPr wrap="none" lIns="45719" tIns="45719" rIns="45719" bIns="45719" numCol="1" anchor="t">
+              <a:spAutoFit/>
+            </a:bodyPr>
+            <a:lstStyle/>
+            <a:p>
+              <a:pPr defTabSz="457200">
+                <a:defRPr b="1" sz="1300">
+                  <a:solidFill>
+                    <a:srgbClr val="011480"/>
+                  </a:solidFill>
+                  <a:latin typeface="Menlo"/>
+                  <a:ea typeface="Menlo"/>
+                  <a:cs typeface="Menlo"/>
+                  <a:sym typeface="Menlo"/>
+                </a:defRPr>
+              </a:pPr>
+              <a:r>
+                <a:t>components</a:t>
+              </a:r>
+              <a:r>
+                <a:rPr b="0">
+                  <a:solidFill>
+                    <a:srgbClr val="000000"/>
+                  </a:solidFill>
+                </a:rPr>
+                <a:t>:</a:t>
+              </a:r>
+              <a:endParaRPr b="0">
+                <a:solidFill>
+                  <a:srgbClr val="000000"/>
+                </a:solidFill>
+              </a:endParaRPr>
+            </a:p>
+            <a:p>
+              <a:pPr defTabSz="457200">
+                <a:defRPr b="1" sz="1300">
+                  <a:solidFill>
+                    <a:srgbClr val="011480"/>
+                  </a:solidFill>
+                  <a:latin typeface="Menlo"/>
+                  <a:ea typeface="Menlo"/>
+                  <a:cs typeface="Menlo"/>
+                  <a:sym typeface="Menlo"/>
+                </a:defRPr>
+              </a:pPr>
+              <a:r>
+                <a:rPr b="0">
+                  <a:solidFill>
+                    <a:srgbClr val="000000"/>
+                  </a:solidFill>
+                </a:rPr>
+                <a:t>  </a:t>
+              </a:r>
+              <a:r>
+                <a:t>schemas</a:t>
+              </a:r>
+              <a:r>
+                <a:rPr b="0">
+                  <a:solidFill>
+                    <a:srgbClr val="000000"/>
+                  </a:solidFill>
+                </a:rPr>
+                <a:t>:</a:t>
+              </a:r>
+            </a:p>
+          </p:txBody>
+        </p:sp>
+        <p:sp>
+          <p:nvSpPr>
+            <p:cNvPr id="369" name="Linie"/>
+            <p:cNvSpPr/>
+            <p:nvPr/>
+          </p:nvSpPr>
+          <p:spPr>
+            <a:xfrm flipV="1">
+              <a:off x="1306895" y="5230465"/>
+              <a:ext cx="259765" cy="259765"/>
+            </a:xfrm>
+            <a:prstGeom prst="line">
+              <a:avLst/>
+            </a:prstGeom>
+            <a:noFill/>
+            <a:ln w="12700" cap="flat">
+              <a:solidFill>
+                <a:schemeClr val="accent1"/>
+              </a:solidFill>
+              <a:prstDash val="solid"/>
+              <a:miter lim="800000"/>
+              <a:tailEnd type="triangle" w="med" len="med"/>
+            </a:ln>
+            <a:effectLst/>
+          </p:spPr>
+          <p:txBody>
+            <a:bodyPr wrap="square" lIns="45719" tIns="45719" rIns="45719" bIns="45719" numCol="1" anchor="t">
+              <a:noAutofit/>
+            </a:bodyPr>
+            <a:lstStyle/>
+            <a:p>
+              <a:pPr/>
+            </a:p>
+          </p:txBody>
+        </p:sp>
+      </p:grpSp>
+    </p:spTree>
+  </p:cSld>
+  <p:clrMapOvr>
+    <a:masterClrMapping/>
+  </p:clrMapOvr>
+  <p:transition xmlns:p14="http://schemas.microsoft.com/office/powerpoint/2010/main" spd="med" advClick="1"/>
+  <p:timing>
+    <p:tnLst>
+      <p:par>
+        <p:cTn id="1" nodeType="tmRoot" restart="never" dur="indefinite" fill="hold">
+          <p:childTnLst>
+            <p:seq concurrent="1" prevAc="none" nextAc="seek">
+              <p:cTn id="2" nodeType="mainSeq" dur="indefinite" fill="hold">
+                <p:childTnLst>
+                  <p:par>
+                    <p:cTn id="3" fill="hold">
+                      <p:stCondLst>
+                        <p:cond delay="indefinite"/>
+                      </p:stCondLst>
+                      <p:childTnLst>
+                        <p:par>
+                          <p:cTn id="4" fill="hold">
+                            <p:stCondLst>
+                              <p:cond delay="0"/>
+                            </p:stCondLst>
+                            <p:childTnLst>
+                              <p:par>
+                                <p:cTn id="5" presetClass="entr" nodeType="clickEffect" presetSubtype="0" presetID="1" grpId="1" fill="hold">
+                                  <p:stCondLst>
+                                    <p:cond delay="0"/>
+                                  </p:stCondLst>
+                                  <p:iterate type="el" backwards="0">
+                                    <p:tmAbs val="0"/>
+                                  </p:iterate>
+                                  <p:childTnLst>
+                                    <p:set>
+                                      <p:cBhvr>
+                                        <p:cTn id="6" fill="hold"/>
+                                        <p:tgtEl>
+                                          <p:spTgt spid="370"/>
+                                        </p:tgtEl>
+                                        <p:attrNameLst>
+                                          <p:attrName>style.visibility</p:attrName>
+                                        </p:attrNameLst>
+                                      </p:cBhvr>
+                                      <p:to>
+                                        <p:strVal val="visible"/>
+                                      </p:to>
+                                    </p:set>
+                                  </p:childTnLst>
+                                </p:cTn>
+                              </p:par>
+                            </p:childTnLst>
+                          </p:cTn>
+                        </p:par>
+                      </p:childTnLst>
+                    </p:cTn>
+                  </p:par>
+                </p:childTnLst>
+              </p:cTn>
+              <p:prevCondLst>
+                <p:cond evt="onPrev">
+                  <p:tgtEl>
+                    <p:sldTgt/>
+                  </p:tgtEl>
+                </p:cond>
+              </p:prevCondLst>
+              <p:nextCondLst>
+                <p:cond evt="onNext">
+                  <p:tgtEl>
+                    <p:sldTgt/>
+                  </p:tgtEl>
+                </p:cond>
+              </p:nextCondLst>
+            </p:seq>
+          </p:childTnLst>
+        </p:cTn>
+      </p:par>
+    </p:tnLst>
+    <p:bldLst>
+      <p:bldP build="whole" bldLvl="1" animBg="1" rev="0" advAuto="0" spid="370" grpId="1"/>
+    </p:bldLst>
+  </p:timing>
+</p:sld>
+</file>
+
+<file path=ppt/slides/slide39.xml><?xml version="1.0" encoding="utf-8"?>
+<p:sld xmlns:a="http://schemas.openxmlformats.org/drawingml/2006/main" xmlns:r="http://schemas.openxmlformats.org/officeDocument/2006/relationships" xmlns:p="http://schemas.openxmlformats.org/presentationml/2006/main" xmlns:m="http://schemas.openxmlformats.org/officeDocument/2006/math" xmlns:a14="http://schemas.microsoft.com/office/drawing/2010/main" showMasterSp="1" showMasterPhAnim="1">
+  <p:cSld>
+    <p:spTree>
+      <p:nvGrpSpPr>
+        <p:cNvPr id="1" name=""/>
+        <p:cNvGrpSpPr/>
+        <p:nvPr/>
+      </p:nvGrpSpPr>
+      <p:grpSpPr>
+        <a:xfrm>
+          <a:off x="0" y="0"/>
+          <a:ext cx="0" cy="0"/>
+          <a:chOff x="0" y="0"/>
+          <a:chExt cx="0" cy="0"/>
+        </a:xfrm>
+      </p:grpSpPr>
+      <p:sp>
+        <p:nvSpPr>
+          <p:cNvPr id="372" name="Swagger-UI"/>
+          <p:cNvSpPr txBox="1"/>
+          <p:nvPr>
+            <p:ph type="title"/>
+          </p:nvPr>
+        </p:nvSpPr>
+        <p:spPr>
+          <a:prstGeom prst="rect">
+            <a:avLst/>
+          </a:prstGeom>
+        </p:spPr>
+        <p:txBody>
+          <a:bodyPr/>
+          <a:lstStyle/>
+          <a:p>
+            <a:pPr/>
+            <a:r>
+              <a:t>Swagger-UI</a:t>
+            </a:r>
+          </a:p>
+        </p:txBody>
+      </p:sp>
+      <p:sp>
+        <p:nvSpPr>
+          <p:cNvPr id="373" name="Foliennummer"/>
+          <p:cNvSpPr txBox="1"/>
+          <p:nvPr>
+            <p:ph type="sldNum" sz="quarter" idx="2"/>
+          </p:nvPr>
+        </p:nvSpPr>
+        <p:spPr>
+          <a:xfrm>
+            <a:off x="5959172" y="6482985"/>
+            <a:ext cx="273656" cy="264255"/>
+          </a:xfrm>
+          <a:prstGeom prst="rect">
+            <a:avLst/>
+          </a:prstGeom>
+          <a:extLst>
+            <a:ext uri="{C572A759-6A51-4108-AA02-DFA0A04FC94B}">
+              <ma14:wrappingTextBoxFlag xmlns:ma14="http://schemas.microsoft.com/office/mac/drawingml/2011/main" val="1"/>
+            </a:ext>
+          </a:extLst>
+        </p:spPr>
+        <p:txBody>
+          <a:bodyPr/>
+          <a:lstStyle/>
+          <a:p>
+            <a:pPr/>
+            <a:fld id="{86CB4B4D-7CA3-9044-876B-883B54F8677D}" type="slidenum"/>
+          </a:p>
+        </p:txBody>
+      </p:sp>
+      <p:pic>
+        <p:nvPicPr>
+          <p:cNvPr id="374" name="Bild" descr="Bild"/>
+          <p:cNvPicPr>
+            <a:picLocks noChangeAspect="1"/>
+          </p:cNvPicPr>
+          <p:nvPr/>
+        </p:nvPicPr>
+        <p:blipFill>
+          <a:blip r:embed="rId2">
+            <a:extLst/>
+          </a:blip>
+          <a:stretch>
+            <a:fillRect/>
+          </a:stretch>
+        </p:blipFill>
+        <p:spPr>
+          <a:xfrm>
+            <a:off x="1675400" y="1397248"/>
+            <a:ext cx="8841200" cy="5282952"/>
+          </a:xfrm>
+          <a:prstGeom prst="rect">
+            <a:avLst/>
+          </a:prstGeom>
+          <a:ln w="12700">
+            <a:miter lim="400000"/>
+          </a:ln>
+        </p:spPr>
+      </p:pic>
     </p:spTree>
   </p:cSld>
   <p:clrMapOvr>
@@ -12601,7 +16951,7 @@
       </p:grpSpPr>
       <p:sp>
         <p:nvSpPr>
-          <p:cNvPr id="103" name="Titel 3"/>
+          <p:cNvPr id="104" name="Titel 3"/>
           <p:cNvSpPr txBox="1"/>
           <p:nvPr>
             <p:ph type="title"/>
@@ -12629,7 +16979,7 @@
       </p:sp>
       <p:sp>
         <p:nvSpPr>
-          <p:cNvPr id="104" name="Textplatzhalter 4"/>
+          <p:cNvPr id="105" name="Textplatzhalter 4"/>
           <p:cNvSpPr txBox="1"/>
           <p:nvPr>
             <p:ph type="body" sz="quarter" idx="1"/>
@@ -12649,6 +16999,497 @@
           <a:lstStyle/>
           <a:p>
             <a:pPr/>
+          </a:p>
+        </p:txBody>
+      </p:sp>
+    </p:spTree>
+  </p:cSld>
+  <p:clrMapOvr>
+    <a:masterClrMapping/>
+  </p:clrMapOvr>
+  <p:transition xmlns:p14="http://schemas.microsoft.com/office/powerpoint/2010/main" spd="med" advClick="1"/>
+</p:sld>
+</file>
+
+<file path=ppt/slides/slide40.xml><?xml version="1.0" encoding="utf-8"?>
+<p:sld xmlns:a="http://schemas.openxmlformats.org/drawingml/2006/main" xmlns:r="http://schemas.openxmlformats.org/officeDocument/2006/relationships" xmlns:p="http://schemas.openxmlformats.org/presentationml/2006/main" xmlns:m="http://schemas.openxmlformats.org/officeDocument/2006/math" xmlns:a14="http://schemas.microsoft.com/office/drawing/2010/main" showMasterSp="1" showMasterPhAnim="1">
+  <p:cSld>
+    <p:spTree>
+      <p:nvGrpSpPr>
+        <p:cNvPr id="1" name=""/>
+        <p:cNvGrpSpPr/>
+        <p:nvPr/>
+      </p:nvGrpSpPr>
+      <p:grpSpPr>
+        <a:xfrm>
+          <a:off x="0" y="0"/>
+          <a:ext cx="0" cy="0"/>
+          <a:chOff x="0" y="0"/>
+          <a:chExt cx="0" cy="0"/>
+        </a:xfrm>
+      </p:grpSpPr>
+      <p:sp>
+        <p:nvSpPr>
+          <p:cNvPr id="376" name="Titel 3"/>
+          <p:cNvSpPr txBox="1"/>
+          <p:nvPr>
+            <p:ph type="title"/>
+          </p:nvPr>
+        </p:nvSpPr>
+        <p:spPr>
+          <a:xfrm>
+            <a:off x="831850" y="1709738"/>
+            <a:ext cx="10515600" cy="2852738"/>
+          </a:xfrm>
+          <a:prstGeom prst="rect">
+            <a:avLst/>
+          </a:prstGeom>
+        </p:spPr>
+        <p:txBody>
+          <a:bodyPr/>
+          <a:lstStyle/>
+          <a:p>
+            <a:pPr/>
+            <a:r>
+              <a:t>Use Case</a:t>
+            </a:r>
+          </a:p>
+        </p:txBody>
+      </p:sp>
+      <p:sp>
+        <p:nvSpPr>
+          <p:cNvPr id="377" name="Textplatzhalter 4"/>
+          <p:cNvSpPr txBox="1"/>
+          <p:nvPr>
+            <p:ph type="body" sz="quarter" idx="1"/>
+          </p:nvPr>
+        </p:nvSpPr>
+        <p:spPr>
+          <a:prstGeom prst="rect">
+            <a:avLst/>
+          </a:prstGeom>
+        </p:spPr>
+        <p:txBody>
+          <a:bodyPr/>
+          <a:lstStyle/>
+          <a:p>
+            <a:pPr/>
+          </a:p>
+        </p:txBody>
+      </p:sp>
+    </p:spTree>
+  </p:cSld>
+  <p:clrMapOvr>
+    <a:masterClrMapping/>
+  </p:clrMapOvr>
+  <p:transition xmlns:p14="http://schemas.microsoft.com/office/powerpoint/2010/main" spd="med" advClick="1"/>
+</p:sld>
+</file>
+
+<file path=ppt/slides/slide41.xml><?xml version="1.0" encoding="utf-8"?>
+<p:sld xmlns:a="http://schemas.openxmlformats.org/drawingml/2006/main" xmlns:r="http://schemas.openxmlformats.org/officeDocument/2006/relationships" xmlns:p="http://schemas.openxmlformats.org/presentationml/2006/main" xmlns:m="http://schemas.openxmlformats.org/officeDocument/2006/math" xmlns:a14="http://schemas.microsoft.com/office/drawing/2010/main" showMasterSp="1" showMasterPhAnim="1">
+  <p:cSld>
+    <p:spTree>
+      <p:nvGrpSpPr>
+        <p:cNvPr id="1" name=""/>
+        <p:cNvGrpSpPr/>
+        <p:nvPr/>
+      </p:nvGrpSpPr>
+      <p:grpSpPr>
+        <a:xfrm>
+          <a:off x="0" y="0"/>
+          <a:ext cx="0" cy="0"/>
+          <a:chOff x="0" y="0"/>
+          <a:chExt cx="0" cy="0"/>
+        </a:xfrm>
+      </p:grpSpPr>
+      <p:sp>
+        <p:nvSpPr>
+          <p:cNvPr id="379" name="Use Case"/>
+          <p:cNvSpPr txBox="1"/>
+          <p:nvPr>
+            <p:ph type="title"/>
+          </p:nvPr>
+        </p:nvSpPr>
+        <p:spPr>
+          <a:prstGeom prst="rect">
+            <a:avLst/>
+          </a:prstGeom>
+        </p:spPr>
+        <p:txBody>
+          <a:bodyPr/>
+          <a:lstStyle/>
+          <a:p>
+            <a:pPr/>
+            <a:r>
+              <a:t>Use Case</a:t>
+            </a:r>
+          </a:p>
+        </p:txBody>
+      </p:sp>
+      <p:sp>
+        <p:nvSpPr>
+          <p:cNvPr id="380" name="Raumbuchungs-API erweitern…"/>
+          <p:cNvSpPr txBox="1"/>
+          <p:nvPr>
+            <p:ph type="body" idx="1"/>
+          </p:nvPr>
+        </p:nvSpPr>
+        <p:spPr>
+          <a:prstGeom prst="rect">
+            <a:avLst/>
+          </a:prstGeom>
+        </p:spPr>
+        <p:txBody>
+          <a:bodyPr/>
+          <a:lstStyle/>
+          <a:p>
+            <a:pPr/>
+            <a:r>
+              <a:t>Raumbuchungs-API erweitern</a:t>
+            </a:r>
+          </a:p>
+          <a:p>
+            <a:pPr/>
+            <a:r>
+              <a:t>Ressourcen für die eigentliche Buchung</a:t>
+            </a:r>
+          </a:p>
+          <a:p>
+            <a:pPr/>
+            <a:r>
+              <a:t>Buchungsobjekt</a:t>
+            </a:r>
+          </a:p>
+          <a:p>
+            <a:pPr lvl="1" marL="685800" indent="-228600"/>
+            <a:r>
+              <a:t>ID</a:t>
+            </a:r>
+          </a:p>
+          <a:p>
+            <a:pPr lvl="1" marL="685800" indent="-228600"/>
+            <a:r>
+              <a:t>Raum-ID</a:t>
+            </a:r>
+          </a:p>
+          <a:p>
+            <a:pPr lvl="1" marL="685800" indent="-228600"/>
+            <a:r>
+              <a:t>Start</a:t>
+            </a:r>
+          </a:p>
+          <a:p>
+            <a:pPr lvl="1" marL="685800" indent="-228600"/>
+            <a:r>
+              <a:t>Dauer</a:t>
+            </a:r>
+          </a:p>
+          <a:p>
+            <a:pPr lvl="1" marL="685800" indent="-228600"/>
+            <a:r>
+              <a:t>Email-Adresse des Reservieren (optional)</a:t>
+            </a:r>
+          </a:p>
+        </p:txBody>
+      </p:sp>
+      <p:sp>
+        <p:nvSpPr>
+          <p:cNvPr id="381" name="Foliennummer"/>
+          <p:cNvSpPr txBox="1"/>
+          <p:nvPr>
+            <p:ph type="sldNum" sz="quarter" idx="2"/>
+          </p:nvPr>
+        </p:nvSpPr>
+        <p:spPr>
+          <a:prstGeom prst="rect">
+            <a:avLst/>
+          </a:prstGeom>
+          <a:extLst>
+            <a:ext uri="{C572A759-6A51-4108-AA02-DFA0A04FC94B}">
+              <ma14:wrappingTextBoxFlag xmlns:ma14="http://schemas.microsoft.com/office/mac/drawingml/2011/main" val="1"/>
+            </a:ext>
+          </a:extLst>
+        </p:spPr>
+        <p:txBody>
+          <a:bodyPr/>
+          <a:lstStyle/>
+          <a:p>
+            <a:pPr/>
+            <a:fld id="{86CB4B4D-7CA3-9044-876B-883B54F8677D}" type="slidenum"/>
+          </a:p>
+        </p:txBody>
+      </p:sp>
+    </p:spTree>
+  </p:cSld>
+  <p:clrMapOvr>
+    <a:masterClrMapping/>
+  </p:clrMapOvr>
+  <p:transition xmlns:p14="http://schemas.microsoft.com/office/powerpoint/2010/main" spd="med" advClick="1"/>
+</p:sld>
+</file>
+
+<file path=ppt/slides/slide42.xml><?xml version="1.0" encoding="utf-8"?>
+<p:sld xmlns:a="http://schemas.openxmlformats.org/drawingml/2006/main" xmlns:r="http://schemas.openxmlformats.org/officeDocument/2006/relationships" xmlns:p="http://schemas.openxmlformats.org/presentationml/2006/main" xmlns:m="http://schemas.openxmlformats.org/officeDocument/2006/math" xmlns:a14="http://schemas.microsoft.com/office/drawing/2010/main" showMasterSp="1" showMasterPhAnim="1">
+  <p:cSld>
+    <p:spTree>
+      <p:nvGrpSpPr>
+        <p:cNvPr id="1" name=""/>
+        <p:cNvGrpSpPr/>
+        <p:nvPr/>
+      </p:nvGrpSpPr>
+      <p:grpSpPr>
+        <a:xfrm>
+          <a:off x="0" y="0"/>
+          <a:ext cx="0" cy="0"/>
+          <a:chOff x="0" y="0"/>
+          <a:chExt cx="0" cy="0"/>
+        </a:xfrm>
+      </p:grpSpPr>
+      <p:sp>
+        <p:nvSpPr>
+          <p:cNvPr id="383" name="Links"/>
+          <p:cNvSpPr txBox="1"/>
+          <p:nvPr>
+            <p:ph type="title"/>
+          </p:nvPr>
+        </p:nvSpPr>
+        <p:spPr>
+          <a:prstGeom prst="rect">
+            <a:avLst/>
+          </a:prstGeom>
+        </p:spPr>
+        <p:txBody>
+          <a:bodyPr/>
+          <a:lstStyle/>
+          <a:p>
+            <a:pPr/>
+            <a:r>
+              <a:t>Links</a:t>
+            </a:r>
+          </a:p>
+        </p:txBody>
+      </p:sp>
+      <p:sp>
+        <p:nvSpPr>
+          <p:cNvPr id="384" name="GitHub-Projekt: github.com/nordlb &gt; techtalks &gt; 01-api-design…"/>
+          <p:cNvSpPr txBox="1"/>
+          <p:nvPr>
+            <p:ph type="body" idx="1"/>
+          </p:nvPr>
+        </p:nvSpPr>
+        <p:spPr>
+          <a:prstGeom prst="rect">
+            <a:avLst/>
+          </a:prstGeom>
+        </p:spPr>
+        <p:txBody>
+          <a:bodyPr/>
+          <a:lstStyle/>
+          <a:p>
+            <a:pPr/>
+            <a:r>
+              <a:t>GitHub-Projekt: </a:t>
+            </a:r>
+            <a:r>
+              <a:rPr u="sng">
+                <a:solidFill>
+                  <a:srgbClr val="0563C1"/>
+                </a:solidFill>
+                <a:uFill>
+                  <a:solidFill>
+                    <a:srgbClr val="0563C1"/>
+                  </a:solidFill>
+                </a:uFill>
+                <a:hlinkClick r:id="rId2" invalidUrl="" action="" tgtFrame="" tooltip="" history="1" highlightClick="0" endSnd="0"/>
+              </a:rPr>
+              <a:t>github.com/nordlb</a:t>
+            </a:r>
+            <a:r>
+              <a:t> &gt; techtalks &gt; 01-api-design </a:t>
+            </a:r>
+          </a:p>
+          <a:p>
+            <a:pPr/>
+            <a:r>
+              <a:t>OpenAPI</a:t>
+            </a:r>
+          </a:p>
+          <a:p>
+            <a:pPr lvl="1" marL="685800" indent="-228600"/>
+            <a:r>
+              <a:t>Online Editor: </a:t>
+            </a:r>
+            <a:r>
+              <a:rPr u="sng">
+                <a:solidFill>
+                  <a:srgbClr val="0563C1"/>
+                </a:solidFill>
+                <a:uFill>
+                  <a:solidFill>
+                    <a:srgbClr val="0563C1"/>
+                  </a:solidFill>
+                </a:uFill>
+                <a:hlinkClick r:id="rId3" invalidUrl="" action="" tgtFrame="" tooltip="" history="1" highlightClick="0" endSnd="0"/>
+              </a:rPr>
+              <a:t>editor.swagger.io</a:t>
+            </a:r>
+          </a:p>
+          <a:p>
+            <a:pPr lvl="1" marL="685800" indent="-228600"/>
+            <a:r>
+              <a:t>Specification: </a:t>
+            </a:r>
+            <a:r>
+              <a:rPr u="sng">
+                <a:solidFill>
+                  <a:srgbClr val="0563C1"/>
+                </a:solidFill>
+                <a:uFill>
+                  <a:solidFill>
+                    <a:srgbClr val="0563C1"/>
+                  </a:solidFill>
+                </a:uFill>
+                <a:hlinkClick r:id="rId4" invalidUrl="" action="" tgtFrame="" tooltip="" history="1" highlightClick="0" endSnd="0"/>
+              </a:rPr>
+              <a:t>swagger.io/specification/</a:t>
+            </a:r>
+            <a:r>
+              <a:t> </a:t>
+            </a:r>
+          </a:p>
+          <a:p>
+            <a:pPr lvl="1" marL="685800" indent="-228600"/>
+            <a:r>
+              <a:t>Documentation: </a:t>
+            </a:r>
+            <a:r>
+              <a:rPr u="sng">
+                <a:solidFill>
+                  <a:srgbClr val="0563C1"/>
+                </a:solidFill>
+                <a:uFill>
+                  <a:solidFill>
+                    <a:srgbClr val="0563C1"/>
+                  </a:solidFill>
+                </a:uFill>
+                <a:hlinkClick r:id="rId5" invalidUrl="" action="" tgtFrame="" tooltip="" history="1" highlightClick="0" endSnd="0"/>
+              </a:rPr>
+              <a:t>swagger.io/docs/specification/about/</a:t>
+            </a:r>
+            <a:r>
+              <a:t> </a:t>
+            </a:r>
+          </a:p>
+          <a:p>
+            <a:pPr/>
+            <a:r>
+              <a:t>REST</a:t>
+            </a:r>
+          </a:p>
+          <a:p>
+            <a:pPr lvl="1" marL="685800" indent="-228600"/>
+            <a:r>
+              <a:t>Dissertation Roy Fielding: </a:t>
+            </a:r>
+            <a:r>
+              <a:rPr u="sng">
+                <a:solidFill>
+                  <a:srgbClr val="0563C1"/>
+                </a:solidFill>
+                <a:uFill>
+                  <a:solidFill>
+                    <a:srgbClr val="0563C1"/>
+                  </a:solidFill>
+                </a:uFill>
+                <a:hlinkClick r:id="rId6" invalidUrl="" action="" tgtFrame="" tooltip="" history="1" highlightClick="0" endSnd="0"/>
+              </a:rPr>
+              <a:t>https://www.ics.uci.edu/~fielding/pubs/dissertation/fielding_dissertation.pdf</a:t>
+            </a:r>
+            <a:r>
+              <a:t> </a:t>
+            </a:r>
+          </a:p>
+          <a:p>
+            <a:pPr lvl="1" marL="685800" indent="-228600"/>
+            <a:r>
+              <a:t>HTTP RCFs: </a:t>
+            </a:r>
+            <a:r>
+              <a:rPr u="sng">
+                <a:solidFill>
+                  <a:srgbClr val="0563C1"/>
+                </a:solidFill>
+                <a:uFill>
+                  <a:solidFill>
+                    <a:srgbClr val="0563C1"/>
+                  </a:solidFill>
+                </a:uFill>
+                <a:hlinkClick r:id="rId7" invalidUrl="" action="" tgtFrame="" tooltip="" history="1" highlightClick="0" endSnd="0"/>
+              </a:rPr>
+              <a:t>RFC7231</a:t>
+            </a:r>
+            <a:r>
+              <a:t>, </a:t>
+            </a:r>
+            <a:r>
+              <a:rPr u="sng">
+                <a:solidFill>
+                  <a:srgbClr val="0563C1"/>
+                </a:solidFill>
+                <a:uFill>
+                  <a:solidFill>
+                    <a:srgbClr val="0563C1"/>
+                  </a:solidFill>
+                </a:uFill>
+                <a:hlinkClick r:id="rId8" invalidUrl="" action="" tgtFrame="" tooltip="" history="1" highlightClick="0" endSnd="0"/>
+              </a:rPr>
+              <a:t>RFC7230</a:t>
+            </a:r>
+            <a:r>
+              <a:t>, </a:t>
+            </a:r>
+            <a:r>
+              <a:rPr u="sng">
+                <a:solidFill>
+                  <a:srgbClr val="0563C1"/>
+                </a:solidFill>
+                <a:uFill>
+                  <a:solidFill>
+                    <a:srgbClr val="0563C1"/>
+                  </a:solidFill>
+                </a:uFill>
+                <a:hlinkClick r:id="rId9" invalidUrl="" action="" tgtFrame="" tooltip="" history="1" highlightClick="0" endSnd="0"/>
+              </a:rPr>
+              <a:t>RFC6585</a:t>
+            </a:r>
+          </a:p>
+        </p:txBody>
+      </p:sp>
+      <p:sp>
+        <p:nvSpPr>
+          <p:cNvPr id="385" name="Foliennummer"/>
+          <p:cNvSpPr txBox="1"/>
+          <p:nvPr>
+            <p:ph type="sldNum" sz="quarter" idx="2"/>
+          </p:nvPr>
+        </p:nvSpPr>
+        <p:spPr>
+          <a:prstGeom prst="rect">
+            <a:avLst/>
+          </a:prstGeom>
+          <a:extLst>
+            <a:ext uri="{C572A759-6A51-4108-AA02-DFA0A04FC94B}">
+              <ma14:wrappingTextBoxFlag xmlns:ma14="http://schemas.microsoft.com/office/mac/drawingml/2011/main" val="1"/>
+            </a:ext>
+          </a:extLst>
+        </p:spPr>
+        <p:txBody>
+          <a:bodyPr/>
+          <a:lstStyle/>
+          <a:p>
+            <a:pPr/>
+            <a:fld id="{86CB4B4D-7CA3-9044-876B-883B54F8677D}" type="slidenum"/>
           </a:p>
         </p:txBody>
       </p:sp>
@@ -12680,7 +17521,7 @@
       </p:grpSpPr>
       <p:sp>
         <p:nvSpPr>
-          <p:cNvPr id="106" name="Titel 3"/>
+          <p:cNvPr id="107" name="Titel 3"/>
           <p:cNvSpPr txBox="1"/>
           <p:nvPr>
             <p:ph type="title"/>
@@ -12706,9 +17547,40 @@
           </a:p>
         </p:txBody>
       </p:sp>
+      <p:sp>
+        <p:nvSpPr>
+          <p:cNvPr id="108" name="Foliennummer"/>
+          <p:cNvSpPr txBox="1"/>
+          <p:nvPr>
+            <p:ph type="sldNum" sz="quarter" idx="2"/>
+          </p:nvPr>
+        </p:nvSpPr>
+        <p:spPr>
+          <a:xfrm>
+            <a:off x="6043929" y="6482985"/>
+            <a:ext cx="188899" cy="264255"/>
+          </a:xfrm>
+          <a:prstGeom prst="rect">
+            <a:avLst/>
+          </a:prstGeom>
+          <a:extLst>
+            <a:ext uri="{C572A759-6A51-4108-AA02-DFA0A04FC94B}">
+              <ma14:wrappingTextBoxFlag xmlns:ma14="http://schemas.microsoft.com/office/mac/drawingml/2011/main" val="1"/>
+            </a:ext>
+          </a:extLst>
+        </p:spPr>
+        <p:txBody>
+          <a:bodyPr/>
+          <a:lstStyle/>
+          <a:p>
+            <a:pPr/>
+            <a:fld id="{86CB4B4D-7CA3-9044-876B-883B54F8677D}" type="slidenum"/>
+          </a:p>
+        </p:txBody>
+      </p:sp>
       <p:pic>
         <p:nvPicPr>
-          <p:cNvPr id="107" name="Inhaltsplatzhalter 7" descr="Inhaltsplatzhalter 7"/>
+          <p:cNvPr id="109" name="Inhaltsplatzhalter 7" descr="Inhaltsplatzhalter 7"/>
           <p:cNvPicPr>
             <a:picLocks noChangeAspect="1"/>
           </p:cNvPicPr>
@@ -12737,7 +17609,7 @@
       </p:pic>
       <p:pic>
         <p:nvPicPr>
-          <p:cNvPr id="108" name="Grafik 11" descr="Grafik 11"/>
+          <p:cNvPr id="110" name="Grafik 11" descr="Grafik 11"/>
           <p:cNvPicPr>
             <a:picLocks noChangeAspect="1"/>
           </p:cNvPicPr>
@@ -12766,7 +17638,7 @@
       </p:pic>
       <p:sp>
         <p:nvSpPr>
-          <p:cNvPr id="109" name="Textfeld 14"/>
+          <p:cNvPr id="111" name="Textfeld 14"/>
           <p:cNvSpPr txBox="1"/>
           <p:nvPr/>
         </p:nvSpPr>
@@ -12802,7 +17674,7 @@
       </p:sp>
       <p:sp>
         <p:nvSpPr>
-          <p:cNvPr id="110" name="Textfeld 16"/>
+          <p:cNvPr id="112" name="Textfeld 16"/>
           <p:cNvSpPr txBox="1"/>
           <p:nvPr/>
         </p:nvSpPr>
@@ -12838,7 +17710,7 @@
       </p:sp>
       <p:sp>
         <p:nvSpPr>
-          <p:cNvPr id="111" name="Textfeld 46"/>
+          <p:cNvPr id="113" name="Textfeld 46"/>
           <p:cNvSpPr txBox="1"/>
           <p:nvPr/>
         </p:nvSpPr>
@@ -12904,7 +17776,7 @@
       </p:grpSpPr>
       <p:sp>
         <p:nvSpPr>
-          <p:cNvPr id="115" name="Titel 3"/>
+          <p:cNvPr id="117" name="Titel 3"/>
           <p:cNvSpPr txBox="1"/>
           <p:nvPr>
             <p:ph type="title"/>
@@ -12930,9 +17802,40 @@
           </a:p>
         </p:txBody>
       </p:sp>
+      <p:sp>
+        <p:nvSpPr>
+          <p:cNvPr id="118" name="Foliennummer"/>
+          <p:cNvSpPr txBox="1"/>
+          <p:nvPr>
+            <p:ph type="sldNum" sz="quarter" idx="2"/>
+          </p:nvPr>
+        </p:nvSpPr>
+        <p:spPr>
+          <a:xfrm>
+            <a:off x="6043929" y="6482985"/>
+            <a:ext cx="188899" cy="264255"/>
+          </a:xfrm>
+          <a:prstGeom prst="rect">
+            <a:avLst/>
+          </a:prstGeom>
+          <a:extLst>
+            <a:ext uri="{C572A759-6A51-4108-AA02-DFA0A04FC94B}">
+              <ma14:wrappingTextBoxFlag xmlns:ma14="http://schemas.microsoft.com/office/mac/drawingml/2011/main" val="1"/>
+            </a:ext>
+          </a:extLst>
+        </p:spPr>
+        <p:txBody>
+          <a:bodyPr/>
+          <a:lstStyle/>
+          <a:p>
+            <a:pPr/>
+            <a:fld id="{86CB4B4D-7CA3-9044-876B-883B54F8677D}" type="slidenum"/>
+          </a:p>
+        </p:txBody>
+      </p:sp>
       <p:pic>
         <p:nvPicPr>
-          <p:cNvPr id="116" name="Inhaltsplatzhalter 7" descr="Inhaltsplatzhalter 7"/>
+          <p:cNvPr id="119" name="Inhaltsplatzhalter 7" descr="Inhaltsplatzhalter 7"/>
           <p:cNvPicPr>
             <a:picLocks noChangeAspect="1"/>
           </p:cNvPicPr>
@@ -12961,7 +17864,7 @@
       </p:pic>
       <p:pic>
         <p:nvPicPr>
-          <p:cNvPr id="117" name="Grafik 11" descr="Grafik 11"/>
+          <p:cNvPr id="120" name="Grafik 11" descr="Grafik 11"/>
           <p:cNvPicPr>
             <a:picLocks noChangeAspect="1"/>
           </p:cNvPicPr>
@@ -12990,7 +17893,7 @@
       </p:pic>
       <p:pic>
         <p:nvPicPr>
-          <p:cNvPr id="118" name="Grafik 13" descr="Grafik 13"/>
+          <p:cNvPr id="121" name="Grafik 13" descr="Grafik 13"/>
           <p:cNvPicPr>
             <a:picLocks noChangeAspect="1"/>
           </p:cNvPicPr>
@@ -13019,7 +17922,7 @@
       </p:pic>
       <p:sp>
         <p:nvSpPr>
-          <p:cNvPr id="119" name="Textfeld 14"/>
+          <p:cNvPr id="122" name="Textfeld 14"/>
           <p:cNvSpPr txBox="1"/>
           <p:nvPr/>
         </p:nvSpPr>
@@ -13055,7 +17958,7 @@
       </p:sp>
       <p:sp>
         <p:nvSpPr>
-          <p:cNvPr id="120" name="Textfeld 15"/>
+          <p:cNvPr id="123" name="Textfeld 15"/>
           <p:cNvSpPr txBox="1"/>
           <p:nvPr/>
         </p:nvSpPr>
@@ -13091,7 +17994,7 @@
       </p:sp>
       <p:sp>
         <p:nvSpPr>
-          <p:cNvPr id="121" name="Textfeld 16"/>
+          <p:cNvPr id="124" name="Textfeld 16"/>
           <p:cNvSpPr txBox="1"/>
           <p:nvPr/>
         </p:nvSpPr>
@@ -13127,7 +18030,7 @@
       </p:sp>
       <p:sp>
         <p:nvSpPr>
-          <p:cNvPr id="122" name="Textfeld 46"/>
+          <p:cNvPr id="125" name="Textfeld 46"/>
           <p:cNvSpPr txBox="1"/>
           <p:nvPr/>
         </p:nvSpPr>
@@ -13193,7 +18096,7 @@
       </p:grpSpPr>
       <p:sp>
         <p:nvSpPr>
-          <p:cNvPr id="126" name="Titel 3"/>
+          <p:cNvPr id="129" name="Titel 3"/>
           <p:cNvSpPr txBox="1"/>
           <p:nvPr>
             <p:ph type="title"/>
@@ -13219,9 +18122,40 @@
           </a:p>
         </p:txBody>
       </p:sp>
+      <p:sp>
+        <p:nvSpPr>
+          <p:cNvPr id="130" name="Foliennummer"/>
+          <p:cNvSpPr txBox="1"/>
+          <p:nvPr>
+            <p:ph type="sldNum" sz="quarter" idx="2"/>
+          </p:nvPr>
+        </p:nvSpPr>
+        <p:spPr>
+          <a:xfrm>
+            <a:off x="6043929" y="6482985"/>
+            <a:ext cx="188899" cy="264255"/>
+          </a:xfrm>
+          <a:prstGeom prst="rect">
+            <a:avLst/>
+          </a:prstGeom>
+          <a:extLst>
+            <a:ext uri="{C572A759-6A51-4108-AA02-DFA0A04FC94B}">
+              <ma14:wrappingTextBoxFlag xmlns:ma14="http://schemas.microsoft.com/office/mac/drawingml/2011/main" val="1"/>
+            </a:ext>
+          </a:extLst>
+        </p:spPr>
+        <p:txBody>
+          <a:bodyPr/>
+          <a:lstStyle/>
+          <a:p>
+            <a:pPr/>
+            <a:fld id="{86CB4B4D-7CA3-9044-876B-883B54F8677D}" type="slidenum"/>
+          </a:p>
+        </p:txBody>
+      </p:sp>
       <p:pic>
         <p:nvPicPr>
-          <p:cNvPr id="127" name="Inhaltsplatzhalter 7" descr="Inhaltsplatzhalter 7"/>
+          <p:cNvPr id="131" name="Inhaltsplatzhalter 7" descr="Inhaltsplatzhalter 7"/>
           <p:cNvPicPr>
             <a:picLocks noChangeAspect="1"/>
           </p:cNvPicPr>
@@ -13250,7 +18184,7 @@
       </p:pic>
       <p:pic>
         <p:nvPicPr>
-          <p:cNvPr id="128" name="Grafik 11" descr="Grafik 11"/>
+          <p:cNvPr id="132" name="Grafik 11" descr="Grafik 11"/>
           <p:cNvPicPr>
             <a:picLocks noChangeAspect="1"/>
           </p:cNvPicPr>
@@ -13279,7 +18213,7 @@
       </p:pic>
       <p:pic>
         <p:nvPicPr>
-          <p:cNvPr id="129" name="Grafik 13" descr="Grafik 13"/>
+          <p:cNvPr id="133" name="Grafik 13" descr="Grafik 13"/>
           <p:cNvPicPr>
             <a:picLocks noChangeAspect="1"/>
           </p:cNvPicPr>
@@ -13308,7 +18242,7 @@
       </p:pic>
       <p:sp>
         <p:nvSpPr>
-          <p:cNvPr id="130" name="Textfeld 14"/>
+          <p:cNvPr id="134" name="Textfeld 14"/>
           <p:cNvSpPr txBox="1"/>
           <p:nvPr/>
         </p:nvSpPr>
@@ -13344,7 +18278,7 @@
       </p:sp>
       <p:sp>
         <p:nvSpPr>
-          <p:cNvPr id="131" name="Textfeld 15"/>
+          <p:cNvPr id="135" name="Textfeld 15"/>
           <p:cNvSpPr txBox="1"/>
           <p:nvPr/>
         </p:nvSpPr>
@@ -13380,7 +18314,7 @@
       </p:sp>
       <p:sp>
         <p:nvSpPr>
-          <p:cNvPr id="132" name="Textfeld 16"/>
+          <p:cNvPr id="136" name="Textfeld 16"/>
           <p:cNvSpPr txBox="1"/>
           <p:nvPr/>
         </p:nvSpPr>
@@ -13416,7 +18350,7 @@
       </p:sp>
       <p:sp>
         <p:nvSpPr>
-          <p:cNvPr id="133" name="Textfeld 46"/>
+          <p:cNvPr id="137" name="Textfeld 46"/>
           <p:cNvSpPr txBox="1"/>
           <p:nvPr/>
         </p:nvSpPr>
@@ -13456,7 +18390,7 @@
       </p:sp>
       <p:pic>
         <p:nvPicPr>
-          <p:cNvPr id="134" name="Grafik 9" descr="Grafik 9"/>
+          <p:cNvPr id="138" name="Grafik 9" descr="Grafik 9"/>
           <p:cNvPicPr>
             <a:picLocks noChangeAspect="1"/>
           </p:cNvPicPr>
@@ -13485,7 +18419,7 @@
       </p:pic>
       <p:sp>
         <p:nvSpPr>
-          <p:cNvPr id="135" name="Textfeld 10"/>
+          <p:cNvPr id="139" name="Textfeld 10"/>
           <p:cNvSpPr txBox="1"/>
           <p:nvPr/>
         </p:nvSpPr>
@@ -13547,7 +18481,7 @@
       </p:grpSpPr>
       <p:sp>
         <p:nvSpPr>
-          <p:cNvPr id="139" name="Titel 3"/>
+          <p:cNvPr id="143" name="Titel 3"/>
           <p:cNvSpPr txBox="1"/>
           <p:nvPr>
             <p:ph type="title"/>
@@ -13573,9 +18507,40 @@
           </a:p>
         </p:txBody>
       </p:sp>
+      <p:sp>
+        <p:nvSpPr>
+          <p:cNvPr id="144" name="Foliennummer"/>
+          <p:cNvSpPr txBox="1"/>
+          <p:nvPr>
+            <p:ph type="sldNum" sz="quarter" idx="2"/>
+          </p:nvPr>
+        </p:nvSpPr>
+        <p:spPr>
+          <a:xfrm>
+            <a:off x="6043929" y="6482985"/>
+            <a:ext cx="188899" cy="264255"/>
+          </a:xfrm>
+          <a:prstGeom prst="rect">
+            <a:avLst/>
+          </a:prstGeom>
+          <a:extLst>
+            <a:ext uri="{C572A759-6A51-4108-AA02-DFA0A04FC94B}">
+              <ma14:wrappingTextBoxFlag xmlns:ma14="http://schemas.microsoft.com/office/mac/drawingml/2011/main" val="1"/>
+            </a:ext>
+          </a:extLst>
+        </p:spPr>
+        <p:txBody>
+          <a:bodyPr/>
+          <a:lstStyle/>
+          <a:p>
+            <a:pPr/>
+            <a:fld id="{86CB4B4D-7CA3-9044-876B-883B54F8677D}" type="slidenum"/>
+          </a:p>
+        </p:txBody>
+      </p:sp>
       <p:pic>
         <p:nvPicPr>
-          <p:cNvPr id="140" name="Inhaltsplatzhalter 7" descr="Inhaltsplatzhalter 7"/>
+          <p:cNvPr id="145" name="Inhaltsplatzhalter 7" descr="Inhaltsplatzhalter 7"/>
           <p:cNvPicPr>
             <a:picLocks noChangeAspect="1"/>
           </p:cNvPicPr>
@@ -13604,7 +18569,7 @@
       </p:pic>
       <p:pic>
         <p:nvPicPr>
-          <p:cNvPr id="141" name="Grafik 9" descr="Grafik 9"/>
+          <p:cNvPr id="146" name="Grafik 9" descr="Grafik 9"/>
           <p:cNvPicPr>
             <a:picLocks noChangeAspect="1"/>
           </p:cNvPicPr>
@@ -13633,7 +18598,7 @@
       </p:pic>
       <p:pic>
         <p:nvPicPr>
-          <p:cNvPr id="142" name="Grafik 11" descr="Grafik 11"/>
+          <p:cNvPr id="147" name="Grafik 11" descr="Grafik 11"/>
           <p:cNvPicPr>
             <a:picLocks noChangeAspect="1"/>
           </p:cNvPicPr>
@@ -13662,7 +18627,7 @@
       </p:pic>
       <p:pic>
         <p:nvPicPr>
-          <p:cNvPr id="143" name="Grafik 13" descr="Grafik 13"/>
+          <p:cNvPr id="148" name="Grafik 13" descr="Grafik 13"/>
           <p:cNvPicPr>
             <a:picLocks noChangeAspect="1"/>
           </p:cNvPicPr>
@@ -13691,7 +18656,7 @@
       </p:pic>
       <p:sp>
         <p:nvSpPr>
-          <p:cNvPr id="144" name="Textfeld 14"/>
+          <p:cNvPr id="149" name="Textfeld 14"/>
           <p:cNvSpPr txBox="1"/>
           <p:nvPr/>
         </p:nvSpPr>
@@ -13727,7 +18692,7 @@
       </p:sp>
       <p:sp>
         <p:nvSpPr>
-          <p:cNvPr id="145" name="Textfeld 15"/>
+          <p:cNvPr id="150" name="Textfeld 15"/>
           <p:cNvSpPr txBox="1"/>
           <p:nvPr/>
         </p:nvSpPr>
@@ -13763,7 +18728,7 @@
       </p:sp>
       <p:sp>
         <p:nvSpPr>
-          <p:cNvPr id="146" name="Textfeld 16"/>
+          <p:cNvPr id="151" name="Textfeld 16"/>
           <p:cNvSpPr txBox="1"/>
           <p:nvPr/>
         </p:nvSpPr>
@@ -13799,7 +18764,7 @@
       </p:sp>
       <p:sp>
         <p:nvSpPr>
-          <p:cNvPr id="147" name="Textfeld 17"/>
+          <p:cNvPr id="152" name="Textfeld 17"/>
           <p:cNvSpPr txBox="1"/>
           <p:nvPr/>
         </p:nvSpPr>
@@ -13835,7 +18800,7 @@
       </p:sp>
       <p:sp>
         <p:nvSpPr>
-          <p:cNvPr id="148" name="Gerade Verbindung mit Pfeil 19"/>
+          <p:cNvPr id="153" name="Gerade Verbindung mit Pfeil 19"/>
           <p:cNvSpPr/>
           <p:nvPr/>
         </p:nvSpPr>
@@ -13865,7 +18830,7 @@
       </p:sp>
       <p:sp>
         <p:nvSpPr>
-          <p:cNvPr id="149" name="Gerade Verbindung mit Pfeil 20"/>
+          <p:cNvPr id="154" name="Gerade Verbindung mit Pfeil 20"/>
           <p:cNvSpPr/>
           <p:nvPr/>
         </p:nvSpPr>
@@ -13895,7 +18860,7 @@
       </p:sp>
       <p:sp>
         <p:nvSpPr>
-          <p:cNvPr id="150" name="Gerade Verbindung mit Pfeil 23"/>
+          <p:cNvPr id="155" name="Gerade Verbindung mit Pfeil 23"/>
           <p:cNvSpPr/>
           <p:nvPr/>
         </p:nvSpPr>
@@ -13925,7 +18890,7 @@
       </p:sp>
       <p:sp>
         <p:nvSpPr>
-          <p:cNvPr id="151" name="Gerade Verbindung mit Pfeil 29"/>
+          <p:cNvPr id="156" name="Gerade Verbindung mit Pfeil 29"/>
           <p:cNvSpPr/>
           <p:nvPr/>
         </p:nvSpPr>
@@ -13955,7 +18920,7 @@
       </p:sp>
       <p:sp>
         <p:nvSpPr>
-          <p:cNvPr id="152" name="Gerade Verbindung mit Pfeil 32"/>
+          <p:cNvPr id="157" name="Gerade Verbindung mit Pfeil 32"/>
           <p:cNvSpPr/>
           <p:nvPr/>
         </p:nvSpPr>
@@ -13985,7 +18950,7 @@
       </p:sp>
       <p:sp>
         <p:nvSpPr>
-          <p:cNvPr id="153" name="Textfeld 34"/>
+          <p:cNvPr id="158" name="Textfeld 34"/>
           <p:cNvSpPr txBox="1"/>
           <p:nvPr/>
         </p:nvSpPr>
@@ -14039,7 +19004,7 @@
       </p:sp>
       <p:sp>
         <p:nvSpPr>
-          <p:cNvPr id="154" name="Textfeld 35"/>
+          <p:cNvPr id="159" name="Textfeld 35"/>
           <p:cNvSpPr txBox="1"/>
           <p:nvPr/>
         </p:nvSpPr>
@@ -14083,7 +19048,7 @@
       </p:sp>
       <p:sp>
         <p:nvSpPr>
-          <p:cNvPr id="155" name="Textfeld 36"/>
+          <p:cNvPr id="160" name="Textfeld 36"/>
           <p:cNvSpPr txBox="1"/>
           <p:nvPr/>
         </p:nvSpPr>
@@ -14127,7 +19092,7 @@
       </p:sp>
       <p:sp>
         <p:nvSpPr>
-          <p:cNvPr id="156" name="Textfeld 37"/>
+          <p:cNvPr id="161" name="Textfeld 37"/>
           <p:cNvSpPr txBox="1"/>
           <p:nvPr/>
         </p:nvSpPr>
@@ -14171,7 +19136,7 @@
       </p:sp>
       <p:sp>
         <p:nvSpPr>
-          <p:cNvPr id="157" name="Textfeld 38"/>
+          <p:cNvPr id="162" name="Textfeld 38"/>
           <p:cNvSpPr txBox="1"/>
           <p:nvPr/>
         </p:nvSpPr>
@@ -14225,7 +19190,7 @@
       </p:sp>
       <p:sp>
         <p:nvSpPr>
-          <p:cNvPr id="158" name="Textfeld 21"/>
+          <p:cNvPr id="163" name="Textfeld 21"/>
           <p:cNvSpPr txBox="1"/>
           <p:nvPr/>
         </p:nvSpPr>
@@ -14291,7 +19256,7 @@
       </p:grpSpPr>
       <p:sp>
         <p:nvSpPr>
-          <p:cNvPr id="162" name="Titel 3"/>
+          <p:cNvPr id="167" name="Titel 3"/>
           <p:cNvSpPr txBox="1"/>
           <p:nvPr>
             <p:ph type="title"/>
@@ -14317,9 +19282,40 @@
           </a:p>
         </p:txBody>
       </p:sp>
+      <p:sp>
+        <p:nvSpPr>
+          <p:cNvPr id="168" name="Foliennummer"/>
+          <p:cNvSpPr txBox="1"/>
+          <p:nvPr>
+            <p:ph type="sldNum" sz="quarter" idx="2"/>
+          </p:nvPr>
+        </p:nvSpPr>
+        <p:spPr>
+          <a:xfrm>
+            <a:off x="6043929" y="6482985"/>
+            <a:ext cx="188899" cy="264255"/>
+          </a:xfrm>
+          <a:prstGeom prst="rect">
+            <a:avLst/>
+          </a:prstGeom>
+          <a:extLst>
+            <a:ext uri="{C572A759-6A51-4108-AA02-DFA0A04FC94B}">
+              <ma14:wrappingTextBoxFlag xmlns:ma14="http://schemas.microsoft.com/office/mac/drawingml/2011/main" val="1"/>
+            </a:ext>
+          </a:extLst>
+        </p:spPr>
+        <p:txBody>
+          <a:bodyPr/>
+          <a:lstStyle/>
+          <a:p>
+            <a:pPr/>
+            <a:fld id="{86CB4B4D-7CA3-9044-876B-883B54F8677D}" type="slidenum"/>
+          </a:p>
+        </p:txBody>
+      </p:sp>
       <p:pic>
         <p:nvPicPr>
-          <p:cNvPr id="163" name="Inhaltsplatzhalter 7" descr="Inhaltsplatzhalter 7"/>
+          <p:cNvPr id="169" name="Inhaltsplatzhalter 7" descr="Inhaltsplatzhalter 7"/>
           <p:cNvPicPr>
             <a:picLocks noChangeAspect="1"/>
           </p:cNvPicPr>
@@ -14348,7 +19344,7 @@
       </p:pic>
       <p:pic>
         <p:nvPicPr>
-          <p:cNvPr id="164" name="Grafik 11" descr="Grafik 11"/>
+          <p:cNvPr id="170" name="Grafik 11" descr="Grafik 11"/>
           <p:cNvPicPr>
             <a:picLocks noChangeAspect="1"/>
           </p:cNvPicPr>
@@ -14377,7 +19373,7 @@
       </p:pic>
       <p:pic>
         <p:nvPicPr>
-          <p:cNvPr id="165" name="Grafik 13" descr="Grafik 13"/>
+          <p:cNvPr id="171" name="Grafik 13" descr="Grafik 13"/>
           <p:cNvPicPr>
             <a:picLocks noChangeAspect="1"/>
           </p:cNvPicPr>
@@ -14406,7 +19402,7 @@
       </p:pic>
       <p:sp>
         <p:nvSpPr>
-          <p:cNvPr id="166" name="Textfeld 14"/>
+          <p:cNvPr id="172" name="Textfeld 14"/>
           <p:cNvSpPr txBox="1"/>
           <p:nvPr/>
         </p:nvSpPr>
@@ -14442,7 +19438,7 @@
       </p:sp>
       <p:sp>
         <p:nvSpPr>
-          <p:cNvPr id="167" name="Textfeld 15"/>
+          <p:cNvPr id="173" name="Textfeld 15"/>
           <p:cNvSpPr txBox="1"/>
           <p:nvPr/>
         </p:nvSpPr>
@@ -14478,7 +19474,7 @@
       </p:sp>
       <p:sp>
         <p:nvSpPr>
-          <p:cNvPr id="168" name="Textfeld 16"/>
+          <p:cNvPr id="174" name="Textfeld 16"/>
           <p:cNvSpPr txBox="1"/>
           <p:nvPr/>
         </p:nvSpPr>
@@ -14514,7 +19510,7 @@
       </p:sp>
       <p:sp>
         <p:nvSpPr>
-          <p:cNvPr id="169" name="Textfeld 46"/>
+          <p:cNvPr id="175" name="Textfeld 46"/>
           <p:cNvSpPr txBox="1"/>
           <p:nvPr/>
         </p:nvSpPr>
@@ -14554,7 +19550,7 @@
       </p:sp>
       <p:pic>
         <p:nvPicPr>
-          <p:cNvPr id="170" name="Grafik 9" descr="Grafik 9"/>
+          <p:cNvPr id="176" name="Grafik 9" descr="Grafik 9"/>
           <p:cNvPicPr>
             <a:picLocks noChangeAspect="1"/>
           </p:cNvPicPr>
@@ -14583,7 +19579,7 @@
       </p:pic>
       <p:sp>
         <p:nvSpPr>
-          <p:cNvPr id="171" name="Textfeld 10"/>
+          <p:cNvPr id="177" name="Textfeld 10"/>
           <p:cNvSpPr txBox="1"/>
           <p:nvPr/>
         </p:nvSpPr>

--- a/01-api-design/präsentation.pptx
+++ b/01-api-design/präsentation.pptx
@@ -7675,7 +7675,7 @@
               </a:defRPr>
             </a:pPr>
             <a:r>
-              <a:t>GET		</a:t>
+              <a:t>POST		</a:t>
             </a:r>
             <a:r>
               <a:rPr b="1"/>
